--- a/dsm2/presentations/p4_simulation_data.pptx
+++ b/dsm2/presentations/p4_simulation_data.pptx
@@ -5,22 +5,29 @@
     <p:sldMasterId id="2147483648" r:id="rId1"/>
   </p:sldMasterIdLst>
   <p:notesMasterIdLst>
-    <p:notesMasterId r:id="rId12"/>
+    <p:notesMasterId r:id="rId19"/>
   </p:notesMasterIdLst>
   <p:handoutMasterIdLst>
-    <p:handoutMasterId r:id="rId13"/>
+    <p:handoutMasterId r:id="rId20"/>
   </p:handoutMasterIdLst>
   <p:sldIdLst>
     <p:sldId id="429" r:id="rId2"/>
     <p:sldId id="430" r:id="rId3"/>
-    <p:sldId id="448" r:id="rId4"/>
-    <p:sldId id="452" r:id="rId5"/>
-    <p:sldId id="454" r:id="rId6"/>
-    <p:sldId id="455" r:id="rId7"/>
-    <p:sldId id="453" r:id="rId8"/>
-    <p:sldId id="456" r:id="rId9"/>
-    <p:sldId id="457" r:id="rId10"/>
-    <p:sldId id="450" r:id="rId11"/>
+    <p:sldId id="460" r:id="rId4"/>
+    <p:sldId id="463" r:id="rId5"/>
+    <p:sldId id="464" r:id="rId6"/>
+    <p:sldId id="469" r:id="rId7"/>
+    <p:sldId id="465" r:id="rId8"/>
+    <p:sldId id="462" r:id="rId9"/>
+    <p:sldId id="448" r:id="rId10"/>
+    <p:sldId id="452" r:id="rId11"/>
+    <p:sldId id="454" r:id="rId12"/>
+    <p:sldId id="455" r:id="rId13"/>
+    <p:sldId id="458" r:id="rId14"/>
+    <p:sldId id="456" r:id="rId15"/>
+    <p:sldId id="457" r:id="rId16"/>
+    <p:sldId id="453" r:id="rId17"/>
+    <p:sldId id="450" r:id="rId18"/>
   </p:sldIdLst>
   <p:sldSz cx="9144000" cy="6858000" type="screen4x3"/>
   <p:notesSz cx="7010400" cy="9296400"/>
@@ -953,6 +960,802 @@
               <a:rPr lang="en-US" baseline="0" smtClean="0"/>
               <a:t>I/O files.</a:t>
             </a:r>
+            <a:endParaRPr lang="en-US"/>
+          </a:p>
+        </p:txBody>
+      </p:sp>
+    </p:spTree>
+  </p:cSld>
+  <p:clrMapOvr>
+    <a:masterClrMapping/>
+  </p:clrMapOvr>
+</p:notes>
+</file>
+
+<file path=ppt/notesSlides/notesSlide2.xml><?xml version="1.0" encoding="utf-8"?>
+<p:notes xmlns:a="http://schemas.openxmlformats.org/drawingml/2006/main" xmlns:r="http://schemas.openxmlformats.org/officeDocument/2006/relationships" xmlns:p="http://schemas.openxmlformats.org/presentationml/2006/main">
+  <p:cSld>
+    <p:spTree>
+      <p:nvGrpSpPr>
+        <p:cNvPr id="1" name=""/>
+        <p:cNvGrpSpPr/>
+        <p:nvPr/>
+      </p:nvGrpSpPr>
+      <p:grpSpPr>
+        <a:xfrm>
+          <a:off x="0" y="0"/>
+          <a:ext cx="0" cy="0"/>
+          <a:chOff x="0" y="0"/>
+          <a:chExt cx="0" cy="0"/>
+        </a:xfrm>
+      </p:grpSpPr>
+      <p:sp>
+        <p:nvSpPr>
+          <p:cNvPr id="2" name="Slide Image Placeholder 1"/>
+          <p:cNvSpPr>
+            <a:spLocks noGrp="1" noRot="1" noChangeAspect="1"/>
+          </p:cNvSpPr>
+          <p:nvPr>
+            <p:ph type="sldImg"/>
+          </p:nvPr>
+        </p:nvSpPr>
+        <p:spPr/>
+      </p:sp>
+      <p:sp>
+        <p:nvSpPr>
+          <p:cNvPr id="3" name="Notes Placeholder 2"/>
+          <p:cNvSpPr>
+            <a:spLocks noGrp="1"/>
+          </p:cNvSpPr>
+          <p:nvPr>
+            <p:ph type="body" idx="1"/>
+          </p:nvPr>
+        </p:nvSpPr>
+        <p:spPr/>
+        <p:txBody>
+          <a:bodyPr>
+            <a:normAutofit/>
+          </a:bodyPr>
+          <a:lstStyle/>
+          <a:p>
+            <a:r>
+              <a:rPr lang="en-US" dirty="0" smtClean="0"/>
+              <a:t>To model a </a:t>
+            </a:r>
+            <a:endParaRPr lang="en-US" dirty="0"/>
+          </a:p>
+        </p:txBody>
+      </p:sp>
+      <p:sp>
+        <p:nvSpPr>
+          <p:cNvPr id="4" name="Header Placeholder 3"/>
+          <p:cNvSpPr>
+            <a:spLocks noGrp="1"/>
+          </p:cNvSpPr>
+          <p:nvPr>
+            <p:ph type="hdr" sz="quarter" idx="10"/>
+          </p:nvPr>
+        </p:nvSpPr>
+        <p:spPr/>
+        <p:txBody>
+          <a:bodyPr/>
+          <a:lstStyle/>
+          <a:p>
+            <a:r>
+              <a:rPr lang="en-US" smtClean="0"/>
+              <a:t>DSM2 Users Group: "EXAMPLE: Filling in Martinez Stage"</a:t>
+            </a:r>
+            <a:endParaRPr lang="en-US"/>
+          </a:p>
+        </p:txBody>
+      </p:sp>
+      <p:sp>
+        <p:nvSpPr>
+          <p:cNvPr id="5" name="Date Placeholder 4"/>
+          <p:cNvSpPr>
+            <a:spLocks noGrp="1"/>
+          </p:cNvSpPr>
+          <p:nvPr>
+            <p:ph type="dt" idx="11"/>
+          </p:nvPr>
+        </p:nvSpPr>
+        <p:spPr/>
+        <p:txBody>
+          <a:bodyPr/>
+          <a:lstStyle/>
+          <a:p>
+            <a:r>
+              <a:rPr lang="en-US" smtClean="0"/>
+              <a:t>2004.04.27</a:t>
+            </a:r>
+            <a:endParaRPr lang="en-US"/>
+          </a:p>
+        </p:txBody>
+      </p:sp>
+      <p:sp>
+        <p:nvSpPr>
+          <p:cNvPr id="6" name="Slide Number Placeholder 5"/>
+          <p:cNvSpPr>
+            <a:spLocks noGrp="1"/>
+          </p:cNvSpPr>
+          <p:nvPr>
+            <p:ph type="sldNum" sz="quarter" idx="12"/>
+          </p:nvPr>
+        </p:nvSpPr>
+        <p:spPr/>
+        <p:txBody>
+          <a:bodyPr/>
+          <a:lstStyle/>
+          <a:p>
+            <a:fld id="{8D3EB24B-42D1-409E-999A-7EC16A8B48A4}" type="slidenum">
+              <a:rPr lang="en-US" smtClean="0"/>
+              <a:pPr/>
+              <a:t>3</a:t>
+            </a:fld>
+            <a:endParaRPr lang="en-US"/>
+          </a:p>
+        </p:txBody>
+      </p:sp>
+    </p:spTree>
+  </p:cSld>
+  <p:clrMapOvr>
+    <a:masterClrMapping/>
+  </p:clrMapOvr>
+</p:notes>
+</file>
+
+<file path=ppt/notesSlides/notesSlide3.xml><?xml version="1.0" encoding="utf-8"?>
+<p:notes xmlns:a="http://schemas.openxmlformats.org/drawingml/2006/main" xmlns:r="http://schemas.openxmlformats.org/officeDocument/2006/relationships" xmlns:p="http://schemas.openxmlformats.org/presentationml/2006/main">
+  <p:cSld>
+    <p:spTree>
+      <p:nvGrpSpPr>
+        <p:cNvPr id="1" name=""/>
+        <p:cNvGrpSpPr/>
+        <p:nvPr/>
+      </p:nvGrpSpPr>
+      <p:grpSpPr>
+        <a:xfrm>
+          <a:off x="0" y="0"/>
+          <a:ext cx="0" cy="0"/>
+          <a:chOff x="0" y="0"/>
+          <a:chExt cx="0" cy="0"/>
+        </a:xfrm>
+      </p:grpSpPr>
+      <p:sp>
+        <p:nvSpPr>
+          <p:cNvPr id="2" name="Slide Image Placeholder 1"/>
+          <p:cNvSpPr>
+            <a:spLocks noGrp="1" noRot="1" noChangeAspect="1"/>
+          </p:cNvSpPr>
+          <p:nvPr>
+            <p:ph type="sldImg"/>
+          </p:nvPr>
+        </p:nvSpPr>
+        <p:spPr/>
+      </p:sp>
+      <p:sp>
+        <p:nvSpPr>
+          <p:cNvPr id="3" name="Notes Placeholder 2"/>
+          <p:cNvSpPr>
+            <a:spLocks noGrp="1"/>
+          </p:cNvSpPr>
+          <p:nvPr>
+            <p:ph type="body" idx="1"/>
+          </p:nvPr>
+        </p:nvSpPr>
+        <p:spPr/>
+        <p:txBody>
+          <a:bodyPr>
+            <a:normAutofit/>
+          </a:bodyPr>
+          <a:lstStyle/>
+          <a:p>
+            <a:r>
+              <a:rPr lang="en-US" dirty="0" smtClean="0"/>
+              <a:t>To model a </a:t>
+            </a:r>
+            <a:endParaRPr lang="en-US" dirty="0"/>
+          </a:p>
+        </p:txBody>
+      </p:sp>
+      <p:sp>
+        <p:nvSpPr>
+          <p:cNvPr id="4" name="Header Placeholder 3"/>
+          <p:cNvSpPr>
+            <a:spLocks noGrp="1"/>
+          </p:cNvSpPr>
+          <p:nvPr>
+            <p:ph type="hdr" sz="quarter" idx="10"/>
+          </p:nvPr>
+        </p:nvSpPr>
+        <p:spPr/>
+        <p:txBody>
+          <a:bodyPr/>
+          <a:lstStyle/>
+          <a:p>
+            <a:r>
+              <a:rPr lang="en-US" smtClean="0"/>
+              <a:t>DSM2 Users Group: "EXAMPLE: Filling in Martinez Stage"</a:t>
+            </a:r>
+            <a:endParaRPr lang="en-US"/>
+          </a:p>
+        </p:txBody>
+      </p:sp>
+      <p:sp>
+        <p:nvSpPr>
+          <p:cNvPr id="5" name="Date Placeholder 4"/>
+          <p:cNvSpPr>
+            <a:spLocks noGrp="1"/>
+          </p:cNvSpPr>
+          <p:nvPr>
+            <p:ph type="dt" idx="11"/>
+          </p:nvPr>
+        </p:nvSpPr>
+        <p:spPr/>
+        <p:txBody>
+          <a:bodyPr/>
+          <a:lstStyle/>
+          <a:p>
+            <a:r>
+              <a:rPr lang="en-US" smtClean="0"/>
+              <a:t>2004.04.27</a:t>
+            </a:r>
+            <a:endParaRPr lang="en-US"/>
+          </a:p>
+        </p:txBody>
+      </p:sp>
+      <p:sp>
+        <p:nvSpPr>
+          <p:cNvPr id="6" name="Slide Number Placeholder 5"/>
+          <p:cNvSpPr>
+            <a:spLocks noGrp="1"/>
+          </p:cNvSpPr>
+          <p:nvPr>
+            <p:ph type="sldNum" sz="quarter" idx="12"/>
+          </p:nvPr>
+        </p:nvSpPr>
+        <p:spPr/>
+        <p:txBody>
+          <a:bodyPr/>
+          <a:lstStyle/>
+          <a:p>
+            <a:fld id="{8D3EB24B-42D1-409E-999A-7EC16A8B48A4}" type="slidenum">
+              <a:rPr lang="en-US" smtClean="0"/>
+              <a:pPr/>
+              <a:t>4</a:t>
+            </a:fld>
+            <a:endParaRPr lang="en-US"/>
+          </a:p>
+        </p:txBody>
+      </p:sp>
+    </p:spTree>
+  </p:cSld>
+  <p:clrMapOvr>
+    <a:masterClrMapping/>
+  </p:clrMapOvr>
+</p:notes>
+</file>
+
+<file path=ppt/notesSlides/notesSlide4.xml><?xml version="1.0" encoding="utf-8"?>
+<p:notes xmlns:a="http://schemas.openxmlformats.org/drawingml/2006/main" xmlns:r="http://schemas.openxmlformats.org/officeDocument/2006/relationships" xmlns:p="http://schemas.openxmlformats.org/presentationml/2006/main">
+  <p:cSld>
+    <p:spTree>
+      <p:nvGrpSpPr>
+        <p:cNvPr id="1" name=""/>
+        <p:cNvGrpSpPr/>
+        <p:nvPr/>
+      </p:nvGrpSpPr>
+      <p:grpSpPr>
+        <a:xfrm>
+          <a:off x="0" y="0"/>
+          <a:ext cx="0" cy="0"/>
+          <a:chOff x="0" y="0"/>
+          <a:chExt cx="0" cy="0"/>
+        </a:xfrm>
+      </p:grpSpPr>
+      <p:sp>
+        <p:nvSpPr>
+          <p:cNvPr id="2" name="Slide Image Placeholder 1"/>
+          <p:cNvSpPr>
+            <a:spLocks noGrp="1" noRot="1" noChangeAspect="1"/>
+          </p:cNvSpPr>
+          <p:nvPr>
+            <p:ph type="sldImg"/>
+          </p:nvPr>
+        </p:nvSpPr>
+        <p:spPr/>
+      </p:sp>
+      <p:sp>
+        <p:nvSpPr>
+          <p:cNvPr id="3" name="Notes Placeholder 2"/>
+          <p:cNvSpPr>
+            <a:spLocks noGrp="1"/>
+          </p:cNvSpPr>
+          <p:nvPr>
+            <p:ph type="body" idx="1"/>
+          </p:nvPr>
+        </p:nvSpPr>
+        <p:spPr/>
+        <p:txBody>
+          <a:bodyPr>
+            <a:normAutofit/>
+          </a:bodyPr>
+          <a:lstStyle/>
+          <a:p>
+            <a:r>
+              <a:rPr lang="en-US" dirty="0" smtClean="0"/>
+              <a:t>To model a </a:t>
+            </a:r>
+            <a:endParaRPr lang="en-US" dirty="0"/>
+          </a:p>
+        </p:txBody>
+      </p:sp>
+      <p:sp>
+        <p:nvSpPr>
+          <p:cNvPr id="4" name="Header Placeholder 3"/>
+          <p:cNvSpPr>
+            <a:spLocks noGrp="1"/>
+          </p:cNvSpPr>
+          <p:nvPr>
+            <p:ph type="hdr" sz="quarter" idx="10"/>
+          </p:nvPr>
+        </p:nvSpPr>
+        <p:spPr/>
+        <p:txBody>
+          <a:bodyPr/>
+          <a:lstStyle/>
+          <a:p>
+            <a:r>
+              <a:rPr lang="en-US" smtClean="0"/>
+              <a:t>DSM2 Users Group: "EXAMPLE: Filling in Martinez Stage"</a:t>
+            </a:r>
+            <a:endParaRPr lang="en-US"/>
+          </a:p>
+        </p:txBody>
+      </p:sp>
+      <p:sp>
+        <p:nvSpPr>
+          <p:cNvPr id="5" name="Date Placeholder 4"/>
+          <p:cNvSpPr>
+            <a:spLocks noGrp="1"/>
+          </p:cNvSpPr>
+          <p:nvPr>
+            <p:ph type="dt" idx="11"/>
+          </p:nvPr>
+        </p:nvSpPr>
+        <p:spPr/>
+        <p:txBody>
+          <a:bodyPr/>
+          <a:lstStyle/>
+          <a:p>
+            <a:r>
+              <a:rPr lang="en-US" smtClean="0"/>
+              <a:t>2004.04.27</a:t>
+            </a:r>
+            <a:endParaRPr lang="en-US"/>
+          </a:p>
+        </p:txBody>
+      </p:sp>
+      <p:sp>
+        <p:nvSpPr>
+          <p:cNvPr id="6" name="Slide Number Placeholder 5"/>
+          <p:cNvSpPr>
+            <a:spLocks noGrp="1"/>
+          </p:cNvSpPr>
+          <p:nvPr>
+            <p:ph type="sldNum" sz="quarter" idx="12"/>
+          </p:nvPr>
+        </p:nvSpPr>
+        <p:spPr/>
+        <p:txBody>
+          <a:bodyPr/>
+          <a:lstStyle/>
+          <a:p>
+            <a:fld id="{8D3EB24B-42D1-409E-999A-7EC16A8B48A4}" type="slidenum">
+              <a:rPr lang="en-US" smtClean="0"/>
+              <a:pPr/>
+              <a:t>5</a:t>
+            </a:fld>
+            <a:endParaRPr lang="en-US"/>
+          </a:p>
+        </p:txBody>
+      </p:sp>
+    </p:spTree>
+  </p:cSld>
+  <p:clrMapOvr>
+    <a:masterClrMapping/>
+  </p:clrMapOvr>
+</p:notes>
+</file>
+
+<file path=ppt/notesSlides/notesSlide5.xml><?xml version="1.0" encoding="utf-8"?>
+<p:notes xmlns:a="http://schemas.openxmlformats.org/drawingml/2006/main" xmlns:r="http://schemas.openxmlformats.org/officeDocument/2006/relationships" xmlns:p="http://schemas.openxmlformats.org/presentationml/2006/main">
+  <p:cSld>
+    <p:spTree>
+      <p:nvGrpSpPr>
+        <p:cNvPr id="1" name=""/>
+        <p:cNvGrpSpPr/>
+        <p:nvPr/>
+      </p:nvGrpSpPr>
+      <p:grpSpPr>
+        <a:xfrm>
+          <a:off x="0" y="0"/>
+          <a:ext cx="0" cy="0"/>
+          <a:chOff x="0" y="0"/>
+          <a:chExt cx="0" cy="0"/>
+        </a:xfrm>
+      </p:grpSpPr>
+      <p:sp>
+        <p:nvSpPr>
+          <p:cNvPr id="2" name="Slide Image Placeholder 1"/>
+          <p:cNvSpPr>
+            <a:spLocks noGrp="1" noRot="1" noChangeAspect="1"/>
+          </p:cNvSpPr>
+          <p:nvPr>
+            <p:ph type="sldImg"/>
+          </p:nvPr>
+        </p:nvSpPr>
+        <p:spPr/>
+      </p:sp>
+      <p:sp>
+        <p:nvSpPr>
+          <p:cNvPr id="3" name="Notes Placeholder 2"/>
+          <p:cNvSpPr>
+            <a:spLocks noGrp="1"/>
+          </p:cNvSpPr>
+          <p:nvPr>
+            <p:ph type="body" idx="1"/>
+          </p:nvPr>
+        </p:nvSpPr>
+        <p:spPr/>
+        <p:txBody>
+          <a:bodyPr>
+            <a:normAutofit/>
+          </a:bodyPr>
+          <a:lstStyle/>
+          <a:p>
+            <a:r>
+              <a:rPr lang="en-US" dirty="0" smtClean="0"/>
+              <a:t>To model a </a:t>
+            </a:r>
+            <a:endParaRPr lang="en-US" dirty="0"/>
+          </a:p>
+        </p:txBody>
+      </p:sp>
+      <p:sp>
+        <p:nvSpPr>
+          <p:cNvPr id="4" name="Header Placeholder 3"/>
+          <p:cNvSpPr>
+            <a:spLocks noGrp="1"/>
+          </p:cNvSpPr>
+          <p:nvPr>
+            <p:ph type="hdr" sz="quarter" idx="10"/>
+          </p:nvPr>
+        </p:nvSpPr>
+        <p:spPr/>
+        <p:txBody>
+          <a:bodyPr/>
+          <a:lstStyle/>
+          <a:p>
+            <a:r>
+              <a:rPr lang="en-US" smtClean="0"/>
+              <a:t>DSM2 Users Group: "EXAMPLE: Filling in Martinez Stage"</a:t>
+            </a:r>
+            <a:endParaRPr lang="en-US"/>
+          </a:p>
+        </p:txBody>
+      </p:sp>
+      <p:sp>
+        <p:nvSpPr>
+          <p:cNvPr id="5" name="Date Placeholder 4"/>
+          <p:cNvSpPr>
+            <a:spLocks noGrp="1"/>
+          </p:cNvSpPr>
+          <p:nvPr>
+            <p:ph type="dt" idx="11"/>
+          </p:nvPr>
+        </p:nvSpPr>
+        <p:spPr/>
+        <p:txBody>
+          <a:bodyPr/>
+          <a:lstStyle/>
+          <a:p>
+            <a:r>
+              <a:rPr lang="en-US" smtClean="0"/>
+              <a:t>2004.04.27</a:t>
+            </a:r>
+            <a:endParaRPr lang="en-US"/>
+          </a:p>
+        </p:txBody>
+      </p:sp>
+      <p:sp>
+        <p:nvSpPr>
+          <p:cNvPr id="6" name="Slide Number Placeholder 5"/>
+          <p:cNvSpPr>
+            <a:spLocks noGrp="1"/>
+          </p:cNvSpPr>
+          <p:nvPr>
+            <p:ph type="sldNum" sz="quarter" idx="12"/>
+          </p:nvPr>
+        </p:nvSpPr>
+        <p:spPr/>
+        <p:txBody>
+          <a:bodyPr/>
+          <a:lstStyle/>
+          <a:p>
+            <a:fld id="{8D3EB24B-42D1-409E-999A-7EC16A8B48A4}" type="slidenum">
+              <a:rPr lang="en-US" smtClean="0"/>
+              <a:pPr/>
+              <a:t>6</a:t>
+            </a:fld>
+            <a:endParaRPr lang="en-US"/>
+          </a:p>
+        </p:txBody>
+      </p:sp>
+    </p:spTree>
+  </p:cSld>
+  <p:clrMapOvr>
+    <a:masterClrMapping/>
+  </p:clrMapOvr>
+</p:notes>
+</file>
+
+<file path=ppt/notesSlides/notesSlide6.xml><?xml version="1.0" encoding="utf-8"?>
+<p:notes xmlns:a="http://schemas.openxmlformats.org/drawingml/2006/main" xmlns:r="http://schemas.openxmlformats.org/officeDocument/2006/relationships" xmlns:p="http://schemas.openxmlformats.org/presentationml/2006/main">
+  <p:cSld>
+    <p:spTree>
+      <p:nvGrpSpPr>
+        <p:cNvPr id="1" name=""/>
+        <p:cNvGrpSpPr/>
+        <p:nvPr/>
+      </p:nvGrpSpPr>
+      <p:grpSpPr>
+        <a:xfrm>
+          <a:off x="0" y="0"/>
+          <a:ext cx="0" cy="0"/>
+          <a:chOff x="0" y="0"/>
+          <a:chExt cx="0" cy="0"/>
+        </a:xfrm>
+      </p:grpSpPr>
+      <p:sp>
+        <p:nvSpPr>
+          <p:cNvPr id="2" name="Slide Image Placeholder 1"/>
+          <p:cNvSpPr>
+            <a:spLocks noGrp="1" noRot="1" noChangeAspect="1"/>
+          </p:cNvSpPr>
+          <p:nvPr>
+            <p:ph type="sldImg"/>
+          </p:nvPr>
+        </p:nvSpPr>
+        <p:spPr/>
+      </p:sp>
+      <p:sp>
+        <p:nvSpPr>
+          <p:cNvPr id="3" name="Notes Placeholder 2"/>
+          <p:cNvSpPr>
+            <a:spLocks noGrp="1"/>
+          </p:cNvSpPr>
+          <p:nvPr>
+            <p:ph type="body" idx="1"/>
+          </p:nvPr>
+        </p:nvSpPr>
+        <p:spPr/>
+        <p:txBody>
+          <a:bodyPr>
+            <a:normAutofit/>
+          </a:bodyPr>
+          <a:lstStyle/>
+          <a:p>
+            <a:r>
+              <a:rPr lang="en-US" dirty="0" smtClean="0"/>
+              <a:t>To model a </a:t>
+            </a:r>
+            <a:endParaRPr lang="en-US" dirty="0"/>
+          </a:p>
+        </p:txBody>
+      </p:sp>
+      <p:sp>
+        <p:nvSpPr>
+          <p:cNvPr id="4" name="Header Placeholder 3"/>
+          <p:cNvSpPr>
+            <a:spLocks noGrp="1"/>
+          </p:cNvSpPr>
+          <p:nvPr>
+            <p:ph type="hdr" sz="quarter" idx="10"/>
+          </p:nvPr>
+        </p:nvSpPr>
+        <p:spPr/>
+        <p:txBody>
+          <a:bodyPr/>
+          <a:lstStyle/>
+          <a:p>
+            <a:r>
+              <a:rPr lang="en-US" smtClean="0"/>
+              <a:t>DSM2 Users Group: "EXAMPLE: Filling in Martinez Stage"</a:t>
+            </a:r>
+            <a:endParaRPr lang="en-US"/>
+          </a:p>
+        </p:txBody>
+      </p:sp>
+      <p:sp>
+        <p:nvSpPr>
+          <p:cNvPr id="5" name="Date Placeholder 4"/>
+          <p:cNvSpPr>
+            <a:spLocks noGrp="1"/>
+          </p:cNvSpPr>
+          <p:nvPr>
+            <p:ph type="dt" idx="11"/>
+          </p:nvPr>
+        </p:nvSpPr>
+        <p:spPr/>
+        <p:txBody>
+          <a:bodyPr/>
+          <a:lstStyle/>
+          <a:p>
+            <a:r>
+              <a:rPr lang="en-US" smtClean="0"/>
+              <a:t>2004.04.27</a:t>
+            </a:r>
+            <a:endParaRPr lang="en-US"/>
+          </a:p>
+        </p:txBody>
+      </p:sp>
+      <p:sp>
+        <p:nvSpPr>
+          <p:cNvPr id="6" name="Slide Number Placeholder 5"/>
+          <p:cNvSpPr>
+            <a:spLocks noGrp="1"/>
+          </p:cNvSpPr>
+          <p:nvPr>
+            <p:ph type="sldNum" sz="quarter" idx="12"/>
+          </p:nvPr>
+        </p:nvSpPr>
+        <p:spPr/>
+        <p:txBody>
+          <a:bodyPr/>
+          <a:lstStyle/>
+          <a:p>
+            <a:fld id="{8D3EB24B-42D1-409E-999A-7EC16A8B48A4}" type="slidenum">
+              <a:rPr lang="en-US" smtClean="0"/>
+              <a:pPr/>
+              <a:t>7</a:t>
+            </a:fld>
+            <a:endParaRPr lang="en-US"/>
+          </a:p>
+        </p:txBody>
+      </p:sp>
+    </p:spTree>
+  </p:cSld>
+  <p:clrMapOvr>
+    <a:masterClrMapping/>
+  </p:clrMapOvr>
+</p:notes>
+</file>
+
+<file path=ppt/notesSlides/notesSlide7.xml><?xml version="1.0" encoding="utf-8"?>
+<p:notes xmlns:a="http://schemas.openxmlformats.org/drawingml/2006/main" xmlns:r="http://schemas.openxmlformats.org/officeDocument/2006/relationships" xmlns:p="http://schemas.openxmlformats.org/presentationml/2006/main">
+  <p:cSld>
+    <p:spTree>
+      <p:nvGrpSpPr>
+        <p:cNvPr id="1" name=""/>
+        <p:cNvGrpSpPr/>
+        <p:nvPr/>
+      </p:nvGrpSpPr>
+      <p:grpSpPr>
+        <a:xfrm>
+          <a:off x="0" y="0"/>
+          <a:ext cx="0" cy="0"/>
+          <a:chOff x="0" y="0"/>
+          <a:chExt cx="0" cy="0"/>
+        </a:xfrm>
+      </p:grpSpPr>
+      <p:sp>
+        <p:nvSpPr>
+          <p:cNvPr id="2" name="Slide Image Placeholder 1"/>
+          <p:cNvSpPr>
+            <a:spLocks noGrp="1" noRot="1" noChangeAspect="1"/>
+          </p:cNvSpPr>
+          <p:nvPr>
+            <p:ph type="sldImg"/>
+          </p:nvPr>
+        </p:nvSpPr>
+        <p:spPr/>
+      </p:sp>
+      <p:sp>
+        <p:nvSpPr>
+          <p:cNvPr id="3" name="Notes Placeholder 2"/>
+          <p:cNvSpPr>
+            <a:spLocks noGrp="1"/>
+          </p:cNvSpPr>
+          <p:nvPr>
+            <p:ph type="body" idx="1"/>
+          </p:nvPr>
+        </p:nvSpPr>
+        <p:spPr/>
+        <p:txBody>
+          <a:bodyPr>
+            <a:normAutofit/>
+          </a:bodyPr>
+          <a:lstStyle/>
+          <a:p>
+            <a:r>
+              <a:rPr lang="en-US" dirty="0" smtClean="0"/>
+              <a:t>Only inflow matter for QUAL (if</a:t>
+            </a:r>
+            <a:r>
+              <a:rPr lang="en-US" baseline="0" dirty="0" smtClean="0"/>
+              <a:t> tidal like Martinez, assigned time series may be ignored part of the time)</a:t>
+            </a:r>
+            <a:endParaRPr lang="en-US" dirty="0"/>
+          </a:p>
+        </p:txBody>
+      </p:sp>
+      <p:sp>
+        <p:nvSpPr>
+          <p:cNvPr id="4" name="Header Placeholder 3"/>
+          <p:cNvSpPr>
+            <a:spLocks noGrp="1"/>
+          </p:cNvSpPr>
+          <p:nvPr>
+            <p:ph type="hdr" sz="quarter" idx="10"/>
+          </p:nvPr>
+        </p:nvSpPr>
+        <p:spPr/>
+        <p:txBody>
+          <a:bodyPr/>
+          <a:lstStyle/>
+          <a:p>
+            <a:r>
+              <a:rPr lang="en-US" smtClean="0"/>
+              <a:t>DSM2 Users Group: "EXAMPLE: Filling in Martinez Stage"</a:t>
+            </a:r>
+            <a:endParaRPr lang="en-US"/>
+          </a:p>
+        </p:txBody>
+      </p:sp>
+      <p:sp>
+        <p:nvSpPr>
+          <p:cNvPr id="5" name="Date Placeholder 4"/>
+          <p:cNvSpPr>
+            <a:spLocks noGrp="1"/>
+          </p:cNvSpPr>
+          <p:nvPr>
+            <p:ph type="dt" idx="11"/>
+          </p:nvPr>
+        </p:nvSpPr>
+        <p:spPr/>
+        <p:txBody>
+          <a:bodyPr/>
+          <a:lstStyle/>
+          <a:p>
+            <a:r>
+              <a:rPr lang="en-US" smtClean="0"/>
+              <a:t>2004.04.27</a:t>
+            </a:r>
+            <a:endParaRPr lang="en-US"/>
+          </a:p>
+        </p:txBody>
+      </p:sp>
+      <p:sp>
+        <p:nvSpPr>
+          <p:cNvPr id="6" name="Slide Number Placeholder 5"/>
+          <p:cNvSpPr>
+            <a:spLocks noGrp="1"/>
+          </p:cNvSpPr>
+          <p:nvPr>
+            <p:ph type="sldNum" sz="quarter" idx="12"/>
+          </p:nvPr>
+        </p:nvSpPr>
+        <p:spPr/>
+        <p:txBody>
+          <a:bodyPr/>
+          <a:lstStyle/>
+          <a:p>
+            <a:fld id="{8D3EB24B-42D1-409E-999A-7EC16A8B48A4}" type="slidenum">
+              <a:rPr lang="en-US" smtClean="0"/>
+              <a:pPr/>
+              <a:t>9</a:t>
+            </a:fld>
             <a:endParaRPr lang="en-US"/>
           </a:p>
         </p:txBody>
@@ -3682,11 +4485,843 @@
           <a:p>
             <a:r>
               <a:rPr lang="en-US" dirty="0" smtClean="0"/>
-              <a:t>Tutorial </a:t>
-            </a:r>
-            <a:r>
-              <a:rPr lang="en-US" dirty="0" smtClean="0"/>
-              <a:t>4: Time Series</a:t>
+              <a:t>Time Series Control</a:t>
+            </a:r>
+            <a:endParaRPr lang="en-US" dirty="0"/>
+          </a:p>
+        </p:txBody>
+      </p:sp>
+      <p:sp>
+        <p:nvSpPr>
+          <p:cNvPr id="3" name="Content Placeholder 2"/>
+          <p:cNvSpPr>
+            <a:spLocks noGrp="1"/>
+          </p:cNvSpPr>
+          <p:nvPr>
+            <p:ph idx="1"/>
+          </p:nvPr>
+        </p:nvSpPr>
+        <p:spPr>
+          <a:xfrm>
+            <a:off x="348712" y="1593742"/>
+            <a:ext cx="8132736" cy="4512589"/>
+          </a:xfrm>
+        </p:spPr>
+        <p:txBody>
+          <a:bodyPr/>
+          <a:lstStyle/>
+          <a:p>
+            <a:r>
+              <a:rPr lang="en-US" dirty="0" smtClean="0"/>
+              <a:t>Default value -&gt; time series -&gt; </a:t>
+            </a:r>
+            <a:r>
+              <a:rPr lang="en-US" dirty="0" err="1" smtClean="0"/>
+              <a:t>oprule</a:t>
+            </a:r>
+            <a:endParaRPr lang="en-US" dirty="0" smtClean="0"/>
+          </a:p>
+          <a:p>
+            <a:r>
+              <a:rPr lang="en-US" dirty="0" smtClean="0"/>
+              <a:t>Graphic with example (probably gate op)</a:t>
+            </a:r>
+          </a:p>
+        </p:txBody>
+      </p:sp>
+      <p:sp>
+        <p:nvSpPr>
+          <p:cNvPr id="4" name="Date Placeholder 3"/>
+          <p:cNvSpPr>
+            <a:spLocks noGrp="1"/>
+          </p:cNvSpPr>
+          <p:nvPr>
+            <p:ph type="dt" sz="half" idx="10"/>
+          </p:nvPr>
+        </p:nvSpPr>
+        <p:spPr/>
+        <p:txBody>
+          <a:bodyPr/>
+          <a:lstStyle/>
+          <a:p>
+            <a:fld id="{AB98F214-5D90-468C-9EE8-E1612B8D2BE2}" type="slidenum">
+              <a:rPr lang="en-US" smtClean="0"/>
+              <a:pPr/>
+              <a:t>10</a:t>
+            </a:fld>
+            <a:endParaRPr lang="en-US"/>
+          </a:p>
+        </p:txBody>
+      </p:sp>
+    </p:spTree>
+  </p:cSld>
+  <p:clrMapOvr>
+    <a:masterClrMapping/>
+  </p:clrMapOvr>
+  <p:transition/>
+  <p:timing>
+    <p:tnLst>
+      <p:par>
+        <p:cTn id="1" dur="indefinite" restart="never" nodeType="tmRoot"/>
+      </p:par>
+    </p:tnLst>
+  </p:timing>
+</p:sld>
+</file>
+
+<file path=ppt/slides/slide11.xml><?xml version="1.0" encoding="utf-8"?>
+<p:sld xmlns:a="http://schemas.openxmlformats.org/drawingml/2006/main" xmlns:r="http://schemas.openxmlformats.org/officeDocument/2006/relationships" xmlns:p="http://schemas.openxmlformats.org/presentationml/2006/main">
+  <p:cSld>
+    <p:spTree>
+      <p:nvGrpSpPr>
+        <p:cNvPr id="1" name=""/>
+        <p:cNvGrpSpPr/>
+        <p:nvPr/>
+      </p:nvGrpSpPr>
+      <p:grpSpPr>
+        <a:xfrm>
+          <a:off x="0" y="0"/>
+          <a:ext cx="0" cy="0"/>
+          <a:chOff x="0" y="0"/>
+          <a:chExt cx="0" cy="0"/>
+        </a:xfrm>
+      </p:grpSpPr>
+      <p:sp>
+        <p:nvSpPr>
+          <p:cNvPr id="2" name="Title 1"/>
+          <p:cNvSpPr>
+            <a:spLocks noGrp="1"/>
+          </p:cNvSpPr>
+          <p:nvPr>
+            <p:ph type="title"/>
+          </p:nvPr>
+        </p:nvSpPr>
+        <p:spPr/>
+        <p:txBody>
+          <a:bodyPr/>
+          <a:lstStyle/>
+          <a:p>
+            <a:r>
+              <a:rPr lang="en-US" dirty="0" smtClean="0"/>
+              <a:t>Initial Condition Input</a:t>
+            </a:r>
+            <a:endParaRPr lang="en-US" dirty="0"/>
+          </a:p>
+        </p:txBody>
+      </p:sp>
+      <p:sp>
+        <p:nvSpPr>
+          <p:cNvPr id="3" name="Content Placeholder 2"/>
+          <p:cNvSpPr>
+            <a:spLocks noGrp="1"/>
+          </p:cNvSpPr>
+          <p:nvPr>
+            <p:ph idx="1"/>
+          </p:nvPr>
+        </p:nvSpPr>
+        <p:spPr/>
+        <p:txBody>
+          <a:bodyPr/>
+          <a:lstStyle/>
+          <a:p>
+            <a:r>
+              <a:rPr lang="en-US" dirty="0" smtClean="0"/>
+              <a:t>HYDRO Default: </a:t>
+            </a:r>
+          </a:p>
+          <a:p>
+            <a:pPr lvl="1"/>
+            <a:r>
+              <a:rPr lang="en-US" dirty="0" smtClean="0"/>
+              <a:t>CHANNEL_IC</a:t>
+            </a:r>
+          </a:p>
+          <a:p>
+            <a:pPr lvl="1"/>
+            <a:r>
+              <a:rPr lang="en-US" dirty="0" smtClean="0"/>
+              <a:t>RESERVOIR_IC</a:t>
+            </a:r>
+          </a:p>
+          <a:p>
+            <a:r>
+              <a:rPr lang="en-US" dirty="0" smtClean="0"/>
+              <a:t>QUAL Default</a:t>
+            </a:r>
+          </a:p>
+          <a:p>
+            <a:pPr lvl="1"/>
+            <a:r>
+              <a:rPr lang="en-US" dirty="0" smtClean="0"/>
+              <a:t>Scalar </a:t>
+            </a:r>
+            <a:r>
+              <a:rPr lang="en-US" dirty="0" err="1" smtClean="0"/>
+              <a:t>init_conc</a:t>
+            </a:r>
+            <a:endParaRPr lang="en-US" dirty="0" smtClean="0"/>
+          </a:p>
+          <a:p>
+            <a:pPr lvl="1"/>
+            <a:r>
+              <a:rPr lang="en-US" dirty="0" smtClean="0"/>
+              <a:t>Hard to find single number for DO constituents</a:t>
+            </a:r>
+          </a:p>
+          <a:p>
+            <a:r>
+              <a:rPr lang="en-US" dirty="0" smtClean="0"/>
+              <a:t>Restart files replace the default</a:t>
+            </a:r>
+          </a:p>
+        </p:txBody>
+      </p:sp>
+      <p:sp>
+        <p:nvSpPr>
+          <p:cNvPr id="4" name="Date Placeholder 3"/>
+          <p:cNvSpPr>
+            <a:spLocks noGrp="1"/>
+          </p:cNvSpPr>
+          <p:nvPr>
+            <p:ph type="dt" sz="half" idx="10"/>
+          </p:nvPr>
+        </p:nvSpPr>
+        <p:spPr/>
+        <p:txBody>
+          <a:bodyPr/>
+          <a:lstStyle/>
+          <a:p>
+            <a:fld id="{AB98F214-5D90-468C-9EE8-E1612B8D2BE2}" type="slidenum">
+              <a:rPr lang="en-US" smtClean="0"/>
+              <a:pPr/>
+              <a:t>11</a:t>
+            </a:fld>
+            <a:endParaRPr lang="en-US"/>
+          </a:p>
+        </p:txBody>
+      </p:sp>
+    </p:spTree>
+  </p:cSld>
+  <p:clrMapOvr>
+    <a:masterClrMapping/>
+  </p:clrMapOvr>
+  <p:transition/>
+</p:sld>
+</file>
+
+<file path=ppt/slides/slide12.xml><?xml version="1.0" encoding="utf-8"?>
+<p:sld xmlns:a="http://schemas.openxmlformats.org/drawingml/2006/main" xmlns:r="http://schemas.openxmlformats.org/officeDocument/2006/relationships" xmlns:p="http://schemas.openxmlformats.org/presentationml/2006/main">
+  <p:cSld>
+    <p:spTree>
+      <p:nvGrpSpPr>
+        <p:cNvPr id="1" name=""/>
+        <p:cNvGrpSpPr/>
+        <p:nvPr/>
+      </p:nvGrpSpPr>
+      <p:grpSpPr>
+        <a:xfrm>
+          <a:off x="0" y="0"/>
+          <a:ext cx="0" cy="0"/>
+          <a:chOff x="0" y="0"/>
+          <a:chExt cx="0" cy="0"/>
+        </a:xfrm>
+      </p:grpSpPr>
+      <p:sp>
+        <p:nvSpPr>
+          <p:cNvPr id="2" name="Title 1"/>
+          <p:cNvSpPr>
+            <a:spLocks noGrp="1"/>
+          </p:cNvSpPr>
+          <p:nvPr>
+            <p:ph type="title"/>
+          </p:nvPr>
+        </p:nvSpPr>
+        <p:spPr/>
+        <p:txBody>
+          <a:bodyPr/>
+          <a:lstStyle/>
+          <a:p>
+            <a:r>
+              <a:rPr lang="en-US" dirty="0" smtClean="0"/>
+              <a:t>Initial Conditions	</a:t>
+            </a:r>
+            <a:endParaRPr lang="en-US" dirty="0"/>
+          </a:p>
+        </p:txBody>
+      </p:sp>
+      <p:sp>
+        <p:nvSpPr>
+          <p:cNvPr id="3" name="Content Placeholder 2"/>
+          <p:cNvSpPr>
+            <a:spLocks noGrp="1"/>
+          </p:cNvSpPr>
+          <p:nvPr>
+            <p:ph idx="1"/>
+          </p:nvPr>
+        </p:nvSpPr>
+        <p:spPr/>
+        <p:txBody>
+          <a:bodyPr/>
+          <a:lstStyle/>
+          <a:p>
+            <a:r>
+              <a:rPr lang="en-US" dirty="0" smtClean="0"/>
+              <a:t>HYDRO and QUAL require initial…</a:t>
+            </a:r>
+          </a:p>
+          <a:p>
+            <a:r>
+              <a:rPr lang="en-US" dirty="0" smtClean="0"/>
+              <a:t>System Memory of hydro </a:t>
+            </a:r>
+            <a:r>
+              <a:rPr lang="en-US" dirty="0" err="1" smtClean="0"/>
+              <a:t>vs</a:t>
+            </a:r>
+            <a:r>
+              <a:rPr lang="en-US" dirty="0" smtClean="0"/>
+              <a:t> </a:t>
+            </a:r>
+            <a:r>
+              <a:rPr lang="en-US" dirty="0" err="1" smtClean="0"/>
+              <a:t>qual</a:t>
+            </a:r>
+            <a:endParaRPr lang="en-US" dirty="0" smtClean="0"/>
+          </a:p>
+          <a:p>
+            <a:r>
+              <a:rPr lang="en-US" dirty="0" smtClean="0"/>
+              <a:t>Practices (cold start, warm)</a:t>
+            </a:r>
+          </a:p>
+          <a:p>
+            <a:endParaRPr lang="en-US" dirty="0" smtClean="0"/>
+          </a:p>
+          <a:p>
+            <a:pPr algn="ctr"/>
+            <a:endParaRPr lang="en-US" dirty="0"/>
+          </a:p>
+        </p:txBody>
+      </p:sp>
+      <p:sp>
+        <p:nvSpPr>
+          <p:cNvPr id="4" name="Date Placeholder 3"/>
+          <p:cNvSpPr>
+            <a:spLocks noGrp="1"/>
+          </p:cNvSpPr>
+          <p:nvPr>
+            <p:ph type="dt" sz="half" idx="10"/>
+          </p:nvPr>
+        </p:nvSpPr>
+        <p:spPr/>
+        <p:txBody>
+          <a:bodyPr/>
+          <a:lstStyle/>
+          <a:p>
+            <a:fld id="{AB98F214-5D90-468C-9EE8-E1612B8D2BE2}" type="slidenum">
+              <a:rPr lang="en-US" smtClean="0"/>
+              <a:pPr/>
+              <a:t>12</a:t>
+            </a:fld>
+            <a:endParaRPr lang="en-US"/>
+          </a:p>
+        </p:txBody>
+      </p:sp>
+    </p:spTree>
+  </p:cSld>
+  <p:clrMapOvr>
+    <a:masterClrMapping/>
+  </p:clrMapOvr>
+  <p:transition/>
+</p:sld>
+</file>
+
+<file path=ppt/slides/slide13.xml><?xml version="1.0" encoding="utf-8"?>
+<p:sld xmlns:a="http://schemas.openxmlformats.org/drawingml/2006/main" xmlns:r="http://schemas.openxmlformats.org/officeDocument/2006/relationships" xmlns:p="http://schemas.openxmlformats.org/presentationml/2006/main">
+  <p:cSld>
+    <p:spTree>
+      <p:nvGrpSpPr>
+        <p:cNvPr id="1" name=""/>
+        <p:cNvGrpSpPr/>
+        <p:nvPr/>
+      </p:nvGrpSpPr>
+      <p:grpSpPr>
+        <a:xfrm>
+          <a:off x="0" y="0"/>
+          <a:ext cx="0" cy="0"/>
+          <a:chOff x="0" y="0"/>
+          <a:chExt cx="0" cy="0"/>
+        </a:xfrm>
+      </p:grpSpPr>
+      <p:sp>
+        <p:nvSpPr>
+          <p:cNvPr id="2" name="Title 1"/>
+          <p:cNvSpPr>
+            <a:spLocks noGrp="1"/>
+          </p:cNvSpPr>
+          <p:nvPr>
+            <p:ph type="title"/>
+          </p:nvPr>
+        </p:nvSpPr>
+        <p:spPr/>
+        <p:txBody>
+          <a:bodyPr/>
+          <a:lstStyle/>
+          <a:p>
+            <a:r>
+              <a:rPr lang="en-US" dirty="0" smtClean="0"/>
+              <a:t>Time Series Output</a:t>
+            </a:r>
+            <a:endParaRPr lang="en-US" dirty="0"/>
+          </a:p>
+        </p:txBody>
+      </p:sp>
+      <p:sp>
+        <p:nvSpPr>
+          <p:cNvPr id="3" name="Content Placeholder 2"/>
+          <p:cNvSpPr>
+            <a:spLocks noGrp="1"/>
+          </p:cNvSpPr>
+          <p:nvPr>
+            <p:ph idx="1"/>
+          </p:nvPr>
+        </p:nvSpPr>
+        <p:spPr/>
+        <p:txBody>
+          <a:bodyPr/>
+          <a:lstStyle/>
+          <a:p>
+            <a:r>
+              <a:rPr lang="en-US" dirty="0" smtClean="0"/>
+              <a:t>What can we output?</a:t>
+            </a:r>
+          </a:p>
+          <a:p>
+            <a:r>
+              <a:rPr lang="en-US" dirty="0" smtClean="0"/>
+              <a:t>How? Formats text and DSS</a:t>
+            </a:r>
+            <a:endParaRPr lang="en-US" dirty="0"/>
+          </a:p>
+        </p:txBody>
+      </p:sp>
+      <p:sp>
+        <p:nvSpPr>
+          <p:cNvPr id="4" name="Date Placeholder 3"/>
+          <p:cNvSpPr>
+            <a:spLocks noGrp="1"/>
+          </p:cNvSpPr>
+          <p:nvPr>
+            <p:ph type="dt" sz="half" idx="10"/>
+          </p:nvPr>
+        </p:nvSpPr>
+        <p:spPr/>
+        <p:txBody>
+          <a:bodyPr/>
+          <a:lstStyle/>
+          <a:p>
+            <a:fld id="{AB98F214-5D90-468C-9EE8-E1612B8D2BE2}" type="slidenum">
+              <a:rPr lang="en-US" smtClean="0"/>
+              <a:pPr/>
+              <a:t>13</a:t>
+            </a:fld>
+            <a:endParaRPr lang="en-US"/>
+          </a:p>
+        </p:txBody>
+      </p:sp>
+    </p:spTree>
+  </p:cSld>
+  <p:clrMapOvr>
+    <a:masterClrMapping/>
+  </p:clrMapOvr>
+  <p:transition/>
+</p:sld>
+</file>
+
+<file path=ppt/slides/slide14.xml><?xml version="1.0" encoding="utf-8"?>
+<p:sld xmlns:a="http://schemas.openxmlformats.org/drawingml/2006/main" xmlns:r="http://schemas.openxmlformats.org/officeDocument/2006/relationships" xmlns:p="http://schemas.openxmlformats.org/presentationml/2006/main">
+  <p:cSld>
+    <p:spTree>
+      <p:nvGrpSpPr>
+        <p:cNvPr id="1" name=""/>
+        <p:cNvGrpSpPr/>
+        <p:nvPr/>
+      </p:nvGrpSpPr>
+      <p:grpSpPr>
+        <a:xfrm>
+          <a:off x="0" y="0"/>
+          <a:ext cx="0" cy="0"/>
+          <a:chOff x="0" y="0"/>
+          <a:chExt cx="0" cy="0"/>
+        </a:xfrm>
+      </p:grpSpPr>
+      <p:sp>
+        <p:nvSpPr>
+          <p:cNvPr id="2" name="Title 1"/>
+          <p:cNvSpPr>
+            <a:spLocks noGrp="1"/>
+          </p:cNvSpPr>
+          <p:nvPr>
+            <p:ph type="title"/>
+          </p:nvPr>
+        </p:nvSpPr>
+        <p:spPr/>
+        <p:txBody>
+          <a:bodyPr/>
+          <a:lstStyle/>
+          <a:p>
+            <a:r>
+              <a:rPr lang="en-US" dirty="0" err="1" smtClean="0"/>
+              <a:t>Tidefile</a:t>
+            </a:r>
+            <a:endParaRPr lang="en-US" dirty="0"/>
+          </a:p>
+        </p:txBody>
+      </p:sp>
+      <p:sp>
+        <p:nvSpPr>
+          <p:cNvPr id="3" name="Content Placeholder 2"/>
+          <p:cNvSpPr>
+            <a:spLocks noGrp="1"/>
+          </p:cNvSpPr>
+          <p:nvPr>
+            <p:ph idx="1"/>
+          </p:nvPr>
+        </p:nvSpPr>
+        <p:spPr/>
+        <p:txBody>
+          <a:bodyPr/>
+          <a:lstStyle/>
+          <a:p>
+            <a:r>
+              <a:rPr lang="en-US" dirty="0" smtClean="0"/>
+              <a:t>GRID input for QUAL (record of all HYDRO input)</a:t>
+            </a:r>
+          </a:p>
+          <a:p>
+            <a:r>
+              <a:rPr lang="en-US" dirty="0" smtClean="0"/>
+              <a:t>Flow Field</a:t>
+            </a:r>
+          </a:p>
+          <a:p>
+            <a:r>
+              <a:rPr lang="en-US" dirty="0" smtClean="0"/>
+              <a:t>Has own time step, spatial step</a:t>
+            </a:r>
+          </a:p>
+          <a:p>
+            <a:r>
+              <a:rPr lang="en-US" dirty="0" smtClean="0"/>
+              <a:t>IO_FILE section</a:t>
+            </a:r>
+          </a:p>
+          <a:p>
+            <a:r>
+              <a:rPr lang="en-US" dirty="0" smtClean="0"/>
+              <a:t>HDF5 Viewer (they can watch along)</a:t>
+            </a:r>
+          </a:p>
+        </p:txBody>
+      </p:sp>
+      <p:sp>
+        <p:nvSpPr>
+          <p:cNvPr id="4" name="Date Placeholder 3"/>
+          <p:cNvSpPr>
+            <a:spLocks noGrp="1"/>
+          </p:cNvSpPr>
+          <p:nvPr>
+            <p:ph type="dt" sz="half" idx="10"/>
+          </p:nvPr>
+        </p:nvSpPr>
+        <p:spPr/>
+        <p:txBody>
+          <a:bodyPr/>
+          <a:lstStyle/>
+          <a:p>
+            <a:fld id="{AB98F214-5D90-468C-9EE8-E1612B8D2BE2}" type="slidenum">
+              <a:rPr lang="en-US" smtClean="0"/>
+              <a:pPr/>
+              <a:t>14</a:t>
+            </a:fld>
+            <a:endParaRPr lang="en-US"/>
+          </a:p>
+        </p:txBody>
+      </p:sp>
+    </p:spTree>
+  </p:cSld>
+  <p:clrMapOvr>
+    <a:masterClrMapping/>
+  </p:clrMapOvr>
+  <p:transition/>
+</p:sld>
+</file>
+
+<file path=ppt/slides/slide15.xml><?xml version="1.0" encoding="utf-8"?>
+<p:sld xmlns:a="http://schemas.openxmlformats.org/drawingml/2006/main" xmlns:r="http://schemas.openxmlformats.org/officeDocument/2006/relationships" xmlns:p="http://schemas.openxmlformats.org/presentationml/2006/main">
+  <p:cSld>
+    <p:spTree>
+      <p:nvGrpSpPr>
+        <p:cNvPr id="1" name=""/>
+        <p:cNvGrpSpPr/>
+        <p:nvPr/>
+      </p:nvGrpSpPr>
+      <p:grpSpPr>
+        <a:xfrm>
+          <a:off x="0" y="0"/>
+          <a:ext cx="0" cy="0"/>
+          <a:chOff x="0" y="0"/>
+          <a:chExt cx="0" cy="0"/>
+        </a:xfrm>
+      </p:grpSpPr>
+      <p:sp>
+        <p:nvSpPr>
+          <p:cNvPr id="2" name="Title 1"/>
+          <p:cNvSpPr>
+            <a:spLocks noGrp="1"/>
+          </p:cNvSpPr>
+          <p:nvPr>
+            <p:ph type="title"/>
+          </p:nvPr>
+        </p:nvSpPr>
+        <p:spPr/>
+        <p:txBody>
+          <a:bodyPr/>
+          <a:lstStyle/>
+          <a:p>
+            <a:r>
+              <a:rPr lang="en-US" dirty="0" smtClean="0"/>
+              <a:t>Echo Input File</a:t>
+            </a:r>
+            <a:endParaRPr lang="en-US" dirty="0"/>
+          </a:p>
+        </p:txBody>
+      </p:sp>
+      <p:sp>
+        <p:nvSpPr>
+          <p:cNvPr id="3" name="Content Placeholder 2"/>
+          <p:cNvSpPr>
+            <a:spLocks noGrp="1"/>
+          </p:cNvSpPr>
+          <p:nvPr>
+            <p:ph idx="1"/>
+          </p:nvPr>
+        </p:nvSpPr>
+        <p:spPr>
+          <a:xfrm>
+            <a:off x="685799" y="1981200"/>
+            <a:ext cx="8175171" cy="4114800"/>
+          </a:xfrm>
+        </p:spPr>
+        <p:txBody>
+          <a:bodyPr/>
+          <a:lstStyle/>
+          <a:p>
+            <a:r>
+              <a:rPr lang="en-US" dirty="0" smtClean="0"/>
+              <a:t>Archive of run</a:t>
+            </a:r>
+          </a:p>
+          <a:p>
+            <a:r>
+              <a:rPr lang="en-US" dirty="0" smtClean="0"/>
+              <a:t>QA/QC: single-file view of multiple sources</a:t>
+            </a:r>
+          </a:p>
+          <a:p>
+            <a:r>
+              <a:rPr lang="en-US" dirty="0" smtClean="0"/>
+              <a:t>Can be used as an input file</a:t>
+            </a:r>
+          </a:p>
+          <a:p>
+            <a:endParaRPr lang="en-US" dirty="0" smtClean="0"/>
+          </a:p>
+        </p:txBody>
+      </p:sp>
+      <p:sp>
+        <p:nvSpPr>
+          <p:cNvPr id="4" name="Date Placeholder 3"/>
+          <p:cNvSpPr>
+            <a:spLocks noGrp="1"/>
+          </p:cNvSpPr>
+          <p:nvPr>
+            <p:ph type="dt" sz="half" idx="10"/>
+          </p:nvPr>
+        </p:nvSpPr>
+        <p:spPr/>
+        <p:txBody>
+          <a:bodyPr/>
+          <a:lstStyle/>
+          <a:p>
+            <a:fld id="{AB98F214-5D90-468C-9EE8-E1612B8D2BE2}" type="slidenum">
+              <a:rPr lang="en-US" smtClean="0"/>
+              <a:pPr/>
+              <a:t>15</a:t>
+            </a:fld>
+            <a:endParaRPr lang="en-US"/>
+          </a:p>
+        </p:txBody>
+      </p:sp>
+    </p:spTree>
+  </p:cSld>
+  <p:clrMapOvr>
+    <a:masterClrMapping/>
+  </p:clrMapOvr>
+  <p:transition/>
+</p:sld>
+</file>
+
+<file path=ppt/slides/slide16.xml><?xml version="1.0" encoding="utf-8"?>
+<p:sld xmlns:a="http://schemas.openxmlformats.org/drawingml/2006/main" xmlns:r="http://schemas.openxmlformats.org/officeDocument/2006/relationships" xmlns:p="http://schemas.openxmlformats.org/presentationml/2006/main">
+  <p:cSld>
+    <p:spTree>
+      <p:nvGrpSpPr>
+        <p:cNvPr id="1" name=""/>
+        <p:cNvGrpSpPr/>
+        <p:nvPr/>
+      </p:nvGrpSpPr>
+      <p:grpSpPr>
+        <a:xfrm>
+          <a:off x="0" y="0"/>
+          <a:ext cx="0" cy="0"/>
+          <a:chOff x="0" y="0"/>
+          <a:chExt cx="0" cy="0"/>
+        </a:xfrm>
+      </p:grpSpPr>
+      <p:sp>
+        <p:nvSpPr>
+          <p:cNvPr id="2" name="Title 1"/>
+          <p:cNvSpPr>
+            <a:spLocks noGrp="1"/>
+          </p:cNvSpPr>
+          <p:nvPr>
+            <p:ph type="title"/>
+          </p:nvPr>
+        </p:nvSpPr>
+        <p:spPr/>
+        <p:txBody>
+          <a:bodyPr/>
+          <a:lstStyle/>
+          <a:p>
+            <a:r>
+              <a:rPr lang="en-US" dirty="0" smtClean="0"/>
+              <a:t>For v6 Users</a:t>
+            </a:r>
+            <a:endParaRPr lang="en-US" dirty="0"/>
+          </a:p>
+        </p:txBody>
+      </p:sp>
+      <p:sp>
+        <p:nvSpPr>
+          <p:cNvPr id="3" name="Content Placeholder 2"/>
+          <p:cNvSpPr>
+            <a:spLocks noGrp="1"/>
+          </p:cNvSpPr>
+          <p:nvPr>
+            <p:ph idx="1"/>
+          </p:nvPr>
+        </p:nvSpPr>
+        <p:spPr>
+          <a:xfrm>
+            <a:off x="685800" y="1981200"/>
+            <a:ext cx="8153400" cy="4114800"/>
+          </a:xfrm>
+        </p:spPr>
+        <p:txBody>
+          <a:bodyPr/>
+          <a:lstStyle/>
+          <a:p>
+            <a:r>
+              <a:rPr lang="en-US" dirty="0" smtClean="0"/>
+              <a:t>No “priorities” in DSS</a:t>
+            </a:r>
+          </a:p>
+          <a:p>
+            <a:r>
+              <a:rPr lang="en-US" dirty="0" smtClean="0"/>
+              <a:t>Link between Hydro and </a:t>
+            </a:r>
+            <a:r>
+              <a:rPr lang="en-US" dirty="0" err="1" smtClean="0"/>
+              <a:t>Qual</a:t>
+            </a:r>
+            <a:r>
+              <a:rPr lang="en-US" dirty="0" smtClean="0"/>
+              <a:t> different</a:t>
+            </a:r>
+            <a:endParaRPr lang="en-US" dirty="0"/>
+          </a:p>
+        </p:txBody>
+      </p:sp>
+      <p:sp>
+        <p:nvSpPr>
+          <p:cNvPr id="4" name="Date Placeholder 3"/>
+          <p:cNvSpPr>
+            <a:spLocks noGrp="1"/>
+          </p:cNvSpPr>
+          <p:nvPr>
+            <p:ph type="dt" sz="half" idx="10"/>
+          </p:nvPr>
+        </p:nvSpPr>
+        <p:spPr/>
+        <p:txBody>
+          <a:bodyPr/>
+          <a:lstStyle/>
+          <a:p>
+            <a:fld id="{AB98F214-5D90-468C-9EE8-E1612B8D2BE2}" type="slidenum">
+              <a:rPr lang="en-US" smtClean="0"/>
+              <a:pPr/>
+              <a:t>16</a:t>
+            </a:fld>
+            <a:endParaRPr lang="en-US"/>
+          </a:p>
+        </p:txBody>
+      </p:sp>
+    </p:spTree>
+  </p:cSld>
+  <p:clrMapOvr>
+    <a:masterClrMapping/>
+  </p:clrMapOvr>
+  <p:transition/>
+</p:sld>
+</file>
+
+<file path=ppt/slides/slide17.xml><?xml version="1.0" encoding="utf-8"?>
+<p:sld xmlns:a="http://schemas.openxmlformats.org/drawingml/2006/main" xmlns:r="http://schemas.openxmlformats.org/officeDocument/2006/relationships" xmlns:p="http://schemas.openxmlformats.org/presentationml/2006/main">
+  <p:cSld>
+    <p:spTree>
+      <p:nvGrpSpPr>
+        <p:cNvPr id="1" name=""/>
+        <p:cNvGrpSpPr/>
+        <p:nvPr/>
+      </p:nvGrpSpPr>
+      <p:grpSpPr>
+        <a:xfrm>
+          <a:off x="0" y="0"/>
+          <a:ext cx="0" cy="0"/>
+          <a:chOff x="0" y="0"/>
+          <a:chExt cx="0" cy="0"/>
+        </a:xfrm>
+      </p:grpSpPr>
+      <p:sp>
+        <p:nvSpPr>
+          <p:cNvPr id="2" name="Title 1"/>
+          <p:cNvSpPr>
+            <a:spLocks noGrp="1"/>
+          </p:cNvSpPr>
+          <p:nvPr>
+            <p:ph type="title"/>
+          </p:nvPr>
+        </p:nvSpPr>
+        <p:spPr/>
+        <p:txBody>
+          <a:bodyPr/>
+          <a:lstStyle/>
+          <a:p>
+            <a:r>
+              <a:rPr lang="en-US" dirty="0" smtClean="0"/>
+              <a:t>Tutorial 4: Time Series</a:t>
             </a:r>
             <a:endParaRPr lang="en-US" dirty="0"/>
           </a:p>
@@ -3712,6 +5347,16 @@
           <a:bodyPr/>
           <a:lstStyle/>
           <a:p>
+            <a:r>
+              <a:rPr lang="en-US" dirty="0" smtClean="0"/>
+              <a:t>Introduce 4 and a bit of 5</a:t>
+            </a:r>
+          </a:p>
+          <a:p>
+            <a:r>
+              <a:rPr lang="en-US" dirty="0" smtClean="0"/>
+              <a:t>Replaces some constant inputs with a time series that is constant, but also has  a realistic tide</a:t>
+            </a:r>
             <a:endParaRPr lang="en-US" dirty="0"/>
           </a:p>
         </p:txBody>
@@ -3734,7 +5379,7 @@
             <a:fld id="{AB98F214-5D90-468C-9EE8-E1612B8D2BE2}" type="slidenum">
               <a:rPr lang="en-US" smtClean="0"/>
               <a:pPr/>
-              <a:t>10</a:t>
+              <a:t>17</a:t>
             </a:fld>
             <a:endParaRPr lang="en-US"/>
           </a:p>
@@ -3846,7 +5491,12 @@
               <a:rPr lang="en-US" dirty="0" smtClean="0"/>
               <a:t>Boundary Conditions for HYDRO/QUAL</a:t>
             </a:r>
-            <a:endParaRPr lang="en-US" dirty="0" smtClean="0"/>
+          </a:p>
+          <a:p>
+            <a:r>
+              <a:rPr lang="en-US" dirty="0" smtClean="0"/>
+              <a:t>Other TS (gates, sources)</a:t>
+            </a:r>
           </a:p>
           <a:p>
             <a:r>
@@ -3859,21 +5509,18 @@
               <a:rPr lang="en-US" dirty="0" smtClean="0"/>
               <a:t>Time series formats: text, HEC-DSS</a:t>
             </a:r>
-            <a:endParaRPr lang="en-US" dirty="0" smtClean="0"/>
-          </a:p>
-          <a:p>
-            <a:r>
-              <a:rPr lang="en-US" dirty="0" smtClean="0"/>
-              <a:t>Output</a:t>
-            </a:r>
-            <a:endParaRPr lang="en-US" dirty="0" smtClean="0"/>
+          </a:p>
+          <a:p>
+            <a:r>
+              <a:rPr lang="en-US" dirty="0" smtClean="0"/>
+              <a:t>Time Series Output</a:t>
+            </a:r>
           </a:p>
           <a:p>
             <a:r>
               <a:rPr lang="en-US" dirty="0" smtClean="0"/>
               <a:t>Initial Conditions (default, restart)</a:t>
             </a:r>
-            <a:endParaRPr lang="en-US" dirty="0" smtClean="0"/>
           </a:p>
           <a:p>
             <a:r>
@@ -3991,7 +5638,7 @@
           <a:p>
             <a:r>
               <a:rPr lang="en-US" dirty="0" smtClean="0"/>
-              <a:t>Boundary Conditions</a:t>
+              <a:t>Basic Input</a:t>
             </a:r>
             <a:endParaRPr lang="en-US" dirty="0"/>
           </a:p>
@@ -4009,8 +5656,8 @@
         </p:nvSpPr>
         <p:spPr>
           <a:xfrm>
-            <a:off x="685800" y="1596325"/>
-            <a:ext cx="7772400" cy="4881967"/>
+            <a:off x="685800" y="1458686"/>
+            <a:ext cx="7772400" cy="4637314"/>
           </a:xfrm>
         </p:spPr>
         <p:txBody>
@@ -4019,28 +5666,37 @@
           <a:p>
             <a:r>
               <a:rPr lang="en-US" dirty="0" smtClean="0"/>
-              <a:t>What required</a:t>
-            </a:r>
-          </a:p>
-          <a:p>
-            <a:r>
-              <a:rPr lang="en-US" dirty="0" smtClean="0"/>
-              <a:t>Other TS input (gates)</a:t>
-            </a:r>
-          </a:p>
-          <a:p>
-            <a:r>
-              <a:rPr lang="en-US" dirty="0" smtClean="0"/>
-              <a:t>Linking </a:t>
-            </a:r>
-            <a:r>
-              <a:rPr lang="en-US" dirty="0" err="1" smtClean="0"/>
-              <a:t>qual</a:t>
-            </a:r>
-            <a:r>
-              <a:rPr lang="en-US" dirty="0" smtClean="0"/>
-              <a:t> to hydro</a:t>
-            </a:r>
+              <a:t>Configuration</a:t>
+            </a:r>
+          </a:p>
+          <a:p>
+            <a:r>
+              <a:rPr lang="en-US" dirty="0" smtClean="0"/>
+              <a:t>Grid</a:t>
+            </a:r>
+          </a:p>
+          <a:p>
+            <a:r>
+              <a:rPr lang="en-US" dirty="0" smtClean="0"/>
+              <a:t>Boundary Conditions</a:t>
+            </a:r>
+          </a:p>
+          <a:p>
+            <a:r>
+              <a:rPr lang="en-US" dirty="0" smtClean="0"/>
+              <a:t>Initial Conditions</a:t>
+            </a:r>
+          </a:p>
+          <a:p>
+            <a:r>
+              <a:rPr lang="en-US" dirty="0" smtClean="0"/>
+              <a:t>Operation</a:t>
+            </a:r>
+          </a:p>
+          <a:p>
+            <a:pPr>
+              <a:buNone/>
+            </a:pPr>
             <a:endParaRPr lang="en-US" dirty="0"/>
           </a:p>
         </p:txBody>
@@ -4075,13 +5731,6 @@
     <a:masterClrMapping/>
   </p:clrMapOvr>
   <p:transition/>
-  <p:timing>
-    <p:tnLst>
-      <p:par>
-        <p:cTn id="1" dur="indefinite" restart="never" nodeType="tmRoot"/>
-      </p:par>
-    </p:tnLst>
-  </p:timing>
 </p:sld>
 </file>
 
@@ -4117,9 +5766,10 @@
           <a:bodyPr/>
           <a:lstStyle/>
           <a:p>
-            <a:r>
-              <a:rPr lang="en-US" dirty="0" smtClean="0"/>
-              <a:t>Time Series Control</a:t>
+            <a:pPr algn="l"/>
+            <a:r>
+              <a:rPr lang="en-US" dirty="0" smtClean="0"/>
+              <a:t>Input</a:t>
             </a:r>
             <a:endParaRPr lang="en-US" dirty="0"/>
           </a:p>
@@ -4137,8 +5787,8 @@
         </p:nvSpPr>
         <p:spPr>
           <a:xfrm>
-            <a:off x="348712" y="1593742"/>
-            <a:ext cx="8132736" cy="4512589"/>
+            <a:off x="685799" y="1458686"/>
+            <a:ext cx="4909457" cy="4637314"/>
           </a:xfrm>
         </p:spPr>
         <p:txBody>
@@ -4146,21 +5796,36 @@
           <a:lstStyle/>
           <a:p>
             <a:r>
-              <a:rPr lang="en-US" dirty="0" smtClean="0"/>
-              <a:t>Default value -&gt; time series -&gt; </a:t>
-            </a:r>
-            <a:r>
-              <a:rPr lang="en-US" dirty="0" err="1" smtClean="0"/>
-              <a:t>oprule</a:t>
-            </a:r>
-            <a:endParaRPr lang="en-US" dirty="0" smtClean="0"/>
-          </a:p>
-          <a:p>
-            <a:r>
-              <a:rPr lang="en-US" dirty="0" smtClean="0"/>
-              <a:t>Graphic with example (probably gate op)</a:t>
-            </a:r>
-            <a:endParaRPr lang="en-US" dirty="0" smtClean="0"/>
+              <a:rPr lang="en-US" sz="2000" dirty="0" smtClean="0"/>
+              <a:t>Configuration</a:t>
+            </a:r>
+          </a:p>
+          <a:p>
+            <a:pPr lvl="1"/>
+            <a:r>
+              <a:rPr lang="en-US" sz="1800" dirty="0" smtClean="0"/>
+              <a:t>ENVVAR</a:t>
+            </a:r>
+          </a:p>
+          <a:p>
+            <a:pPr lvl="1"/>
+            <a:r>
+              <a:rPr lang="en-US" sz="1800" dirty="0" smtClean="0"/>
+              <a:t>SCALAR</a:t>
+            </a:r>
+          </a:p>
+          <a:p>
+            <a:pPr lvl="1"/>
+            <a:r>
+              <a:rPr lang="en-US" sz="1800" dirty="0" smtClean="0"/>
+              <a:t>IO_FILE</a:t>
+            </a:r>
+          </a:p>
+          <a:p>
+            <a:pPr>
+              <a:buNone/>
+            </a:pPr>
+            <a:endParaRPr lang="en-US" dirty="0"/>
           </a:p>
         </p:txBody>
       </p:sp>
@@ -4188,6 +5853,40 @@
           </a:p>
         </p:txBody>
       </p:sp>
+      <p:pic>
+        <p:nvPicPr>
+          <p:cNvPr id="1028" name="Picture 4">
+            <a:hlinkClick r:id="rId3" action="ppaction://hlinkfile"/>
+          </p:cNvPr>
+          <p:cNvPicPr>
+            <a:picLocks noChangeAspect="1" noChangeArrowheads="1"/>
+          </p:cNvPicPr>
+          <p:nvPr/>
+        </p:nvPicPr>
+        <p:blipFill>
+          <a:blip r:embed="rId4" cstate="print"/>
+          <a:srcRect/>
+          <a:stretch>
+            <a:fillRect/>
+          </a:stretch>
+        </p:blipFill>
+        <p:spPr bwMode="auto">
+          <a:xfrm>
+            <a:off x="3311299" y="272143"/>
+            <a:ext cx="4948312" cy="6400800"/>
+          </a:xfrm>
+          <a:prstGeom prst="rect">
+            <a:avLst/>
+          </a:prstGeom>
+          <a:noFill/>
+          <a:ln w="9525">
+            <a:noFill/>
+            <a:miter lim="800000"/>
+            <a:headEnd/>
+            <a:tailEnd/>
+          </a:ln>
+        </p:spPr>
+      </p:pic>
     </p:spTree>
   </p:cSld>
   <p:clrMapOvr>
@@ -4238,7 +5937,7 @@
           <a:p>
             <a:r>
               <a:rPr lang="en-US" dirty="0" smtClean="0"/>
-              <a:t>Initial Condition Input</a:t>
+              <a:t>Basic Input</a:t>
             </a:r>
             <a:endParaRPr lang="en-US" dirty="0"/>
           </a:p>
@@ -4254,53 +5953,54 @@
             <p:ph idx="1"/>
           </p:nvPr>
         </p:nvSpPr>
-        <p:spPr/>
-        <p:txBody>
-          <a:bodyPr/>
-          <a:lstStyle/>
-          <a:p>
-            <a:r>
-              <a:rPr lang="en-US" dirty="0" smtClean="0"/>
-              <a:t>HYDRO Default: </a:t>
+        <p:spPr>
+          <a:xfrm>
+            <a:off x="685800" y="1458686"/>
+            <a:ext cx="7772400" cy="4637314"/>
+          </a:xfrm>
+        </p:spPr>
+        <p:txBody>
+          <a:bodyPr/>
+          <a:lstStyle/>
+          <a:p>
+            <a:r>
+              <a:rPr lang="en-US" dirty="0" smtClean="0"/>
+              <a:t>Grid</a:t>
             </a:r>
           </a:p>
           <a:p>
             <a:pPr lvl="1"/>
             <a:r>
               <a:rPr lang="en-US" dirty="0" smtClean="0"/>
-              <a:t>CHANNEL_IC</a:t>
+              <a:t>Channel</a:t>
             </a:r>
           </a:p>
           <a:p>
             <a:pPr lvl="1"/>
             <a:r>
               <a:rPr lang="en-US" dirty="0" smtClean="0"/>
-              <a:t>RESERVOIR_IC</a:t>
-            </a:r>
-          </a:p>
-          <a:p>
-            <a:r>
-              <a:rPr lang="en-US" dirty="0" smtClean="0"/>
-              <a:t>QUAL Default</a:t>
+              <a:t>Reservoir</a:t>
             </a:r>
           </a:p>
           <a:p>
             <a:pPr lvl="1"/>
             <a:r>
               <a:rPr lang="en-US" dirty="0" smtClean="0"/>
-              <a:t>Scalar </a:t>
-            </a:r>
-            <a:r>
-              <a:rPr lang="en-US" dirty="0" err="1" smtClean="0"/>
-              <a:t>init_conc</a:t>
-            </a:r>
+              <a:t>Gate</a:t>
+            </a:r>
+          </a:p>
+          <a:p>
+            <a:pPr lvl="1"/>
+            <a:r>
+              <a:rPr lang="en-US" dirty="0" smtClean="0"/>
+              <a:t>Transfer</a:t>
+            </a:r>
+          </a:p>
+          <a:p>
+            <a:pPr lvl="1">
+              <a:buNone/>
+            </a:pPr>
             <a:endParaRPr lang="en-US" dirty="0" smtClean="0"/>
-          </a:p>
-          <a:p>
-            <a:r>
-              <a:rPr lang="en-US" dirty="0" smtClean="0"/>
-              <a:t>Restart files replace the default</a:t>
-            </a:r>
           </a:p>
         </p:txBody>
       </p:sp>
@@ -4328,12 +6028,53 @@
           </a:p>
         </p:txBody>
       </p:sp>
+      <p:pic>
+        <p:nvPicPr>
+          <p:cNvPr id="2050" name="Picture 2">
+            <a:hlinkClick r:id="rId3" action="ppaction://hlinkfile"/>
+          </p:cNvPr>
+          <p:cNvPicPr>
+            <a:picLocks noChangeAspect="1" noChangeArrowheads="1"/>
+          </p:cNvPicPr>
+          <p:nvPr/>
+        </p:nvPicPr>
+        <p:blipFill>
+          <a:blip r:embed="rId4" cstate="print"/>
+          <a:srcRect/>
+          <a:stretch>
+            <a:fillRect/>
+          </a:stretch>
+        </p:blipFill>
+        <p:spPr bwMode="auto">
+          <a:xfrm>
+            <a:off x="3354842" y="1671638"/>
+            <a:ext cx="4371975" cy="2905125"/>
+          </a:xfrm>
+          <a:prstGeom prst="rect">
+            <a:avLst/>
+          </a:prstGeom>
+          <a:noFill/>
+          <a:ln w="9525">
+            <a:noFill/>
+            <a:miter lim="800000"/>
+            <a:headEnd/>
+            <a:tailEnd/>
+          </a:ln>
+        </p:spPr>
+      </p:pic>
     </p:spTree>
   </p:cSld>
   <p:clrMapOvr>
     <a:masterClrMapping/>
   </p:clrMapOvr>
   <p:transition/>
+  <p:timing>
+    <p:tnLst>
+      <p:par>
+        <p:cTn id="1" dur="indefinite" restart="never" nodeType="tmRoot"/>
+      </p:par>
+    </p:tnLst>
+  </p:timing>
 </p:sld>
 </file>
 
@@ -4371,7 +6112,7 @@
           <a:p>
             <a:r>
               <a:rPr lang="en-US" dirty="0" smtClean="0"/>
-              <a:t>Initial Conditions	</a:t>
+              <a:t>Basic Input</a:t>
             </a:r>
             <a:endParaRPr lang="en-US" dirty="0"/>
           </a:p>
@@ -4387,34 +6128,39 @@
             <p:ph idx="1"/>
           </p:nvPr>
         </p:nvSpPr>
-        <p:spPr/>
-        <p:txBody>
-          <a:bodyPr/>
-          <a:lstStyle/>
-          <a:p>
-            <a:r>
-              <a:rPr lang="en-US" dirty="0" smtClean="0"/>
-              <a:t>HYDRO and QUAL require initial…</a:t>
-            </a:r>
-          </a:p>
-          <a:p>
-            <a:r>
-              <a:rPr lang="en-US" dirty="0" smtClean="0"/>
-              <a:t>System Memory</a:t>
-            </a:r>
-          </a:p>
-          <a:p>
-            <a:r>
-              <a:rPr lang="en-US" dirty="0" smtClean="0"/>
-              <a:t>Practices (cold start, warm)</a:t>
-            </a:r>
-          </a:p>
-          <a:p>
+        <p:spPr>
+          <a:xfrm>
+            <a:off x="685800" y="1458686"/>
+            <a:ext cx="7772400" cy="4637314"/>
+          </a:xfrm>
+        </p:spPr>
+        <p:txBody>
+          <a:bodyPr/>
+          <a:lstStyle/>
+          <a:p>
+            <a:r>
+              <a:rPr lang="en-US" dirty="0" smtClean="0"/>
+              <a:t>Boundary Conditions</a:t>
+            </a:r>
+          </a:p>
+          <a:p>
+            <a:pPr lvl="1"/>
+            <a:r>
+              <a:rPr lang="en-US" dirty="0" smtClean="0"/>
+              <a:t>Hydro is stage or flow</a:t>
+            </a:r>
+          </a:p>
+          <a:p>
+            <a:pPr lvl="2"/>
+            <a:r>
+              <a:rPr lang="en-US" dirty="0" smtClean="0"/>
+              <a:t>Default is </a:t>
+            </a:r>
+            <a:r>
+              <a:rPr lang="en-US" dirty="0" smtClean="0"/>
+              <a:t>no-flow</a:t>
+            </a:r>
             <a:endParaRPr lang="en-US" dirty="0" smtClean="0"/>
-          </a:p>
-          <a:p>
-            <a:pPr algn="ctr"/>
-            <a:endParaRPr lang="en-US" dirty="0"/>
           </a:p>
         </p:txBody>
       </p:sp>
@@ -4442,12 +6188,53 @@
           </a:p>
         </p:txBody>
       </p:sp>
+      <p:pic>
+        <p:nvPicPr>
+          <p:cNvPr id="1026" name="Picture 2">
+            <a:hlinkClick r:id="rId3" action="ppaction://hlinkfile"/>
+          </p:cNvPr>
+          <p:cNvPicPr>
+            <a:picLocks noChangeAspect="1" noChangeArrowheads="1"/>
+          </p:cNvPicPr>
+          <p:nvPr/>
+        </p:nvPicPr>
+        <p:blipFill>
+          <a:blip r:embed="rId4" cstate="print"/>
+          <a:srcRect/>
+          <a:stretch>
+            <a:fillRect/>
+          </a:stretch>
+        </p:blipFill>
+        <p:spPr bwMode="auto">
+          <a:xfrm>
+            <a:off x="2850349" y="2945415"/>
+            <a:ext cx="4962525" cy="3448050"/>
+          </a:xfrm>
+          <a:prstGeom prst="rect">
+            <a:avLst/>
+          </a:prstGeom>
+          <a:noFill/>
+          <a:ln w="9525">
+            <a:noFill/>
+            <a:miter lim="800000"/>
+            <a:headEnd/>
+            <a:tailEnd/>
+          </a:ln>
+        </p:spPr>
+      </p:pic>
     </p:spTree>
   </p:cSld>
   <p:clrMapOvr>
     <a:masterClrMapping/>
   </p:clrMapOvr>
   <p:transition/>
+  <p:timing>
+    <p:tnLst>
+      <p:par>
+        <p:cTn id="1" dur="indefinite" restart="never" nodeType="tmRoot"/>
+      </p:par>
+    </p:tnLst>
+  </p:timing>
 </p:sld>
 </file>
 
@@ -4485,7 +6272,7 @@
           <a:p>
             <a:r>
               <a:rPr lang="en-US" dirty="0" smtClean="0"/>
-              <a:t>For v6 Users</a:t>
+              <a:t>Basic Input</a:t>
             </a:r>
             <a:endParaRPr lang="en-US" dirty="0"/>
           </a:p>
@@ -4503,8 +6290,8 @@
         </p:nvSpPr>
         <p:spPr>
           <a:xfrm>
-            <a:off x="685800" y="1981200"/>
-            <a:ext cx="8153400" cy="4114800"/>
+            <a:off x="685800" y="1458686"/>
+            <a:ext cx="7772400" cy="4637314"/>
           </a:xfrm>
         </p:spPr>
         <p:txBody>
@@ -4513,23 +6300,37 @@
           <a:p>
             <a:r>
               <a:rPr lang="en-US" dirty="0" smtClean="0"/>
-              <a:t>No “priorities” in DSS</a:t>
-            </a:r>
-          </a:p>
-          <a:p>
-            <a:r>
-              <a:rPr lang="en-US" dirty="0" smtClean="0"/>
-              <a:t>Link between Hydro and </a:t>
-            </a:r>
+              <a:t>Boundary </a:t>
+            </a:r>
+            <a:r>
+              <a:rPr lang="en-US" dirty="0" smtClean="0"/>
+              <a:t>Conditions (Continue)</a:t>
+            </a:r>
+            <a:endParaRPr lang="en-US" dirty="0" smtClean="0"/>
+          </a:p>
+          <a:p>
+            <a:pPr lvl="1"/>
             <a:r>
               <a:rPr lang="en-US" dirty="0" err="1" smtClean="0"/>
               <a:t>Qual</a:t>
             </a:r>
             <a:r>
               <a:rPr lang="en-US" dirty="0" smtClean="0"/>
-              <a:t> different</a:t>
-            </a:r>
-            <a:endParaRPr lang="en-US" dirty="0"/>
+              <a:t> concentration for every inflow</a:t>
+            </a:r>
+          </a:p>
+          <a:p>
+            <a:pPr lvl="2"/>
+            <a:r>
+              <a:rPr lang="en-US" dirty="0" smtClean="0"/>
+              <a:t>Default zero with warning</a:t>
+            </a:r>
+          </a:p>
+          <a:p>
+            <a:pPr lvl="1">
+              <a:buNone/>
+            </a:pPr>
+            <a:endParaRPr lang="en-US" dirty="0" smtClean="0"/>
           </a:p>
         </p:txBody>
       </p:sp>
@@ -4563,6 +6364,13 @@
     <a:masterClrMapping/>
   </p:clrMapOvr>
   <p:transition/>
+  <p:timing>
+    <p:tnLst>
+      <p:par>
+        <p:cTn id="1" dur="indefinite" restart="never" nodeType="tmRoot"/>
+      </p:par>
+    </p:tnLst>
+  </p:timing>
 </p:sld>
 </file>
 
@@ -4599,8 +6407,8 @@
           <a:lstStyle/>
           <a:p>
             <a:r>
-              <a:rPr lang="en-US" dirty="0" err="1" smtClean="0"/>
-              <a:t>Tidefile</a:t>
+              <a:rPr lang="en-US" dirty="0" smtClean="0"/>
+              <a:t>Input</a:t>
             </a:r>
             <a:endParaRPr lang="en-US" dirty="0"/>
           </a:p>
@@ -4616,39 +6424,59 @@
             <p:ph idx="1"/>
           </p:nvPr>
         </p:nvSpPr>
-        <p:spPr/>
-        <p:txBody>
-          <a:bodyPr/>
-          <a:lstStyle/>
-          <a:p>
-            <a:r>
-              <a:rPr lang="en-US" dirty="0" smtClean="0"/>
-              <a:t>GRID input for QUAL</a:t>
-            </a:r>
-          </a:p>
-          <a:p>
-            <a:r>
-              <a:rPr lang="en-US" dirty="0" smtClean="0"/>
-              <a:t>Transfers Flow Field</a:t>
-            </a:r>
-          </a:p>
-          <a:p>
-            <a:r>
-              <a:rPr lang="en-US" dirty="0" smtClean="0"/>
-              <a:t>Has own time step, spatial step</a:t>
-            </a:r>
-          </a:p>
-          <a:p>
-            <a:r>
-              <a:rPr lang="en-US" dirty="0" smtClean="0"/>
-              <a:t>IO_FILE section</a:t>
-            </a:r>
-          </a:p>
-          <a:p>
-            <a:r>
-              <a:rPr lang="en-US" dirty="0" smtClean="0"/>
-              <a:t>HDF5 Viewer (they can watch along)</a:t>
-            </a:r>
+        <p:spPr>
+          <a:xfrm>
+            <a:off x="685800" y="1458686"/>
+            <a:ext cx="7772400" cy="4637314"/>
+          </a:xfrm>
+        </p:spPr>
+        <p:txBody>
+          <a:bodyPr/>
+          <a:lstStyle/>
+          <a:p>
+            <a:r>
+              <a:rPr lang="en-US" dirty="0" smtClean="0"/>
+              <a:t>Configuration</a:t>
+            </a:r>
+          </a:p>
+          <a:p>
+            <a:pPr lvl="1"/>
+            <a:r>
+              <a:rPr lang="en-US" dirty="0" smtClean="0"/>
+              <a:t>ENVVAR</a:t>
+            </a:r>
+          </a:p>
+          <a:p>
+            <a:pPr lvl="1"/>
+            <a:r>
+              <a:rPr lang="en-US" dirty="0" smtClean="0"/>
+              <a:t>SCALAR</a:t>
+            </a:r>
+          </a:p>
+          <a:p>
+            <a:r>
+              <a:rPr lang="en-US" dirty="0" smtClean="0"/>
+              <a:t>Grid</a:t>
+            </a:r>
+          </a:p>
+          <a:p>
+            <a:pPr lvl="1"/>
+            <a:endParaRPr lang="en-US" dirty="0" smtClean="0"/>
+          </a:p>
+          <a:p>
+            <a:r>
+              <a:rPr lang="en-US" dirty="0" smtClean="0"/>
+              <a:t>Boundary Conditions (Upstream, Downstream, flow, stage, source/sink)</a:t>
+            </a:r>
+          </a:p>
+          <a:p>
+            <a:r>
+              <a:rPr lang="en-US" dirty="0" smtClean="0"/>
+              <a:t>Initial Conditions</a:t>
+            </a:r>
+          </a:p>
+          <a:p>
+            <a:endParaRPr lang="en-US" dirty="0"/>
           </a:p>
         </p:txBody>
       </p:sp>
@@ -4682,6 +6510,13 @@
     <a:masterClrMapping/>
   </p:clrMapOvr>
   <p:transition/>
+  <p:timing>
+    <p:tnLst>
+      <p:par>
+        <p:cTn id="1" dur="indefinite" restart="never" nodeType="tmRoot"/>
+      </p:par>
+    </p:tnLst>
+  </p:timing>
 </p:sld>
 </file>
 
@@ -4719,7 +6554,7 @@
           <a:p>
             <a:r>
               <a:rPr lang="en-US" dirty="0" smtClean="0"/>
-              <a:t>Echo Input File</a:t>
+              <a:t>Boundary Conditions</a:t>
             </a:r>
             <a:endParaRPr lang="en-US" dirty="0"/>
           </a:p>
@@ -4735,30 +6570,80 @@
             <p:ph idx="1"/>
           </p:nvPr>
         </p:nvSpPr>
-        <p:spPr/>
-        <p:txBody>
-          <a:bodyPr/>
-          <a:lstStyle/>
-          <a:p>
-            <a:r>
-              <a:rPr lang="en-US" dirty="0" smtClean="0"/>
-              <a:t>Archive of run</a:t>
-            </a:r>
-          </a:p>
-          <a:p>
-            <a:r>
-              <a:rPr lang="en-US" dirty="0" smtClean="0"/>
-              <a:t>QA/QC: single-file view of multiple sources</a:t>
-            </a:r>
-          </a:p>
-          <a:p>
-            <a:r>
-              <a:rPr lang="en-US" dirty="0" smtClean="0"/>
-              <a:t>Can be used as an input file</a:t>
-            </a:r>
-          </a:p>
-          <a:p>
-            <a:endParaRPr lang="en-US" dirty="0" smtClean="0"/>
+        <p:spPr>
+          <a:xfrm>
+            <a:off x="685800" y="1596325"/>
+            <a:ext cx="7772400" cy="4881967"/>
+          </a:xfrm>
+        </p:spPr>
+        <p:txBody>
+          <a:bodyPr/>
+          <a:lstStyle/>
+          <a:p>
+            <a:r>
+              <a:rPr lang="en-US" dirty="0" smtClean="0"/>
+              <a:t>What required</a:t>
+            </a:r>
+          </a:p>
+          <a:p>
+            <a:pPr lvl="1"/>
+            <a:r>
+              <a:rPr lang="en-US" dirty="0" smtClean="0"/>
+              <a:t>Hydro is stage or flow</a:t>
+            </a:r>
+          </a:p>
+          <a:p>
+            <a:pPr lvl="2"/>
+            <a:r>
+              <a:rPr lang="en-US" dirty="0" smtClean="0"/>
+              <a:t>Default is no-flow</a:t>
+            </a:r>
+          </a:p>
+          <a:p>
+            <a:pPr lvl="1"/>
+            <a:r>
+              <a:rPr lang="en-US" dirty="0" err="1" smtClean="0"/>
+              <a:t>Qual</a:t>
+            </a:r>
+            <a:r>
+              <a:rPr lang="en-US" dirty="0" smtClean="0"/>
+              <a:t> concentration for every inflow</a:t>
+            </a:r>
+          </a:p>
+          <a:p>
+            <a:pPr lvl="2"/>
+            <a:r>
+              <a:rPr lang="en-US" dirty="0" smtClean="0"/>
+              <a:t>Default zero with warning</a:t>
+            </a:r>
+          </a:p>
+          <a:p>
+            <a:pPr lvl="2"/>
+            <a:r>
+              <a:rPr lang="en-US" dirty="0" smtClean="0"/>
+              <a:t>Tidal boundary may not always be used</a:t>
+            </a:r>
+          </a:p>
+          <a:p>
+            <a:r>
+              <a:rPr lang="en-US" dirty="0" smtClean="0"/>
+              <a:t>Other TS input (gates)</a:t>
+            </a:r>
+          </a:p>
+          <a:p>
+            <a:r>
+              <a:rPr lang="en-US" dirty="0" smtClean="0"/>
+              <a:t>Linking </a:t>
+            </a:r>
+            <a:r>
+              <a:rPr lang="en-US" dirty="0" err="1" smtClean="0"/>
+              <a:t>qual</a:t>
+            </a:r>
+            <a:r>
+              <a:rPr lang="en-US" dirty="0" smtClean="0"/>
+              <a:t> to hydro (name of input)</a:t>
+            </a:r>
+            <a:endParaRPr lang="en-US" dirty="0"/>
           </a:p>
         </p:txBody>
       </p:sp>
@@ -4792,6 +6677,13 @@
     <a:masterClrMapping/>
   </p:clrMapOvr>
   <p:transition/>
+  <p:timing>
+    <p:tnLst>
+      <p:par>
+        <p:cTn id="1" dur="indefinite" restart="never" nodeType="tmRoot"/>
+      </p:par>
+    </p:tnLst>
+  </p:timing>
 </p:sld>
 </file>
 

--- a/dsm2/presentations/p4_simulation_data.pptx
+++ b/dsm2/presentations/p4_simulation_data.pptx
@@ -5,10 +5,10 @@
     <p:sldMasterId id="2147483648" r:id="rId1"/>
   </p:sldMasterIdLst>
   <p:notesMasterIdLst>
-    <p:notesMasterId r:id="rId19"/>
+    <p:notesMasterId r:id="rId23"/>
   </p:notesMasterIdLst>
   <p:handoutMasterIdLst>
-    <p:handoutMasterId r:id="rId20"/>
+    <p:handoutMasterId r:id="rId24"/>
   </p:handoutMasterIdLst>
   <p:sldIdLst>
     <p:sldId id="429" r:id="rId2"/>
@@ -17,17 +17,21 @@
     <p:sldId id="463" r:id="rId5"/>
     <p:sldId id="464" r:id="rId6"/>
     <p:sldId id="469" r:id="rId7"/>
-    <p:sldId id="465" r:id="rId8"/>
-    <p:sldId id="462" r:id="rId9"/>
-    <p:sldId id="448" r:id="rId10"/>
-    <p:sldId id="452" r:id="rId11"/>
-    <p:sldId id="454" r:id="rId12"/>
-    <p:sldId id="455" r:id="rId13"/>
-    <p:sldId id="458" r:id="rId14"/>
-    <p:sldId id="456" r:id="rId15"/>
-    <p:sldId id="457" r:id="rId16"/>
-    <p:sldId id="453" r:id="rId17"/>
-    <p:sldId id="450" r:id="rId18"/>
+    <p:sldId id="470" r:id="rId8"/>
+    <p:sldId id="471" r:id="rId9"/>
+    <p:sldId id="465" r:id="rId10"/>
+    <p:sldId id="448" r:id="rId11"/>
+    <p:sldId id="473" r:id="rId12"/>
+    <p:sldId id="452" r:id="rId13"/>
+    <p:sldId id="454" r:id="rId14"/>
+    <p:sldId id="472" r:id="rId15"/>
+    <p:sldId id="455" r:id="rId16"/>
+    <p:sldId id="456" r:id="rId17"/>
+    <p:sldId id="458" r:id="rId18"/>
+    <p:sldId id="474" r:id="rId19"/>
+    <p:sldId id="457" r:id="rId20"/>
+    <p:sldId id="453" r:id="rId21"/>
+    <p:sldId id="450" r:id="rId22"/>
   </p:sldIdLst>
   <p:sldSz cx="9144000" cy="6858000" type="screen4x3"/>
   <p:notesSz cx="7010400" cy="9296400"/>
@@ -972,6 +976,142 @@
 </p:notes>
 </file>
 
+<file path=ppt/notesSlides/notesSlide10.xml><?xml version="1.0" encoding="utf-8"?>
+<p:notes xmlns:a="http://schemas.openxmlformats.org/drawingml/2006/main" xmlns:r="http://schemas.openxmlformats.org/officeDocument/2006/relationships" xmlns:p="http://schemas.openxmlformats.org/presentationml/2006/main">
+  <p:cSld>
+    <p:spTree>
+      <p:nvGrpSpPr>
+        <p:cNvPr id="1" name=""/>
+        <p:cNvGrpSpPr/>
+        <p:nvPr/>
+      </p:nvGrpSpPr>
+      <p:grpSpPr>
+        <a:xfrm>
+          <a:off x="0" y="0"/>
+          <a:ext cx="0" cy="0"/>
+          <a:chOff x="0" y="0"/>
+          <a:chExt cx="0" cy="0"/>
+        </a:xfrm>
+      </p:grpSpPr>
+      <p:sp>
+        <p:nvSpPr>
+          <p:cNvPr id="2" name="Slide Image Placeholder 1"/>
+          <p:cNvSpPr>
+            <a:spLocks noGrp="1" noRot="1" noChangeAspect="1"/>
+          </p:cNvSpPr>
+          <p:nvPr>
+            <p:ph type="sldImg"/>
+          </p:nvPr>
+        </p:nvSpPr>
+        <p:spPr/>
+      </p:sp>
+      <p:sp>
+        <p:nvSpPr>
+          <p:cNvPr id="3" name="Notes Placeholder 2"/>
+          <p:cNvSpPr>
+            <a:spLocks noGrp="1"/>
+          </p:cNvSpPr>
+          <p:nvPr>
+            <p:ph type="body" idx="1"/>
+          </p:nvPr>
+        </p:nvSpPr>
+        <p:spPr/>
+        <p:txBody>
+          <a:bodyPr>
+            <a:normAutofit/>
+          </a:bodyPr>
+          <a:lstStyle/>
+          <a:p>
+            <a:r>
+              <a:rPr lang="en-US" dirty="0" smtClean="0"/>
+              <a:t>Only inflow matter for QUAL (if</a:t>
+            </a:r>
+            <a:r>
+              <a:rPr lang="en-US" baseline="0" dirty="0" smtClean="0"/>
+              <a:t> tidal like Martinez, assigned time series may be ignored part of the time)</a:t>
+            </a:r>
+            <a:endParaRPr lang="en-US" dirty="0"/>
+          </a:p>
+        </p:txBody>
+      </p:sp>
+      <p:sp>
+        <p:nvSpPr>
+          <p:cNvPr id="4" name="Header Placeholder 3"/>
+          <p:cNvSpPr>
+            <a:spLocks noGrp="1"/>
+          </p:cNvSpPr>
+          <p:nvPr>
+            <p:ph type="hdr" sz="quarter" idx="10"/>
+          </p:nvPr>
+        </p:nvSpPr>
+        <p:spPr/>
+        <p:txBody>
+          <a:bodyPr/>
+          <a:lstStyle/>
+          <a:p>
+            <a:r>
+              <a:rPr lang="en-US" smtClean="0"/>
+              <a:t>DSM2 Users Group: "EXAMPLE: Filling in Martinez Stage"</a:t>
+            </a:r>
+            <a:endParaRPr lang="en-US"/>
+          </a:p>
+        </p:txBody>
+      </p:sp>
+      <p:sp>
+        <p:nvSpPr>
+          <p:cNvPr id="5" name="Date Placeholder 4"/>
+          <p:cNvSpPr>
+            <a:spLocks noGrp="1"/>
+          </p:cNvSpPr>
+          <p:nvPr>
+            <p:ph type="dt" idx="11"/>
+          </p:nvPr>
+        </p:nvSpPr>
+        <p:spPr/>
+        <p:txBody>
+          <a:bodyPr/>
+          <a:lstStyle/>
+          <a:p>
+            <a:r>
+              <a:rPr lang="en-US" smtClean="0"/>
+              <a:t>2004.04.27</a:t>
+            </a:r>
+            <a:endParaRPr lang="en-US"/>
+          </a:p>
+        </p:txBody>
+      </p:sp>
+      <p:sp>
+        <p:nvSpPr>
+          <p:cNvPr id="6" name="Slide Number Placeholder 5"/>
+          <p:cNvSpPr>
+            <a:spLocks noGrp="1"/>
+          </p:cNvSpPr>
+          <p:nvPr>
+            <p:ph type="sldNum" sz="quarter" idx="12"/>
+          </p:nvPr>
+        </p:nvSpPr>
+        <p:spPr/>
+        <p:txBody>
+          <a:bodyPr/>
+          <a:lstStyle/>
+          <a:p>
+            <a:fld id="{8D3EB24B-42D1-409E-999A-7EC16A8B48A4}" type="slidenum">
+              <a:rPr lang="en-US" smtClean="0"/>
+              <a:pPr/>
+              <a:t>11</a:t>
+            </a:fld>
+            <a:endParaRPr lang="en-US"/>
+          </a:p>
+        </p:txBody>
+      </p:sp>
+    </p:spTree>
+  </p:cSld>
+  <p:clrMapOvr>
+    <a:masterClrMapping/>
+  </p:clrMapOvr>
+</p:notes>
+</file>
+
 <file path=ppt/notesSlides/notesSlide2.xml><?xml version="1.0" encoding="utf-8"?>
 <p:notes xmlns:a="http://schemas.openxmlformats.org/drawingml/2006/main" xmlns:r="http://schemas.openxmlformats.org/officeDocument/2006/relationships" xmlns:p="http://schemas.openxmlformats.org/presentationml/2006/main">
   <p:cSld>
@@ -1680,6 +1820,270 @@
           <a:p>
             <a:r>
               <a:rPr lang="en-US" dirty="0" smtClean="0"/>
+              <a:t>To model a </a:t>
+            </a:r>
+            <a:endParaRPr lang="en-US" dirty="0"/>
+          </a:p>
+        </p:txBody>
+      </p:sp>
+      <p:sp>
+        <p:nvSpPr>
+          <p:cNvPr id="4" name="Header Placeholder 3"/>
+          <p:cNvSpPr>
+            <a:spLocks noGrp="1"/>
+          </p:cNvSpPr>
+          <p:nvPr>
+            <p:ph type="hdr" sz="quarter" idx="10"/>
+          </p:nvPr>
+        </p:nvSpPr>
+        <p:spPr/>
+        <p:txBody>
+          <a:bodyPr/>
+          <a:lstStyle/>
+          <a:p>
+            <a:r>
+              <a:rPr lang="en-US" smtClean="0"/>
+              <a:t>DSM2 Users Group: "EXAMPLE: Filling in Martinez Stage"</a:t>
+            </a:r>
+            <a:endParaRPr lang="en-US"/>
+          </a:p>
+        </p:txBody>
+      </p:sp>
+      <p:sp>
+        <p:nvSpPr>
+          <p:cNvPr id="5" name="Date Placeholder 4"/>
+          <p:cNvSpPr>
+            <a:spLocks noGrp="1"/>
+          </p:cNvSpPr>
+          <p:nvPr>
+            <p:ph type="dt" idx="11"/>
+          </p:nvPr>
+        </p:nvSpPr>
+        <p:spPr/>
+        <p:txBody>
+          <a:bodyPr/>
+          <a:lstStyle/>
+          <a:p>
+            <a:r>
+              <a:rPr lang="en-US" smtClean="0"/>
+              <a:t>2004.04.27</a:t>
+            </a:r>
+            <a:endParaRPr lang="en-US"/>
+          </a:p>
+        </p:txBody>
+      </p:sp>
+      <p:sp>
+        <p:nvSpPr>
+          <p:cNvPr id="6" name="Slide Number Placeholder 5"/>
+          <p:cNvSpPr>
+            <a:spLocks noGrp="1"/>
+          </p:cNvSpPr>
+          <p:nvPr>
+            <p:ph type="sldNum" sz="quarter" idx="12"/>
+          </p:nvPr>
+        </p:nvSpPr>
+        <p:spPr/>
+        <p:txBody>
+          <a:bodyPr/>
+          <a:lstStyle/>
+          <a:p>
+            <a:fld id="{8D3EB24B-42D1-409E-999A-7EC16A8B48A4}" type="slidenum">
+              <a:rPr lang="en-US" smtClean="0"/>
+              <a:pPr/>
+              <a:t>8</a:t>
+            </a:fld>
+            <a:endParaRPr lang="en-US"/>
+          </a:p>
+        </p:txBody>
+      </p:sp>
+    </p:spTree>
+  </p:cSld>
+  <p:clrMapOvr>
+    <a:masterClrMapping/>
+  </p:clrMapOvr>
+</p:notes>
+</file>
+
+<file path=ppt/notesSlides/notesSlide8.xml><?xml version="1.0" encoding="utf-8"?>
+<p:notes xmlns:a="http://schemas.openxmlformats.org/drawingml/2006/main" xmlns:r="http://schemas.openxmlformats.org/officeDocument/2006/relationships" xmlns:p="http://schemas.openxmlformats.org/presentationml/2006/main">
+  <p:cSld>
+    <p:spTree>
+      <p:nvGrpSpPr>
+        <p:cNvPr id="1" name=""/>
+        <p:cNvGrpSpPr/>
+        <p:nvPr/>
+      </p:nvGrpSpPr>
+      <p:grpSpPr>
+        <a:xfrm>
+          <a:off x="0" y="0"/>
+          <a:ext cx="0" cy="0"/>
+          <a:chOff x="0" y="0"/>
+          <a:chExt cx="0" cy="0"/>
+        </a:xfrm>
+      </p:grpSpPr>
+      <p:sp>
+        <p:nvSpPr>
+          <p:cNvPr id="2" name="Slide Image Placeholder 1"/>
+          <p:cNvSpPr>
+            <a:spLocks noGrp="1" noRot="1" noChangeAspect="1"/>
+          </p:cNvSpPr>
+          <p:nvPr>
+            <p:ph type="sldImg"/>
+          </p:nvPr>
+        </p:nvSpPr>
+        <p:spPr/>
+      </p:sp>
+      <p:sp>
+        <p:nvSpPr>
+          <p:cNvPr id="3" name="Notes Placeholder 2"/>
+          <p:cNvSpPr>
+            <a:spLocks noGrp="1"/>
+          </p:cNvSpPr>
+          <p:nvPr>
+            <p:ph type="body" idx="1"/>
+          </p:nvPr>
+        </p:nvSpPr>
+        <p:spPr/>
+        <p:txBody>
+          <a:bodyPr>
+            <a:normAutofit/>
+          </a:bodyPr>
+          <a:lstStyle/>
+          <a:p>
+            <a:r>
+              <a:rPr lang="en-US" dirty="0" smtClean="0"/>
+              <a:t>To model a </a:t>
+            </a:r>
+            <a:endParaRPr lang="en-US" dirty="0"/>
+          </a:p>
+        </p:txBody>
+      </p:sp>
+      <p:sp>
+        <p:nvSpPr>
+          <p:cNvPr id="4" name="Header Placeholder 3"/>
+          <p:cNvSpPr>
+            <a:spLocks noGrp="1"/>
+          </p:cNvSpPr>
+          <p:nvPr>
+            <p:ph type="hdr" sz="quarter" idx="10"/>
+          </p:nvPr>
+        </p:nvSpPr>
+        <p:spPr/>
+        <p:txBody>
+          <a:bodyPr/>
+          <a:lstStyle/>
+          <a:p>
+            <a:r>
+              <a:rPr lang="en-US" smtClean="0"/>
+              <a:t>DSM2 Users Group: "EXAMPLE: Filling in Martinez Stage"</a:t>
+            </a:r>
+            <a:endParaRPr lang="en-US"/>
+          </a:p>
+        </p:txBody>
+      </p:sp>
+      <p:sp>
+        <p:nvSpPr>
+          <p:cNvPr id="5" name="Date Placeholder 4"/>
+          <p:cNvSpPr>
+            <a:spLocks noGrp="1"/>
+          </p:cNvSpPr>
+          <p:nvPr>
+            <p:ph type="dt" idx="11"/>
+          </p:nvPr>
+        </p:nvSpPr>
+        <p:spPr/>
+        <p:txBody>
+          <a:bodyPr/>
+          <a:lstStyle/>
+          <a:p>
+            <a:r>
+              <a:rPr lang="en-US" smtClean="0"/>
+              <a:t>2004.04.27</a:t>
+            </a:r>
+            <a:endParaRPr lang="en-US"/>
+          </a:p>
+        </p:txBody>
+      </p:sp>
+      <p:sp>
+        <p:nvSpPr>
+          <p:cNvPr id="6" name="Slide Number Placeholder 5"/>
+          <p:cNvSpPr>
+            <a:spLocks noGrp="1"/>
+          </p:cNvSpPr>
+          <p:nvPr>
+            <p:ph type="sldNum" sz="quarter" idx="12"/>
+          </p:nvPr>
+        </p:nvSpPr>
+        <p:spPr/>
+        <p:txBody>
+          <a:bodyPr/>
+          <a:lstStyle/>
+          <a:p>
+            <a:fld id="{8D3EB24B-42D1-409E-999A-7EC16A8B48A4}" type="slidenum">
+              <a:rPr lang="en-US" smtClean="0"/>
+              <a:pPr/>
+              <a:t>9</a:t>
+            </a:fld>
+            <a:endParaRPr lang="en-US"/>
+          </a:p>
+        </p:txBody>
+      </p:sp>
+    </p:spTree>
+  </p:cSld>
+  <p:clrMapOvr>
+    <a:masterClrMapping/>
+  </p:clrMapOvr>
+</p:notes>
+</file>
+
+<file path=ppt/notesSlides/notesSlide9.xml><?xml version="1.0" encoding="utf-8"?>
+<p:notes xmlns:a="http://schemas.openxmlformats.org/drawingml/2006/main" xmlns:r="http://schemas.openxmlformats.org/officeDocument/2006/relationships" xmlns:p="http://schemas.openxmlformats.org/presentationml/2006/main">
+  <p:cSld>
+    <p:spTree>
+      <p:nvGrpSpPr>
+        <p:cNvPr id="1" name=""/>
+        <p:cNvGrpSpPr/>
+        <p:nvPr/>
+      </p:nvGrpSpPr>
+      <p:grpSpPr>
+        <a:xfrm>
+          <a:off x="0" y="0"/>
+          <a:ext cx="0" cy="0"/>
+          <a:chOff x="0" y="0"/>
+          <a:chExt cx="0" cy="0"/>
+        </a:xfrm>
+      </p:grpSpPr>
+      <p:sp>
+        <p:nvSpPr>
+          <p:cNvPr id="2" name="Slide Image Placeholder 1"/>
+          <p:cNvSpPr>
+            <a:spLocks noGrp="1" noRot="1" noChangeAspect="1"/>
+          </p:cNvSpPr>
+          <p:nvPr>
+            <p:ph type="sldImg"/>
+          </p:nvPr>
+        </p:nvSpPr>
+        <p:spPr/>
+      </p:sp>
+      <p:sp>
+        <p:nvSpPr>
+          <p:cNvPr id="3" name="Notes Placeholder 2"/>
+          <p:cNvSpPr>
+            <a:spLocks noGrp="1"/>
+          </p:cNvSpPr>
+          <p:nvPr>
+            <p:ph type="body" idx="1"/>
+          </p:nvPr>
+        </p:nvSpPr>
+        <p:spPr/>
+        <p:txBody>
+          <a:bodyPr>
+            <a:normAutofit/>
+          </a:bodyPr>
+          <a:lstStyle/>
+          <a:p>
+            <a:r>
+              <a:rPr lang="en-US" dirty="0" smtClean="0"/>
               <a:t>Only inflow matter for QUAL (if</a:t>
             </a:r>
             <a:r>
@@ -1754,7 +2158,7 @@
             <a:fld id="{8D3EB24B-42D1-409E-999A-7EC16A8B48A4}" type="slidenum">
               <a:rPr lang="en-US" smtClean="0"/>
               <a:pPr/>
-              <a:t>9</a:t>
+              <a:t>10</a:t>
             </a:fld>
             <a:endParaRPr lang="en-US"/>
           </a:p>
@@ -4361,7 +4765,7 @@
                   <a:srgbClr val="6666FF"/>
                 </a:solidFill>
               </a:rPr>
-              <a:t>Lianwu Liu</a:t>
+              <a:t>Lianwu Liu Ph.D. P.E.</a:t>
             </a:r>
             <a:endParaRPr lang="en-US" sz="2400" dirty="0">
               <a:solidFill>
@@ -4470,67 +4874,6 @@
       </p:grpSpPr>
       <p:sp>
         <p:nvSpPr>
-          <p:cNvPr id="2" name="Title 1"/>
-          <p:cNvSpPr>
-            <a:spLocks noGrp="1"/>
-          </p:cNvSpPr>
-          <p:nvPr>
-            <p:ph type="title"/>
-          </p:nvPr>
-        </p:nvSpPr>
-        <p:spPr/>
-        <p:txBody>
-          <a:bodyPr/>
-          <a:lstStyle/>
-          <a:p>
-            <a:r>
-              <a:rPr lang="en-US" dirty="0" smtClean="0"/>
-              <a:t>Time Series Control</a:t>
-            </a:r>
-            <a:endParaRPr lang="en-US" dirty="0"/>
-          </a:p>
-        </p:txBody>
-      </p:sp>
-      <p:sp>
-        <p:nvSpPr>
-          <p:cNvPr id="3" name="Content Placeholder 2"/>
-          <p:cNvSpPr>
-            <a:spLocks noGrp="1"/>
-          </p:cNvSpPr>
-          <p:nvPr>
-            <p:ph idx="1"/>
-          </p:nvPr>
-        </p:nvSpPr>
-        <p:spPr>
-          <a:xfrm>
-            <a:off x="348712" y="1593742"/>
-            <a:ext cx="8132736" cy="4512589"/>
-          </a:xfrm>
-        </p:spPr>
-        <p:txBody>
-          <a:bodyPr/>
-          <a:lstStyle/>
-          <a:p>
-            <a:r>
-              <a:rPr lang="en-US" dirty="0" smtClean="0"/>
-              <a:t>Default value -&gt; time series -&gt; </a:t>
-            </a:r>
-            <a:r>
-              <a:rPr lang="en-US" dirty="0" err="1" smtClean="0"/>
-              <a:t>oprule</a:t>
-            </a:r>
-            <a:endParaRPr lang="en-US" dirty="0" smtClean="0"/>
-          </a:p>
-          <a:p>
-            <a:r>
-              <a:rPr lang="en-US" dirty="0" smtClean="0"/>
-              <a:t>Graphic with example (probably gate op)</a:t>
-            </a:r>
-          </a:p>
-        </p:txBody>
-      </p:sp>
-      <p:sp>
-        <p:nvSpPr>
           <p:cNvPr id="4" name="Date Placeholder 3"/>
           <p:cNvSpPr>
             <a:spLocks noGrp="1"/>
@@ -4550,6 +4893,74 @@
               <a:t>10</a:t>
             </a:fld>
             <a:endParaRPr lang="en-US"/>
+          </a:p>
+        </p:txBody>
+      </p:sp>
+      <p:pic>
+        <p:nvPicPr>
+          <p:cNvPr id="7170" name="Picture 2"/>
+          <p:cNvPicPr>
+            <a:picLocks noChangeAspect="1" noChangeArrowheads="1"/>
+          </p:cNvPicPr>
+          <p:nvPr/>
+        </p:nvPicPr>
+        <p:blipFill>
+          <a:blip r:embed="rId3" cstate="print"/>
+          <a:srcRect/>
+          <a:stretch>
+            <a:fillRect/>
+          </a:stretch>
+        </p:blipFill>
+        <p:spPr bwMode="auto">
+          <a:xfrm>
+            <a:off x="2193472" y="1461408"/>
+            <a:ext cx="5715000" cy="4762500"/>
+          </a:xfrm>
+          <a:prstGeom prst="rect">
+            <a:avLst/>
+          </a:prstGeom>
+          <a:noFill/>
+          <a:ln w="9525">
+            <a:noFill/>
+            <a:miter lim="800000"/>
+            <a:headEnd/>
+            <a:tailEnd/>
+          </a:ln>
+        </p:spPr>
+      </p:pic>
+      <p:sp>
+        <p:nvSpPr>
+          <p:cNvPr id="6" name="TextBox 5"/>
+          <p:cNvSpPr txBox="1"/>
+          <p:nvPr/>
+        </p:nvSpPr>
+        <p:spPr>
+          <a:xfrm>
+            <a:off x="599152" y="3350411"/>
+            <a:ext cx="1765227" cy="707886"/>
+          </a:xfrm>
+          <a:prstGeom prst="rect">
+            <a:avLst/>
+          </a:prstGeom>
+          <a:noFill/>
+        </p:spPr>
+        <p:txBody>
+          <a:bodyPr wrap="none" rtlCol="0">
+            <a:spAutoFit/>
+          </a:bodyPr>
+          <a:lstStyle/>
+          <a:p>
+            <a:pPr algn="l"/>
+            <a:r>
+              <a:rPr lang="en-US" sz="2000" dirty="0" smtClean="0"/>
+              <a:t>EC at </a:t>
+            </a:r>
+          </a:p>
+          <a:p>
+            <a:r>
+              <a:rPr lang="en-US" sz="2000" dirty="0" smtClean="0"/>
+              <a:t>downstream </a:t>
+            </a:r>
           </a:p>
         </p:txBody>
       </p:sp>
@@ -4588,90 +4999,27 @@
       </p:grpSpPr>
       <p:sp>
         <p:nvSpPr>
-          <p:cNvPr id="2" name="Title 1"/>
-          <p:cNvSpPr>
-            <a:spLocks noGrp="1"/>
-          </p:cNvSpPr>
-          <p:nvPr>
-            <p:ph type="title"/>
-          </p:nvPr>
-        </p:nvSpPr>
-        <p:spPr/>
+          <p:cNvPr id="3" name="Content Placeholder 2"/>
+          <p:cNvSpPr>
+            <a:spLocks noGrp="1"/>
+          </p:cNvSpPr>
+          <p:nvPr>
+            <p:ph idx="1"/>
+          </p:nvPr>
+        </p:nvSpPr>
+        <p:spPr>
+          <a:xfrm>
+            <a:off x="685800" y="1596325"/>
+            <a:ext cx="7772400" cy="4881967"/>
+          </a:xfrm>
+        </p:spPr>
         <p:txBody>
           <a:bodyPr/>
           <a:lstStyle/>
           <a:p>
             <a:r>
               <a:rPr lang="en-US" dirty="0" smtClean="0"/>
-              <a:t>Initial Condition Input</a:t>
-            </a:r>
-            <a:endParaRPr lang="en-US" dirty="0"/>
-          </a:p>
-        </p:txBody>
-      </p:sp>
-      <p:sp>
-        <p:nvSpPr>
-          <p:cNvPr id="3" name="Content Placeholder 2"/>
-          <p:cNvSpPr>
-            <a:spLocks noGrp="1"/>
-          </p:cNvSpPr>
-          <p:nvPr>
-            <p:ph idx="1"/>
-          </p:nvPr>
-        </p:nvSpPr>
-        <p:spPr/>
-        <p:txBody>
-          <a:bodyPr/>
-          <a:lstStyle/>
-          <a:p>
-            <a:r>
-              <a:rPr lang="en-US" dirty="0" smtClean="0"/>
-              <a:t>HYDRO Default: </a:t>
-            </a:r>
-          </a:p>
-          <a:p>
-            <a:pPr lvl="1"/>
-            <a:r>
-              <a:rPr lang="en-US" dirty="0" smtClean="0"/>
-              <a:t>CHANNEL_IC</a:t>
-            </a:r>
-          </a:p>
-          <a:p>
-            <a:pPr lvl="1"/>
-            <a:r>
-              <a:rPr lang="en-US" dirty="0" smtClean="0"/>
-              <a:t>RESERVOIR_IC</a:t>
-            </a:r>
-          </a:p>
-          <a:p>
-            <a:r>
-              <a:rPr lang="en-US" dirty="0" smtClean="0"/>
-              <a:t>QUAL Default</a:t>
-            </a:r>
-          </a:p>
-          <a:p>
-            <a:pPr lvl="1"/>
-            <a:r>
-              <a:rPr lang="en-US" dirty="0" smtClean="0"/>
-              <a:t>Scalar </a:t>
-            </a:r>
-            <a:r>
-              <a:rPr lang="en-US" dirty="0" err="1" smtClean="0"/>
-              <a:t>init_conc</a:t>
-            </a:r>
-            <a:endParaRPr lang="en-US" dirty="0" smtClean="0"/>
-          </a:p>
-          <a:p>
-            <a:pPr lvl="1"/>
-            <a:r>
-              <a:rPr lang="en-US" dirty="0" smtClean="0"/>
-              <a:t>Hard to find single number for DO constituents</a:t>
-            </a:r>
-          </a:p>
-          <a:p>
-            <a:r>
-              <a:rPr lang="en-US" dirty="0" smtClean="0"/>
-              <a:t>Restart files replace the default</a:t>
+              <a:t>Other TS input (gates)</a:t>
             </a:r>
           </a:p>
         </p:txBody>
@@ -4700,12 +5048,51 @@
           </a:p>
         </p:txBody>
       </p:sp>
+      <p:pic>
+        <p:nvPicPr>
+          <p:cNvPr id="8194" name="Picture 2"/>
+          <p:cNvPicPr>
+            <a:picLocks noChangeAspect="1" noChangeArrowheads="1"/>
+          </p:cNvPicPr>
+          <p:nvPr/>
+        </p:nvPicPr>
+        <p:blipFill>
+          <a:blip r:embed="rId3" cstate="print"/>
+          <a:srcRect/>
+          <a:stretch>
+            <a:fillRect/>
+          </a:stretch>
+        </p:blipFill>
+        <p:spPr bwMode="auto">
+          <a:xfrm>
+            <a:off x="526596" y="2781981"/>
+            <a:ext cx="8134350" cy="2600325"/>
+          </a:xfrm>
+          <a:prstGeom prst="rect">
+            <a:avLst/>
+          </a:prstGeom>
+          <a:noFill/>
+          <a:ln w="9525">
+            <a:noFill/>
+            <a:miter lim="800000"/>
+            <a:headEnd/>
+            <a:tailEnd/>
+          </a:ln>
+        </p:spPr>
+      </p:pic>
     </p:spTree>
   </p:cSld>
   <p:clrMapOvr>
     <a:masterClrMapping/>
   </p:clrMapOvr>
   <p:transition/>
+  <p:timing>
+    <p:tnLst>
+      <p:par>
+        <p:cTn id="1" dur="indefinite" restart="never" nodeType="tmRoot"/>
+      </p:par>
+    </p:tnLst>
+  </p:timing>
 </p:sld>
 </file>
 
@@ -4743,7 +5130,7 @@
           <a:p>
             <a:r>
               <a:rPr lang="en-US" dirty="0" smtClean="0"/>
-              <a:t>Initial Conditions	</a:t>
+              <a:t>Gate Control</a:t>
             </a:r>
             <a:endParaRPr lang="en-US" dirty="0"/>
           </a:p>
@@ -4759,47 +5146,25 @@
             <p:ph idx="1"/>
           </p:nvPr>
         </p:nvSpPr>
-        <p:spPr/>
+        <p:spPr>
+          <a:xfrm>
+            <a:off x="348712" y="1593742"/>
+            <a:ext cx="8132736" cy="4512589"/>
+          </a:xfrm>
+        </p:spPr>
         <p:txBody>
           <a:bodyPr/>
           <a:lstStyle/>
           <a:p>
             <a:r>
               <a:rPr lang="en-US" dirty="0" smtClean="0"/>
-              <a:t>HYDRO and QUAL require initial…</a:t>
-            </a:r>
-          </a:p>
-          <a:p>
-            <a:r>
-              <a:rPr lang="en-US" dirty="0" smtClean="0"/>
-              <a:t>System Memory of hydro </a:t>
+              <a:t>Default value -&gt; time series -&gt; </a:t>
             </a:r>
             <a:r>
               <a:rPr lang="en-US" dirty="0" err="1" smtClean="0"/>
-              <a:t>vs</a:t>
-            </a:r>
-            <a:r>
-              <a:rPr lang="en-US" dirty="0" smtClean="0"/>
-              <a:t> </a:t>
-            </a:r>
-            <a:r>
-              <a:rPr lang="en-US" dirty="0" err="1" smtClean="0"/>
-              <a:t>qual</a:t>
+              <a:t>oprule</a:t>
             </a:r>
             <a:endParaRPr lang="en-US" dirty="0" smtClean="0"/>
-          </a:p>
-          <a:p>
-            <a:r>
-              <a:rPr lang="en-US" dirty="0" smtClean="0"/>
-              <a:t>Practices (cold start, warm)</a:t>
-            </a:r>
-          </a:p>
-          <a:p>
-            <a:endParaRPr lang="en-US" dirty="0" smtClean="0"/>
-          </a:p>
-          <a:p>
-            <a:pPr algn="ctr"/>
-            <a:endParaRPr lang="en-US" dirty="0"/>
           </a:p>
         </p:txBody>
       </p:sp>
@@ -4833,6 +5198,13 @@
     <a:masterClrMapping/>
   </p:clrMapOvr>
   <p:transition/>
+  <p:timing>
+    <p:tnLst>
+      <p:par>
+        <p:cTn id="1" dur="indefinite" restart="never" nodeType="tmRoot"/>
+      </p:par>
+    </p:tnLst>
+  </p:timing>
 </p:sld>
 </file>
 
@@ -4870,7 +5242,7 @@
           <a:p>
             <a:r>
               <a:rPr lang="en-US" dirty="0" smtClean="0"/>
-              <a:t>Time Series Output</a:t>
+              <a:t>Initial Condition Input</a:t>
             </a:r>
             <a:endParaRPr lang="en-US" dirty="0"/>
           </a:p>
@@ -4886,22 +5258,76 @@
             <p:ph idx="1"/>
           </p:nvPr>
         </p:nvSpPr>
-        <p:spPr/>
+        <p:spPr>
+          <a:xfrm>
+            <a:off x="674914" y="1556658"/>
+            <a:ext cx="7772400" cy="4114800"/>
+          </a:xfrm>
+        </p:spPr>
         <p:txBody>
           <a:bodyPr/>
           <a:lstStyle/>
           <a:p>
             <a:r>
               <a:rPr lang="en-US" dirty="0" smtClean="0"/>
-              <a:t>What can we output?</a:t>
-            </a:r>
-          </a:p>
-          <a:p>
+              <a:t>HYDRO Default: </a:t>
+            </a:r>
+          </a:p>
+          <a:p>
+            <a:pPr lvl="1"/>
             <a:r>
               <a:rPr lang="en-US" dirty="0" smtClean="0"/>
-              <a:t>How? Formats text and DSS</a:t>
-            </a:r>
-            <a:endParaRPr lang="en-US" dirty="0"/>
+              <a:t>CHANNEL_IC</a:t>
+            </a:r>
+          </a:p>
+          <a:p>
+            <a:pPr lvl="1"/>
+            <a:r>
+              <a:rPr lang="en-US" dirty="0" smtClean="0"/>
+              <a:t>RESERVOIR_IC</a:t>
+            </a:r>
+          </a:p>
+          <a:p>
+            <a:r>
+              <a:rPr lang="en-US" dirty="0" smtClean="0"/>
+              <a:t>QUAL Default</a:t>
+            </a:r>
+          </a:p>
+          <a:p>
+            <a:pPr lvl="1"/>
+            <a:r>
+              <a:rPr lang="en-US" dirty="0" smtClean="0"/>
+              <a:t>Scalar </a:t>
+            </a:r>
+            <a:r>
+              <a:rPr lang="en-US" dirty="0" err="1" smtClean="0"/>
+              <a:t>init_conc</a:t>
+            </a:r>
+            <a:endParaRPr lang="en-US" dirty="0" smtClean="0"/>
+          </a:p>
+          <a:p>
+            <a:r>
+              <a:rPr lang="en-US" dirty="0" smtClean="0"/>
+              <a:t>Restart files </a:t>
+            </a:r>
+          </a:p>
+          <a:p>
+            <a:pPr>
+              <a:buNone/>
+            </a:pPr>
+            <a:r>
+              <a:rPr lang="en-US" dirty="0" smtClean="0"/>
+              <a:t>   replace the default</a:t>
+            </a:r>
+          </a:p>
+          <a:p>
+            <a:pPr>
+              <a:buNone/>
+            </a:pPr>
+            <a:r>
+              <a:rPr lang="en-US" dirty="0" smtClean="0"/>
+              <a:t>   (warm start)</a:t>
+            </a:r>
           </a:p>
         </p:txBody>
       </p:sp>
@@ -4929,6 +5355,38 @@
           </a:p>
         </p:txBody>
       </p:sp>
+      <p:pic>
+        <p:nvPicPr>
+          <p:cNvPr id="5122" name="Picture 2"/>
+          <p:cNvPicPr>
+            <a:picLocks noChangeAspect="1" noChangeArrowheads="1"/>
+          </p:cNvPicPr>
+          <p:nvPr/>
+        </p:nvPicPr>
+        <p:blipFill>
+          <a:blip r:embed="rId2" cstate="print"/>
+          <a:srcRect/>
+          <a:stretch>
+            <a:fillRect/>
+          </a:stretch>
+        </p:blipFill>
+        <p:spPr bwMode="auto">
+          <a:xfrm>
+            <a:off x="4591051" y="1209675"/>
+            <a:ext cx="3467100" cy="5048250"/>
+          </a:xfrm>
+          <a:prstGeom prst="rect">
+            <a:avLst/>
+          </a:prstGeom>
+          <a:noFill/>
+          <a:ln w="9525">
+            <a:noFill/>
+            <a:miter lim="800000"/>
+            <a:headEnd/>
+            <a:tailEnd/>
+          </a:ln>
+        </p:spPr>
+      </p:pic>
     </p:spTree>
   </p:cSld>
   <p:clrMapOvr>
@@ -4971,56 +5429,64 @@
           <a:lstStyle/>
           <a:p>
             <a:r>
+              <a:rPr lang="en-US" dirty="0" smtClean="0"/>
+              <a:t>Initial Condition Input</a:t>
+            </a:r>
+            <a:endParaRPr lang="en-US" dirty="0"/>
+          </a:p>
+        </p:txBody>
+      </p:sp>
+      <p:sp>
+        <p:nvSpPr>
+          <p:cNvPr id="3" name="Content Placeholder 2"/>
+          <p:cNvSpPr>
+            <a:spLocks noGrp="1"/>
+          </p:cNvSpPr>
+          <p:nvPr>
+            <p:ph idx="1"/>
+          </p:nvPr>
+        </p:nvSpPr>
+        <p:spPr>
+          <a:xfrm>
+            <a:off x="674914" y="1556658"/>
+            <a:ext cx="7772400" cy="4114800"/>
+          </a:xfrm>
+        </p:spPr>
+        <p:txBody>
+          <a:bodyPr/>
+          <a:lstStyle/>
+          <a:p>
+            <a:r>
+              <a:rPr lang="en-US" dirty="0" smtClean="0"/>
+              <a:t>QUAL Default</a:t>
+            </a:r>
+          </a:p>
+          <a:p>
+            <a:pPr lvl="1"/>
+            <a:r>
+              <a:rPr lang="en-US" dirty="0" smtClean="0"/>
+              <a:t>Scalar </a:t>
+            </a:r>
+            <a:r>
               <a:rPr lang="en-US" dirty="0" err="1" smtClean="0"/>
-              <a:t>Tidefile</a:t>
-            </a:r>
-            <a:endParaRPr lang="en-US" dirty="0"/>
-          </a:p>
-        </p:txBody>
-      </p:sp>
-      <p:sp>
-        <p:nvSpPr>
-          <p:cNvPr id="3" name="Content Placeholder 2"/>
-          <p:cNvSpPr>
-            <a:spLocks noGrp="1"/>
-          </p:cNvSpPr>
-          <p:nvPr>
-            <p:ph idx="1"/>
-          </p:nvPr>
-        </p:nvSpPr>
-        <p:spPr/>
-        <p:txBody>
-          <a:bodyPr/>
-          <a:lstStyle/>
-          <a:p>
+              <a:t>init_conc</a:t>
+            </a:r>
+            <a:endParaRPr lang="en-US" dirty="0" smtClean="0"/>
+          </a:p>
+          <a:p>
+            <a:pPr lvl="1">
+              <a:buNone/>
+            </a:pPr>
             <a:r>
               <a:rPr lang="en-US" dirty="0" smtClean="0"/>
-              <a:t>GRID input for QUAL (record of all HYDRO input)</a:t>
-            </a:r>
-          </a:p>
-          <a:p>
-            <a:r>
-              <a:rPr lang="en-US" dirty="0" smtClean="0"/>
-              <a:t>Flow Field</a:t>
-            </a:r>
-          </a:p>
-          <a:p>
-            <a:r>
-              <a:rPr lang="en-US" dirty="0" smtClean="0"/>
-              <a:t>Has own time step, spatial step</a:t>
-            </a:r>
-          </a:p>
-          <a:p>
-            <a:r>
-              <a:rPr lang="en-US" dirty="0" smtClean="0"/>
-              <a:t>IO_FILE section</a:t>
-            </a:r>
-          </a:p>
-          <a:p>
-            <a:r>
-              <a:rPr lang="en-US" dirty="0" smtClean="0"/>
-              <a:t>HDF5 Viewer (they can watch along)</a:t>
-            </a:r>
+              <a:t>    (cold start)</a:t>
+            </a:r>
+          </a:p>
+          <a:p>
+            <a:pPr>
+              <a:buNone/>
+            </a:pPr>
+            <a:endParaRPr lang="en-US" dirty="0" smtClean="0"/>
           </a:p>
         </p:txBody>
       </p:sp>
@@ -5045,6 +5511,130 @@
               <a:t>14</a:t>
             </a:fld>
             <a:endParaRPr lang="en-US"/>
+          </a:p>
+        </p:txBody>
+      </p:sp>
+      <p:pic>
+        <p:nvPicPr>
+          <p:cNvPr id="6146" name="Picture 2"/>
+          <p:cNvPicPr>
+            <a:picLocks noChangeAspect="1" noChangeArrowheads="1"/>
+          </p:cNvPicPr>
+          <p:nvPr/>
+        </p:nvPicPr>
+        <p:blipFill>
+          <a:blip r:embed="rId2" cstate="print"/>
+          <a:srcRect/>
+          <a:stretch>
+            <a:fillRect/>
+          </a:stretch>
+        </p:blipFill>
+        <p:spPr bwMode="auto">
+          <a:xfrm>
+            <a:off x="4098471" y="1171575"/>
+            <a:ext cx="4191000" cy="5686425"/>
+          </a:xfrm>
+          <a:prstGeom prst="rect">
+            <a:avLst/>
+          </a:prstGeom>
+          <a:noFill/>
+          <a:ln w="9525">
+            <a:noFill/>
+            <a:miter lim="800000"/>
+            <a:headEnd/>
+            <a:tailEnd/>
+          </a:ln>
+        </p:spPr>
+      </p:pic>
+      <p:cxnSp>
+        <p:nvCxnSpPr>
+          <p:cNvPr id="8" name="Straight Arrow Connector 7"/>
+          <p:cNvCxnSpPr/>
+          <p:nvPr/>
+        </p:nvCxnSpPr>
+        <p:spPr bwMode="auto">
+          <a:xfrm rot="16200000" flipH="1">
+            <a:off x="2803072" y="2748642"/>
+            <a:ext cx="2503715" cy="2362199"/>
+          </a:xfrm>
+          <a:prstGeom prst="straightConnector1">
+            <a:avLst/>
+          </a:prstGeom>
+          <a:solidFill>
+            <a:srgbClr val="FFFF99"/>
+          </a:solidFill>
+          <a:ln w="25400" cap="flat" cmpd="sng" algn="ctr">
+            <a:solidFill>
+              <a:srgbClr val="C00000"/>
+            </a:solidFill>
+            <a:prstDash val="solid"/>
+            <a:round/>
+            <a:headEnd type="none" w="med" len="med"/>
+            <a:tailEnd type="arrow"/>
+          </a:ln>
+          <a:effectLst/>
+        </p:spPr>
+      </p:cxnSp>
+      <p:sp>
+        <p:nvSpPr>
+          <p:cNvPr id="10" name="Oval 9"/>
+          <p:cNvSpPr/>
+          <p:nvPr/>
+        </p:nvSpPr>
+        <p:spPr bwMode="auto">
+          <a:xfrm>
+            <a:off x="4811486" y="5170715"/>
+            <a:ext cx="1730828" cy="250372"/>
+          </a:xfrm>
+          <a:prstGeom prst="ellipse">
+            <a:avLst/>
+          </a:prstGeom>
+          <a:noFill/>
+          <a:ln w="22225" cap="flat" cmpd="sng" algn="ctr">
+            <a:solidFill>
+              <a:srgbClr val="C00000"/>
+            </a:solidFill>
+            <a:prstDash val="solid"/>
+            <a:round/>
+            <a:headEnd type="none" w="med" len="med"/>
+            <a:tailEnd type="none" w="med" len="med"/>
+          </a:ln>
+          <a:effectLst/>
+        </p:spPr>
+        <p:txBody>
+          <a:bodyPr vert="horz" wrap="square" lIns="91440" tIns="45720" rIns="91440" bIns="45720" numCol="1" rtlCol="0" anchor="ctr" anchorCtr="0" compatLnSpc="1">
+            <a:prstTxWarp prst="textNoShape">
+              <a:avLst/>
+            </a:prstTxWarp>
+          </a:bodyPr>
+          <a:lstStyle/>
+          <a:p>
+            <a:pPr marL="0" marR="0" indent="0" algn="ctr" defTabSz="914400" rtl="0" eaLnBrk="0" fontAlgn="base" latinLnBrk="0" hangingPunct="0">
+              <a:lnSpc>
+                <a:spcPct val="100000"/>
+              </a:lnSpc>
+              <a:spcBef>
+                <a:spcPct val="0"/>
+              </a:spcBef>
+              <a:spcAft>
+                <a:spcPct val="0"/>
+              </a:spcAft>
+              <a:buClrTx/>
+              <a:buSzTx/>
+              <a:buFontTx/>
+              <a:buNone/>
+              <a:tabLst/>
+            </a:pPr>
+            <a:endParaRPr kumimoji="0" lang="en-US" sz="3600" b="1" i="0" u="none" strike="noStrike" cap="none" normalizeH="0" baseline="0" smtClean="0">
+              <a:ln>
+                <a:noFill/>
+              </a:ln>
+              <a:solidFill>
+                <a:schemeClr val="tx1"/>
+              </a:solidFill>
+              <a:effectLst/>
+              <a:latin typeface="Arial" charset="0"/>
+            </a:endParaRPr>
           </a:p>
         </p:txBody>
       </p:sp>
@@ -5090,8 +5680,12 @@
           <a:lstStyle/>
           <a:p>
             <a:r>
+              <a:rPr lang="en-US" dirty="0" err="1" smtClean="0"/>
+              <a:t>Tidefile</a:t>
+            </a:r>
+            <a:r>
               <a:rPr lang="en-US" dirty="0" smtClean="0"/>
-              <a:t>Echo Input File</a:t>
+              <a:t>	</a:t>
             </a:r>
             <a:endParaRPr lang="en-US" dirty="0"/>
           </a:p>
@@ -5107,35 +5701,22 @@
             <p:ph idx="1"/>
           </p:nvPr>
         </p:nvSpPr>
-        <p:spPr>
-          <a:xfrm>
-            <a:off x="685799" y="1981200"/>
-            <a:ext cx="8175171" cy="4114800"/>
-          </a:xfrm>
-        </p:spPr>
-        <p:txBody>
-          <a:bodyPr/>
-          <a:lstStyle/>
-          <a:p>
-            <a:r>
-              <a:rPr lang="en-US" dirty="0" smtClean="0"/>
-              <a:t>Archive of run</a:t>
-            </a:r>
-          </a:p>
-          <a:p>
-            <a:r>
-              <a:rPr lang="en-US" dirty="0" smtClean="0"/>
-              <a:t>QA/QC: single-file view of multiple sources</a:t>
-            </a:r>
-          </a:p>
-          <a:p>
-            <a:r>
-              <a:rPr lang="en-US" dirty="0" smtClean="0"/>
-              <a:t>Can be used as an input file</a:t>
-            </a:r>
-          </a:p>
-          <a:p>
+        <p:spPr/>
+        <p:txBody>
+          <a:bodyPr/>
+          <a:lstStyle/>
+          <a:p>
+            <a:pPr>
+              <a:buNone/>
+            </a:pPr>
             <a:endParaRPr lang="en-US" dirty="0" smtClean="0"/>
+          </a:p>
+          <a:p>
+            <a:endParaRPr lang="en-US" dirty="0" smtClean="0"/>
+          </a:p>
+          <a:p>
+            <a:pPr algn="ctr"/>
+            <a:endParaRPr lang="en-US" dirty="0"/>
           </a:p>
         </p:txBody>
       </p:sp>
@@ -5160,6 +5741,322 @@
               <a:t>15</a:t>
             </a:fld>
             <a:endParaRPr lang="en-US"/>
+          </a:p>
+        </p:txBody>
+      </p:sp>
+      <p:pic>
+        <p:nvPicPr>
+          <p:cNvPr id="9219" name="Picture 3"/>
+          <p:cNvPicPr>
+            <a:picLocks noChangeAspect="1" noChangeArrowheads="1"/>
+          </p:cNvPicPr>
+          <p:nvPr/>
+        </p:nvPicPr>
+        <p:blipFill>
+          <a:blip r:embed="rId2" cstate="print"/>
+          <a:srcRect/>
+          <a:stretch>
+            <a:fillRect/>
+          </a:stretch>
+        </p:blipFill>
+        <p:spPr bwMode="auto">
+          <a:xfrm>
+            <a:off x="775606" y="1207634"/>
+            <a:ext cx="6591300" cy="3267075"/>
+          </a:xfrm>
+          <a:prstGeom prst="rect">
+            <a:avLst/>
+          </a:prstGeom>
+          <a:noFill/>
+          <a:ln w="9525">
+            <a:noFill/>
+            <a:miter lim="800000"/>
+            <a:headEnd/>
+            <a:tailEnd/>
+          </a:ln>
+        </p:spPr>
+      </p:pic>
+      <p:pic>
+        <p:nvPicPr>
+          <p:cNvPr id="9218" name="Picture 2"/>
+          <p:cNvPicPr>
+            <a:picLocks noChangeAspect="1" noChangeArrowheads="1"/>
+          </p:cNvPicPr>
+          <p:nvPr/>
+        </p:nvPicPr>
+        <p:blipFill>
+          <a:blip r:embed="rId3" cstate="print"/>
+          <a:srcRect/>
+          <a:stretch>
+            <a:fillRect/>
+          </a:stretch>
+        </p:blipFill>
+        <p:spPr bwMode="auto">
+          <a:xfrm>
+            <a:off x="3688897" y="3935866"/>
+            <a:ext cx="5010150" cy="2600325"/>
+          </a:xfrm>
+          <a:prstGeom prst="rect">
+            <a:avLst/>
+          </a:prstGeom>
+          <a:noFill/>
+          <a:ln w="9525">
+            <a:noFill/>
+            <a:miter lim="800000"/>
+            <a:headEnd/>
+            <a:tailEnd/>
+          </a:ln>
+        </p:spPr>
+      </p:pic>
+      <p:sp>
+        <p:nvSpPr>
+          <p:cNvPr id="7" name="Oval 6"/>
+          <p:cNvSpPr/>
+          <p:nvPr/>
+        </p:nvSpPr>
+        <p:spPr bwMode="auto">
+          <a:xfrm>
+            <a:off x="1491344" y="2797629"/>
+            <a:ext cx="3690257" cy="239485"/>
+          </a:xfrm>
+          <a:prstGeom prst="ellipse">
+            <a:avLst/>
+          </a:prstGeom>
+          <a:noFill/>
+          <a:ln w="19050" cap="flat" cmpd="sng" algn="ctr">
+            <a:solidFill>
+              <a:srgbClr val="C00000"/>
+            </a:solidFill>
+            <a:prstDash val="solid"/>
+            <a:round/>
+            <a:headEnd type="none" w="med" len="med"/>
+            <a:tailEnd type="none" w="med" len="med"/>
+          </a:ln>
+          <a:effectLst/>
+        </p:spPr>
+        <p:txBody>
+          <a:bodyPr vert="horz" wrap="square" lIns="91440" tIns="45720" rIns="91440" bIns="45720" numCol="1" rtlCol="0" anchor="ctr" anchorCtr="0" compatLnSpc="1">
+            <a:prstTxWarp prst="textNoShape">
+              <a:avLst/>
+            </a:prstTxWarp>
+          </a:bodyPr>
+          <a:lstStyle/>
+          <a:p>
+            <a:pPr marL="0" marR="0" indent="0" algn="ctr" defTabSz="914400" rtl="0" eaLnBrk="0" fontAlgn="base" latinLnBrk="0" hangingPunct="0">
+              <a:lnSpc>
+                <a:spcPct val="100000"/>
+              </a:lnSpc>
+              <a:spcBef>
+                <a:spcPct val="0"/>
+              </a:spcBef>
+              <a:spcAft>
+                <a:spcPct val="0"/>
+              </a:spcAft>
+              <a:buClrTx/>
+              <a:buSzTx/>
+              <a:buFontTx/>
+              <a:buNone/>
+              <a:tabLst/>
+            </a:pPr>
+            <a:endParaRPr kumimoji="0" lang="en-US" sz="3600" b="1" i="0" u="none" strike="noStrike" cap="none" normalizeH="0" baseline="0" smtClean="0">
+              <a:ln>
+                <a:noFill/>
+              </a:ln>
+              <a:solidFill>
+                <a:schemeClr val="tx1"/>
+              </a:solidFill>
+              <a:effectLst/>
+              <a:latin typeface="Arial" charset="0"/>
+            </a:endParaRPr>
+          </a:p>
+        </p:txBody>
+      </p:sp>
+      <p:sp>
+        <p:nvSpPr>
+          <p:cNvPr id="8" name="Oval 7"/>
+          <p:cNvSpPr/>
+          <p:nvPr/>
+        </p:nvSpPr>
+        <p:spPr bwMode="auto">
+          <a:xfrm>
+            <a:off x="4376057" y="5529943"/>
+            <a:ext cx="3320143" cy="239485"/>
+          </a:xfrm>
+          <a:prstGeom prst="ellipse">
+            <a:avLst/>
+          </a:prstGeom>
+          <a:noFill/>
+          <a:ln w="19050" cap="flat" cmpd="sng" algn="ctr">
+            <a:solidFill>
+              <a:srgbClr val="C00000"/>
+            </a:solidFill>
+            <a:prstDash val="solid"/>
+            <a:round/>
+            <a:headEnd type="none" w="med" len="med"/>
+            <a:tailEnd type="none" w="med" len="med"/>
+          </a:ln>
+          <a:effectLst/>
+        </p:spPr>
+        <p:txBody>
+          <a:bodyPr vert="horz" wrap="square" lIns="91440" tIns="45720" rIns="91440" bIns="45720" numCol="1" rtlCol="0" anchor="ctr" anchorCtr="0" compatLnSpc="1">
+            <a:prstTxWarp prst="textNoShape">
+              <a:avLst/>
+            </a:prstTxWarp>
+          </a:bodyPr>
+          <a:lstStyle/>
+          <a:p>
+            <a:pPr marL="0" marR="0" indent="0" algn="ctr" defTabSz="914400" rtl="0" eaLnBrk="0" fontAlgn="base" latinLnBrk="0" hangingPunct="0">
+              <a:lnSpc>
+                <a:spcPct val="100000"/>
+              </a:lnSpc>
+              <a:spcBef>
+                <a:spcPct val="0"/>
+              </a:spcBef>
+              <a:spcAft>
+                <a:spcPct val="0"/>
+              </a:spcAft>
+              <a:buClrTx/>
+              <a:buSzTx/>
+              <a:buFontTx/>
+              <a:buNone/>
+              <a:tabLst/>
+            </a:pPr>
+            <a:endParaRPr kumimoji="0" lang="en-US" sz="3600" b="1" i="0" u="none" strike="noStrike" cap="none" normalizeH="0" baseline="0" smtClean="0">
+              <a:ln>
+                <a:noFill/>
+              </a:ln>
+              <a:solidFill>
+                <a:schemeClr val="tx1"/>
+              </a:solidFill>
+              <a:effectLst/>
+              <a:latin typeface="Arial" charset="0"/>
+            </a:endParaRPr>
+          </a:p>
+        </p:txBody>
+      </p:sp>
+      <p:cxnSp>
+        <p:nvCxnSpPr>
+          <p:cNvPr id="10" name="Elbow Connector 9"/>
+          <p:cNvCxnSpPr/>
+          <p:nvPr/>
+        </p:nvCxnSpPr>
+        <p:spPr bwMode="auto">
+          <a:xfrm>
+            <a:off x="4887686" y="3026229"/>
+            <a:ext cx="914400" cy="914400"/>
+          </a:xfrm>
+          <a:prstGeom prst="bentConnector3">
+            <a:avLst/>
+          </a:prstGeom>
+          <a:solidFill>
+            <a:srgbClr val="FFFF99"/>
+          </a:solidFill>
+          <a:ln w="9525" cap="flat" cmpd="sng" algn="ctr">
+            <a:noFill/>
+            <a:prstDash val="solid"/>
+            <a:round/>
+            <a:headEnd type="none" w="med" len="med"/>
+            <a:tailEnd type="arrow"/>
+          </a:ln>
+          <a:effectLst/>
+        </p:spPr>
+      </p:cxnSp>
+      <p:cxnSp>
+        <p:nvCxnSpPr>
+          <p:cNvPr id="12" name="Straight Connector 11"/>
+          <p:cNvCxnSpPr/>
+          <p:nvPr/>
+        </p:nvCxnSpPr>
+        <p:spPr bwMode="auto">
+          <a:xfrm>
+            <a:off x="4822371" y="3015343"/>
+            <a:ext cx="914400" cy="914400"/>
+          </a:xfrm>
+          <a:prstGeom prst="line">
+            <a:avLst/>
+          </a:prstGeom>
+          <a:solidFill>
+            <a:srgbClr val="FFFF99"/>
+          </a:solidFill>
+          <a:ln w="9525" cap="flat" cmpd="sng" algn="ctr">
+            <a:noFill/>
+            <a:prstDash val="solid"/>
+            <a:round/>
+            <a:headEnd type="none" w="med" len="med"/>
+            <a:tailEnd type="none" w="med" len="med"/>
+          </a:ln>
+          <a:effectLst/>
+        </p:spPr>
+      </p:cxnSp>
+      <p:cxnSp>
+        <p:nvCxnSpPr>
+          <p:cNvPr id="14" name="Straight Arrow Connector 13"/>
+          <p:cNvCxnSpPr/>
+          <p:nvPr/>
+        </p:nvCxnSpPr>
+        <p:spPr bwMode="auto">
+          <a:xfrm rot="16200000" flipH="1">
+            <a:off x="4054929" y="3706585"/>
+            <a:ext cx="2471057" cy="1132114"/>
+          </a:xfrm>
+          <a:prstGeom prst="straightConnector1">
+            <a:avLst/>
+          </a:prstGeom>
+          <a:solidFill>
+            <a:srgbClr val="FFFF99"/>
+          </a:solidFill>
+          <a:ln w="22225" cap="flat" cmpd="sng" algn="ctr">
+            <a:solidFill>
+              <a:srgbClr val="C00000"/>
+            </a:solidFill>
+            <a:prstDash val="solid"/>
+            <a:round/>
+            <a:headEnd type="none" w="med" len="med"/>
+            <a:tailEnd type="arrow"/>
+          </a:ln>
+          <a:effectLst/>
+        </p:spPr>
+      </p:cxnSp>
+      <p:sp>
+        <p:nvSpPr>
+          <p:cNvPr id="15" name="TextBox 14"/>
+          <p:cNvSpPr txBox="1"/>
+          <p:nvPr/>
+        </p:nvSpPr>
+        <p:spPr>
+          <a:xfrm>
+            <a:off x="282983" y="4874411"/>
+            <a:ext cx="3203120" cy="707886"/>
+          </a:xfrm>
+          <a:prstGeom prst="rect">
+            <a:avLst/>
+          </a:prstGeom>
+          <a:noFill/>
+        </p:spPr>
+        <p:txBody>
+          <a:bodyPr wrap="none" rtlCol="0">
+            <a:spAutoFit/>
+          </a:bodyPr>
+          <a:lstStyle/>
+          <a:p>
+            <a:r>
+              <a:rPr lang="en-US" sz="2000" dirty="0" smtClean="0"/>
+              <a:t>Pass GRID and flow data</a:t>
+            </a:r>
+          </a:p>
+          <a:p>
+            <a:r>
+              <a:rPr lang="en-US" sz="2000" dirty="0" smtClean="0"/>
+              <a:t> to </a:t>
+            </a:r>
+            <a:r>
+              <a:rPr lang="en-US" sz="2000" dirty="0" err="1" smtClean="0"/>
+              <a:t>Qual</a:t>
+            </a:r>
+            <a:r>
+              <a:rPr lang="en-US" sz="2000" dirty="0" smtClean="0"/>
+              <a:t> and PTM </a:t>
+            </a:r>
           </a:p>
         </p:txBody>
       </p:sp>
@@ -5205,52 +6102,50 @@
           <a:lstStyle/>
           <a:p>
             <a:r>
+              <a:rPr lang="en-US" dirty="0" err="1" smtClean="0"/>
+              <a:t>Tidefile</a:t>
+            </a:r>
+            <a:endParaRPr lang="en-US" dirty="0"/>
+          </a:p>
+        </p:txBody>
+      </p:sp>
+      <p:sp>
+        <p:nvSpPr>
+          <p:cNvPr id="3" name="Content Placeholder 2"/>
+          <p:cNvSpPr>
+            <a:spLocks noGrp="1"/>
+          </p:cNvSpPr>
+          <p:nvPr>
+            <p:ph idx="1"/>
+          </p:nvPr>
+        </p:nvSpPr>
+        <p:spPr/>
+        <p:txBody>
+          <a:bodyPr/>
+          <a:lstStyle/>
+          <a:p>
+            <a:r>
               <a:rPr lang="en-US" dirty="0" smtClean="0"/>
-              <a:t>For v6 Users</a:t>
-            </a:r>
-            <a:endParaRPr lang="en-US" dirty="0"/>
-          </a:p>
-        </p:txBody>
-      </p:sp>
-      <p:sp>
-        <p:nvSpPr>
-          <p:cNvPr id="3" name="Content Placeholder 2"/>
-          <p:cNvSpPr>
-            <a:spLocks noGrp="1"/>
-          </p:cNvSpPr>
-          <p:nvPr>
-            <p:ph idx="1"/>
-          </p:nvPr>
-        </p:nvSpPr>
-        <p:spPr>
-          <a:xfrm>
-            <a:off x="685800" y="1981200"/>
-            <a:ext cx="8153400" cy="4114800"/>
-          </a:xfrm>
-        </p:spPr>
-        <p:txBody>
-          <a:bodyPr/>
-          <a:lstStyle/>
+              <a:t>GRID input for QUAL (record of all HYDRO input)</a:t>
+            </a:r>
+          </a:p>
           <a:p>
             <a:r>
               <a:rPr lang="en-US" dirty="0" smtClean="0"/>
-              <a:t>No “priorities” in DSS</a:t>
+              <a:t>Flow Field</a:t>
             </a:r>
           </a:p>
           <a:p>
             <a:r>
               <a:rPr lang="en-US" dirty="0" smtClean="0"/>
-              <a:t>Link between Hydro and </a:t>
-            </a:r>
-            <a:r>
-              <a:rPr lang="en-US" dirty="0" err="1" smtClean="0"/>
-              <a:t>Qual</a:t>
-            </a:r>
+              <a:t>Has own time step, spatial step</a:t>
+            </a:r>
+          </a:p>
+          <a:p>
             <a:r>
               <a:rPr lang="en-US" dirty="0" smtClean="0"/>
-              <a:t> different</a:t>
-            </a:r>
-            <a:endParaRPr lang="en-US" dirty="0"/>
+              <a:t>HDF5 Viewer to view</a:t>
+            </a:r>
           </a:p>
         </p:txBody>
       </p:sp>
@@ -5321,7 +6216,7 @@
           <a:p>
             <a:r>
               <a:rPr lang="en-US" dirty="0" smtClean="0"/>
-              <a:t>Tutorial 4: Time Series</a:t>
+              <a:t>Time Series Output</a:t>
             </a:r>
             <a:endParaRPr lang="en-US" dirty="0"/>
           </a:p>
@@ -5337,25 +6232,42 @@
             <p:ph idx="1"/>
           </p:nvPr>
         </p:nvSpPr>
-        <p:spPr>
-          <a:xfrm>
-            <a:off x="685800" y="1596325"/>
-            <a:ext cx="7772400" cy="4499675"/>
-          </a:xfrm>
-        </p:spPr>
+        <p:spPr/>
         <p:txBody>
           <a:bodyPr/>
           <a:lstStyle/>
           <a:p>
             <a:r>
               <a:rPr lang="en-US" dirty="0" smtClean="0"/>
-              <a:t>Introduce 4 and a bit of 5</a:t>
-            </a:r>
-          </a:p>
-          <a:p>
+              <a:t>What can we output?</a:t>
+            </a:r>
+          </a:p>
+          <a:p>
+            <a:pPr lvl="1"/>
             <a:r>
               <a:rPr lang="en-US" dirty="0" smtClean="0"/>
-              <a:t>Replaces some constant inputs with a time series that is constant, but also has  a realistic tide</a:t>
+              <a:t>Flow, Stage, </a:t>
+            </a:r>
+            <a:r>
+              <a:rPr lang="en-US" dirty="0" err="1" smtClean="0"/>
+              <a:t>Vel</a:t>
+            </a:r>
+            <a:r>
+              <a:rPr lang="en-US" dirty="0" smtClean="0"/>
+              <a:t>, EC…</a:t>
+            </a:r>
+          </a:p>
+          <a:p>
+            <a:r>
+              <a:rPr lang="en-US" dirty="0" smtClean="0"/>
+              <a:t>How? </a:t>
+            </a:r>
+          </a:p>
+          <a:p>
+            <a:pPr lvl="1"/>
+            <a:r>
+              <a:rPr lang="en-US" dirty="0" smtClean="0"/>
+              <a:t>Formats text and DSS</a:t>
             </a:r>
             <a:endParaRPr lang="en-US" dirty="0"/>
           </a:p>
@@ -5385,9 +6297,82 @@
           </a:p>
         </p:txBody>
       </p:sp>
+    </p:spTree>
+  </p:cSld>
+  <p:clrMapOvr>
+    <a:masterClrMapping/>
+  </p:clrMapOvr>
+  <p:transition/>
+</p:sld>
+</file>
+
+<file path=ppt/slides/slide18.xml><?xml version="1.0" encoding="utf-8"?>
+<p:sld xmlns:a="http://schemas.openxmlformats.org/drawingml/2006/main" xmlns:r="http://schemas.openxmlformats.org/officeDocument/2006/relationships" xmlns:p="http://schemas.openxmlformats.org/presentationml/2006/main">
+  <p:cSld>
+    <p:spTree>
+      <p:nvGrpSpPr>
+        <p:cNvPr id="1" name=""/>
+        <p:cNvGrpSpPr/>
+        <p:nvPr/>
+      </p:nvGrpSpPr>
+      <p:grpSpPr>
+        <a:xfrm>
+          <a:off x="0" y="0"/>
+          <a:ext cx="0" cy="0"/>
+          <a:chOff x="0" y="0"/>
+          <a:chExt cx="0" cy="0"/>
+        </a:xfrm>
+      </p:grpSpPr>
+      <p:sp>
+        <p:nvSpPr>
+          <p:cNvPr id="2" name="Title 1"/>
+          <p:cNvSpPr>
+            <a:spLocks noGrp="1"/>
+          </p:cNvSpPr>
+          <p:nvPr>
+            <p:ph type="title"/>
+          </p:nvPr>
+        </p:nvSpPr>
+        <p:spPr/>
+        <p:txBody>
+          <a:bodyPr/>
+          <a:lstStyle/>
+          <a:p>
+            <a:r>
+              <a:rPr lang="en-US" dirty="0" smtClean="0"/>
+              <a:t>Time Series Output</a:t>
+            </a:r>
+            <a:endParaRPr lang="en-US" dirty="0"/>
+          </a:p>
+        </p:txBody>
+      </p:sp>
+      <p:sp>
+        <p:nvSpPr>
+          <p:cNvPr id="4" name="Date Placeholder 3"/>
+          <p:cNvSpPr>
+            <a:spLocks noGrp="1"/>
+          </p:cNvSpPr>
+          <p:nvPr>
+            <p:ph type="dt" sz="half" idx="10"/>
+          </p:nvPr>
+        </p:nvSpPr>
+        <p:spPr/>
+        <p:txBody>
+          <a:bodyPr/>
+          <a:lstStyle/>
+          <a:p>
+            <a:fld id="{AB98F214-5D90-468C-9EE8-E1612B8D2BE2}" type="slidenum">
+              <a:rPr lang="en-US" smtClean="0"/>
+              <a:pPr/>
+              <a:t>18</a:t>
+            </a:fld>
+            <a:endParaRPr lang="en-US"/>
+          </a:p>
+        </p:txBody>
+      </p:sp>
       <p:pic>
         <p:nvPicPr>
-          <p:cNvPr id="7" name="Picture 17" descr="DSM2v8 Basic Tutorial 4"/>
+          <p:cNvPr id="10242" name="Picture 2"/>
           <p:cNvPicPr>
             <a:picLocks noChangeAspect="1" noChangeArrowheads="1"/>
           </p:cNvPicPr>
@@ -5402,7 +6387,294 @@
         </p:blipFill>
         <p:spPr bwMode="auto">
           <a:xfrm>
-            <a:off x="925287" y="5522685"/>
+            <a:off x="1231446" y="1726747"/>
+            <a:ext cx="6877050" cy="4210050"/>
+          </a:xfrm>
+          <a:prstGeom prst="rect">
+            <a:avLst/>
+          </a:prstGeom>
+          <a:noFill/>
+          <a:ln w="9525">
+            <a:noFill/>
+            <a:miter lim="800000"/>
+            <a:headEnd/>
+            <a:tailEnd/>
+          </a:ln>
+        </p:spPr>
+      </p:pic>
+    </p:spTree>
+  </p:cSld>
+  <p:clrMapOvr>
+    <a:masterClrMapping/>
+  </p:clrMapOvr>
+  <p:transition/>
+</p:sld>
+</file>
+
+<file path=ppt/slides/slide19.xml><?xml version="1.0" encoding="utf-8"?>
+<p:sld xmlns:a="http://schemas.openxmlformats.org/drawingml/2006/main" xmlns:r="http://schemas.openxmlformats.org/officeDocument/2006/relationships" xmlns:p="http://schemas.openxmlformats.org/presentationml/2006/main">
+  <p:cSld>
+    <p:spTree>
+      <p:nvGrpSpPr>
+        <p:cNvPr id="1" name=""/>
+        <p:cNvGrpSpPr/>
+        <p:nvPr/>
+      </p:nvGrpSpPr>
+      <p:grpSpPr>
+        <a:xfrm>
+          <a:off x="0" y="0"/>
+          <a:ext cx="0" cy="0"/>
+          <a:chOff x="0" y="0"/>
+          <a:chExt cx="0" cy="0"/>
+        </a:xfrm>
+      </p:grpSpPr>
+      <p:sp>
+        <p:nvSpPr>
+          <p:cNvPr id="2" name="Title 1"/>
+          <p:cNvSpPr>
+            <a:spLocks noGrp="1"/>
+          </p:cNvSpPr>
+          <p:nvPr>
+            <p:ph type="title"/>
+          </p:nvPr>
+        </p:nvSpPr>
+        <p:spPr/>
+        <p:txBody>
+          <a:bodyPr/>
+          <a:lstStyle/>
+          <a:p>
+            <a:r>
+              <a:rPr lang="en-US" dirty="0" smtClean="0"/>
+              <a:t>Echo Input File</a:t>
+            </a:r>
+            <a:endParaRPr lang="en-US" dirty="0"/>
+          </a:p>
+        </p:txBody>
+      </p:sp>
+      <p:sp>
+        <p:nvSpPr>
+          <p:cNvPr id="3" name="Content Placeholder 2"/>
+          <p:cNvSpPr>
+            <a:spLocks noGrp="1"/>
+          </p:cNvSpPr>
+          <p:nvPr>
+            <p:ph idx="1"/>
+          </p:nvPr>
+        </p:nvSpPr>
+        <p:spPr>
+          <a:xfrm>
+            <a:off x="685799" y="1981200"/>
+            <a:ext cx="8175171" cy="4114800"/>
+          </a:xfrm>
+        </p:spPr>
+        <p:txBody>
+          <a:bodyPr/>
+          <a:lstStyle/>
+          <a:p>
+            <a:r>
+              <a:rPr lang="en-US" dirty="0" smtClean="0"/>
+              <a:t>Archive of run</a:t>
+            </a:r>
+          </a:p>
+          <a:p>
+            <a:r>
+              <a:rPr lang="en-US" dirty="0" smtClean="0"/>
+              <a:t>QA/QC: single-file view of multiple sources</a:t>
+            </a:r>
+          </a:p>
+          <a:p>
+            <a:r>
+              <a:rPr lang="en-US" dirty="0" smtClean="0"/>
+              <a:t>Can be used as an input file</a:t>
+            </a:r>
+          </a:p>
+          <a:p>
+            <a:endParaRPr lang="en-US" dirty="0" smtClean="0"/>
+          </a:p>
+        </p:txBody>
+      </p:sp>
+      <p:sp>
+        <p:nvSpPr>
+          <p:cNvPr id="4" name="Date Placeholder 3"/>
+          <p:cNvSpPr>
+            <a:spLocks noGrp="1"/>
+          </p:cNvSpPr>
+          <p:nvPr>
+            <p:ph type="dt" sz="half" idx="10"/>
+          </p:nvPr>
+        </p:nvSpPr>
+        <p:spPr/>
+        <p:txBody>
+          <a:bodyPr/>
+          <a:lstStyle/>
+          <a:p>
+            <a:fld id="{AB98F214-5D90-468C-9EE8-E1612B8D2BE2}" type="slidenum">
+              <a:rPr lang="en-US" smtClean="0"/>
+              <a:pPr/>
+              <a:t>19</a:t>
+            </a:fld>
+            <a:endParaRPr lang="en-US"/>
+          </a:p>
+        </p:txBody>
+      </p:sp>
+    </p:spTree>
+  </p:cSld>
+  <p:clrMapOvr>
+    <a:masterClrMapping/>
+  </p:clrMapOvr>
+  <p:transition/>
+</p:sld>
+</file>
+
+<file path=ppt/slides/slide2.xml><?xml version="1.0" encoding="utf-8"?>
+<p:sld xmlns:a="http://schemas.openxmlformats.org/drawingml/2006/main" xmlns:r="http://schemas.openxmlformats.org/officeDocument/2006/relationships" xmlns:p="http://schemas.openxmlformats.org/presentationml/2006/main">
+  <p:cSld>
+    <p:spTree>
+      <p:nvGrpSpPr>
+        <p:cNvPr id="1" name=""/>
+        <p:cNvGrpSpPr/>
+        <p:nvPr/>
+      </p:nvGrpSpPr>
+      <p:grpSpPr>
+        <a:xfrm>
+          <a:off x="0" y="0"/>
+          <a:ext cx="0" cy="0"/>
+          <a:chOff x="0" y="0"/>
+          <a:chExt cx="0" cy="0"/>
+        </a:xfrm>
+      </p:grpSpPr>
+      <p:sp>
+        <p:nvSpPr>
+          <p:cNvPr id="2" name="Title 1"/>
+          <p:cNvSpPr>
+            <a:spLocks noGrp="1"/>
+          </p:cNvSpPr>
+          <p:nvPr>
+            <p:ph type="title"/>
+          </p:nvPr>
+        </p:nvSpPr>
+        <p:spPr/>
+        <p:txBody>
+          <a:bodyPr/>
+          <a:lstStyle/>
+          <a:p>
+            <a:r>
+              <a:rPr lang="en-US" dirty="0" smtClean="0"/>
+              <a:t>Topics</a:t>
+            </a:r>
+            <a:endParaRPr lang="en-US" dirty="0"/>
+          </a:p>
+        </p:txBody>
+      </p:sp>
+      <p:sp>
+        <p:nvSpPr>
+          <p:cNvPr id="3" name="Content Placeholder 2"/>
+          <p:cNvSpPr>
+            <a:spLocks noGrp="1"/>
+          </p:cNvSpPr>
+          <p:nvPr>
+            <p:ph idx="1"/>
+          </p:nvPr>
+        </p:nvSpPr>
+        <p:spPr>
+          <a:xfrm>
+            <a:off x="685799" y="1469766"/>
+            <a:ext cx="8196944" cy="4114800"/>
+          </a:xfrm>
+        </p:spPr>
+        <p:txBody>
+          <a:bodyPr/>
+          <a:lstStyle/>
+          <a:p>
+            <a:r>
+              <a:rPr lang="en-US" dirty="0" smtClean="0"/>
+              <a:t>Boundary Conditions for HYDRO/QUAL</a:t>
+            </a:r>
+          </a:p>
+          <a:p>
+            <a:r>
+              <a:rPr lang="en-US" dirty="0" smtClean="0"/>
+              <a:t>Other Time Series(gates, sources)</a:t>
+            </a:r>
+          </a:p>
+          <a:p>
+            <a:r>
+              <a:rPr lang="en-US" dirty="0" smtClean="0"/>
+              <a:t>Gate Op: Default, Time Series, Op Rule</a:t>
+            </a:r>
+          </a:p>
+          <a:p>
+            <a:r>
+              <a:rPr lang="en-US" dirty="0" smtClean="0"/>
+              <a:t>Initial Conditions (default, restart)</a:t>
+            </a:r>
+          </a:p>
+          <a:p>
+            <a:r>
+              <a:rPr lang="en-US" dirty="0" err="1" smtClean="0"/>
+              <a:t>Tidefile</a:t>
+            </a:r>
+            <a:endParaRPr lang="en-US" dirty="0" smtClean="0"/>
+          </a:p>
+          <a:p>
+            <a:r>
+              <a:rPr lang="en-US" dirty="0" smtClean="0"/>
+              <a:t>Echoed input</a:t>
+            </a:r>
+          </a:p>
+          <a:p>
+            <a:r>
+              <a:rPr lang="en-US" dirty="0" smtClean="0"/>
+              <a:t>Time Series Output</a:t>
+            </a:r>
+          </a:p>
+          <a:p>
+            <a:endParaRPr lang="en-US" dirty="0"/>
+          </a:p>
+        </p:txBody>
+      </p:sp>
+      <p:sp>
+        <p:nvSpPr>
+          <p:cNvPr id="4" name="Date Placeholder 3"/>
+          <p:cNvSpPr>
+            <a:spLocks noGrp="1"/>
+          </p:cNvSpPr>
+          <p:nvPr>
+            <p:ph type="dt" sz="half" idx="10"/>
+          </p:nvPr>
+        </p:nvSpPr>
+        <p:spPr/>
+        <p:txBody>
+          <a:bodyPr/>
+          <a:lstStyle/>
+          <a:p>
+            <a:fld id="{AB98F214-5D90-468C-9EE8-E1612B8D2BE2}" type="slidenum">
+              <a:rPr lang="en-US" smtClean="0"/>
+              <a:pPr/>
+              <a:t>2</a:t>
+            </a:fld>
+            <a:endParaRPr lang="en-US"/>
+          </a:p>
+        </p:txBody>
+      </p:sp>
+      <p:pic>
+        <p:nvPicPr>
+          <p:cNvPr id="6" name="Picture 17" descr="DSM2v8 Basic Tutorial 4"/>
+          <p:cNvPicPr>
+            <a:picLocks noChangeAspect="1" noChangeArrowheads="1"/>
+          </p:cNvPicPr>
+          <p:nvPr/>
+        </p:nvPicPr>
+        <p:blipFill>
+          <a:blip r:embed="rId2" cstate="print"/>
+          <a:srcRect/>
+          <a:stretch>
+            <a:fillRect/>
+          </a:stretch>
+        </p:blipFill>
+        <p:spPr bwMode="auto">
+          <a:xfrm>
+            <a:off x="867229" y="5653314"/>
             <a:ext cx="7223125" cy="957263"/>
           </a:xfrm>
           <a:prstGeom prst="rect">
@@ -5427,7 +6699,7 @@
 </p:sld>
 </file>
 
-<file path=ppt/slides/slide2.xml><?xml version="1.0" encoding="utf-8"?>
+<file path=ppt/slides/slide20.xml><?xml version="1.0" encoding="utf-8"?>
 <p:sld xmlns:a="http://schemas.openxmlformats.org/drawingml/2006/main" xmlns:r="http://schemas.openxmlformats.org/officeDocument/2006/relationships" xmlns:p="http://schemas.openxmlformats.org/presentationml/2006/main">
   <p:cSld>
     <p:spTree>
@@ -5461,7 +6733,7 @@
           <a:p>
             <a:r>
               <a:rPr lang="en-US" dirty="0" smtClean="0"/>
-              <a:t>Topics</a:t>
+              <a:t>For v6 Users</a:t>
             </a:r>
             <a:endParaRPr lang="en-US" dirty="0"/>
           </a:p>
@@ -5479,8 +6751,8 @@
         </p:nvSpPr>
         <p:spPr>
           <a:xfrm>
-            <a:off x="685799" y="1469766"/>
-            <a:ext cx="8196944" cy="4114800"/>
+            <a:off x="685800" y="1981200"/>
+            <a:ext cx="8153400" cy="4114800"/>
           </a:xfrm>
         </p:spPr>
         <p:txBody>
@@ -5489,50 +6761,21 @@
           <a:p>
             <a:r>
               <a:rPr lang="en-US" dirty="0" smtClean="0"/>
-              <a:t>Boundary Conditions for HYDRO/QUAL</a:t>
+              <a:t>No “priorities” in DSS</a:t>
             </a:r>
           </a:p>
           <a:p>
             <a:r>
               <a:rPr lang="en-US" dirty="0" smtClean="0"/>
-              <a:t>Other TS (gates, sources)</a:t>
-            </a:r>
-          </a:p>
-          <a:p>
+              <a:t>Link between Hydro and </a:t>
+            </a:r>
+            <a:r>
+              <a:rPr lang="en-US" dirty="0" err="1" smtClean="0"/>
+              <a:t>Qual</a:t>
+            </a:r>
             <a:r>
               <a:rPr lang="en-US" dirty="0" smtClean="0"/>
-              <a:t>Default, Time Series and Op Rule Control</a:t>
-            </a:r>
-          </a:p>
-          <a:p>
-            <a:r>
-              <a:rPr lang="en-US" dirty="0" smtClean="0"/>
-              <a:t>Time series formats: text, HEC-DSS</a:t>
-            </a:r>
-          </a:p>
-          <a:p>
-            <a:r>
-              <a:rPr lang="en-US" dirty="0" smtClean="0"/>
-              <a:t>Time Series Output</a:t>
-            </a:r>
-          </a:p>
-          <a:p>
-            <a:r>
-              <a:rPr lang="en-US" dirty="0" smtClean="0"/>
-              <a:t>Initial Conditions (default, restart)</a:t>
-            </a:r>
-          </a:p>
-          <a:p>
-            <a:r>
-              <a:rPr lang="en-US" dirty="0" err="1" smtClean="0"/>
-              <a:t>Tidefile</a:t>
-            </a:r>
-            <a:endParaRPr lang="en-US" dirty="0" smtClean="0"/>
-          </a:p>
-          <a:p>
-            <a:r>
-              <a:rPr lang="en-US" dirty="0" smtClean="0"/>
-              <a:t>Echoed input</a:t>
+              <a:t> different</a:t>
             </a:r>
             <a:endParaRPr lang="en-US" dirty="0"/>
           </a:p>
@@ -5556,15 +6799,116 @@
             <a:fld id="{AB98F214-5D90-468C-9EE8-E1612B8D2BE2}" type="slidenum">
               <a:rPr lang="en-US" smtClean="0"/>
               <a:pPr/>
-              <a:t>2</a:t>
+              <a:t>20</a:t>
             </a:fld>
             <a:endParaRPr lang="en-US"/>
           </a:p>
         </p:txBody>
       </p:sp>
+    </p:spTree>
+  </p:cSld>
+  <p:clrMapOvr>
+    <a:masterClrMapping/>
+  </p:clrMapOvr>
+  <p:transition/>
+</p:sld>
+</file>
+
+<file path=ppt/slides/slide21.xml><?xml version="1.0" encoding="utf-8"?>
+<p:sld xmlns:a="http://schemas.openxmlformats.org/drawingml/2006/main" xmlns:r="http://schemas.openxmlformats.org/officeDocument/2006/relationships" xmlns:p="http://schemas.openxmlformats.org/presentationml/2006/main">
+  <p:cSld>
+    <p:spTree>
+      <p:nvGrpSpPr>
+        <p:cNvPr id="1" name=""/>
+        <p:cNvGrpSpPr/>
+        <p:nvPr/>
+      </p:nvGrpSpPr>
+      <p:grpSpPr>
+        <a:xfrm>
+          <a:off x="0" y="0"/>
+          <a:ext cx="0" cy="0"/>
+          <a:chOff x="0" y="0"/>
+          <a:chExt cx="0" cy="0"/>
+        </a:xfrm>
+      </p:grpSpPr>
+      <p:sp>
+        <p:nvSpPr>
+          <p:cNvPr id="2" name="Title 1"/>
+          <p:cNvSpPr>
+            <a:spLocks noGrp="1"/>
+          </p:cNvSpPr>
+          <p:nvPr>
+            <p:ph type="title"/>
+          </p:nvPr>
+        </p:nvSpPr>
+        <p:spPr/>
+        <p:txBody>
+          <a:bodyPr/>
+          <a:lstStyle/>
+          <a:p>
+            <a:r>
+              <a:rPr lang="en-US" dirty="0" smtClean="0"/>
+              <a:t>Tutorial 4: Time Series</a:t>
+            </a:r>
+            <a:endParaRPr lang="en-US" dirty="0"/>
+          </a:p>
+        </p:txBody>
+      </p:sp>
+      <p:sp>
+        <p:nvSpPr>
+          <p:cNvPr id="3" name="Content Placeholder 2"/>
+          <p:cNvSpPr>
+            <a:spLocks noGrp="1"/>
+          </p:cNvSpPr>
+          <p:nvPr>
+            <p:ph idx="1"/>
+          </p:nvPr>
+        </p:nvSpPr>
+        <p:spPr>
+          <a:xfrm>
+            <a:off x="685800" y="1596325"/>
+            <a:ext cx="7772400" cy="4499675"/>
+          </a:xfrm>
+        </p:spPr>
+        <p:txBody>
+          <a:bodyPr/>
+          <a:lstStyle/>
+          <a:p>
+            <a:r>
+              <a:rPr lang="en-US" dirty="0" smtClean="0"/>
+              <a:t>Replaces some constant inputs with time series data, e.g. a realistic tide.</a:t>
+            </a:r>
+            <a:endParaRPr lang="en-US" dirty="0"/>
+          </a:p>
+        </p:txBody>
+      </p:sp>
+      <p:sp>
+        <p:nvSpPr>
+          <p:cNvPr id="4" name="Date Placeholder 3"/>
+          <p:cNvSpPr>
+            <a:spLocks noGrp="1"/>
+          </p:cNvSpPr>
+          <p:nvPr>
+            <p:ph type="dt" sz="half" idx="10"/>
+          </p:nvPr>
+        </p:nvSpPr>
+        <p:spPr/>
+        <p:txBody>
+          <a:bodyPr/>
+          <a:lstStyle/>
+          <a:p>
+            <a:fld id="{AB98F214-5D90-468C-9EE8-E1612B8D2BE2}" type="slidenum">
+              <a:rPr lang="en-US" smtClean="0"/>
+              <a:pPr/>
+              <a:t>21</a:t>
+            </a:fld>
+            <a:endParaRPr lang="en-US"/>
+          </a:p>
+        </p:txBody>
+      </p:sp>
       <p:pic>
         <p:nvPicPr>
-          <p:cNvPr id="6" name="Picture 17" descr="DSM2v8 Basic Tutorial 4"/>
+          <p:cNvPr id="7" name="Picture 17" descr="DSM2v8 Basic Tutorial 4"/>
           <p:cNvPicPr>
             <a:picLocks noChangeAspect="1" noChangeArrowheads="1"/>
           </p:cNvPicPr>
@@ -5579,7 +6923,7 @@
         </p:blipFill>
         <p:spPr bwMode="auto">
           <a:xfrm>
-            <a:off x="867229" y="5653314"/>
+            <a:off x="925287" y="5522685"/>
             <a:ext cx="7223125" cy="957263"/>
           </a:xfrm>
           <a:prstGeom prst="rect">
@@ -6047,8 +7391,40 @@
         </p:blipFill>
         <p:spPr bwMode="auto">
           <a:xfrm>
-            <a:off x="3354842" y="1671638"/>
+            <a:off x="1003529" y="4578124"/>
             <a:ext cx="4371975" cy="2905125"/>
+          </a:xfrm>
+          <a:prstGeom prst="rect">
+            <a:avLst/>
+          </a:prstGeom>
+          <a:noFill/>
+          <a:ln w="9525">
+            <a:noFill/>
+            <a:miter lim="800000"/>
+            <a:headEnd/>
+            <a:tailEnd/>
+          </a:ln>
+        </p:spPr>
+      </p:pic>
+      <p:pic>
+        <p:nvPicPr>
+          <p:cNvPr id="5" name="Picture 2"/>
+          <p:cNvPicPr>
+            <a:picLocks noChangeAspect="1" noChangeArrowheads="1"/>
+          </p:cNvPicPr>
+          <p:nvPr/>
+        </p:nvPicPr>
+        <p:blipFill>
+          <a:blip r:embed="rId5" cstate="print"/>
+          <a:srcRect/>
+          <a:stretch>
+            <a:fillRect/>
+          </a:stretch>
+        </p:blipFill>
+        <p:spPr bwMode="auto">
+          <a:xfrm>
+            <a:off x="3013982" y="1360715"/>
+            <a:ext cx="5934075" cy="3667125"/>
           </a:xfrm>
           <a:prstGeom prst="rect">
             <a:avLst/>
@@ -6130,8 +7506,8 @@
         </p:nvSpPr>
         <p:spPr>
           <a:xfrm>
-            <a:off x="685800" y="1458686"/>
-            <a:ext cx="7772400" cy="4637314"/>
+            <a:off x="685799" y="1458686"/>
+            <a:ext cx="8001001" cy="4637314"/>
           </a:xfrm>
         </p:spPr>
         <p:txBody>
@@ -6147,20 +7523,15 @@
             <a:pPr lvl="1"/>
             <a:r>
               <a:rPr lang="en-US" dirty="0" smtClean="0"/>
-              <a:t>Hydro is stage or flow</a:t>
+              <a:t>Hydro is stage or flow (including source/sink)</a:t>
             </a:r>
           </a:p>
           <a:p>
             <a:pPr lvl="2"/>
             <a:r>
               <a:rPr lang="en-US" dirty="0" smtClean="0"/>
-              <a:t>Default is </a:t>
-            </a:r>
-            <a:r>
-              <a:rPr lang="en-US" dirty="0" smtClean="0"/>
-              <a:t>no-flow</a:t>
-            </a:r>
-            <a:endParaRPr lang="en-US" dirty="0" smtClean="0"/>
+              <a:t>Default is no-flow</a:t>
+            </a:r>
           </a:p>
         </p:txBody>
       </p:sp>
@@ -6222,6 +7593,51 @@
           </a:ln>
         </p:spPr>
       </p:pic>
+      <p:sp>
+        <p:nvSpPr>
+          <p:cNvPr id="6" name="TextBox 5"/>
+          <p:cNvSpPr txBox="1"/>
+          <p:nvPr/>
+        </p:nvSpPr>
+        <p:spPr>
+          <a:xfrm>
+            <a:off x="702789" y="4057982"/>
+            <a:ext cx="1906291" cy="1015663"/>
+          </a:xfrm>
+          <a:prstGeom prst="rect">
+            <a:avLst/>
+          </a:prstGeom>
+          <a:noFill/>
+        </p:spPr>
+        <p:txBody>
+          <a:bodyPr wrap="none" rtlCol="0">
+            <a:spAutoFit/>
+          </a:bodyPr>
+          <a:lstStyle/>
+          <a:p>
+            <a:pPr algn="l"/>
+            <a:r>
+              <a:rPr lang="en-US" sz="2000" dirty="0" smtClean="0"/>
+              <a:t>Example with </a:t>
+            </a:r>
+          </a:p>
+          <a:p>
+            <a:pPr algn="l"/>
+            <a:r>
+              <a:rPr lang="en-US" sz="2000" dirty="0" smtClean="0"/>
+              <a:t>constant flow </a:t>
+            </a:r>
+          </a:p>
+          <a:p>
+            <a:pPr algn="l"/>
+            <a:r>
+              <a:rPr lang="en-US" sz="2000" dirty="0" smtClean="0"/>
+              <a:t>and stage</a:t>
+            </a:r>
+            <a:endParaRPr lang="en-US" sz="2000" dirty="0"/>
+          </a:p>
+        </p:txBody>
+      </p:sp>
     </p:spTree>
   </p:cSld>
   <p:clrMapOvr>
@@ -6300,37 +7716,15 @@
           <a:p>
             <a:r>
               <a:rPr lang="en-US" dirty="0" smtClean="0"/>
-              <a:t>Boundary </a:t>
-            </a:r>
+              <a:t>Boundary Conditions</a:t>
+            </a:r>
+          </a:p>
+          <a:p>
+            <a:pPr lvl="1"/>
             <a:r>
               <a:rPr lang="en-US" dirty="0" smtClean="0"/>
-              <a:t>Conditions (Continue)</a:t>
-            </a:r>
-            <a:endParaRPr lang="en-US" dirty="0" smtClean="0"/>
-          </a:p>
-          <a:p>
-            <a:pPr lvl="1"/>
-            <a:r>
-              <a:rPr lang="en-US" dirty="0" err="1" smtClean="0"/>
-              <a:t>Qual</a:t>
-            </a:r>
-            <a:r>
-              <a:rPr lang="en-US" dirty="0" smtClean="0"/>
-              <a:t> concentration for every inflow</a:t>
-            </a:r>
-          </a:p>
-          <a:p>
-            <a:pPr lvl="2"/>
-            <a:r>
-              <a:rPr lang="en-US" dirty="0" smtClean="0"/>
-              <a:t>Default zero with warning</a:t>
-            </a:r>
-          </a:p>
-          <a:p>
-            <a:pPr lvl="1">
-              <a:buNone/>
-            </a:pPr>
-            <a:endParaRPr lang="en-US" dirty="0" smtClean="0"/>
+              <a:t>Specifying flow and stage in time series </a:t>
+            </a:r>
           </a:p>
         </p:txBody>
       </p:sp>
@@ -6358,6 +7752,38 @@
           </a:p>
         </p:txBody>
       </p:sp>
+      <p:pic>
+        <p:nvPicPr>
+          <p:cNvPr id="3074" name="Picture 2"/>
+          <p:cNvPicPr>
+            <a:picLocks noChangeAspect="1" noChangeArrowheads="1"/>
+          </p:cNvPicPr>
+          <p:nvPr/>
+        </p:nvPicPr>
+        <p:blipFill>
+          <a:blip r:embed="rId3" cstate="print"/>
+          <a:srcRect/>
+          <a:stretch>
+            <a:fillRect/>
+          </a:stretch>
+        </p:blipFill>
+        <p:spPr bwMode="auto">
+          <a:xfrm>
+            <a:off x="942975" y="2484664"/>
+            <a:ext cx="7258050" cy="4133850"/>
+          </a:xfrm>
+          <a:prstGeom prst="rect">
+            <a:avLst/>
+          </a:prstGeom>
+          <a:noFill/>
+          <a:ln w="9525">
+            <a:noFill/>
+            <a:miter lim="800000"/>
+            <a:headEnd/>
+            <a:tailEnd/>
+          </a:ln>
+        </p:spPr>
+      </p:pic>
     </p:spTree>
   </p:cSld>
   <p:clrMapOvr>
@@ -6408,7 +7834,7 @@
           <a:p>
             <a:r>
               <a:rPr lang="en-US" dirty="0" smtClean="0"/>
-              <a:t>Input</a:t>
+              <a:t>Basic Input</a:t>
             </a:r>
             <a:endParaRPr lang="en-US" dirty="0"/>
           </a:p>
@@ -6436,47 +7862,8 @@
           <a:p>
             <a:r>
               <a:rPr lang="en-US" dirty="0" smtClean="0"/>
-              <a:t>Configuration</a:t>
-            </a:r>
-          </a:p>
-          <a:p>
-            <a:pPr lvl="1"/>
-            <a:r>
-              <a:rPr lang="en-US" dirty="0" smtClean="0"/>
-              <a:t>ENVVAR</a:t>
-            </a:r>
-          </a:p>
-          <a:p>
-            <a:pPr lvl="1"/>
-            <a:r>
-              <a:rPr lang="en-US" dirty="0" smtClean="0"/>
-              <a:t>SCALAR</a:t>
-            </a:r>
-          </a:p>
-          <a:p>
-            <a:r>
-              <a:rPr lang="en-US" dirty="0" smtClean="0"/>
-              <a:t>Grid</a:t>
-            </a:r>
-          </a:p>
-          <a:p>
-            <a:pPr lvl="1"/>
-            <a:endParaRPr lang="en-US" dirty="0" smtClean="0"/>
-          </a:p>
-          <a:p>
-            <a:r>
-              <a:rPr lang="en-US" dirty="0" smtClean="0"/>
-              <a:t>Boundary Conditions (Upstream, Downstream, flow, stage, source/sink)</a:t>
-            </a:r>
-          </a:p>
-          <a:p>
-            <a:r>
-              <a:rPr lang="en-US" dirty="0" smtClean="0"/>
-              <a:t>Initial Conditions</a:t>
-            </a:r>
-          </a:p>
-          <a:p>
-            <a:endParaRPr lang="en-US" dirty="0"/>
+              <a:t>Downstream stage time series example</a:t>
+            </a:r>
           </a:p>
         </p:txBody>
       </p:sp>
@@ -6504,6 +7891,38 @@
           </a:p>
         </p:txBody>
       </p:sp>
+      <p:pic>
+        <p:nvPicPr>
+          <p:cNvPr id="4098" name="Picture 2"/>
+          <p:cNvPicPr>
+            <a:picLocks noChangeAspect="1" noChangeArrowheads="1"/>
+          </p:cNvPicPr>
+          <p:nvPr/>
+        </p:nvPicPr>
+        <p:blipFill>
+          <a:blip r:embed="rId3" cstate="print"/>
+          <a:srcRect/>
+          <a:stretch>
+            <a:fillRect/>
+          </a:stretch>
+        </p:blipFill>
+        <p:spPr bwMode="auto">
+          <a:xfrm>
+            <a:off x="2117271" y="1943099"/>
+            <a:ext cx="5715000" cy="4762500"/>
+          </a:xfrm>
+          <a:prstGeom prst="rect">
+            <a:avLst/>
+          </a:prstGeom>
+          <a:noFill/>
+          <a:ln w="9525">
+            <a:noFill/>
+            <a:miter lim="800000"/>
+            <a:headEnd/>
+            <a:tailEnd/>
+          </a:ln>
+        </p:spPr>
+      </p:pic>
     </p:spTree>
   </p:cSld>
   <p:clrMapOvr>
@@ -6554,7 +7973,7 @@
           <a:p>
             <a:r>
               <a:rPr lang="en-US" dirty="0" smtClean="0"/>
-              <a:t>Boundary Conditions</a:t>
+              <a:t>Basic Input</a:t>
             </a:r>
             <a:endParaRPr lang="en-US" dirty="0"/>
           </a:p>
@@ -6572,8 +7991,8 @@
         </p:nvSpPr>
         <p:spPr>
           <a:xfrm>
-            <a:off x="685800" y="1596325"/>
-            <a:ext cx="7772400" cy="4881967"/>
+            <a:off x="642256" y="1240972"/>
+            <a:ext cx="7772400" cy="4637314"/>
           </a:xfrm>
         </p:spPr>
         <p:txBody>
@@ -6582,55 +8001,37 @@
           <a:p>
             <a:r>
               <a:rPr lang="en-US" dirty="0" smtClean="0"/>
-              <a:t>What required</a:t>
-            </a:r>
-          </a:p>
-          <a:p>
-            <a:pPr lvl="1"/>
-            <a:r>
-              <a:rPr lang="en-US" dirty="0" smtClean="0"/>
-              <a:t>Hydro is stage or flow</a:t>
-            </a:r>
-          </a:p>
-          <a:p>
-            <a:pPr lvl="2"/>
-            <a:r>
-              <a:rPr lang="en-US" dirty="0" smtClean="0"/>
-              <a:t>Default is no-flow</a:t>
-            </a:r>
-          </a:p>
-          <a:p>
-            <a:pPr lvl="1"/>
+              <a:t>Boundary Conditions for </a:t>
+            </a:r>
             <a:r>
               <a:rPr lang="en-US" dirty="0" err="1" smtClean="0"/>
               <a:t>Qual</a:t>
             </a:r>
+            <a:endParaRPr lang="en-US" dirty="0" smtClean="0"/>
+          </a:p>
+          <a:p>
+            <a:pPr lvl="1"/>
             <a:r>
               <a:rPr lang="en-US" dirty="0" smtClean="0"/>
-              <a:t> concentration for every inflow</a:t>
-            </a:r>
-          </a:p>
-          <a:p>
-            <a:pPr lvl="2"/>
+              <a:t>Concentration for every inflow</a:t>
+            </a:r>
+          </a:p>
+          <a:p>
+            <a:pPr lvl="1"/>
+            <a:r>
+              <a:rPr lang="en-US" dirty="0" smtClean="0"/>
+              <a:t>Concentration for tidal boundary</a:t>
+            </a:r>
+          </a:p>
+          <a:p>
+            <a:pPr lvl="1"/>
             <a:r>
               <a:rPr lang="en-US" dirty="0" smtClean="0"/>
               <a:t>Default zero with warning</a:t>
             </a:r>
           </a:p>
           <a:p>
-            <a:pPr lvl="2"/>
-            <a:r>
-              <a:rPr lang="en-US" dirty="0" smtClean="0"/>
-              <a:t>Tidal boundary may not always be used</a:t>
-            </a:r>
-          </a:p>
-          <a:p>
-            <a:r>
-              <a:rPr lang="en-US" dirty="0" smtClean="0"/>
-              <a:t>Other TS input (gates)</a:t>
-            </a:r>
-          </a:p>
-          <a:p>
+            <a:pPr lvl="1"/>
             <a:r>
               <a:rPr lang="en-US" dirty="0" smtClean="0"/>
               <a:t>Linking </a:t>
@@ -6641,9 +8042,23 @@
             </a:r>
             <a:r>
               <a:rPr lang="en-US" dirty="0" smtClean="0"/>
-              <a:t> to hydro (name of input)</a:t>
-            </a:r>
-            <a:endParaRPr lang="en-US" dirty="0"/>
+              <a:t> to hydro (use same </a:t>
+            </a:r>
+            <a:r>
+              <a:rPr lang="en-US" dirty="0" smtClean="0"/>
+              <a:t>name )</a:t>
+            </a:r>
+            <a:endParaRPr lang="en-US" dirty="0" smtClean="0"/>
+          </a:p>
+          <a:p>
+            <a:pPr lvl="1"/>
+            <a:endParaRPr lang="en-US" dirty="0" smtClean="0"/>
+          </a:p>
+          <a:p>
+            <a:pPr lvl="1">
+              <a:buNone/>
+            </a:pPr>
+            <a:endParaRPr lang="en-US" dirty="0" smtClean="0"/>
           </a:p>
         </p:txBody>
       </p:sp>
@@ -6671,6 +8086,191 @@
           </a:p>
         </p:txBody>
       </p:sp>
+      <p:pic>
+        <p:nvPicPr>
+          <p:cNvPr id="1027" name="Picture 3"/>
+          <p:cNvPicPr>
+            <a:picLocks noChangeAspect="1" noChangeArrowheads="1"/>
+          </p:cNvPicPr>
+          <p:nvPr/>
+        </p:nvPicPr>
+        <p:blipFill>
+          <a:blip r:embed="rId3" cstate="print"/>
+          <a:srcRect/>
+          <a:stretch>
+            <a:fillRect/>
+          </a:stretch>
+        </p:blipFill>
+        <p:spPr bwMode="auto">
+          <a:xfrm>
+            <a:off x="1040948" y="3810000"/>
+            <a:ext cx="7258050" cy="3048000"/>
+          </a:xfrm>
+          <a:prstGeom prst="rect">
+            <a:avLst/>
+          </a:prstGeom>
+          <a:noFill/>
+          <a:ln w="9525">
+            <a:noFill/>
+            <a:miter lim="800000"/>
+            <a:headEnd/>
+            <a:tailEnd/>
+          </a:ln>
+        </p:spPr>
+      </p:pic>
+      <p:sp>
+        <p:nvSpPr>
+          <p:cNvPr id="7" name="Oval 6"/>
+          <p:cNvSpPr/>
+          <p:nvPr/>
+        </p:nvSpPr>
+        <p:spPr bwMode="auto">
+          <a:xfrm>
+            <a:off x="1632857" y="5083628"/>
+            <a:ext cx="1698171" cy="402772"/>
+          </a:xfrm>
+          <a:prstGeom prst="ellipse">
+            <a:avLst/>
+          </a:prstGeom>
+          <a:noFill/>
+          <a:ln w="25400" cap="flat" cmpd="sng" algn="ctr">
+            <a:solidFill>
+              <a:srgbClr val="C00000"/>
+            </a:solidFill>
+            <a:prstDash val="solid"/>
+            <a:round/>
+            <a:headEnd type="none" w="med" len="med"/>
+            <a:tailEnd type="none" w="med" len="med"/>
+          </a:ln>
+          <a:effectLst/>
+        </p:spPr>
+        <p:txBody>
+          <a:bodyPr vert="horz" wrap="square" lIns="91440" tIns="45720" rIns="91440" bIns="45720" numCol="1" rtlCol="0" anchor="ctr" anchorCtr="0" compatLnSpc="1">
+            <a:prstTxWarp prst="textNoShape">
+              <a:avLst/>
+            </a:prstTxWarp>
+          </a:bodyPr>
+          <a:lstStyle/>
+          <a:p>
+            <a:pPr marL="0" marR="0" indent="0" algn="ctr" defTabSz="914400" rtl="0" eaLnBrk="0" fontAlgn="base" latinLnBrk="0" hangingPunct="0">
+              <a:lnSpc>
+                <a:spcPct val="100000"/>
+              </a:lnSpc>
+              <a:spcBef>
+                <a:spcPct val="0"/>
+              </a:spcBef>
+              <a:spcAft>
+                <a:spcPct val="0"/>
+              </a:spcAft>
+              <a:buClrTx/>
+              <a:buSzTx/>
+              <a:buFontTx/>
+              <a:buNone/>
+              <a:tabLst/>
+            </a:pPr>
+            <a:endParaRPr kumimoji="0" lang="en-US" sz="3600" b="1" i="0" u="none" strike="noStrike" cap="none" normalizeH="0" baseline="0" smtClean="0">
+              <a:ln>
+                <a:noFill/>
+              </a:ln>
+              <a:solidFill>
+                <a:schemeClr val="tx1"/>
+              </a:solidFill>
+              <a:effectLst/>
+              <a:latin typeface="Arial" charset="0"/>
+            </a:endParaRPr>
+          </a:p>
+        </p:txBody>
+      </p:sp>
+      <p:cxnSp>
+        <p:nvCxnSpPr>
+          <p:cNvPr id="9" name="Straight Arrow Connector 8"/>
+          <p:cNvCxnSpPr/>
+          <p:nvPr/>
+        </p:nvCxnSpPr>
+        <p:spPr bwMode="auto">
+          <a:xfrm>
+            <a:off x="6672943" y="3733800"/>
+            <a:ext cx="914400" cy="914400"/>
+          </a:xfrm>
+          <a:prstGeom prst="straightConnector1">
+            <a:avLst/>
+          </a:prstGeom>
+          <a:solidFill>
+            <a:srgbClr val="FFFF99"/>
+          </a:solidFill>
+          <a:ln w="9525" cap="flat" cmpd="sng" algn="ctr">
+            <a:noFill/>
+            <a:prstDash val="solid"/>
+            <a:round/>
+            <a:headEnd type="none" w="med" len="med"/>
+            <a:tailEnd type="arrow"/>
+          </a:ln>
+          <a:effectLst/>
+        </p:spPr>
+      </p:cxnSp>
+      <p:cxnSp>
+        <p:nvCxnSpPr>
+          <p:cNvPr id="11" name="Straight Arrow Connector 10"/>
+          <p:cNvCxnSpPr>
+            <a:endCxn id="7" idx="7"/>
+          </p:cNvCxnSpPr>
+          <p:nvPr/>
+        </p:nvCxnSpPr>
+        <p:spPr bwMode="auto">
+          <a:xfrm rot="10800000" flipV="1">
+            <a:off x="3082337" y="3777341"/>
+            <a:ext cx="3209607" cy="1365271"/>
+          </a:xfrm>
+          <a:prstGeom prst="straightConnector1">
+            <a:avLst/>
+          </a:prstGeom>
+          <a:solidFill>
+            <a:srgbClr val="FFFF99"/>
+          </a:solidFill>
+          <a:ln w="19050" cap="flat" cmpd="sng" algn="ctr">
+            <a:solidFill>
+              <a:srgbClr val="C00000"/>
+            </a:solidFill>
+            <a:prstDash val="solid"/>
+            <a:round/>
+            <a:headEnd type="none" w="med" len="med"/>
+            <a:tailEnd type="arrow"/>
+          </a:ln>
+          <a:effectLst/>
+        </p:spPr>
+      </p:cxnSp>
+      <p:pic>
+        <p:nvPicPr>
+          <p:cNvPr id="1026" name="Picture 2" descr="j0434750[1]"/>
+          <p:cNvPicPr>
+            <a:picLocks noChangeAspect="1" noChangeArrowheads="1"/>
+          </p:cNvPicPr>
+          <p:nvPr/>
+        </p:nvPicPr>
+        <p:blipFill>
+          <a:blip r:embed="rId4" cstate="print"/>
+          <a:srcRect/>
+          <a:stretch>
+            <a:fillRect/>
+          </a:stretch>
+        </p:blipFill>
+        <p:spPr bwMode="auto">
+          <a:xfrm>
+            <a:off x="7772400" y="3537857"/>
+            <a:ext cx="276225" cy="276225"/>
+          </a:xfrm>
+          <a:prstGeom prst="rect">
+            <a:avLst/>
+          </a:prstGeom>
+          <a:noFill/>
+          <a:ln w="9525">
+            <a:noFill/>
+            <a:miter lim="800000"/>
+            <a:headEnd/>
+            <a:tailEnd/>
+          </a:ln>
+        </p:spPr>
+      </p:pic>
     </p:spTree>
   </p:cSld>
   <p:clrMapOvr>

--- a/dsm2/presentations/p4_simulation_data.pptx
+++ b/dsm2/presentations/p4_simulation_data.pptx
@@ -5393,6 +5393,13 @@
     <a:masterClrMapping/>
   </p:clrMapOvr>
   <p:transition/>
+  <p:timing>
+    <p:tnLst>
+      <p:par>
+        <p:cTn id="1" dur="indefinite" restart="never" nodeType="tmRoot"/>
+      </p:par>
+    </p:tnLst>
+  </p:timing>
 </p:sld>
 </file>
 
@@ -5644,6 +5651,13 @@
     <a:masterClrMapping/>
   </p:clrMapOvr>
   <p:transition/>
+  <p:timing>
+    <p:tnLst>
+      <p:par>
+        <p:cTn id="1" dur="indefinite" restart="never" nodeType="tmRoot"/>
+      </p:par>
+    </p:tnLst>
+  </p:timing>
 </p:sld>
 </file>
 
@@ -6066,6 +6080,13 @@
     <a:masterClrMapping/>
   </p:clrMapOvr>
   <p:transition/>
+  <p:timing>
+    <p:tnLst>
+      <p:par>
+        <p:cTn id="1" dur="indefinite" restart="never" nodeType="tmRoot"/>
+      </p:par>
+    </p:tnLst>
+  </p:timing>
 </p:sld>
 </file>
 
@@ -6179,6 +6200,13 @@
     <a:masterClrMapping/>
   </p:clrMapOvr>
   <p:transition/>
+  <p:timing>
+    <p:tnLst>
+      <p:par>
+        <p:cTn id="1" dur="indefinite" restart="never" nodeType="tmRoot"/>
+      </p:par>
+    </p:tnLst>
+  </p:timing>
 </p:sld>
 </file>
 
@@ -6303,6 +6331,13 @@
     <a:masterClrMapping/>
   </p:clrMapOvr>
   <p:transition/>
+  <p:timing>
+    <p:tnLst>
+      <p:par>
+        <p:cTn id="1" dur="indefinite" restart="never" nodeType="tmRoot"/>
+      </p:par>
+    </p:tnLst>
+  </p:timing>
 </p:sld>
 </file>
 
@@ -6408,6 +6443,13 @@
     <a:masterClrMapping/>
   </p:clrMapOvr>
   <p:transition/>
+  <p:timing>
+    <p:tnLst>
+      <p:par>
+        <p:cTn id="1" dur="indefinite" restart="never" nodeType="tmRoot"/>
+      </p:par>
+    </p:tnLst>
+  </p:timing>
 </p:sld>
 </file>
 
@@ -6463,7 +6505,7 @@
         </p:nvSpPr>
         <p:spPr>
           <a:xfrm>
-            <a:off x="685799" y="1981200"/>
+            <a:off x="685799" y="1360714"/>
             <a:ext cx="8175171" cy="4114800"/>
           </a:xfrm>
         </p:spPr>
@@ -6514,6 +6556,101 @@
               <a:t>19</a:t>
             </a:fld>
             <a:endParaRPr lang="en-US"/>
+          </a:p>
+        </p:txBody>
+      </p:sp>
+      <p:pic>
+        <p:nvPicPr>
+          <p:cNvPr id="5" name="Picture 3"/>
+          <p:cNvPicPr>
+            <a:picLocks noChangeAspect="1" noChangeArrowheads="1"/>
+          </p:cNvPicPr>
+          <p:nvPr/>
+        </p:nvPicPr>
+        <p:blipFill>
+          <a:blip r:embed="rId2" cstate="print"/>
+          <a:srcRect/>
+          <a:stretch>
+            <a:fillRect/>
+          </a:stretch>
+        </p:blipFill>
+        <p:spPr bwMode="auto">
+          <a:xfrm>
+            <a:off x="1047749" y="3590925"/>
+            <a:ext cx="6591300" cy="3267075"/>
+          </a:xfrm>
+          <a:prstGeom prst="rect">
+            <a:avLst/>
+          </a:prstGeom>
+          <a:noFill/>
+          <a:ln w="9525">
+            <a:noFill/>
+            <a:miter lim="800000"/>
+            <a:headEnd/>
+            <a:tailEnd/>
+          </a:ln>
+        </p:spPr>
+      </p:pic>
+      <p:sp>
+        <p:nvSpPr>
+          <p:cNvPr id="6" name="Oval 5"/>
+          <p:cNvSpPr/>
+          <p:nvPr/>
+        </p:nvSpPr>
+        <p:spPr bwMode="auto">
+          <a:xfrm>
+            <a:off x="1796144" y="5715000"/>
+            <a:ext cx="5519056" cy="250371"/>
+          </a:xfrm>
+          <a:prstGeom prst="ellipse">
+            <a:avLst/>
+          </a:prstGeom>
+          <a:noFill/>
+          <a:ln w="19050" cap="flat" cmpd="sng" algn="ctr">
+            <a:solidFill>
+              <a:srgbClr val="C00000"/>
+            </a:solidFill>
+            <a:prstDash val="solid"/>
+            <a:round/>
+            <a:headEnd type="none" w="med" len="med"/>
+            <a:tailEnd type="none" w="med" len="med"/>
+          </a:ln>
+          <a:effectLst/>
+        </p:spPr>
+        <p:txBody>
+          <a:bodyPr vert="horz" wrap="square" lIns="91440" tIns="45720" rIns="91440" bIns="45720" numCol="1" rtlCol="0" anchor="ctr" anchorCtr="0" compatLnSpc="1">
+            <a:prstTxWarp prst="textNoShape">
+              <a:avLst/>
+            </a:prstTxWarp>
+          </a:bodyPr>
+          <a:lstStyle/>
+          <a:p>
+            <a:pPr marL="0" marR="0" indent="0" algn="ctr" defTabSz="914400" rtl="0" eaLnBrk="0" fontAlgn="base" latinLnBrk="0" hangingPunct="0">
+              <a:lnSpc>
+                <a:spcPct val="100000"/>
+              </a:lnSpc>
+              <a:spcBef>
+                <a:spcPct val="0"/>
+              </a:spcBef>
+              <a:spcAft>
+                <a:spcPct val="0"/>
+              </a:spcAft>
+              <a:buClrTx/>
+              <a:buSzTx/>
+              <a:buFontTx/>
+              <a:buNone/>
+              <a:tabLst/>
+            </a:pPr>
+            <a:endParaRPr kumimoji="0" lang="en-US" sz="3600" b="1" i="0" u="none" strike="noStrike" cap="none" normalizeH="0" baseline="0" smtClean="0">
+              <a:ln>
+                <a:noFill/>
+              </a:ln>
+              <a:solidFill>
+                <a:schemeClr val="tx1"/>
+              </a:solidFill>
+              <a:effectLst/>
+              <a:latin typeface="Arial" charset="0"/>
+            </a:endParaRPr>
           </a:p>
         </p:txBody>
       </p:sp>
@@ -6523,6 +6660,13 @@
     <a:masterClrMapping/>
   </p:clrMapOvr>
   <p:transition/>
+  <p:timing>
+    <p:tnLst>
+      <p:par>
+        <p:cTn id="1" dur="indefinite" restart="never" nodeType="tmRoot"/>
+      </p:par>
+    </p:tnLst>
+  </p:timing>
 </p:sld>
 </file>
 
@@ -6811,6 +6955,13 @@
     <a:masterClrMapping/>
   </p:clrMapOvr>
   <p:transition/>
+  <p:timing>
+    <p:tnLst>
+      <p:par>
+        <p:cTn id="1" dur="indefinite" restart="never" nodeType="tmRoot"/>
+      </p:par>
+    </p:tnLst>
+  </p:timing>
 </p:sld>
 </file>
 
@@ -7075,6 +7226,13 @@
     <a:masterClrMapping/>
   </p:clrMapOvr>
   <p:transition/>
+  <p:timing>
+    <p:tnLst>
+      <p:par>
+        <p:cTn id="1" dur="indefinite" restart="never" nodeType="tmRoot"/>
+      </p:par>
+    </p:tnLst>
+  </p:timing>
 </p:sld>
 </file>
 
@@ -8042,13 +8200,8 @@
             </a:r>
             <a:r>
               <a:rPr lang="en-US" dirty="0" smtClean="0"/>
-              <a:t> to hydro (use same </a:t>
-            </a:r>
-            <a:r>
-              <a:rPr lang="en-US" dirty="0" smtClean="0"/>
-              <a:t>name )</a:t>
-            </a:r>
-            <a:endParaRPr lang="en-US" dirty="0" smtClean="0"/>
+              <a:t> to hydro (use same name )</a:t>
+            </a:r>
           </a:p>
           <a:p>
             <a:pPr lvl="1"/>

--- a/dsm2/presentations/p4_simulation_data.pptx
+++ b/dsm2/presentations/p4_simulation_data.pptx
@@ -5,10 +5,10 @@
     <p:sldMasterId id="2147483648" r:id="rId1"/>
   </p:sldMasterIdLst>
   <p:notesMasterIdLst>
-    <p:notesMasterId r:id="rId23"/>
+    <p:notesMasterId r:id="rId26"/>
   </p:notesMasterIdLst>
   <p:handoutMasterIdLst>
-    <p:handoutMasterId r:id="rId24"/>
+    <p:handoutMasterId r:id="rId27"/>
   </p:handoutMasterIdLst>
   <p:sldIdLst>
     <p:sldId id="429" r:id="rId2"/>
@@ -28,10 +28,13 @@
     <p:sldId id="455" r:id="rId16"/>
     <p:sldId id="456" r:id="rId17"/>
     <p:sldId id="458" r:id="rId18"/>
-    <p:sldId id="474" r:id="rId19"/>
-    <p:sldId id="457" r:id="rId20"/>
-    <p:sldId id="453" r:id="rId21"/>
-    <p:sldId id="450" r:id="rId22"/>
+    <p:sldId id="477" r:id="rId19"/>
+    <p:sldId id="474" r:id="rId20"/>
+    <p:sldId id="475" r:id="rId21"/>
+    <p:sldId id="476" r:id="rId22"/>
+    <p:sldId id="457" r:id="rId23"/>
+    <p:sldId id="453" r:id="rId24"/>
+    <p:sldId id="450" r:id="rId25"/>
   </p:sldIdLst>
   <p:sldSz cx="9144000" cy="6858000" type="screen4x3"/>
   <p:notesSz cx="7010400" cy="9296400"/>
@@ -1688,7 +1691,11 @@
           <a:p>
             <a:r>
               <a:rPr lang="en-US" dirty="0" smtClean="0"/>
-              <a:t>To model a </a:t>
+              <a:t>In reality, you will have to specify boundary</a:t>
+            </a:r>
+            <a:r>
+              <a:rPr lang="en-US" baseline="0" dirty="0" smtClean="0"/>
+              <a:t> conditions with time series data.</a:t>
             </a:r>
             <a:endParaRPr lang="en-US" dirty="0"/>
           </a:p>
@@ -5286,48 +5293,7 @@
               <a:rPr lang="en-US" dirty="0" smtClean="0"/>
               <a:t>RESERVOIR_IC</a:t>
             </a:r>
-          </a:p>
-          <a:p>
-            <a:r>
-              <a:rPr lang="en-US" dirty="0" smtClean="0"/>
-              <a:t>QUAL Default</a:t>
-            </a:r>
-          </a:p>
-          <a:p>
-            <a:pPr lvl="1"/>
-            <a:r>
-              <a:rPr lang="en-US" dirty="0" smtClean="0"/>
-              <a:t>Scalar </a:t>
-            </a:r>
-            <a:r>
-              <a:rPr lang="en-US" dirty="0" err="1" smtClean="0"/>
-              <a:t>init_conc</a:t>
-            </a:r>
             <a:endParaRPr lang="en-US" dirty="0" smtClean="0"/>
-          </a:p>
-          <a:p>
-            <a:r>
-              <a:rPr lang="en-US" dirty="0" smtClean="0"/>
-              <a:t>Restart files </a:t>
-            </a:r>
-          </a:p>
-          <a:p>
-            <a:pPr>
-              <a:buNone/>
-            </a:pPr>
-            <a:r>
-              <a:rPr lang="en-US" dirty="0" smtClean="0"/>
-              <a:t>   replace the default</a:t>
-            </a:r>
-          </a:p>
-          <a:p>
-            <a:pPr>
-              <a:buNone/>
-            </a:pPr>
-            <a:r>
-              <a:rPr lang="en-US" dirty="0" smtClean="0"/>
-              <a:t>   (warm start)</a:t>
-            </a:r>
           </a:p>
         </p:txBody>
       </p:sp>
@@ -5486,8 +5452,42 @@
             </a:pPr>
             <a:r>
               <a:rPr lang="en-US" dirty="0" smtClean="0"/>
-              <a:t>    (cold start)</a:t>
-            </a:r>
+              <a:t>    (cold start</a:t>
+            </a:r>
+            <a:r>
+              <a:rPr lang="en-US" dirty="0" smtClean="0"/>
+              <a:t>)</a:t>
+            </a:r>
+          </a:p>
+          <a:p>
+            <a:r>
+              <a:rPr lang="en-US" dirty="0" smtClean="0"/>
+              <a:t>Restart files </a:t>
+            </a:r>
+          </a:p>
+          <a:p>
+            <a:pPr>
+              <a:buNone/>
+            </a:pPr>
+            <a:r>
+              <a:rPr lang="en-US" dirty="0" smtClean="0"/>
+              <a:t>   replace the default</a:t>
+            </a:r>
+          </a:p>
+          <a:p>
+            <a:pPr>
+              <a:buNone/>
+            </a:pPr>
+            <a:r>
+              <a:rPr lang="en-US" dirty="0" smtClean="0"/>
+              <a:t>   (warm start)</a:t>
+            </a:r>
+          </a:p>
+          <a:p>
+            <a:pPr lvl="1">
+              <a:buNone/>
+            </a:pPr>
+            <a:endParaRPr lang="en-US" dirty="0" smtClean="0"/>
           </a:p>
           <a:p>
             <a:pPr>
@@ -5538,7 +5538,7 @@
         </p:blipFill>
         <p:spPr bwMode="auto">
           <a:xfrm>
-            <a:off x="4098471" y="1171575"/>
+            <a:off x="4523014" y="1171575"/>
             <a:ext cx="4191000" cy="5686425"/>
           </a:xfrm>
           <a:prstGeom prst="rect">
@@ -5561,7 +5561,7 @@
         </p:nvCxnSpPr>
         <p:spPr bwMode="auto">
           <a:xfrm rot="16200000" flipH="1">
-            <a:off x="2803072" y="2748642"/>
+            <a:off x="3184072" y="2705099"/>
             <a:ext cx="2503715" cy="2362199"/>
           </a:xfrm>
           <a:prstGeom prst="straightConnector1">
@@ -5590,7 +5590,7 @@
         </p:nvSpPr>
         <p:spPr bwMode="auto">
           <a:xfrm>
-            <a:off x="4811486" y="5170715"/>
+            <a:off x="5148943" y="5148943"/>
             <a:ext cx="1730828" cy="250372"/>
           </a:xfrm>
           <a:prstGeom prst="ellipse">
@@ -6260,7 +6260,12 @@
             <p:ph idx="1"/>
           </p:nvPr>
         </p:nvSpPr>
-        <p:spPr/>
+        <p:spPr>
+          <a:xfrm>
+            <a:off x="772886" y="1284514"/>
+            <a:ext cx="7772400" cy="4114800"/>
+          </a:xfrm>
+        </p:spPr>
         <p:txBody>
           <a:bodyPr/>
           <a:lstStyle/>
@@ -6282,8 +6287,33 @@
             </a:r>
             <a:r>
               <a:rPr lang="en-US" dirty="0" smtClean="0"/>
-              <a:t>, EC…</a:t>
-            </a:r>
+              <a:t>, </a:t>
+            </a:r>
+            <a:r>
+              <a:rPr lang="en-US" dirty="0" smtClean="0"/>
+              <a:t>and </a:t>
+            </a:r>
+            <a:r>
+              <a:rPr lang="en-US" dirty="0" smtClean="0"/>
+              <a:t>the </a:t>
+            </a:r>
+            <a:r>
+              <a:rPr lang="en-US" dirty="0" smtClean="0"/>
+              <a:t>name of any </a:t>
+            </a:r>
+            <a:r>
+              <a:rPr lang="en-US" dirty="0" smtClean="0"/>
+              <a:t>constituent (</a:t>
+            </a:r>
+            <a:r>
+              <a:rPr lang="en-US" dirty="0" err="1" smtClean="0"/>
+              <a:t>ec</a:t>
+            </a:r>
+            <a:r>
+              <a:rPr lang="en-US" dirty="0" smtClean="0"/>
+              <a:t>, do…)</a:t>
+            </a:r>
+            <a:endParaRPr lang="en-US" dirty="0" smtClean="0"/>
           </a:p>
           <a:p>
             <a:r>
@@ -6295,9 +6325,54 @@
             <a:pPr lvl="1"/>
             <a:r>
               <a:rPr lang="en-US" dirty="0" smtClean="0"/>
-              <a:t>Formats text and DSS</a:t>
-            </a:r>
-            <a:endParaRPr lang="en-US" dirty="0"/>
+              <a:t>Formats text and </a:t>
+            </a:r>
+            <a:r>
+              <a:rPr lang="en-US" dirty="0" smtClean="0"/>
+              <a:t>DSS</a:t>
+            </a:r>
+            <a:endParaRPr lang="en-US" dirty="0" smtClean="0"/>
+          </a:p>
+          <a:p>
+            <a:r>
+              <a:rPr lang="en-US" dirty="0" smtClean="0"/>
+              <a:t>Block</a:t>
+            </a:r>
+          </a:p>
+          <a:p>
+            <a:pPr lvl="1"/>
+            <a:r>
+              <a:rPr lang="en-US" sz="2000" dirty="0" smtClean="0"/>
+              <a:t>OUTPUT_CHANNEL</a:t>
+            </a:r>
+          </a:p>
+          <a:p>
+            <a:pPr lvl="1"/>
+            <a:r>
+              <a:rPr lang="en-US" sz="2000" dirty="0" smtClean="0"/>
+              <a:t>OUTPUT_RESERVOIR</a:t>
+            </a:r>
+          </a:p>
+          <a:p>
+            <a:pPr lvl="1"/>
+            <a:r>
+              <a:rPr lang="en-US" sz="2000" dirty="0" smtClean="0"/>
+              <a:t>OUTPUT_CHANNEL_SOURCE_TRACK</a:t>
+            </a:r>
+          </a:p>
+          <a:p>
+            <a:pPr lvl="1"/>
+            <a:r>
+              <a:rPr lang="en-US" sz="2000" dirty="0" smtClean="0"/>
+              <a:t>OUTPUT_RESERVOIR_SOURCE_TRACK</a:t>
+            </a:r>
+          </a:p>
+          <a:p>
+            <a:pPr lvl="1"/>
+            <a:r>
+              <a:rPr lang="en-US" sz="2000" dirty="0" smtClean="0"/>
+              <a:t>OUTPUT_GATE</a:t>
+            </a:r>
           </a:p>
         </p:txBody>
       </p:sp>
@@ -6383,6 +6458,140 @@
       </p:sp>
       <p:sp>
         <p:nvSpPr>
+          <p:cNvPr id="3" name="Content Placeholder 2"/>
+          <p:cNvSpPr>
+            <a:spLocks noGrp="1"/>
+          </p:cNvSpPr>
+          <p:nvPr>
+            <p:ph idx="1"/>
+          </p:nvPr>
+        </p:nvSpPr>
+        <p:spPr>
+          <a:xfrm>
+            <a:off x="729343" y="1589314"/>
+            <a:ext cx="7772400" cy="4114800"/>
+          </a:xfrm>
+        </p:spPr>
+        <p:txBody>
+          <a:bodyPr/>
+          <a:lstStyle/>
+          <a:p>
+            <a:pPr lvl="1"/>
+            <a:r>
+              <a:rPr lang="en-US" sz="2000" dirty="0" smtClean="0"/>
+              <a:t>OUTPUT_GATE</a:t>
+            </a:r>
+          </a:p>
+          <a:p>
+            <a:pPr lvl="2"/>
+            <a:r>
+              <a:rPr lang="en-US" sz="2000" dirty="0" smtClean="0"/>
+              <a:t>Device physical </a:t>
+            </a:r>
+            <a:r>
+              <a:rPr lang="en-US" sz="2000" dirty="0" smtClean="0"/>
+              <a:t>data (</a:t>
+            </a:r>
+            <a:r>
+              <a:rPr lang="en-US" sz="2000" i="1" dirty="0" smtClean="0"/>
+              <a:t>width</a:t>
+            </a:r>
+            <a:r>
+              <a:rPr lang="en-US" sz="2000" dirty="0" smtClean="0"/>
+              <a:t>, </a:t>
+            </a:r>
+            <a:r>
+              <a:rPr lang="en-US" sz="2000" i="1" dirty="0" smtClean="0"/>
+              <a:t>height</a:t>
+            </a:r>
+            <a:r>
+              <a:rPr lang="en-US" sz="2000" dirty="0" smtClean="0"/>
+              <a:t>, </a:t>
+            </a:r>
+            <a:r>
+              <a:rPr lang="en-US" sz="2000" i="1" dirty="0" err="1" smtClean="0"/>
+              <a:t>elev</a:t>
+            </a:r>
+            <a:r>
+              <a:rPr lang="en-US" sz="2000" dirty="0" smtClean="0"/>
+              <a:t>), </a:t>
+            </a:r>
+            <a:endParaRPr lang="en-US" sz="2000" dirty="0" smtClean="0"/>
+          </a:p>
+          <a:p>
+            <a:pPr lvl="2"/>
+            <a:r>
+              <a:rPr lang="en-US" sz="2000" dirty="0" smtClean="0"/>
+              <a:t>operational </a:t>
+            </a:r>
+            <a:r>
+              <a:rPr lang="en-US" sz="2000" dirty="0" smtClean="0"/>
+              <a:t>data (</a:t>
+            </a:r>
+            <a:r>
+              <a:rPr lang="en-US" sz="2000" i="1" dirty="0" err="1" smtClean="0"/>
+              <a:t>op_to_node</a:t>
+            </a:r>
+            <a:r>
+              <a:rPr lang="en-US" sz="2000" dirty="0" smtClean="0"/>
+              <a:t>, </a:t>
+            </a:r>
+            <a:r>
+              <a:rPr lang="en-US" sz="2000" i="1" dirty="0" err="1" smtClean="0"/>
+              <a:t>op_from_node</a:t>
+            </a:r>
+            <a:r>
+              <a:rPr lang="en-US" sz="2000" dirty="0" smtClean="0"/>
+              <a:t>) </a:t>
+            </a:r>
+          </a:p>
+          <a:p>
+            <a:pPr lvl="2"/>
+            <a:r>
+              <a:rPr lang="en-US" sz="2000" i="1" dirty="0" smtClean="0"/>
+              <a:t>flow</a:t>
+            </a:r>
+            <a:r>
+              <a:rPr lang="en-US" sz="2000" dirty="0" smtClean="0"/>
+              <a:t> from </a:t>
+            </a:r>
+            <a:r>
+              <a:rPr lang="en-US" sz="2000" dirty="0" smtClean="0"/>
+              <a:t>water body to node</a:t>
+            </a:r>
+            <a:r>
+              <a:rPr lang="en-US" sz="2000" dirty="0" smtClean="0"/>
+              <a:t>.</a:t>
+            </a:r>
+          </a:p>
+          <a:p>
+            <a:pPr lvl="2"/>
+            <a:r>
+              <a:rPr lang="en-US" sz="2000" dirty="0" smtClean="0"/>
+              <a:t>From a gate with device=none you can request the variables </a:t>
+            </a:r>
+            <a:r>
+              <a:rPr lang="en-US" sz="2000" i="1" dirty="0" smtClean="0"/>
+              <a:t>install</a:t>
+            </a:r>
+            <a:r>
+              <a:rPr lang="en-US" sz="2000" dirty="0" smtClean="0"/>
+              <a:t>, or total </a:t>
+            </a:r>
+            <a:r>
+              <a:rPr lang="en-US" sz="2000" i="1" dirty="0" smtClean="0"/>
+              <a:t>flow</a:t>
+            </a:r>
+            <a:r>
+              <a:rPr lang="en-US" sz="2000" dirty="0" smtClean="0"/>
+              <a:t> oriented from water body to node.</a:t>
+            </a:r>
+            <a:endParaRPr lang="en-US" sz="2000" dirty="0" smtClean="0"/>
+          </a:p>
+        </p:txBody>
+      </p:sp>
+      <p:sp>
+        <p:nvSpPr>
           <p:cNvPr id="4" name="Date Placeholder 3"/>
           <p:cNvSpPr>
             <a:spLocks noGrp="1"/>
@@ -6401,42 +6610,10 @@
               <a:pPr/>
               <a:t>18</a:t>
             </a:fld>
-            <a:endParaRPr lang="en-US"/>
-          </a:p>
-        </p:txBody>
-      </p:sp>
-      <p:pic>
-        <p:nvPicPr>
-          <p:cNvPr id="10242" name="Picture 2"/>
-          <p:cNvPicPr>
-            <a:picLocks noChangeAspect="1" noChangeArrowheads="1"/>
-          </p:cNvPicPr>
-          <p:nvPr/>
-        </p:nvPicPr>
-        <p:blipFill>
-          <a:blip r:embed="rId2" cstate="print"/>
-          <a:srcRect/>
-          <a:stretch>
-            <a:fillRect/>
-          </a:stretch>
-        </p:blipFill>
-        <p:spPr bwMode="auto">
-          <a:xfrm>
-            <a:off x="1231446" y="1726747"/>
-            <a:ext cx="6877050" cy="4210050"/>
-          </a:xfrm>
-          <a:prstGeom prst="rect">
-            <a:avLst/>
-          </a:prstGeom>
-          <a:noFill/>
-          <a:ln w="9525">
-            <a:noFill/>
-            <a:miter lim="800000"/>
-            <a:headEnd/>
-            <a:tailEnd/>
-          </a:ln>
-        </p:spPr>
-      </p:pic>
+            <a:endParaRPr lang="en-US" dirty="0"/>
+          </a:p>
+        </p:txBody>
+      </p:sp>
     </p:spTree>
   </p:cSld>
   <p:clrMapOvr>
@@ -6487,51 +6664,9 @@
           <a:p>
             <a:r>
               <a:rPr lang="en-US" dirty="0" smtClean="0"/>
-              <a:t>Echo Input File</a:t>
+              <a:t>Time Series Output</a:t>
             </a:r>
             <a:endParaRPr lang="en-US" dirty="0"/>
-          </a:p>
-        </p:txBody>
-      </p:sp>
-      <p:sp>
-        <p:nvSpPr>
-          <p:cNvPr id="3" name="Content Placeholder 2"/>
-          <p:cNvSpPr>
-            <a:spLocks noGrp="1"/>
-          </p:cNvSpPr>
-          <p:nvPr>
-            <p:ph idx="1"/>
-          </p:nvPr>
-        </p:nvSpPr>
-        <p:spPr>
-          <a:xfrm>
-            <a:off x="685799" y="1360714"/>
-            <a:ext cx="8175171" cy="4114800"/>
-          </a:xfrm>
-        </p:spPr>
-        <p:txBody>
-          <a:bodyPr/>
-          <a:lstStyle/>
-          <a:p>
-            <a:r>
-              <a:rPr lang="en-US" dirty="0" smtClean="0"/>
-              <a:t>Archive of run</a:t>
-            </a:r>
-          </a:p>
-          <a:p>
-            <a:r>
-              <a:rPr lang="en-US" dirty="0" smtClean="0"/>
-              <a:t>QA/QC: single-file view of multiple sources</a:t>
-            </a:r>
-          </a:p>
-          <a:p>
-            <a:r>
-              <a:rPr lang="en-US" dirty="0" smtClean="0"/>
-              <a:t>Can be used as an input file</a:t>
-            </a:r>
-          </a:p>
-          <a:p>
-            <a:endParaRPr lang="en-US" dirty="0" smtClean="0"/>
           </a:p>
         </p:txBody>
       </p:sp>
@@ -6561,7 +6696,7 @@
       </p:sp>
       <p:pic>
         <p:nvPicPr>
-          <p:cNvPr id="5" name="Picture 3"/>
+          <p:cNvPr id="10242" name="Picture 2"/>
           <p:cNvPicPr>
             <a:picLocks noChangeAspect="1" noChangeArrowheads="1"/>
           </p:cNvPicPr>
@@ -6576,8 +6711,8 @@
         </p:blipFill>
         <p:spPr bwMode="auto">
           <a:xfrm>
-            <a:off x="1047749" y="3590925"/>
-            <a:ext cx="6591300" cy="3267075"/>
+            <a:off x="1231446" y="1726747"/>
+            <a:ext cx="6877050" cy="4210050"/>
           </a:xfrm>
           <a:prstGeom prst="rect">
             <a:avLst/>
@@ -6591,69 +6726,6 @@
           </a:ln>
         </p:spPr>
       </p:pic>
-      <p:sp>
-        <p:nvSpPr>
-          <p:cNvPr id="6" name="Oval 5"/>
-          <p:cNvSpPr/>
-          <p:nvPr/>
-        </p:nvSpPr>
-        <p:spPr bwMode="auto">
-          <a:xfrm>
-            <a:off x="1796144" y="5715000"/>
-            <a:ext cx="5519056" cy="250371"/>
-          </a:xfrm>
-          <a:prstGeom prst="ellipse">
-            <a:avLst/>
-          </a:prstGeom>
-          <a:noFill/>
-          <a:ln w="19050" cap="flat" cmpd="sng" algn="ctr">
-            <a:solidFill>
-              <a:srgbClr val="C00000"/>
-            </a:solidFill>
-            <a:prstDash val="solid"/>
-            <a:round/>
-            <a:headEnd type="none" w="med" len="med"/>
-            <a:tailEnd type="none" w="med" len="med"/>
-          </a:ln>
-          <a:effectLst/>
-        </p:spPr>
-        <p:txBody>
-          <a:bodyPr vert="horz" wrap="square" lIns="91440" tIns="45720" rIns="91440" bIns="45720" numCol="1" rtlCol="0" anchor="ctr" anchorCtr="0" compatLnSpc="1">
-            <a:prstTxWarp prst="textNoShape">
-              <a:avLst/>
-            </a:prstTxWarp>
-          </a:bodyPr>
-          <a:lstStyle/>
-          <a:p>
-            <a:pPr marL="0" marR="0" indent="0" algn="ctr" defTabSz="914400" rtl="0" eaLnBrk="0" fontAlgn="base" latinLnBrk="0" hangingPunct="0">
-              <a:lnSpc>
-                <a:spcPct val="100000"/>
-              </a:lnSpc>
-              <a:spcBef>
-                <a:spcPct val="0"/>
-              </a:spcBef>
-              <a:spcAft>
-                <a:spcPct val="0"/>
-              </a:spcAft>
-              <a:buClrTx/>
-              <a:buSzTx/>
-              <a:buFontTx/>
-              <a:buNone/>
-              <a:tabLst/>
-            </a:pPr>
-            <a:endParaRPr kumimoji="0" lang="en-US" sz="3600" b="1" i="0" u="none" strike="noStrike" cap="none" normalizeH="0" baseline="0" smtClean="0">
-              <a:ln>
-                <a:noFill/>
-              </a:ln>
-              <a:solidFill>
-                <a:schemeClr val="tx1"/>
-              </a:solidFill>
-              <a:effectLst/>
-              <a:latin typeface="Arial" charset="0"/>
-            </a:endParaRPr>
-          </a:p>
-        </p:txBody>
-      </p:sp>
     </p:spTree>
   </p:cSld>
   <p:clrMapOvr>
@@ -6877,49 +6949,7 @@
           <a:p>
             <a:r>
               <a:rPr lang="en-US" dirty="0" smtClean="0"/>
-              <a:t>For v6 Users</a:t>
-            </a:r>
-            <a:endParaRPr lang="en-US" dirty="0"/>
-          </a:p>
-        </p:txBody>
-      </p:sp>
-      <p:sp>
-        <p:nvSpPr>
-          <p:cNvPr id="3" name="Content Placeholder 2"/>
-          <p:cNvSpPr>
-            <a:spLocks noGrp="1"/>
-          </p:cNvSpPr>
-          <p:nvPr>
-            <p:ph idx="1"/>
-          </p:nvPr>
-        </p:nvSpPr>
-        <p:spPr>
-          <a:xfrm>
-            <a:off x="685800" y="1981200"/>
-            <a:ext cx="8153400" cy="4114800"/>
-          </a:xfrm>
-        </p:spPr>
-        <p:txBody>
-          <a:bodyPr/>
-          <a:lstStyle/>
-          <a:p>
-            <a:r>
-              <a:rPr lang="en-US" dirty="0" smtClean="0"/>
-              <a:t>No “priorities” in DSS</a:t>
-            </a:r>
-          </a:p>
-          <a:p>
-            <a:r>
-              <a:rPr lang="en-US" dirty="0" smtClean="0"/>
-              <a:t>Link between Hydro and </a:t>
-            </a:r>
-            <a:r>
-              <a:rPr lang="en-US" dirty="0" err="1" smtClean="0"/>
-              <a:t>Qual</a:t>
-            </a:r>
-            <a:r>
-              <a:rPr lang="en-US" dirty="0" smtClean="0"/>
-              <a:t> different</a:t>
+              <a:t>Time Series Output</a:t>
             </a:r>
             <a:endParaRPr lang="en-US" dirty="0"/>
           </a:p>
@@ -6949,6 +6979,38 @@
           </a:p>
         </p:txBody>
       </p:sp>
+      <p:pic>
+        <p:nvPicPr>
+          <p:cNvPr id="1026" name="Picture 2"/>
+          <p:cNvPicPr>
+            <a:picLocks noChangeAspect="1" noChangeArrowheads="1"/>
+          </p:cNvPicPr>
+          <p:nvPr/>
+        </p:nvPicPr>
+        <p:blipFill>
+          <a:blip r:embed="rId2" cstate="print"/>
+          <a:srcRect/>
+          <a:stretch>
+            <a:fillRect/>
+          </a:stretch>
+        </p:blipFill>
+        <p:spPr bwMode="auto">
+          <a:xfrm>
+            <a:off x="909638" y="1643063"/>
+            <a:ext cx="7324725" cy="3571875"/>
+          </a:xfrm>
+          <a:prstGeom prst="rect">
+            <a:avLst/>
+          </a:prstGeom>
+          <a:noFill/>
+          <a:ln w="9525">
+            <a:noFill/>
+            <a:miter lim="800000"/>
+            <a:headEnd/>
+            <a:tailEnd/>
+          </a:ln>
+        </p:spPr>
+      </p:pic>
     </p:spTree>
   </p:cSld>
   <p:clrMapOvr>
@@ -6999,6 +7061,459 @@
           <a:p>
             <a:r>
               <a:rPr lang="en-US" dirty="0" smtClean="0"/>
+              <a:t>Time Series Output</a:t>
+            </a:r>
+            <a:endParaRPr lang="en-US" dirty="0"/>
+          </a:p>
+        </p:txBody>
+      </p:sp>
+      <p:sp>
+        <p:nvSpPr>
+          <p:cNvPr id="4" name="Date Placeholder 3"/>
+          <p:cNvSpPr>
+            <a:spLocks noGrp="1"/>
+          </p:cNvSpPr>
+          <p:nvPr>
+            <p:ph type="dt" sz="half" idx="10"/>
+          </p:nvPr>
+        </p:nvSpPr>
+        <p:spPr/>
+        <p:txBody>
+          <a:bodyPr/>
+          <a:lstStyle/>
+          <a:p>
+            <a:fld id="{AB98F214-5D90-468C-9EE8-E1612B8D2BE2}" type="slidenum">
+              <a:rPr lang="en-US" smtClean="0"/>
+              <a:pPr/>
+              <a:t>21</a:t>
+            </a:fld>
+            <a:endParaRPr lang="en-US"/>
+          </a:p>
+        </p:txBody>
+      </p:sp>
+      <p:pic>
+        <p:nvPicPr>
+          <p:cNvPr id="2050" name="Picture 2">
+            <a:hlinkClick r:id="rId2" action="ppaction://hlinkfile"/>
+          </p:cNvPr>
+          <p:cNvPicPr>
+            <a:picLocks noChangeAspect="1" noChangeArrowheads="1"/>
+          </p:cNvPicPr>
+          <p:nvPr/>
+        </p:nvPicPr>
+        <p:blipFill>
+          <a:blip r:embed="rId3" cstate="print"/>
+          <a:srcRect/>
+          <a:stretch>
+            <a:fillRect/>
+          </a:stretch>
+        </p:blipFill>
+        <p:spPr bwMode="auto">
+          <a:xfrm>
+            <a:off x="371475" y="1372961"/>
+            <a:ext cx="8401050" cy="4895850"/>
+          </a:xfrm>
+          <a:prstGeom prst="rect">
+            <a:avLst/>
+          </a:prstGeom>
+          <a:noFill/>
+          <a:ln w="9525">
+            <a:noFill/>
+            <a:miter lim="800000"/>
+            <a:headEnd/>
+            <a:tailEnd/>
+          </a:ln>
+        </p:spPr>
+      </p:pic>
+    </p:spTree>
+  </p:cSld>
+  <p:clrMapOvr>
+    <a:masterClrMapping/>
+  </p:clrMapOvr>
+  <p:transition/>
+  <p:timing>
+    <p:tnLst>
+      <p:par>
+        <p:cTn id="1" dur="indefinite" restart="never" nodeType="tmRoot"/>
+      </p:par>
+    </p:tnLst>
+  </p:timing>
+</p:sld>
+</file>
+
+<file path=ppt/slides/slide22.xml><?xml version="1.0" encoding="utf-8"?>
+<p:sld xmlns:a="http://schemas.openxmlformats.org/drawingml/2006/main" xmlns:r="http://schemas.openxmlformats.org/officeDocument/2006/relationships" xmlns:p="http://schemas.openxmlformats.org/presentationml/2006/main">
+  <p:cSld>
+    <p:spTree>
+      <p:nvGrpSpPr>
+        <p:cNvPr id="1" name=""/>
+        <p:cNvGrpSpPr/>
+        <p:nvPr/>
+      </p:nvGrpSpPr>
+      <p:grpSpPr>
+        <a:xfrm>
+          <a:off x="0" y="0"/>
+          <a:ext cx="0" cy="0"/>
+          <a:chOff x="0" y="0"/>
+          <a:chExt cx="0" cy="0"/>
+        </a:xfrm>
+      </p:grpSpPr>
+      <p:sp>
+        <p:nvSpPr>
+          <p:cNvPr id="2" name="Title 1"/>
+          <p:cNvSpPr>
+            <a:spLocks noGrp="1"/>
+          </p:cNvSpPr>
+          <p:nvPr>
+            <p:ph type="title"/>
+          </p:nvPr>
+        </p:nvSpPr>
+        <p:spPr/>
+        <p:txBody>
+          <a:bodyPr/>
+          <a:lstStyle/>
+          <a:p>
+            <a:r>
+              <a:rPr lang="en-US" dirty="0" smtClean="0"/>
+              <a:t>Echo Input File</a:t>
+            </a:r>
+            <a:endParaRPr lang="en-US" dirty="0"/>
+          </a:p>
+        </p:txBody>
+      </p:sp>
+      <p:sp>
+        <p:nvSpPr>
+          <p:cNvPr id="3" name="Content Placeholder 2"/>
+          <p:cNvSpPr>
+            <a:spLocks noGrp="1"/>
+          </p:cNvSpPr>
+          <p:nvPr>
+            <p:ph idx="1"/>
+          </p:nvPr>
+        </p:nvSpPr>
+        <p:spPr>
+          <a:xfrm>
+            <a:off x="685799" y="1360714"/>
+            <a:ext cx="8175171" cy="4114800"/>
+          </a:xfrm>
+        </p:spPr>
+        <p:txBody>
+          <a:bodyPr/>
+          <a:lstStyle/>
+          <a:p>
+            <a:r>
+              <a:rPr lang="en-US" dirty="0" smtClean="0"/>
+              <a:t>Archive of run</a:t>
+            </a:r>
+          </a:p>
+          <a:p>
+            <a:r>
+              <a:rPr lang="en-US" dirty="0" smtClean="0"/>
+              <a:t>QA/QC: single-file view of multiple sources</a:t>
+            </a:r>
+          </a:p>
+          <a:p>
+            <a:r>
+              <a:rPr lang="en-US" dirty="0" smtClean="0"/>
+              <a:t>Can be used as an input file</a:t>
+            </a:r>
+          </a:p>
+          <a:p>
+            <a:endParaRPr lang="en-US" dirty="0" smtClean="0"/>
+          </a:p>
+        </p:txBody>
+      </p:sp>
+      <p:sp>
+        <p:nvSpPr>
+          <p:cNvPr id="4" name="Date Placeholder 3"/>
+          <p:cNvSpPr>
+            <a:spLocks noGrp="1"/>
+          </p:cNvSpPr>
+          <p:nvPr>
+            <p:ph type="dt" sz="half" idx="10"/>
+          </p:nvPr>
+        </p:nvSpPr>
+        <p:spPr/>
+        <p:txBody>
+          <a:bodyPr/>
+          <a:lstStyle/>
+          <a:p>
+            <a:fld id="{AB98F214-5D90-468C-9EE8-E1612B8D2BE2}" type="slidenum">
+              <a:rPr lang="en-US" smtClean="0"/>
+              <a:pPr/>
+              <a:t>22</a:t>
+            </a:fld>
+            <a:endParaRPr lang="en-US"/>
+          </a:p>
+        </p:txBody>
+      </p:sp>
+      <p:pic>
+        <p:nvPicPr>
+          <p:cNvPr id="5" name="Picture 3"/>
+          <p:cNvPicPr>
+            <a:picLocks noChangeAspect="1" noChangeArrowheads="1"/>
+          </p:cNvPicPr>
+          <p:nvPr/>
+        </p:nvPicPr>
+        <p:blipFill>
+          <a:blip r:embed="rId2" cstate="print"/>
+          <a:srcRect/>
+          <a:stretch>
+            <a:fillRect/>
+          </a:stretch>
+        </p:blipFill>
+        <p:spPr bwMode="auto">
+          <a:xfrm>
+            <a:off x="1047749" y="3590925"/>
+            <a:ext cx="6591300" cy="3267075"/>
+          </a:xfrm>
+          <a:prstGeom prst="rect">
+            <a:avLst/>
+          </a:prstGeom>
+          <a:noFill/>
+          <a:ln w="9525">
+            <a:noFill/>
+            <a:miter lim="800000"/>
+            <a:headEnd/>
+            <a:tailEnd/>
+          </a:ln>
+        </p:spPr>
+      </p:pic>
+      <p:sp>
+        <p:nvSpPr>
+          <p:cNvPr id="6" name="Oval 5"/>
+          <p:cNvSpPr/>
+          <p:nvPr/>
+        </p:nvSpPr>
+        <p:spPr bwMode="auto">
+          <a:xfrm>
+            <a:off x="1796144" y="5715000"/>
+            <a:ext cx="5519056" cy="250371"/>
+          </a:xfrm>
+          <a:prstGeom prst="ellipse">
+            <a:avLst/>
+          </a:prstGeom>
+          <a:noFill/>
+          <a:ln w="19050" cap="flat" cmpd="sng" algn="ctr">
+            <a:solidFill>
+              <a:srgbClr val="C00000"/>
+            </a:solidFill>
+            <a:prstDash val="solid"/>
+            <a:round/>
+            <a:headEnd type="none" w="med" len="med"/>
+            <a:tailEnd type="none" w="med" len="med"/>
+          </a:ln>
+          <a:effectLst/>
+        </p:spPr>
+        <p:txBody>
+          <a:bodyPr vert="horz" wrap="square" lIns="91440" tIns="45720" rIns="91440" bIns="45720" numCol="1" rtlCol="0" anchor="ctr" anchorCtr="0" compatLnSpc="1">
+            <a:prstTxWarp prst="textNoShape">
+              <a:avLst/>
+            </a:prstTxWarp>
+          </a:bodyPr>
+          <a:lstStyle/>
+          <a:p>
+            <a:pPr marL="0" marR="0" indent="0" algn="ctr" defTabSz="914400" rtl="0" eaLnBrk="0" fontAlgn="base" latinLnBrk="0" hangingPunct="0">
+              <a:lnSpc>
+                <a:spcPct val="100000"/>
+              </a:lnSpc>
+              <a:spcBef>
+                <a:spcPct val="0"/>
+              </a:spcBef>
+              <a:spcAft>
+                <a:spcPct val="0"/>
+              </a:spcAft>
+              <a:buClrTx/>
+              <a:buSzTx/>
+              <a:buFontTx/>
+              <a:buNone/>
+              <a:tabLst/>
+            </a:pPr>
+            <a:endParaRPr kumimoji="0" lang="en-US" sz="3600" b="1" i="0" u="none" strike="noStrike" cap="none" normalizeH="0" baseline="0" smtClean="0">
+              <a:ln>
+                <a:noFill/>
+              </a:ln>
+              <a:solidFill>
+                <a:schemeClr val="tx1"/>
+              </a:solidFill>
+              <a:effectLst/>
+              <a:latin typeface="Arial" charset="0"/>
+            </a:endParaRPr>
+          </a:p>
+        </p:txBody>
+      </p:sp>
+    </p:spTree>
+  </p:cSld>
+  <p:clrMapOvr>
+    <a:masterClrMapping/>
+  </p:clrMapOvr>
+  <p:transition/>
+  <p:timing>
+    <p:tnLst>
+      <p:par>
+        <p:cTn id="1" dur="indefinite" restart="never" nodeType="tmRoot"/>
+      </p:par>
+    </p:tnLst>
+  </p:timing>
+</p:sld>
+</file>
+
+<file path=ppt/slides/slide23.xml><?xml version="1.0" encoding="utf-8"?>
+<p:sld xmlns:a="http://schemas.openxmlformats.org/drawingml/2006/main" xmlns:r="http://schemas.openxmlformats.org/officeDocument/2006/relationships" xmlns:p="http://schemas.openxmlformats.org/presentationml/2006/main">
+  <p:cSld>
+    <p:spTree>
+      <p:nvGrpSpPr>
+        <p:cNvPr id="1" name=""/>
+        <p:cNvGrpSpPr/>
+        <p:nvPr/>
+      </p:nvGrpSpPr>
+      <p:grpSpPr>
+        <a:xfrm>
+          <a:off x="0" y="0"/>
+          <a:ext cx="0" cy="0"/>
+          <a:chOff x="0" y="0"/>
+          <a:chExt cx="0" cy="0"/>
+        </a:xfrm>
+      </p:grpSpPr>
+      <p:sp>
+        <p:nvSpPr>
+          <p:cNvPr id="2" name="Title 1"/>
+          <p:cNvSpPr>
+            <a:spLocks noGrp="1"/>
+          </p:cNvSpPr>
+          <p:nvPr>
+            <p:ph type="title"/>
+          </p:nvPr>
+        </p:nvSpPr>
+        <p:spPr/>
+        <p:txBody>
+          <a:bodyPr/>
+          <a:lstStyle/>
+          <a:p>
+            <a:r>
+              <a:rPr lang="en-US" dirty="0" smtClean="0"/>
+              <a:t>For v6 Users</a:t>
+            </a:r>
+            <a:endParaRPr lang="en-US" dirty="0"/>
+          </a:p>
+        </p:txBody>
+      </p:sp>
+      <p:sp>
+        <p:nvSpPr>
+          <p:cNvPr id="3" name="Content Placeholder 2"/>
+          <p:cNvSpPr>
+            <a:spLocks noGrp="1"/>
+          </p:cNvSpPr>
+          <p:nvPr>
+            <p:ph idx="1"/>
+          </p:nvPr>
+        </p:nvSpPr>
+        <p:spPr>
+          <a:xfrm>
+            <a:off x="685800" y="1981200"/>
+            <a:ext cx="8153400" cy="4114800"/>
+          </a:xfrm>
+        </p:spPr>
+        <p:txBody>
+          <a:bodyPr/>
+          <a:lstStyle/>
+          <a:p>
+            <a:r>
+              <a:rPr lang="en-US" dirty="0" smtClean="0"/>
+              <a:t>No “priorities” in DSS</a:t>
+            </a:r>
+          </a:p>
+          <a:p>
+            <a:r>
+              <a:rPr lang="en-US" dirty="0" smtClean="0"/>
+              <a:t>Link between Hydro and </a:t>
+            </a:r>
+            <a:r>
+              <a:rPr lang="en-US" dirty="0" err="1" smtClean="0"/>
+              <a:t>Qual</a:t>
+            </a:r>
+            <a:r>
+              <a:rPr lang="en-US" dirty="0" smtClean="0"/>
+              <a:t> different</a:t>
+            </a:r>
+            <a:endParaRPr lang="en-US" dirty="0"/>
+          </a:p>
+        </p:txBody>
+      </p:sp>
+      <p:sp>
+        <p:nvSpPr>
+          <p:cNvPr id="4" name="Date Placeholder 3"/>
+          <p:cNvSpPr>
+            <a:spLocks noGrp="1"/>
+          </p:cNvSpPr>
+          <p:nvPr>
+            <p:ph type="dt" sz="half" idx="10"/>
+          </p:nvPr>
+        </p:nvSpPr>
+        <p:spPr/>
+        <p:txBody>
+          <a:bodyPr/>
+          <a:lstStyle/>
+          <a:p>
+            <a:fld id="{AB98F214-5D90-468C-9EE8-E1612B8D2BE2}" type="slidenum">
+              <a:rPr lang="en-US" smtClean="0"/>
+              <a:pPr/>
+              <a:t>23</a:t>
+            </a:fld>
+            <a:endParaRPr lang="en-US"/>
+          </a:p>
+        </p:txBody>
+      </p:sp>
+    </p:spTree>
+  </p:cSld>
+  <p:clrMapOvr>
+    <a:masterClrMapping/>
+  </p:clrMapOvr>
+  <p:transition/>
+  <p:timing>
+    <p:tnLst>
+      <p:par>
+        <p:cTn id="1" dur="indefinite" restart="never" nodeType="tmRoot"/>
+      </p:par>
+    </p:tnLst>
+  </p:timing>
+</p:sld>
+</file>
+
+<file path=ppt/slides/slide24.xml><?xml version="1.0" encoding="utf-8"?>
+<p:sld xmlns:a="http://schemas.openxmlformats.org/drawingml/2006/main" xmlns:r="http://schemas.openxmlformats.org/officeDocument/2006/relationships" xmlns:p="http://schemas.openxmlformats.org/presentationml/2006/main">
+  <p:cSld>
+    <p:spTree>
+      <p:nvGrpSpPr>
+        <p:cNvPr id="1" name=""/>
+        <p:cNvGrpSpPr/>
+        <p:nvPr/>
+      </p:nvGrpSpPr>
+      <p:grpSpPr>
+        <a:xfrm>
+          <a:off x="0" y="0"/>
+          <a:ext cx="0" cy="0"/>
+          <a:chOff x="0" y="0"/>
+          <a:chExt cx="0" cy="0"/>
+        </a:xfrm>
+      </p:grpSpPr>
+      <p:sp>
+        <p:nvSpPr>
+          <p:cNvPr id="2" name="Title 1"/>
+          <p:cNvSpPr>
+            <a:spLocks noGrp="1"/>
+          </p:cNvSpPr>
+          <p:nvPr>
+            <p:ph type="title"/>
+          </p:nvPr>
+        </p:nvSpPr>
+        <p:spPr/>
+        <p:txBody>
+          <a:bodyPr/>
+          <a:lstStyle/>
+          <a:p>
+            <a:r>
+              <a:rPr lang="en-US" dirty="0" smtClean="0"/>
               <a:t>Tutorial 4: Time Series</a:t>
             </a:r>
             <a:endParaRPr lang="en-US" dirty="0"/>
@@ -7051,7 +7566,7 @@
             <a:fld id="{AB98F214-5D90-468C-9EE8-E1612B8D2BE2}" type="slidenum">
               <a:rPr lang="en-US" smtClean="0"/>
               <a:pPr/>
-              <a:t>21</a:t>
+              <a:t>24</a:t>
             </a:fld>
             <a:endParaRPr lang="en-US"/>
           </a:p>

--- a/dsm2/presentations/p4_simulation_data.pptx
+++ b/dsm2/presentations/p4_simulation_data.pptx
@@ -5,36 +5,33 @@
     <p:sldMasterId id="2147483648" r:id="rId1"/>
   </p:sldMasterIdLst>
   <p:notesMasterIdLst>
-    <p:notesMasterId r:id="rId26"/>
+    <p:notesMasterId r:id="rId23"/>
   </p:notesMasterIdLst>
   <p:handoutMasterIdLst>
-    <p:handoutMasterId r:id="rId27"/>
+    <p:handoutMasterId r:id="rId24"/>
   </p:handoutMasterIdLst>
   <p:sldIdLst>
     <p:sldId id="429" r:id="rId2"/>
     <p:sldId id="430" r:id="rId3"/>
     <p:sldId id="460" r:id="rId4"/>
-    <p:sldId id="463" r:id="rId5"/>
-    <p:sldId id="464" r:id="rId6"/>
-    <p:sldId id="469" r:id="rId7"/>
+    <p:sldId id="469" r:id="rId5"/>
+    <p:sldId id="480" r:id="rId6"/>
+    <p:sldId id="481" r:id="rId7"/>
     <p:sldId id="470" r:id="rId8"/>
     <p:sldId id="471" r:id="rId9"/>
-    <p:sldId id="465" r:id="rId10"/>
-    <p:sldId id="448" r:id="rId11"/>
+    <p:sldId id="479" r:id="rId10"/>
+    <p:sldId id="465" r:id="rId11"/>
     <p:sldId id="473" r:id="rId12"/>
-    <p:sldId id="452" r:id="rId13"/>
-    <p:sldId id="454" r:id="rId14"/>
-    <p:sldId id="472" r:id="rId15"/>
+    <p:sldId id="454" r:id="rId13"/>
+    <p:sldId id="472" r:id="rId14"/>
+    <p:sldId id="456" r:id="rId15"/>
     <p:sldId id="455" r:id="rId16"/>
-    <p:sldId id="456" r:id="rId17"/>
-    <p:sldId id="458" r:id="rId18"/>
-    <p:sldId id="477" r:id="rId19"/>
-    <p:sldId id="474" r:id="rId20"/>
-    <p:sldId id="475" r:id="rId21"/>
-    <p:sldId id="476" r:id="rId22"/>
-    <p:sldId id="457" r:id="rId23"/>
-    <p:sldId id="453" r:id="rId24"/>
-    <p:sldId id="450" r:id="rId25"/>
+    <p:sldId id="458" r:id="rId17"/>
+    <p:sldId id="477" r:id="rId18"/>
+    <p:sldId id="474" r:id="rId19"/>
+    <p:sldId id="476" r:id="rId20"/>
+    <p:sldId id="457" r:id="rId21"/>
+    <p:sldId id="450" r:id="rId22"/>
   </p:sldIdLst>
   <p:sldSz cx="9144000" cy="6858000" type="screen4x3"/>
   <p:notesSz cx="7010400" cy="9296400"/>
@@ -961,13 +958,9 @@
             </a:r>
             <a:r>
               <a:rPr lang="en-US" baseline="0" dirty="0" smtClean="0"/>
-              <a:t> and Output we mean boundary and initial conditions and some of the runtime </a:t>
-            </a:r>
-            <a:r>
-              <a:rPr lang="en-US" baseline="0" smtClean="0"/>
-              <a:t>I/O files.</a:t>
-            </a:r>
-            <a:endParaRPr lang="en-US"/>
+              <a:t> and Output we mean boundary and initial conditions and some of the runtime I/O files.</a:t>
+            </a:r>
+            <a:endParaRPr lang="en-US" dirty="0"/>
           </a:p>
         </p:txBody>
       </p:sp>
@@ -1295,7 +1288,7 @@
           <a:p>
             <a:r>
               <a:rPr lang="en-US" dirty="0" smtClean="0"/>
-              <a:t>To model a </a:t>
+              <a:t>In reality</a:t>
             </a:r>
             <a:endParaRPr lang="en-US" dirty="0"/>
           </a:p>
@@ -1425,10 +1418,6 @@
           </a:bodyPr>
           <a:lstStyle/>
           <a:p>
-            <a:r>
-              <a:rPr lang="en-US" dirty="0" smtClean="0"/>
-              <a:t>To model a </a:t>
-            </a:r>
             <a:endParaRPr lang="en-US" dirty="0"/>
           </a:p>
         </p:txBody>
@@ -1559,7 +1548,15 @@
           <a:p>
             <a:r>
               <a:rPr lang="en-US" dirty="0" smtClean="0"/>
-              <a:t>To model a </a:t>
+              <a:t>Animate</a:t>
+            </a:r>
+            <a:r>
+              <a:rPr lang="en-US" baseline="0" dirty="0" smtClean="0"/>
+              <a:t> flow </a:t>
+            </a:r>
+            <a:r>
+              <a:rPr lang="en-US" baseline="0" smtClean="0"/>
+              <a:t>stage boundary</a:t>
             </a:r>
             <a:endParaRPr lang="en-US" dirty="0"/>
           </a:p>
@@ -2091,11 +2088,7 @@
           <a:p>
             <a:r>
               <a:rPr lang="en-US" dirty="0" smtClean="0"/>
-              <a:t>Only inflow matter for QUAL (if</a:t>
-            </a:r>
-            <a:r>
-              <a:rPr lang="en-US" baseline="0" dirty="0" smtClean="0"/>
-              <a:t> tidal like Martinez, assigned time series may be ignored part of the time)</a:t>
+              <a:t>To model a </a:t>
             </a:r>
             <a:endParaRPr lang="en-US" dirty="0"/>
           </a:p>
@@ -4881,6 +4874,107 @@
       </p:grpSpPr>
       <p:sp>
         <p:nvSpPr>
+          <p:cNvPr id="2" name="Title 1"/>
+          <p:cNvSpPr>
+            <a:spLocks noGrp="1"/>
+          </p:cNvSpPr>
+          <p:nvPr>
+            <p:ph type="title"/>
+          </p:nvPr>
+        </p:nvSpPr>
+        <p:spPr/>
+        <p:txBody>
+          <a:bodyPr/>
+          <a:lstStyle/>
+          <a:p>
+            <a:r>
+              <a:rPr lang="en-US" dirty="0" smtClean="0"/>
+              <a:t>Boundary Conditions</a:t>
+            </a:r>
+            <a:endParaRPr lang="en-US" dirty="0"/>
+          </a:p>
+        </p:txBody>
+      </p:sp>
+      <p:sp>
+        <p:nvSpPr>
+          <p:cNvPr id="3" name="Content Placeholder 2"/>
+          <p:cNvSpPr>
+            <a:spLocks noGrp="1"/>
+          </p:cNvSpPr>
+          <p:nvPr>
+            <p:ph idx="1"/>
+          </p:nvPr>
+        </p:nvSpPr>
+        <p:spPr>
+          <a:xfrm>
+            <a:off x="642256" y="1240972"/>
+            <a:ext cx="7772400" cy="4637314"/>
+          </a:xfrm>
+        </p:spPr>
+        <p:txBody>
+          <a:bodyPr/>
+          <a:lstStyle/>
+          <a:p>
+            <a:r>
+              <a:rPr lang="en-US" dirty="0" smtClean="0"/>
+              <a:t>Boundary Conditions for </a:t>
+            </a:r>
+            <a:r>
+              <a:rPr lang="en-US" dirty="0" err="1" smtClean="0"/>
+              <a:t>Qual</a:t>
+            </a:r>
+            <a:endParaRPr lang="en-US" dirty="0" smtClean="0"/>
+          </a:p>
+          <a:p>
+            <a:pPr lvl="1"/>
+            <a:r>
+              <a:rPr lang="en-US" dirty="0" smtClean="0"/>
+              <a:t>Concentration for every inflow</a:t>
+            </a:r>
+          </a:p>
+          <a:p>
+            <a:pPr lvl="1"/>
+            <a:r>
+              <a:rPr lang="en-US" dirty="0" smtClean="0"/>
+              <a:t>Concentration for tidal boundary</a:t>
+            </a:r>
+          </a:p>
+          <a:p>
+            <a:pPr lvl="1"/>
+            <a:r>
+              <a:rPr lang="en-US" dirty="0" smtClean="0"/>
+              <a:t>Default zero with warning</a:t>
+            </a:r>
+          </a:p>
+          <a:p>
+            <a:pPr lvl="1"/>
+            <a:r>
+              <a:rPr lang="en-US" dirty="0" smtClean="0"/>
+              <a:t>Linking </a:t>
+            </a:r>
+            <a:r>
+              <a:rPr lang="en-US" dirty="0" err="1" smtClean="0"/>
+              <a:t>qual</a:t>
+            </a:r>
+            <a:r>
+              <a:rPr lang="en-US" dirty="0" smtClean="0"/>
+              <a:t> to hydro (use same name )</a:t>
+            </a:r>
+          </a:p>
+          <a:p>
+            <a:pPr lvl="1"/>
+            <a:endParaRPr lang="en-US" dirty="0" smtClean="0"/>
+          </a:p>
+          <a:p>
+            <a:pPr lvl="1">
+              <a:buNone/>
+            </a:pPr>
+            <a:endParaRPr lang="en-US" dirty="0" smtClean="0"/>
+          </a:p>
+        </p:txBody>
+      </p:sp>
+      <p:sp>
+        <p:nvSpPr>
           <p:cNvPr id="4" name="Date Placeholder 3"/>
           <p:cNvSpPr>
             <a:spLocks noGrp="1"/>
@@ -4905,7 +4999,7 @@
       </p:sp>
       <p:pic>
         <p:nvPicPr>
-          <p:cNvPr id="7170" name="Picture 2"/>
+          <p:cNvPr id="1027" name="Picture 3"/>
           <p:cNvPicPr>
             <a:picLocks noChangeAspect="1" noChangeArrowheads="1"/>
           </p:cNvPicPr>
@@ -4920,8 +5014,8 @@
         </p:blipFill>
         <p:spPr bwMode="auto">
           <a:xfrm>
-            <a:off x="2193472" y="1461408"/>
-            <a:ext cx="5715000" cy="4762500"/>
+            <a:off x="1040948" y="3810000"/>
+            <a:ext cx="7258050" cy="3048000"/>
           </a:xfrm>
           <a:prstGeom prst="rect">
             <a:avLst/>
@@ -4937,40 +5031,157 @@
       </p:pic>
       <p:sp>
         <p:nvSpPr>
-          <p:cNvPr id="6" name="TextBox 5"/>
-          <p:cNvSpPr txBox="1"/>
+          <p:cNvPr id="7" name="Oval 6"/>
+          <p:cNvSpPr/>
           <p:nvPr/>
         </p:nvSpPr>
-        <p:spPr>
+        <p:spPr bwMode="auto">
           <a:xfrm>
-            <a:off x="599152" y="3350411"/>
-            <a:ext cx="1765227" cy="707886"/>
+            <a:off x="1632857" y="5083628"/>
+            <a:ext cx="1698171" cy="402772"/>
+          </a:xfrm>
+          <a:prstGeom prst="ellipse">
+            <a:avLst/>
+          </a:prstGeom>
+          <a:noFill/>
+          <a:ln w="25400" cap="flat" cmpd="sng" algn="ctr">
+            <a:solidFill>
+              <a:srgbClr val="C00000"/>
+            </a:solidFill>
+            <a:prstDash val="solid"/>
+            <a:round/>
+            <a:headEnd type="none" w="med" len="med"/>
+            <a:tailEnd type="none" w="med" len="med"/>
+          </a:ln>
+          <a:effectLst/>
+        </p:spPr>
+        <p:txBody>
+          <a:bodyPr vert="horz" wrap="square" lIns="91440" tIns="45720" rIns="91440" bIns="45720" numCol="1" rtlCol="0" anchor="ctr" anchorCtr="0" compatLnSpc="1">
+            <a:prstTxWarp prst="textNoShape">
+              <a:avLst/>
+            </a:prstTxWarp>
+          </a:bodyPr>
+          <a:lstStyle/>
+          <a:p>
+            <a:pPr marL="0" marR="0" indent="0" algn="ctr" defTabSz="914400" rtl="0" eaLnBrk="0" fontAlgn="base" latinLnBrk="0" hangingPunct="0">
+              <a:lnSpc>
+                <a:spcPct val="100000"/>
+              </a:lnSpc>
+              <a:spcBef>
+                <a:spcPct val="0"/>
+              </a:spcBef>
+              <a:spcAft>
+                <a:spcPct val="0"/>
+              </a:spcAft>
+              <a:buClrTx/>
+              <a:buSzTx/>
+              <a:buFontTx/>
+              <a:buNone/>
+              <a:tabLst/>
+            </a:pPr>
+            <a:endParaRPr kumimoji="0" lang="en-US" sz="3600" b="1" i="0" u="none" strike="noStrike" cap="none" normalizeH="0" baseline="0" smtClean="0">
+              <a:ln>
+                <a:noFill/>
+              </a:ln>
+              <a:solidFill>
+                <a:schemeClr val="tx1"/>
+              </a:solidFill>
+              <a:effectLst/>
+              <a:latin typeface="Arial" charset="0"/>
+            </a:endParaRPr>
+          </a:p>
+        </p:txBody>
+      </p:sp>
+      <p:cxnSp>
+        <p:nvCxnSpPr>
+          <p:cNvPr id="9" name="Straight Arrow Connector 8"/>
+          <p:cNvCxnSpPr/>
+          <p:nvPr/>
+        </p:nvCxnSpPr>
+        <p:spPr bwMode="auto">
+          <a:xfrm>
+            <a:off x="6672943" y="3733800"/>
+            <a:ext cx="914400" cy="914400"/>
+          </a:xfrm>
+          <a:prstGeom prst="straightConnector1">
+            <a:avLst/>
+          </a:prstGeom>
+          <a:solidFill>
+            <a:srgbClr val="FFFF99"/>
+          </a:solidFill>
+          <a:ln w="9525" cap="flat" cmpd="sng" algn="ctr">
+            <a:noFill/>
+            <a:prstDash val="solid"/>
+            <a:round/>
+            <a:headEnd type="none" w="med" len="med"/>
+            <a:tailEnd type="arrow"/>
+          </a:ln>
+          <a:effectLst/>
+        </p:spPr>
+      </p:cxnSp>
+      <p:cxnSp>
+        <p:nvCxnSpPr>
+          <p:cNvPr id="11" name="Straight Arrow Connector 10"/>
+          <p:cNvCxnSpPr>
+            <a:endCxn id="7" idx="7"/>
+          </p:cNvCxnSpPr>
+          <p:nvPr/>
+        </p:nvCxnSpPr>
+        <p:spPr bwMode="auto">
+          <a:xfrm rot="10800000" flipV="1">
+            <a:off x="3082337" y="3777341"/>
+            <a:ext cx="3209607" cy="1365271"/>
+          </a:xfrm>
+          <a:prstGeom prst="straightConnector1">
+            <a:avLst/>
+          </a:prstGeom>
+          <a:solidFill>
+            <a:srgbClr val="FFFF99"/>
+          </a:solidFill>
+          <a:ln w="19050" cap="flat" cmpd="sng" algn="ctr">
+            <a:solidFill>
+              <a:srgbClr val="C00000"/>
+            </a:solidFill>
+            <a:prstDash val="solid"/>
+            <a:round/>
+            <a:headEnd type="none" w="med" len="med"/>
+            <a:tailEnd type="arrow"/>
+          </a:ln>
+          <a:effectLst/>
+        </p:spPr>
+      </p:cxnSp>
+      <p:pic>
+        <p:nvPicPr>
+          <p:cNvPr id="1026" name="Picture 2" descr="j0434750[1]"/>
+          <p:cNvPicPr>
+            <a:picLocks noChangeAspect="1" noChangeArrowheads="1"/>
+          </p:cNvPicPr>
+          <p:nvPr/>
+        </p:nvPicPr>
+        <p:blipFill>
+          <a:blip r:embed="rId4" cstate="print"/>
+          <a:srcRect/>
+          <a:stretch>
+            <a:fillRect/>
+          </a:stretch>
+        </p:blipFill>
+        <p:spPr bwMode="auto">
+          <a:xfrm>
+            <a:off x="7772400" y="3537857"/>
+            <a:ext cx="276225" cy="276225"/>
           </a:xfrm>
           <a:prstGeom prst="rect">
             <a:avLst/>
           </a:prstGeom>
           <a:noFill/>
+          <a:ln w="9525">
+            <a:noFill/>
+            <a:miter lim="800000"/>
+            <a:headEnd/>
+            <a:tailEnd/>
+          </a:ln>
         </p:spPr>
-        <p:txBody>
-          <a:bodyPr wrap="none" rtlCol="0">
-            <a:spAutoFit/>
-          </a:bodyPr>
-          <a:lstStyle/>
-          <a:p>
-            <a:pPr algn="l"/>
-            <a:r>
-              <a:rPr lang="en-US" sz="2000" dirty="0" smtClean="0"/>
-              <a:t>EC at </a:t>
-            </a:r>
-          </a:p>
-          <a:p>
-            <a:r>
-              <a:rPr lang="en-US" sz="2000" dirty="0" smtClean="0"/>
-              <a:t>downstream </a:t>
-            </a:r>
-          </a:p>
-        </p:txBody>
-      </p:sp>
+      </p:pic>
     </p:spTree>
   </p:cSld>
   <p:clrMapOvr>
@@ -5137,7 +5348,7 @@
           <a:p>
             <a:r>
               <a:rPr lang="en-US" dirty="0" smtClean="0"/>
-              <a:t>Gate Control</a:t>
+              <a:t>Initial Condition Input</a:t>
             </a:r>
             <a:endParaRPr lang="en-US" dirty="0"/>
           </a:p>
@@ -5155,8 +5366,8 @@
         </p:nvSpPr>
         <p:spPr>
           <a:xfrm>
-            <a:off x="348712" y="1593742"/>
-            <a:ext cx="8132736" cy="4512589"/>
+            <a:off x="674914" y="1556658"/>
+            <a:ext cx="7772400" cy="4114800"/>
           </a:xfrm>
         </p:spPr>
         <p:txBody>
@@ -5165,11 +5376,31 @@
           <a:p>
             <a:r>
               <a:rPr lang="en-US" dirty="0" smtClean="0"/>
-              <a:t>Default value -&gt; time series -&gt; </a:t>
-            </a:r>
-            <a:r>
-              <a:rPr lang="en-US" dirty="0" err="1" smtClean="0"/>
-              <a:t>oprule</a:t>
+              <a:t>HYDRO Default: </a:t>
+            </a:r>
+          </a:p>
+          <a:p>
+            <a:pPr lvl="1"/>
+            <a:r>
+              <a:rPr lang="en-US" dirty="0" smtClean="0"/>
+              <a:t>CHANNEL_IC</a:t>
+            </a:r>
+          </a:p>
+          <a:p>
+            <a:pPr lvl="1"/>
+            <a:r>
+              <a:rPr lang="en-US" dirty="0" smtClean="0"/>
+              <a:t>RESERVOIR_IC</a:t>
+            </a:r>
+          </a:p>
+          <a:p>
+            <a:r>
+              <a:rPr lang="en-US" dirty="0" smtClean="0"/>
+              <a:t>Restart file has </a:t>
+            </a:r>
+            <a:r>
+              <a:rPr lang="en-US" dirty="0" smtClean="0"/>
+              <a:t>priority</a:t>
             </a:r>
             <a:endParaRPr lang="en-US" dirty="0" smtClean="0"/>
           </a:p>
@@ -5199,6 +5430,38 @@
           </a:p>
         </p:txBody>
       </p:sp>
+      <p:pic>
+        <p:nvPicPr>
+          <p:cNvPr id="5122" name="Picture 2"/>
+          <p:cNvPicPr>
+            <a:picLocks noChangeAspect="1" noChangeArrowheads="1"/>
+          </p:cNvPicPr>
+          <p:nvPr/>
+        </p:nvPicPr>
+        <p:blipFill>
+          <a:blip r:embed="rId2" cstate="print"/>
+          <a:srcRect/>
+          <a:stretch>
+            <a:fillRect/>
+          </a:stretch>
+        </p:blipFill>
+        <p:spPr bwMode="auto">
+          <a:xfrm>
+            <a:off x="5244194" y="1296761"/>
+            <a:ext cx="3467100" cy="5048250"/>
+          </a:xfrm>
+          <a:prstGeom prst="rect">
+            <a:avLst/>
+          </a:prstGeom>
+          <a:noFill/>
+          <a:ln w="9525">
+            <a:noFill/>
+            <a:miter lim="800000"/>
+            <a:headEnd/>
+            <a:tailEnd/>
+          </a:ln>
+        </p:spPr>
+      </p:pic>
     </p:spTree>
   </p:cSld>
   <p:clrMapOvr>
@@ -5277,22 +5540,64 @@
           <a:p>
             <a:r>
               <a:rPr lang="en-US" dirty="0" smtClean="0"/>
-              <a:t>HYDRO Default: </a:t>
+              <a:t>QUAL Default</a:t>
             </a:r>
           </a:p>
           <a:p>
             <a:pPr lvl="1"/>
             <a:r>
               <a:rPr lang="en-US" dirty="0" smtClean="0"/>
-              <a:t>CHANNEL_IC</a:t>
-            </a:r>
-          </a:p>
-          <a:p>
-            <a:pPr lvl="1"/>
+              <a:t>Scalar </a:t>
+            </a:r>
+            <a:r>
+              <a:rPr lang="en-US" dirty="0" err="1" smtClean="0"/>
+              <a:t>init_conc</a:t>
+            </a:r>
+            <a:endParaRPr lang="en-US" dirty="0" smtClean="0"/>
+          </a:p>
+          <a:p>
+            <a:pPr lvl="1">
+              <a:buNone/>
+            </a:pPr>
             <a:r>
               <a:rPr lang="en-US" dirty="0" smtClean="0"/>
-              <a:t>RESERVOIR_IC</a:t>
-            </a:r>
+              <a:t>    (cold start)</a:t>
+            </a:r>
+          </a:p>
+          <a:p>
+            <a:r>
+              <a:rPr lang="en-US" dirty="0" smtClean="0"/>
+              <a:t>Restart files </a:t>
+            </a:r>
+          </a:p>
+          <a:p>
+            <a:pPr>
+              <a:buNone/>
+            </a:pPr>
+            <a:r>
+              <a:rPr lang="en-US" dirty="0" smtClean="0"/>
+              <a:t>   replace the default</a:t>
+            </a:r>
+          </a:p>
+          <a:p>
+            <a:pPr>
+              <a:buNone/>
+            </a:pPr>
+            <a:r>
+              <a:rPr lang="en-US" dirty="0" smtClean="0"/>
+              <a:t>   (warm start)</a:t>
+            </a:r>
+          </a:p>
+          <a:p>
+            <a:pPr lvl="1">
+              <a:buNone/>
+            </a:pPr>
+            <a:endParaRPr lang="en-US" dirty="0" smtClean="0"/>
+          </a:p>
+          <a:p>
+            <a:pPr>
+              <a:buNone/>
+            </a:pPr>
             <a:endParaRPr lang="en-US" dirty="0" smtClean="0"/>
           </a:p>
         </p:txBody>
@@ -5316,206 +5621,6 @@
               <a:rPr lang="en-US" smtClean="0"/>
               <a:pPr/>
               <a:t>13</a:t>
-            </a:fld>
-            <a:endParaRPr lang="en-US"/>
-          </a:p>
-        </p:txBody>
-      </p:sp>
-      <p:pic>
-        <p:nvPicPr>
-          <p:cNvPr id="5122" name="Picture 2"/>
-          <p:cNvPicPr>
-            <a:picLocks noChangeAspect="1" noChangeArrowheads="1"/>
-          </p:cNvPicPr>
-          <p:nvPr/>
-        </p:nvPicPr>
-        <p:blipFill>
-          <a:blip r:embed="rId2" cstate="print"/>
-          <a:srcRect/>
-          <a:stretch>
-            <a:fillRect/>
-          </a:stretch>
-        </p:blipFill>
-        <p:spPr bwMode="auto">
-          <a:xfrm>
-            <a:off x="4591051" y="1209675"/>
-            <a:ext cx="3467100" cy="5048250"/>
-          </a:xfrm>
-          <a:prstGeom prst="rect">
-            <a:avLst/>
-          </a:prstGeom>
-          <a:noFill/>
-          <a:ln w="9525">
-            <a:noFill/>
-            <a:miter lim="800000"/>
-            <a:headEnd/>
-            <a:tailEnd/>
-          </a:ln>
-        </p:spPr>
-      </p:pic>
-    </p:spTree>
-  </p:cSld>
-  <p:clrMapOvr>
-    <a:masterClrMapping/>
-  </p:clrMapOvr>
-  <p:transition/>
-  <p:timing>
-    <p:tnLst>
-      <p:par>
-        <p:cTn id="1" dur="indefinite" restart="never" nodeType="tmRoot"/>
-      </p:par>
-    </p:tnLst>
-  </p:timing>
-</p:sld>
-</file>
-
-<file path=ppt/slides/slide14.xml><?xml version="1.0" encoding="utf-8"?>
-<p:sld xmlns:a="http://schemas.openxmlformats.org/drawingml/2006/main" xmlns:r="http://schemas.openxmlformats.org/officeDocument/2006/relationships" xmlns:p="http://schemas.openxmlformats.org/presentationml/2006/main">
-  <p:cSld>
-    <p:spTree>
-      <p:nvGrpSpPr>
-        <p:cNvPr id="1" name=""/>
-        <p:cNvGrpSpPr/>
-        <p:nvPr/>
-      </p:nvGrpSpPr>
-      <p:grpSpPr>
-        <a:xfrm>
-          <a:off x="0" y="0"/>
-          <a:ext cx="0" cy="0"/>
-          <a:chOff x="0" y="0"/>
-          <a:chExt cx="0" cy="0"/>
-        </a:xfrm>
-      </p:grpSpPr>
-      <p:sp>
-        <p:nvSpPr>
-          <p:cNvPr id="2" name="Title 1"/>
-          <p:cNvSpPr>
-            <a:spLocks noGrp="1"/>
-          </p:cNvSpPr>
-          <p:nvPr>
-            <p:ph type="title"/>
-          </p:nvPr>
-        </p:nvSpPr>
-        <p:spPr/>
-        <p:txBody>
-          <a:bodyPr/>
-          <a:lstStyle/>
-          <a:p>
-            <a:r>
-              <a:rPr lang="en-US" dirty="0" smtClean="0"/>
-              <a:t>Initial Condition Input</a:t>
-            </a:r>
-            <a:endParaRPr lang="en-US" dirty="0"/>
-          </a:p>
-        </p:txBody>
-      </p:sp>
-      <p:sp>
-        <p:nvSpPr>
-          <p:cNvPr id="3" name="Content Placeholder 2"/>
-          <p:cNvSpPr>
-            <a:spLocks noGrp="1"/>
-          </p:cNvSpPr>
-          <p:nvPr>
-            <p:ph idx="1"/>
-          </p:nvPr>
-        </p:nvSpPr>
-        <p:spPr>
-          <a:xfrm>
-            <a:off x="674914" y="1556658"/>
-            <a:ext cx="7772400" cy="4114800"/>
-          </a:xfrm>
-        </p:spPr>
-        <p:txBody>
-          <a:bodyPr/>
-          <a:lstStyle/>
-          <a:p>
-            <a:r>
-              <a:rPr lang="en-US" dirty="0" smtClean="0"/>
-              <a:t>QUAL Default</a:t>
-            </a:r>
-          </a:p>
-          <a:p>
-            <a:pPr lvl="1"/>
-            <a:r>
-              <a:rPr lang="en-US" dirty="0" smtClean="0"/>
-              <a:t>Scalar </a:t>
-            </a:r>
-            <a:r>
-              <a:rPr lang="en-US" dirty="0" err="1" smtClean="0"/>
-              <a:t>init_conc</a:t>
-            </a:r>
-            <a:endParaRPr lang="en-US" dirty="0" smtClean="0"/>
-          </a:p>
-          <a:p>
-            <a:pPr lvl="1">
-              <a:buNone/>
-            </a:pPr>
-            <a:r>
-              <a:rPr lang="en-US" dirty="0" smtClean="0"/>
-              <a:t>    (cold start</a:t>
-            </a:r>
-            <a:r>
-              <a:rPr lang="en-US" dirty="0" smtClean="0"/>
-              <a:t>)</a:t>
-            </a:r>
-          </a:p>
-          <a:p>
-            <a:r>
-              <a:rPr lang="en-US" dirty="0" smtClean="0"/>
-              <a:t>Restart files </a:t>
-            </a:r>
-          </a:p>
-          <a:p>
-            <a:pPr>
-              <a:buNone/>
-            </a:pPr>
-            <a:r>
-              <a:rPr lang="en-US" dirty="0" smtClean="0"/>
-              <a:t>   replace the default</a:t>
-            </a:r>
-          </a:p>
-          <a:p>
-            <a:pPr>
-              <a:buNone/>
-            </a:pPr>
-            <a:r>
-              <a:rPr lang="en-US" dirty="0" smtClean="0"/>
-              <a:t>   (warm start)</a:t>
-            </a:r>
-          </a:p>
-          <a:p>
-            <a:pPr lvl="1">
-              <a:buNone/>
-            </a:pPr>
-            <a:endParaRPr lang="en-US" dirty="0" smtClean="0"/>
-          </a:p>
-          <a:p>
-            <a:pPr>
-              <a:buNone/>
-            </a:pPr>
-            <a:endParaRPr lang="en-US" dirty="0" smtClean="0"/>
-          </a:p>
-        </p:txBody>
-      </p:sp>
-      <p:sp>
-        <p:nvSpPr>
-          <p:cNvPr id="4" name="Date Placeholder 3"/>
-          <p:cNvSpPr>
-            <a:spLocks noGrp="1"/>
-          </p:cNvSpPr>
-          <p:nvPr>
-            <p:ph type="dt" sz="half" idx="10"/>
-          </p:nvPr>
-        </p:nvSpPr>
-        <p:spPr/>
-        <p:txBody>
-          <a:bodyPr/>
-          <a:lstStyle/>
-          <a:p>
-            <a:fld id="{AB98F214-5D90-468C-9EE8-E1612B8D2BE2}" type="slidenum">
-              <a:rPr lang="en-US" smtClean="0"/>
-              <a:pPr/>
-              <a:t>14</a:t>
             </a:fld>
             <a:endParaRPr lang="en-US"/>
           </a:p>
@@ -5645,6 +5750,186 @@
           </a:p>
         </p:txBody>
       </p:sp>
+    </p:spTree>
+  </p:cSld>
+  <p:clrMapOvr>
+    <a:masterClrMapping/>
+  </p:clrMapOvr>
+  <p:transition/>
+  <p:timing>
+    <p:tnLst>
+      <p:par>
+        <p:cTn id="1" dur="indefinite" restart="never" nodeType="tmRoot"/>
+      </p:par>
+    </p:tnLst>
+  </p:timing>
+</p:sld>
+</file>
+
+<file path=ppt/slides/slide14.xml><?xml version="1.0" encoding="utf-8"?>
+<p:sld xmlns:a="http://schemas.openxmlformats.org/drawingml/2006/main" xmlns:r="http://schemas.openxmlformats.org/officeDocument/2006/relationships" xmlns:p="http://schemas.openxmlformats.org/presentationml/2006/main">
+  <p:cSld>
+    <p:spTree>
+      <p:nvGrpSpPr>
+        <p:cNvPr id="1" name=""/>
+        <p:cNvGrpSpPr/>
+        <p:nvPr/>
+      </p:nvGrpSpPr>
+      <p:grpSpPr>
+        <a:xfrm>
+          <a:off x="0" y="0"/>
+          <a:ext cx="0" cy="0"/>
+          <a:chOff x="0" y="0"/>
+          <a:chExt cx="0" cy="0"/>
+        </a:xfrm>
+      </p:grpSpPr>
+      <p:sp>
+        <p:nvSpPr>
+          <p:cNvPr id="2" name="Title 1"/>
+          <p:cNvSpPr>
+            <a:spLocks noGrp="1"/>
+          </p:cNvSpPr>
+          <p:nvPr>
+            <p:ph type="title"/>
+          </p:nvPr>
+        </p:nvSpPr>
+        <p:spPr/>
+        <p:txBody>
+          <a:bodyPr/>
+          <a:lstStyle/>
+          <a:p>
+            <a:r>
+              <a:rPr lang="en-US" dirty="0" err="1" smtClean="0"/>
+              <a:t>Tidefile</a:t>
+            </a:r>
+            <a:endParaRPr lang="en-US" dirty="0"/>
+          </a:p>
+        </p:txBody>
+      </p:sp>
+      <p:sp>
+        <p:nvSpPr>
+          <p:cNvPr id="3" name="Content Placeholder 2"/>
+          <p:cNvSpPr>
+            <a:spLocks noGrp="1"/>
+          </p:cNvSpPr>
+          <p:nvPr>
+            <p:ph idx="1"/>
+          </p:nvPr>
+        </p:nvSpPr>
+        <p:spPr>
+          <a:xfrm>
+            <a:off x="653141" y="1567543"/>
+            <a:ext cx="8240487" cy="4114800"/>
+          </a:xfrm>
+        </p:spPr>
+        <p:txBody>
+          <a:bodyPr/>
+          <a:lstStyle/>
+          <a:p>
+            <a:r>
+              <a:rPr lang="en-US" dirty="0" smtClean="0"/>
+              <a:t>GRID </a:t>
+            </a:r>
+            <a:r>
+              <a:rPr lang="en-US" dirty="0" smtClean="0"/>
+              <a:t>data </a:t>
+            </a:r>
+            <a:r>
+              <a:rPr lang="en-US" dirty="0" smtClean="0"/>
+              <a:t>for QUAL </a:t>
+            </a:r>
+            <a:r>
+              <a:rPr lang="en-US" dirty="0" smtClean="0"/>
+              <a:t>(from HYDRO)</a:t>
+            </a:r>
+            <a:endParaRPr lang="en-US" dirty="0" smtClean="0"/>
+          </a:p>
+          <a:p>
+            <a:r>
+              <a:rPr lang="en-US" dirty="0" smtClean="0"/>
+              <a:t>Flow </a:t>
+            </a:r>
+            <a:r>
+              <a:rPr lang="en-US" dirty="0" smtClean="0"/>
+              <a:t>field</a:t>
+            </a:r>
+            <a:endParaRPr lang="en-US" dirty="0" smtClean="0"/>
+          </a:p>
+          <a:p>
+            <a:r>
+              <a:rPr lang="en-US" dirty="0" smtClean="0"/>
+              <a:t>Has own time step, spatial </a:t>
+            </a:r>
+            <a:r>
+              <a:rPr lang="en-US" dirty="0" smtClean="0"/>
+              <a:t>step (often 1hr)</a:t>
+            </a:r>
+            <a:endParaRPr lang="en-US" dirty="0" smtClean="0"/>
+          </a:p>
+          <a:p>
+            <a:r>
+              <a:rPr lang="en-US" dirty="0" smtClean="0"/>
+              <a:t>HDF5 Viewer to view</a:t>
+            </a:r>
+          </a:p>
+        </p:txBody>
+      </p:sp>
+      <p:sp>
+        <p:nvSpPr>
+          <p:cNvPr id="4" name="Date Placeholder 3"/>
+          <p:cNvSpPr>
+            <a:spLocks noGrp="1"/>
+          </p:cNvSpPr>
+          <p:nvPr>
+            <p:ph type="dt" sz="half" idx="10"/>
+          </p:nvPr>
+        </p:nvSpPr>
+        <p:spPr/>
+        <p:txBody>
+          <a:bodyPr/>
+          <a:lstStyle/>
+          <a:p>
+            <a:fld id="{AB98F214-5D90-468C-9EE8-E1612B8D2BE2}" type="slidenum">
+              <a:rPr lang="en-US" smtClean="0"/>
+              <a:pPr/>
+              <a:t>14</a:t>
+            </a:fld>
+            <a:endParaRPr lang="en-US"/>
+          </a:p>
+        </p:txBody>
+      </p:sp>
+      <p:pic>
+        <p:nvPicPr>
+          <p:cNvPr id="2050" name="Picture 2"/>
+          <p:cNvPicPr>
+            <a:picLocks noChangeAspect="1" noChangeArrowheads="1"/>
+          </p:cNvPicPr>
+          <p:nvPr/>
+        </p:nvPicPr>
+        <p:blipFill>
+          <a:blip r:embed="rId2" cstate="print"/>
+          <a:srcRect/>
+          <a:stretch>
+            <a:fillRect/>
+          </a:stretch>
+        </p:blipFill>
+        <p:spPr bwMode="auto">
+          <a:xfrm>
+            <a:off x="4929673" y="3701143"/>
+            <a:ext cx="4214327" cy="3156857"/>
+          </a:xfrm>
+          <a:prstGeom prst="rect">
+            <a:avLst/>
+          </a:prstGeom>
+          <a:noFill/>
+          <a:ln w="9525">
+            <a:noFill/>
+            <a:miter lim="800000"/>
+            <a:headEnd/>
+            <a:tailEnd/>
+          </a:ln>
+        </p:spPr>
+      </p:pic>
     </p:spTree>
   </p:cSld>
   <p:clrMapOvr>
@@ -6123,50 +6408,140 @@
           <a:lstStyle/>
           <a:p>
             <a:r>
+              <a:rPr lang="en-US" dirty="0" smtClean="0"/>
+              <a:t>Time Series Output</a:t>
+            </a:r>
+            <a:endParaRPr lang="en-US" dirty="0"/>
+          </a:p>
+        </p:txBody>
+      </p:sp>
+      <p:sp>
+        <p:nvSpPr>
+          <p:cNvPr id="3" name="Content Placeholder 2"/>
+          <p:cNvSpPr>
+            <a:spLocks noGrp="1"/>
+          </p:cNvSpPr>
+          <p:nvPr>
+            <p:ph idx="1"/>
+          </p:nvPr>
+        </p:nvSpPr>
+        <p:spPr>
+          <a:xfrm>
+            <a:off x="772886" y="1284514"/>
+            <a:ext cx="7772400" cy="4114800"/>
+          </a:xfrm>
+        </p:spPr>
+        <p:txBody>
+          <a:bodyPr/>
+          <a:lstStyle/>
+          <a:p>
+            <a:r>
+              <a:rPr lang="en-US" dirty="0" smtClean="0"/>
+              <a:t>What can we output?</a:t>
+            </a:r>
+          </a:p>
+          <a:p>
+            <a:pPr lvl="1"/>
+            <a:r>
+              <a:rPr lang="en-US" dirty="0" smtClean="0"/>
+              <a:t>flow</a:t>
+            </a:r>
+            <a:r>
+              <a:rPr lang="en-US" dirty="0" smtClean="0"/>
+              <a:t>, </a:t>
+            </a:r>
+            <a:r>
+              <a:rPr lang="en-US" dirty="0" smtClean="0"/>
+              <a:t>stage</a:t>
+            </a:r>
+            <a:r>
+              <a:rPr lang="en-US" dirty="0" smtClean="0"/>
+              <a:t>, </a:t>
+            </a:r>
+            <a:r>
               <a:rPr lang="en-US" dirty="0" err="1" smtClean="0"/>
-              <a:t>Tidefile</a:t>
-            </a:r>
-            <a:endParaRPr lang="en-US" dirty="0"/>
-          </a:p>
-        </p:txBody>
-      </p:sp>
-      <p:sp>
-        <p:nvSpPr>
-          <p:cNvPr id="3" name="Content Placeholder 2"/>
-          <p:cNvSpPr>
-            <a:spLocks noGrp="1"/>
-          </p:cNvSpPr>
-          <p:nvPr>
-            <p:ph idx="1"/>
-          </p:nvPr>
-        </p:nvSpPr>
-        <p:spPr/>
-        <p:txBody>
-          <a:bodyPr/>
-          <a:lstStyle/>
-          <a:p>
+              <a:t>vel</a:t>
+            </a:r>
             <a:r>
               <a:rPr lang="en-US" dirty="0" smtClean="0"/>
-              <a:t>GRID input for QUAL (record of all HYDRO input)</a:t>
-            </a:r>
-          </a:p>
-          <a:p>
+              <a:t>, and the name of any constituent (</a:t>
+            </a:r>
+            <a:r>
+              <a:rPr lang="en-US" dirty="0" err="1" smtClean="0"/>
+              <a:t>ec</a:t>
+            </a:r>
             <a:r>
               <a:rPr lang="en-US" dirty="0" smtClean="0"/>
-              <a:t>Flow Field</a:t>
-            </a:r>
-          </a:p>
-          <a:p>
+              <a:t>, do</a:t>
+            </a:r>
             <a:r>
               <a:rPr lang="en-US" dirty="0" smtClean="0"/>
-              <a:t>Has own time step, spatial step</a:t>
-            </a:r>
-          </a:p>
-          <a:p>
+              <a:t>…)</a:t>
+            </a:r>
+          </a:p>
+          <a:p>
+            <a:pPr lvl="1"/>
             <a:r>
               <a:rPr lang="en-US" dirty="0" smtClean="0"/>
-              <a:t>HDF5 Viewer to view</a:t>
-            </a:r>
+              <a:t>Check out the documentation!</a:t>
+            </a:r>
+            <a:endParaRPr lang="en-US" dirty="0" smtClean="0"/>
+          </a:p>
+          <a:p>
+            <a:r>
+              <a:rPr lang="en-US" dirty="0" smtClean="0"/>
+              <a:t>Formats: </a:t>
+            </a:r>
+            <a:r>
+              <a:rPr lang="en-US" dirty="0" smtClean="0"/>
+              <a:t>text and DSS</a:t>
+            </a:r>
+          </a:p>
+          <a:p>
+            <a:r>
+              <a:rPr lang="en-US" dirty="0" smtClean="0"/>
+              <a:t>Tables</a:t>
+            </a:r>
+            <a:endParaRPr lang="en-US" dirty="0" smtClean="0"/>
+          </a:p>
+          <a:p>
+            <a:pPr lvl="1"/>
+            <a:r>
+              <a:rPr lang="en-US" sz="2000" dirty="0" smtClean="0"/>
+              <a:t>OUTPUT_CHANNEL</a:t>
+            </a:r>
+          </a:p>
+          <a:p>
+            <a:pPr lvl="1"/>
+            <a:r>
+              <a:rPr lang="en-US" sz="2000" dirty="0" smtClean="0"/>
+              <a:t>OUTPUT_RESERVOIR</a:t>
+            </a:r>
+          </a:p>
+          <a:p>
+            <a:pPr lvl="1"/>
+            <a:r>
+              <a:rPr lang="en-US" sz="2000" dirty="0" smtClean="0"/>
+              <a:t>OUTPUT_GATE</a:t>
+            </a:r>
+          </a:p>
+          <a:p>
+            <a:pPr lvl="1"/>
+            <a:r>
+              <a:rPr lang="en-US" sz="2000" dirty="0" smtClean="0"/>
+              <a:t>OUTPUT_CHANNEL_SOURCE_TRACK</a:t>
+            </a:r>
+          </a:p>
+          <a:p>
+            <a:pPr lvl="1"/>
+            <a:r>
+              <a:rPr lang="en-US" sz="2000" dirty="0" smtClean="0"/>
+              <a:t>OUTPUT_RESERVOIR_SOURCE_TRACK</a:t>
+            </a:r>
+          </a:p>
+          <a:p>
+            <a:pPr lvl="1"/>
+            <a:endParaRPr lang="en-US" sz="2000" dirty="0" smtClean="0"/>
           </a:p>
         </p:txBody>
       </p:sp>
@@ -6191,6 +6566,107 @@
               <a:t>16</a:t>
             </a:fld>
             <a:endParaRPr lang="en-US"/>
+          </a:p>
+        </p:txBody>
+      </p:sp>
+      <p:sp>
+        <p:nvSpPr>
+          <p:cNvPr id="5" name="Right Brace 4"/>
+          <p:cNvSpPr/>
+          <p:nvPr/>
+        </p:nvSpPr>
+        <p:spPr bwMode="auto">
+          <a:xfrm>
+            <a:off x="6509657" y="5529943"/>
+            <a:ext cx="152400" cy="805543"/>
+          </a:xfrm>
+          <a:prstGeom prst="rightBrace">
+            <a:avLst/>
+          </a:prstGeom>
+          <a:noFill/>
+          <a:ln w="34925" cap="flat" cmpd="sng" algn="ctr">
+            <a:solidFill>
+              <a:schemeClr val="tx2"/>
+            </a:solidFill>
+            <a:prstDash val="solid"/>
+            <a:round/>
+            <a:headEnd type="none" w="med" len="med"/>
+            <a:tailEnd type="none" w="med" len="med"/>
+          </a:ln>
+          <a:effectLst/>
+        </p:spPr>
+        <p:txBody>
+          <a:bodyPr vert="horz" wrap="square" lIns="91440" tIns="45720" rIns="91440" bIns="45720" numCol="1" rtlCol="0" anchor="ctr" anchorCtr="0" compatLnSpc="1">
+            <a:prstTxWarp prst="textNoShape">
+              <a:avLst/>
+            </a:prstTxWarp>
+          </a:bodyPr>
+          <a:lstStyle/>
+          <a:p>
+            <a:pPr marL="0" marR="0" indent="0" algn="ctr" defTabSz="914400" rtl="0" eaLnBrk="0" fontAlgn="base" latinLnBrk="0" hangingPunct="0">
+              <a:lnSpc>
+                <a:spcPct val="100000"/>
+              </a:lnSpc>
+              <a:spcBef>
+                <a:spcPct val="0"/>
+              </a:spcBef>
+              <a:spcAft>
+                <a:spcPct val="0"/>
+              </a:spcAft>
+              <a:buClrTx/>
+              <a:buSzTx/>
+              <a:buFontTx/>
+              <a:buNone/>
+              <a:tabLst/>
+            </a:pPr>
+            <a:endParaRPr kumimoji="0" lang="en-US" sz="3600" b="1" i="0" u="none" strike="noStrike" cap="none" normalizeH="0" baseline="0" smtClean="0">
+              <a:ln>
+                <a:noFill/>
+              </a:ln>
+              <a:solidFill>
+                <a:schemeClr val="tx1"/>
+              </a:solidFill>
+              <a:effectLst/>
+              <a:latin typeface="Arial" charset="0"/>
+            </a:endParaRPr>
+          </a:p>
+        </p:txBody>
+      </p:sp>
+      <p:sp>
+        <p:nvSpPr>
+          <p:cNvPr id="6" name="TextBox 5"/>
+          <p:cNvSpPr txBox="1"/>
+          <p:nvPr/>
+        </p:nvSpPr>
+        <p:spPr>
+          <a:xfrm>
+            <a:off x="6825343" y="5715000"/>
+            <a:ext cx="1643742" cy="369332"/>
+          </a:xfrm>
+          <a:prstGeom prst="rect">
+            <a:avLst/>
+          </a:prstGeom>
+          <a:noFill/>
+        </p:spPr>
+        <p:txBody>
+          <a:bodyPr wrap="square" rtlCol="0">
+            <a:spAutoFit/>
+          </a:bodyPr>
+          <a:lstStyle/>
+          <a:p>
+            <a:r>
+              <a:rPr lang="en-US" sz="1800" dirty="0" smtClean="0">
+                <a:solidFill>
+                  <a:schemeClr val="tx2"/>
+                </a:solidFill>
+              </a:rPr>
+              <a:t>Covered next</a:t>
+            </a:r>
+            <a:endParaRPr lang="en-US" sz="1800" dirty="0">
+              <a:solidFill>
+                <a:schemeClr val="tx2"/>
+              </a:solidFill>
+            </a:endParaRPr>
           </a:p>
         </p:txBody>
       </p:sp>
@@ -6262,7 +6738,7 @@
         </p:nvSpPr>
         <p:spPr>
           <a:xfrm>
-            <a:off x="772886" y="1284514"/>
+            <a:off x="729343" y="1589314"/>
             <a:ext cx="7772400" cy="4114800"/>
           </a:xfrm>
         </p:spPr>
@@ -6270,108 +6746,98 @@
           <a:bodyPr/>
           <a:lstStyle/>
           <a:p>
-            <a:r>
-              <a:rPr lang="en-US" dirty="0" smtClean="0"/>
-              <a:t>What can we output?</a:t>
-            </a:r>
-          </a:p>
-          <a:p>
-            <a:pPr lvl="1"/>
-            <a:r>
-              <a:rPr lang="en-US" dirty="0" smtClean="0"/>
-              <a:t>Flow, Stage, </a:t>
-            </a:r>
-            <a:r>
-              <a:rPr lang="en-US" dirty="0" err="1" smtClean="0"/>
-              <a:t>Vel</a:t>
-            </a:r>
-            <a:r>
-              <a:rPr lang="en-US" dirty="0" smtClean="0"/>
-              <a:t>, </a:t>
-            </a:r>
-            <a:r>
-              <a:rPr lang="en-US" dirty="0" smtClean="0"/>
-              <a:t>and </a:t>
-            </a:r>
-            <a:r>
-              <a:rPr lang="en-US" dirty="0" smtClean="0"/>
-              <a:t>the </a:t>
-            </a:r>
-            <a:r>
-              <a:rPr lang="en-US" dirty="0" smtClean="0"/>
-              <a:t>name of any </a:t>
-            </a:r>
-            <a:r>
-              <a:rPr lang="en-US" dirty="0" smtClean="0"/>
-              <a:t>constituent (</a:t>
-            </a:r>
-            <a:r>
-              <a:rPr lang="en-US" dirty="0" err="1" smtClean="0"/>
-              <a:t>ec</a:t>
-            </a:r>
-            <a:r>
-              <a:rPr lang="en-US" dirty="0" smtClean="0"/>
-              <a:t>, do…)</a:t>
-            </a:r>
-            <a:endParaRPr lang="en-US" dirty="0" smtClean="0"/>
-          </a:p>
-          <a:p>
-            <a:r>
-              <a:rPr lang="en-US" dirty="0" smtClean="0"/>
-              <a:t>How? </a:t>
-            </a:r>
-          </a:p>
-          <a:p>
-            <a:pPr lvl="1"/>
-            <a:r>
-              <a:rPr lang="en-US" dirty="0" smtClean="0"/>
-              <a:t>Formats text and </a:t>
-            </a:r>
-            <a:r>
-              <a:rPr lang="en-US" dirty="0" smtClean="0"/>
-              <a:t>DSS</a:t>
-            </a:r>
-            <a:endParaRPr lang="en-US" dirty="0" smtClean="0"/>
-          </a:p>
-          <a:p>
-            <a:r>
-              <a:rPr lang="en-US" dirty="0" smtClean="0"/>
-              <a:t>Block</a:t>
-            </a:r>
-          </a:p>
-          <a:p>
-            <a:pPr lvl="1"/>
-            <a:r>
-              <a:rPr lang="en-US" sz="2000" dirty="0" smtClean="0"/>
-              <a:t>OUTPUT_CHANNEL</a:t>
-            </a:r>
-          </a:p>
-          <a:p>
-            <a:pPr lvl="1"/>
-            <a:r>
-              <a:rPr lang="en-US" sz="2000" dirty="0" smtClean="0"/>
-              <a:t>OUTPUT_RESERVOIR</a:t>
-            </a:r>
-          </a:p>
-          <a:p>
-            <a:pPr lvl="1"/>
-            <a:r>
-              <a:rPr lang="en-US" sz="2000" dirty="0" smtClean="0"/>
-              <a:t>OUTPUT_CHANNEL_SOURCE_TRACK</a:t>
-            </a:r>
-          </a:p>
-          <a:p>
-            <a:pPr lvl="1"/>
-            <a:r>
-              <a:rPr lang="en-US" sz="2000" dirty="0" smtClean="0"/>
-              <a:t>OUTPUT_RESERVOIR_SOURCE_TRACK</a:t>
-            </a:r>
-          </a:p>
-          <a:p>
             <a:pPr lvl="1"/>
             <a:r>
               <a:rPr lang="en-US" sz="2000" dirty="0" smtClean="0"/>
               <a:t>OUTPUT_GATE</a:t>
+            </a:r>
+          </a:p>
+          <a:p>
+            <a:pPr lvl="2"/>
+            <a:r>
+              <a:rPr lang="en-US" sz="2000" dirty="0" smtClean="0"/>
+              <a:t>Device physical data (</a:t>
+            </a:r>
+            <a:r>
+              <a:rPr lang="en-US" sz="2000" i="1" dirty="0" smtClean="0"/>
+              <a:t>width</a:t>
+            </a:r>
+            <a:r>
+              <a:rPr lang="en-US" sz="2000" dirty="0" smtClean="0"/>
+              <a:t>, </a:t>
+            </a:r>
+            <a:r>
+              <a:rPr lang="en-US" sz="2000" i="1" dirty="0" smtClean="0"/>
+              <a:t>height</a:t>
+            </a:r>
+            <a:r>
+              <a:rPr lang="en-US" sz="2000" dirty="0" smtClean="0"/>
+              <a:t>, </a:t>
+            </a:r>
+            <a:r>
+              <a:rPr lang="en-US" sz="2000" i="1" dirty="0" err="1" smtClean="0"/>
+              <a:t>elev</a:t>
+            </a:r>
+            <a:r>
+              <a:rPr lang="en-US" sz="2000" dirty="0" smtClean="0"/>
+              <a:t>), </a:t>
+            </a:r>
+          </a:p>
+          <a:p>
+            <a:pPr lvl="2"/>
+            <a:r>
+              <a:rPr lang="en-US" sz="2000" dirty="0" smtClean="0"/>
+              <a:t>operational data (</a:t>
+            </a:r>
+            <a:r>
+              <a:rPr lang="en-US" sz="2000" i="1" dirty="0" err="1" smtClean="0"/>
+              <a:t>op_to_node</a:t>
+            </a:r>
+            <a:r>
+              <a:rPr lang="en-US" sz="2000" dirty="0" smtClean="0"/>
+              <a:t>, </a:t>
+            </a:r>
+            <a:r>
+              <a:rPr lang="en-US" sz="2000" i="1" dirty="0" err="1" smtClean="0"/>
+              <a:t>op_from_node</a:t>
+            </a:r>
+            <a:r>
+              <a:rPr lang="en-US" sz="2000" dirty="0" smtClean="0"/>
+              <a:t>) </a:t>
+            </a:r>
+          </a:p>
+          <a:p>
+            <a:pPr lvl="2"/>
+            <a:r>
+              <a:rPr lang="en-US" sz="2000" i="1" dirty="0" smtClean="0"/>
+              <a:t>flow</a:t>
+            </a:r>
+            <a:r>
+              <a:rPr lang="en-US" sz="2000" dirty="0" smtClean="0"/>
+              <a:t> from water body to node.</a:t>
+            </a:r>
+          </a:p>
+          <a:p>
+            <a:pPr lvl="2"/>
+            <a:r>
+              <a:rPr lang="en-US" sz="2000" dirty="0" smtClean="0"/>
+              <a:t>From a gate with device=none you can request the variables </a:t>
+            </a:r>
+            <a:r>
+              <a:rPr lang="en-US" sz="2000" i="1" dirty="0" smtClean="0"/>
+              <a:t>install</a:t>
+            </a:r>
+            <a:r>
+              <a:rPr lang="en-US" sz="2000" dirty="0" smtClean="0"/>
+              <a:t>, or total </a:t>
+            </a:r>
+            <a:r>
+              <a:rPr lang="en-US" sz="2000" i="1" dirty="0" smtClean="0"/>
+              <a:t>flow</a:t>
+            </a:r>
+            <a:r>
+              <a:rPr lang="en-US" sz="2000" dirty="0" smtClean="0"/>
+              <a:t> oriented from water body to node.</a:t>
             </a:r>
           </a:p>
         </p:txBody>
@@ -6396,7 +6862,7 @@
               <a:pPr/>
               <a:t>17</a:t>
             </a:fld>
-            <a:endParaRPr lang="en-US"/>
+            <a:endParaRPr lang="en-US" dirty="0"/>
           </a:p>
         </p:txBody>
       </p:sp>
@@ -6458,140 +6924,6 @@
       </p:sp>
       <p:sp>
         <p:nvSpPr>
-          <p:cNvPr id="3" name="Content Placeholder 2"/>
-          <p:cNvSpPr>
-            <a:spLocks noGrp="1"/>
-          </p:cNvSpPr>
-          <p:nvPr>
-            <p:ph idx="1"/>
-          </p:nvPr>
-        </p:nvSpPr>
-        <p:spPr>
-          <a:xfrm>
-            <a:off x="729343" y="1589314"/>
-            <a:ext cx="7772400" cy="4114800"/>
-          </a:xfrm>
-        </p:spPr>
-        <p:txBody>
-          <a:bodyPr/>
-          <a:lstStyle/>
-          <a:p>
-            <a:pPr lvl="1"/>
-            <a:r>
-              <a:rPr lang="en-US" sz="2000" dirty="0" smtClean="0"/>
-              <a:t>OUTPUT_GATE</a:t>
-            </a:r>
-          </a:p>
-          <a:p>
-            <a:pPr lvl="2"/>
-            <a:r>
-              <a:rPr lang="en-US" sz="2000" dirty="0" smtClean="0"/>
-              <a:t>Device physical </a:t>
-            </a:r>
-            <a:r>
-              <a:rPr lang="en-US" sz="2000" dirty="0" smtClean="0"/>
-              <a:t>data (</a:t>
-            </a:r>
-            <a:r>
-              <a:rPr lang="en-US" sz="2000" i="1" dirty="0" smtClean="0"/>
-              <a:t>width</a:t>
-            </a:r>
-            <a:r>
-              <a:rPr lang="en-US" sz="2000" dirty="0" smtClean="0"/>
-              <a:t>, </a:t>
-            </a:r>
-            <a:r>
-              <a:rPr lang="en-US" sz="2000" i="1" dirty="0" smtClean="0"/>
-              <a:t>height</a:t>
-            </a:r>
-            <a:r>
-              <a:rPr lang="en-US" sz="2000" dirty="0" smtClean="0"/>
-              <a:t>, </a:t>
-            </a:r>
-            <a:r>
-              <a:rPr lang="en-US" sz="2000" i="1" dirty="0" err="1" smtClean="0"/>
-              <a:t>elev</a:t>
-            </a:r>
-            <a:r>
-              <a:rPr lang="en-US" sz="2000" dirty="0" smtClean="0"/>
-              <a:t>), </a:t>
-            </a:r>
-            <a:endParaRPr lang="en-US" sz="2000" dirty="0" smtClean="0"/>
-          </a:p>
-          <a:p>
-            <a:pPr lvl="2"/>
-            <a:r>
-              <a:rPr lang="en-US" sz="2000" dirty="0" smtClean="0"/>
-              <a:t>operational </a:t>
-            </a:r>
-            <a:r>
-              <a:rPr lang="en-US" sz="2000" dirty="0" smtClean="0"/>
-              <a:t>data (</a:t>
-            </a:r>
-            <a:r>
-              <a:rPr lang="en-US" sz="2000" i="1" dirty="0" err="1" smtClean="0"/>
-              <a:t>op_to_node</a:t>
-            </a:r>
-            <a:r>
-              <a:rPr lang="en-US" sz="2000" dirty="0" smtClean="0"/>
-              <a:t>, </a:t>
-            </a:r>
-            <a:r>
-              <a:rPr lang="en-US" sz="2000" i="1" dirty="0" err="1" smtClean="0"/>
-              <a:t>op_from_node</a:t>
-            </a:r>
-            <a:r>
-              <a:rPr lang="en-US" sz="2000" dirty="0" smtClean="0"/>
-              <a:t>) </a:t>
-            </a:r>
-          </a:p>
-          <a:p>
-            <a:pPr lvl="2"/>
-            <a:r>
-              <a:rPr lang="en-US" sz="2000" i="1" dirty="0" smtClean="0"/>
-              <a:t>flow</a:t>
-            </a:r>
-            <a:r>
-              <a:rPr lang="en-US" sz="2000" dirty="0" smtClean="0"/>
-              <a:t> from </a:t>
-            </a:r>
-            <a:r>
-              <a:rPr lang="en-US" sz="2000" dirty="0" smtClean="0"/>
-              <a:t>water body to node</a:t>
-            </a:r>
-            <a:r>
-              <a:rPr lang="en-US" sz="2000" dirty="0" smtClean="0"/>
-              <a:t>.</a:t>
-            </a:r>
-          </a:p>
-          <a:p>
-            <a:pPr lvl="2"/>
-            <a:r>
-              <a:rPr lang="en-US" sz="2000" dirty="0" smtClean="0"/>
-              <a:t>From a gate with device=none you can request the variables </a:t>
-            </a:r>
-            <a:r>
-              <a:rPr lang="en-US" sz="2000" i="1" dirty="0" smtClean="0"/>
-              <a:t>install</a:t>
-            </a:r>
-            <a:r>
-              <a:rPr lang="en-US" sz="2000" dirty="0" smtClean="0"/>
-              <a:t>, or total </a:t>
-            </a:r>
-            <a:r>
-              <a:rPr lang="en-US" sz="2000" i="1" dirty="0" smtClean="0"/>
-              <a:t>flow</a:t>
-            </a:r>
-            <a:r>
-              <a:rPr lang="en-US" sz="2000" dirty="0" smtClean="0"/>
-              <a:t> oriented from water body to node.</a:t>
-            </a:r>
-            <a:endParaRPr lang="en-US" sz="2000" dirty="0" smtClean="0"/>
-          </a:p>
-        </p:txBody>
-      </p:sp>
-      <p:sp>
-        <p:nvSpPr>
           <p:cNvPr id="4" name="Date Placeholder 3"/>
           <p:cNvSpPr>
             <a:spLocks noGrp="1"/>
@@ -6609,86 +6941,6 @@
               <a:rPr lang="en-US" smtClean="0"/>
               <a:pPr/>
               <a:t>18</a:t>
-            </a:fld>
-            <a:endParaRPr lang="en-US" dirty="0"/>
-          </a:p>
-        </p:txBody>
-      </p:sp>
-    </p:spTree>
-  </p:cSld>
-  <p:clrMapOvr>
-    <a:masterClrMapping/>
-  </p:clrMapOvr>
-  <p:transition/>
-  <p:timing>
-    <p:tnLst>
-      <p:par>
-        <p:cTn id="1" dur="indefinite" restart="never" nodeType="tmRoot"/>
-      </p:par>
-    </p:tnLst>
-  </p:timing>
-</p:sld>
-</file>
-
-<file path=ppt/slides/slide19.xml><?xml version="1.0" encoding="utf-8"?>
-<p:sld xmlns:a="http://schemas.openxmlformats.org/drawingml/2006/main" xmlns:r="http://schemas.openxmlformats.org/officeDocument/2006/relationships" xmlns:p="http://schemas.openxmlformats.org/presentationml/2006/main">
-  <p:cSld>
-    <p:spTree>
-      <p:nvGrpSpPr>
-        <p:cNvPr id="1" name=""/>
-        <p:cNvGrpSpPr/>
-        <p:nvPr/>
-      </p:nvGrpSpPr>
-      <p:grpSpPr>
-        <a:xfrm>
-          <a:off x="0" y="0"/>
-          <a:ext cx="0" cy="0"/>
-          <a:chOff x="0" y="0"/>
-          <a:chExt cx="0" cy="0"/>
-        </a:xfrm>
-      </p:grpSpPr>
-      <p:sp>
-        <p:nvSpPr>
-          <p:cNvPr id="2" name="Title 1"/>
-          <p:cNvSpPr>
-            <a:spLocks noGrp="1"/>
-          </p:cNvSpPr>
-          <p:nvPr>
-            <p:ph type="title"/>
-          </p:nvPr>
-        </p:nvSpPr>
-        <p:spPr/>
-        <p:txBody>
-          <a:bodyPr/>
-          <a:lstStyle/>
-          <a:p>
-            <a:r>
-              <a:rPr lang="en-US" dirty="0" smtClean="0"/>
-              <a:t>Time Series Output</a:t>
-            </a:r>
-            <a:endParaRPr lang="en-US" dirty="0"/>
-          </a:p>
-        </p:txBody>
-      </p:sp>
-      <p:sp>
-        <p:nvSpPr>
-          <p:cNvPr id="4" name="Date Placeholder 3"/>
-          <p:cNvSpPr>
-            <a:spLocks noGrp="1"/>
-          </p:cNvSpPr>
-          <p:nvPr>
-            <p:ph type="dt" sz="half" idx="10"/>
-          </p:nvPr>
-        </p:nvSpPr>
-        <p:spPr/>
-        <p:txBody>
-          <a:bodyPr/>
-          <a:lstStyle/>
-          <a:p>
-            <a:fld id="{AB98F214-5D90-468C-9EE8-E1612B8D2BE2}" type="slidenum">
-              <a:rPr lang="en-US" smtClean="0"/>
-              <a:pPr/>
-              <a:t>19</a:t>
             </a:fld>
             <a:endParaRPr lang="en-US"/>
           </a:p>
@@ -6742,6 +6994,120 @@
 </p:sld>
 </file>
 
+<file path=ppt/slides/slide19.xml><?xml version="1.0" encoding="utf-8"?>
+<p:sld xmlns:a="http://schemas.openxmlformats.org/drawingml/2006/main" xmlns:r="http://schemas.openxmlformats.org/officeDocument/2006/relationships" xmlns:p="http://schemas.openxmlformats.org/presentationml/2006/main">
+  <p:cSld>
+    <p:spTree>
+      <p:nvGrpSpPr>
+        <p:cNvPr id="1" name=""/>
+        <p:cNvGrpSpPr/>
+        <p:nvPr/>
+      </p:nvGrpSpPr>
+      <p:grpSpPr>
+        <a:xfrm>
+          <a:off x="0" y="0"/>
+          <a:ext cx="0" cy="0"/>
+          <a:chOff x="0" y="0"/>
+          <a:chExt cx="0" cy="0"/>
+        </a:xfrm>
+      </p:grpSpPr>
+      <p:sp>
+        <p:nvSpPr>
+          <p:cNvPr id="2" name="Title 1"/>
+          <p:cNvSpPr>
+            <a:spLocks noGrp="1"/>
+          </p:cNvSpPr>
+          <p:nvPr>
+            <p:ph type="title"/>
+          </p:nvPr>
+        </p:nvSpPr>
+        <p:spPr/>
+        <p:txBody>
+          <a:bodyPr/>
+          <a:lstStyle/>
+          <a:p>
+            <a:r>
+              <a:rPr lang="en-US" dirty="0" smtClean="0"/>
+              <a:t>Time Series Output</a:t>
+            </a:r>
+            <a:endParaRPr lang="en-US" dirty="0"/>
+          </a:p>
+        </p:txBody>
+      </p:sp>
+      <p:sp>
+        <p:nvSpPr>
+          <p:cNvPr id="4" name="Date Placeholder 3"/>
+          <p:cNvSpPr>
+            <a:spLocks noGrp="1"/>
+          </p:cNvSpPr>
+          <p:nvPr>
+            <p:ph type="dt" sz="half" idx="10"/>
+          </p:nvPr>
+        </p:nvSpPr>
+        <p:spPr/>
+        <p:txBody>
+          <a:bodyPr/>
+          <a:lstStyle/>
+          <a:p>
+            <a:fld id="{AB98F214-5D90-468C-9EE8-E1612B8D2BE2}" type="slidenum">
+              <a:rPr lang="en-US" smtClean="0"/>
+              <a:pPr/>
+              <a:t>19</a:t>
+            </a:fld>
+            <a:endParaRPr lang="en-US"/>
+          </a:p>
+        </p:txBody>
+      </p:sp>
+      <p:pic>
+        <p:nvPicPr>
+          <p:cNvPr id="2050" name="Picture 2">
+            <a:hlinkClick r:id="rId2" action="ppaction://hlinkfile"/>
+          </p:cNvPr>
+          <p:cNvPicPr>
+            <a:picLocks noChangeAspect="1" noChangeArrowheads="1"/>
+          </p:cNvPicPr>
+          <p:nvPr/>
+        </p:nvPicPr>
+        <p:blipFill>
+          <a:blip r:embed="rId3" cstate="print"/>
+          <a:srcRect/>
+          <a:stretch>
+            <a:fillRect/>
+          </a:stretch>
+        </p:blipFill>
+        <p:spPr bwMode="auto">
+          <a:xfrm>
+            <a:off x="371475" y="1372961"/>
+            <a:ext cx="8401050" cy="4895850"/>
+          </a:xfrm>
+          <a:prstGeom prst="rect">
+            <a:avLst/>
+          </a:prstGeom>
+          <a:noFill/>
+          <a:ln w="9525">
+            <a:noFill/>
+            <a:miter lim="800000"/>
+            <a:headEnd/>
+            <a:tailEnd/>
+          </a:ln>
+        </p:spPr>
+      </p:pic>
+    </p:spTree>
+  </p:cSld>
+  <p:clrMapOvr>
+    <a:masterClrMapping/>
+  </p:clrMapOvr>
+  <p:transition/>
+  <p:timing>
+    <p:tnLst>
+      <p:par>
+        <p:cTn id="1" dur="indefinite" restart="never" nodeType="tmRoot"/>
+      </p:par>
+    </p:tnLst>
+  </p:timing>
+</p:sld>
+</file>
+
 <file path=ppt/slides/slide2.xml><?xml version="1.0" encoding="utf-8"?>
 <p:sld xmlns:a="http://schemas.openxmlformats.org/drawingml/2006/main" xmlns:r="http://schemas.openxmlformats.org/officeDocument/2006/relationships" xmlns:p="http://schemas.openxmlformats.org/presentationml/2006/main">
   <p:cSld>
@@ -6810,19 +7176,25 @@
           <a:p>
             <a:r>
               <a:rPr lang="en-US" dirty="0" smtClean="0"/>
-              <a:t>Other Time Series(gates, sources)</a:t>
-            </a:r>
-          </a:p>
-          <a:p>
+              <a:t>Other Time </a:t>
+            </a:r>
             <a:r>
               <a:rPr lang="en-US" dirty="0" smtClean="0"/>
-              <a:t>Gate Op: Default, Time Series, Op Rule</a:t>
-            </a:r>
-          </a:p>
-          <a:p>
+              <a:t>Series (</a:t>
+            </a:r>
             <a:r>
               <a:rPr lang="en-US" dirty="0" smtClean="0"/>
-              <a:t>Initial Conditions (default, restart)</a:t>
+              <a:t>gates, sources)</a:t>
+            </a:r>
+          </a:p>
+          <a:p>
+            <a:r>
+              <a:rPr lang="en-US" dirty="0" smtClean="0"/>
+              <a:t>Initial </a:t>
+            </a:r>
+            <a:r>
+              <a:rPr lang="en-US" dirty="0" smtClean="0"/>
+              <a:t>Conditions (default, restart)</a:t>
             </a:r>
           </a:p>
           <a:p>
@@ -6835,13 +7207,11 @@
           <a:p>
             <a:r>
               <a:rPr lang="en-US" dirty="0" smtClean="0"/>
-              <a:t>Echoed input</a:t>
-            </a:r>
-          </a:p>
-          <a:p>
+              <a:t>Time </a:t>
+            </a:r>
             <a:r>
               <a:rPr lang="en-US" dirty="0" smtClean="0"/>
-              <a:t>Time Series Output</a:t>
+              <a:t>Series Output</a:t>
             </a:r>
           </a:p>
           <a:p>
@@ -6949,9 +7319,51 @@
           <a:p>
             <a:r>
               <a:rPr lang="en-US" dirty="0" smtClean="0"/>
-              <a:t>Time Series Output</a:t>
+              <a:t>Echo Input File</a:t>
             </a:r>
             <a:endParaRPr lang="en-US" dirty="0"/>
+          </a:p>
+        </p:txBody>
+      </p:sp>
+      <p:sp>
+        <p:nvSpPr>
+          <p:cNvPr id="3" name="Content Placeholder 2"/>
+          <p:cNvSpPr>
+            <a:spLocks noGrp="1"/>
+          </p:cNvSpPr>
+          <p:nvPr>
+            <p:ph idx="1"/>
+          </p:nvPr>
+        </p:nvSpPr>
+        <p:spPr>
+          <a:xfrm>
+            <a:off x="685799" y="1360714"/>
+            <a:ext cx="8175171" cy="4114800"/>
+          </a:xfrm>
+        </p:spPr>
+        <p:txBody>
+          <a:bodyPr/>
+          <a:lstStyle/>
+          <a:p>
+            <a:r>
+              <a:rPr lang="en-US" dirty="0" smtClean="0"/>
+              <a:t>Archive of run</a:t>
+            </a:r>
+          </a:p>
+          <a:p>
+            <a:r>
+              <a:rPr lang="en-US" dirty="0" smtClean="0"/>
+              <a:t>QA/QC: single-file view of multiple sources</a:t>
+            </a:r>
+          </a:p>
+          <a:p>
+            <a:r>
+              <a:rPr lang="en-US" dirty="0" smtClean="0"/>
+              <a:t>Can be used as an input file</a:t>
+            </a:r>
+          </a:p>
+          <a:p>
+            <a:endParaRPr lang="en-US" dirty="0" smtClean="0"/>
           </a:p>
         </p:txBody>
       </p:sp>
@@ -6981,7 +7393,7 @@
       </p:sp>
       <p:pic>
         <p:nvPicPr>
-          <p:cNvPr id="1026" name="Picture 2"/>
+          <p:cNvPr id="5" name="Picture 3"/>
           <p:cNvPicPr>
             <a:picLocks noChangeAspect="1" noChangeArrowheads="1"/>
           </p:cNvPicPr>
@@ -6996,8 +7408,8 @@
         </p:blipFill>
         <p:spPr bwMode="auto">
           <a:xfrm>
-            <a:off x="909638" y="1643063"/>
-            <a:ext cx="7324725" cy="3571875"/>
+            <a:off x="1047749" y="3590925"/>
+            <a:ext cx="6591300" cy="3267075"/>
           </a:xfrm>
           <a:prstGeom prst="rect">
             <a:avLst/>
@@ -7011,6 +7423,69 @@
           </a:ln>
         </p:spPr>
       </p:pic>
+      <p:sp>
+        <p:nvSpPr>
+          <p:cNvPr id="6" name="Oval 5"/>
+          <p:cNvSpPr/>
+          <p:nvPr/>
+        </p:nvSpPr>
+        <p:spPr bwMode="auto">
+          <a:xfrm>
+            <a:off x="1796144" y="5715000"/>
+            <a:ext cx="5519056" cy="250371"/>
+          </a:xfrm>
+          <a:prstGeom prst="ellipse">
+            <a:avLst/>
+          </a:prstGeom>
+          <a:noFill/>
+          <a:ln w="19050" cap="flat" cmpd="sng" algn="ctr">
+            <a:solidFill>
+              <a:srgbClr val="C00000"/>
+            </a:solidFill>
+            <a:prstDash val="solid"/>
+            <a:round/>
+            <a:headEnd type="none" w="med" len="med"/>
+            <a:tailEnd type="none" w="med" len="med"/>
+          </a:ln>
+          <a:effectLst/>
+        </p:spPr>
+        <p:txBody>
+          <a:bodyPr vert="horz" wrap="square" lIns="91440" tIns="45720" rIns="91440" bIns="45720" numCol="1" rtlCol="0" anchor="ctr" anchorCtr="0" compatLnSpc="1">
+            <a:prstTxWarp prst="textNoShape">
+              <a:avLst/>
+            </a:prstTxWarp>
+          </a:bodyPr>
+          <a:lstStyle/>
+          <a:p>
+            <a:pPr marL="0" marR="0" indent="0" algn="ctr" defTabSz="914400" rtl="0" eaLnBrk="0" fontAlgn="base" latinLnBrk="0" hangingPunct="0">
+              <a:lnSpc>
+                <a:spcPct val="100000"/>
+              </a:lnSpc>
+              <a:spcBef>
+                <a:spcPct val="0"/>
+              </a:spcBef>
+              <a:spcAft>
+                <a:spcPct val="0"/>
+              </a:spcAft>
+              <a:buClrTx/>
+              <a:buSzTx/>
+              <a:buFontTx/>
+              <a:buNone/>
+              <a:tabLst/>
+            </a:pPr>
+            <a:endParaRPr kumimoji="0" lang="en-US" sz="3600" b="1" i="0" u="none" strike="noStrike" cap="none" normalizeH="0" baseline="0" smtClean="0">
+              <a:ln>
+                <a:noFill/>
+              </a:ln>
+              <a:solidFill>
+                <a:schemeClr val="tx1"/>
+              </a:solidFill>
+              <a:effectLst/>
+              <a:latin typeface="Arial" charset="0"/>
+            </a:endParaRPr>
+          </a:p>
+        </p:txBody>
+      </p:sp>
     </p:spTree>
   </p:cSld>
   <p:clrMapOvr>
@@ -7061,460 +7536,15 @@
           <a:p>
             <a:r>
               <a:rPr lang="en-US" dirty="0" smtClean="0"/>
-              <a:t>Time Series Output</a:t>
-            </a:r>
-            <a:endParaRPr lang="en-US" dirty="0"/>
-          </a:p>
-        </p:txBody>
-      </p:sp>
-      <p:sp>
-        <p:nvSpPr>
-          <p:cNvPr id="4" name="Date Placeholder 3"/>
-          <p:cNvSpPr>
-            <a:spLocks noGrp="1"/>
-          </p:cNvSpPr>
-          <p:nvPr>
-            <p:ph type="dt" sz="half" idx="10"/>
-          </p:nvPr>
-        </p:nvSpPr>
-        <p:spPr/>
-        <p:txBody>
-          <a:bodyPr/>
-          <a:lstStyle/>
-          <a:p>
-            <a:fld id="{AB98F214-5D90-468C-9EE8-E1612B8D2BE2}" type="slidenum">
-              <a:rPr lang="en-US" smtClean="0"/>
-              <a:pPr/>
-              <a:t>21</a:t>
-            </a:fld>
-            <a:endParaRPr lang="en-US"/>
-          </a:p>
-        </p:txBody>
-      </p:sp>
-      <p:pic>
-        <p:nvPicPr>
-          <p:cNvPr id="2050" name="Picture 2">
-            <a:hlinkClick r:id="rId2" action="ppaction://hlinkfile"/>
-          </p:cNvPr>
-          <p:cNvPicPr>
-            <a:picLocks noChangeAspect="1" noChangeArrowheads="1"/>
-          </p:cNvPicPr>
-          <p:nvPr/>
-        </p:nvPicPr>
-        <p:blipFill>
-          <a:blip r:embed="rId3" cstate="print"/>
-          <a:srcRect/>
-          <a:stretch>
-            <a:fillRect/>
-          </a:stretch>
-        </p:blipFill>
-        <p:spPr bwMode="auto">
-          <a:xfrm>
-            <a:off x="371475" y="1372961"/>
-            <a:ext cx="8401050" cy="4895850"/>
-          </a:xfrm>
-          <a:prstGeom prst="rect">
-            <a:avLst/>
-          </a:prstGeom>
-          <a:noFill/>
-          <a:ln w="9525">
-            <a:noFill/>
-            <a:miter lim="800000"/>
-            <a:headEnd/>
-            <a:tailEnd/>
-          </a:ln>
-        </p:spPr>
-      </p:pic>
-    </p:spTree>
-  </p:cSld>
-  <p:clrMapOvr>
-    <a:masterClrMapping/>
-  </p:clrMapOvr>
-  <p:transition/>
-  <p:timing>
-    <p:tnLst>
-      <p:par>
-        <p:cTn id="1" dur="indefinite" restart="never" nodeType="tmRoot"/>
-      </p:par>
-    </p:tnLst>
-  </p:timing>
-</p:sld>
-</file>
-
-<file path=ppt/slides/slide22.xml><?xml version="1.0" encoding="utf-8"?>
-<p:sld xmlns:a="http://schemas.openxmlformats.org/drawingml/2006/main" xmlns:r="http://schemas.openxmlformats.org/officeDocument/2006/relationships" xmlns:p="http://schemas.openxmlformats.org/presentationml/2006/main">
-  <p:cSld>
-    <p:spTree>
-      <p:nvGrpSpPr>
-        <p:cNvPr id="1" name=""/>
-        <p:cNvGrpSpPr/>
-        <p:nvPr/>
-      </p:nvGrpSpPr>
-      <p:grpSpPr>
-        <a:xfrm>
-          <a:off x="0" y="0"/>
-          <a:ext cx="0" cy="0"/>
-          <a:chOff x="0" y="0"/>
-          <a:chExt cx="0" cy="0"/>
-        </a:xfrm>
-      </p:grpSpPr>
-      <p:sp>
-        <p:nvSpPr>
-          <p:cNvPr id="2" name="Title 1"/>
-          <p:cNvSpPr>
-            <a:spLocks noGrp="1"/>
-          </p:cNvSpPr>
-          <p:nvPr>
-            <p:ph type="title"/>
-          </p:nvPr>
-        </p:nvSpPr>
-        <p:spPr/>
-        <p:txBody>
-          <a:bodyPr/>
-          <a:lstStyle/>
-          <a:p>
+              <a:t>Tutorial 4: </a:t>
+            </a:r>
             <a:r>
               <a:rPr lang="en-US" dirty="0" smtClean="0"/>
-              <a:t>Echo Input File</a:t>
-            </a:r>
-            <a:endParaRPr lang="en-US" dirty="0"/>
-          </a:p>
-        </p:txBody>
-      </p:sp>
-      <p:sp>
-        <p:nvSpPr>
-          <p:cNvPr id="3" name="Content Placeholder 2"/>
-          <p:cNvSpPr>
-            <a:spLocks noGrp="1"/>
-          </p:cNvSpPr>
-          <p:nvPr>
-            <p:ph idx="1"/>
-          </p:nvPr>
-        </p:nvSpPr>
-        <p:spPr>
-          <a:xfrm>
-            <a:off x="685799" y="1360714"/>
-            <a:ext cx="8175171" cy="4114800"/>
-          </a:xfrm>
-        </p:spPr>
-        <p:txBody>
-          <a:bodyPr/>
-          <a:lstStyle/>
-          <a:p>
+              <a:t>Time </a:t>
+            </a:r>
             <a:r>
               <a:rPr lang="en-US" dirty="0" smtClean="0"/>
-              <a:t>Archive of run</a:t>
-            </a:r>
-          </a:p>
-          <a:p>
-            <a:r>
-              <a:rPr lang="en-US" dirty="0" smtClean="0"/>
-              <a:t>QA/QC: single-file view of multiple sources</a:t>
-            </a:r>
-          </a:p>
-          <a:p>
-            <a:r>
-              <a:rPr lang="en-US" dirty="0" smtClean="0"/>
-              <a:t>Can be used as an input file</a:t>
-            </a:r>
-          </a:p>
-          <a:p>
-            <a:endParaRPr lang="en-US" dirty="0" smtClean="0"/>
-          </a:p>
-        </p:txBody>
-      </p:sp>
-      <p:sp>
-        <p:nvSpPr>
-          <p:cNvPr id="4" name="Date Placeholder 3"/>
-          <p:cNvSpPr>
-            <a:spLocks noGrp="1"/>
-          </p:cNvSpPr>
-          <p:nvPr>
-            <p:ph type="dt" sz="half" idx="10"/>
-          </p:nvPr>
-        </p:nvSpPr>
-        <p:spPr/>
-        <p:txBody>
-          <a:bodyPr/>
-          <a:lstStyle/>
-          <a:p>
-            <a:fld id="{AB98F214-5D90-468C-9EE8-E1612B8D2BE2}" type="slidenum">
-              <a:rPr lang="en-US" smtClean="0"/>
-              <a:pPr/>
-              <a:t>22</a:t>
-            </a:fld>
-            <a:endParaRPr lang="en-US"/>
-          </a:p>
-        </p:txBody>
-      </p:sp>
-      <p:pic>
-        <p:nvPicPr>
-          <p:cNvPr id="5" name="Picture 3"/>
-          <p:cNvPicPr>
-            <a:picLocks noChangeAspect="1" noChangeArrowheads="1"/>
-          </p:cNvPicPr>
-          <p:nvPr/>
-        </p:nvPicPr>
-        <p:blipFill>
-          <a:blip r:embed="rId2" cstate="print"/>
-          <a:srcRect/>
-          <a:stretch>
-            <a:fillRect/>
-          </a:stretch>
-        </p:blipFill>
-        <p:spPr bwMode="auto">
-          <a:xfrm>
-            <a:off x="1047749" y="3590925"/>
-            <a:ext cx="6591300" cy="3267075"/>
-          </a:xfrm>
-          <a:prstGeom prst="rect">
-            <a:avLst/>
-          </a:prstGeom>
-          <a:noFill/>
-          <a:ln w="9525">
-            <a:noFill/>
-            <a:miter lim="800000"/>
-            <a:headEnd/>
-            <a:tailEnd/>
-          </a:ln>
-        </p:spPr>
-      </p:pic>
-      <p:sp>
-        <p:nvSpPr>
-          <p:cNvPr id="6" name="Oval 5"/>
-          <p:cNvSpPr/>
-          <p:nvPr/>
-        </p:nvSpPr>
-        <p:spPr bwMode="auto">
-          <a:xfrm>
-            <a:off x="1796144" y="5715000"/>
-            <a:ext cx="5519056" cy="250371"/>
-          </a:xfrm>
-          <a:prstGeom prst="ellipse">
-            <a:avLst/>
-          </a:prstGeom>
-          <a:noFill/>
-          <a:ln w="19050" cap="flat" cmpd="sng" algn="ctr">
-            <a:solidFill>
-              <a:srgbClr val="C00000"/>
-            </a:solidFill>
-            <a:prstDash val="solid"/>
-            <a:round/>
-            <a:headEnd type="none" w="med" len="med"/>
-            <a:tailEnd type="none" w="med" len="med"/>
-          </a:ln>
-          <a:effectLst/>
-        </p:spPr>
-        <p:txBody>
-          <a:bodyPr vert="horz" wrap="square" lIns="91440" tIns="45720" rIns="91440" bIns="45720" numCol="1" rtlCol="0" anchor="ctr" anchorCtr="0" compatLnSpc="1">
-            <a:prstTxWarp prst="textNoShape">
-              <a:avLst/>
-            </a:prstTxWarp>
-          </a:bodyPr>
-          <a:lstStyle/>
-          <a:p>
-            <a:pPr marL="0" marR="0" indent="0" algn="ctr" defTabSz="914400" rtl="0" eaLnBrk="0" fontAlgn="base" latinLnBrk="0" hangingPunct="0">
-              <a:lnSpc>
-                <a:spcPct val="100000"/>
-              </a:lnSpc>
-              <a:spcBef>
-                <a:spcPct val="0"/>
-              </a:spcBef>
-              <a:spcAft>
-                <a:spcPct val="0"/>
-              </a:spcAft>
-              <a:buClrTx/>
-              <a:buSzTx/>
-              <a:buFontTx/>
-              <a:buNone/>
-              <a:tabLst/>
-            </a:pPr>
-            <a:endParaRPr kumimoji="0" lang="en-US" sz="3600" b="1" i="0" u="none" strike="noStrike" cap="none" normalizeH="0" baseline="0" smtClean="0">
-              <a:ln>
-                <a:noFill/>
-              </a:ln>
-              <a:solidFill>
-                <a:schemeClr val="tx1"/>
-              </a:solidFill>
-              <a:effectLst/>
-              <a:latin typeface="Arial" charset="0"/>
-            </a:endParaRPr>
-          </a:p>
-        </p:txBody>
-      </p:sp>
-    </p:spTree>
-  </p:cSld>
-  <p:clrMapOvr>
-    <a:masterClrMapping/>
-  </p:clrMapOvr>
-  <p:transition/>
-  <p:timing>
-    <p:tnLst>
-      <p:par>
-        <p:cTn id="1" dur="indefinite" restart="never" nodeType="tmRoot"/>
-      </p:par>
-    </p:tnLst>
-  </p:timing>
-</p:sld>
-</file>
-
-<file path=ppt/slides/slide23.xml><?xml version="1.0" encoding="utf-8"?>
-<p:sld xmlns:a="http://schemas.openxmlformats.org/drawingml/2006/main" xmlns:r="http://schemas.openxmlformats.org/officeDocument/2006/relationships" xmlns:p="http://schemas.openxmlformats.org/presentationml/2006/main">
-  <p:cSld>
-    <p:spTree>
-      <p:nvGrpSpPr>
-        <p:cNvPr id="1" name=""/>
-        <p:cNvGrpSpPr/>
-        <p:nvPr/>
-      </p:nvGrpSpPr>
-      <p:grpSpPr>
-        <a:xfrm>
-          <a:off x="0" y="0"/>
-          <a:ext cx="0" cy="0"/>
-          <a:chOff x="0" y="0"/>
-          <a:chExt cx="0" cy="0"/>
-        </a:xfrm>
-      </p:grpSpPr>
-      <p:sp>
-        <p:nvSpPr>
-          <p:cNvPr id="2" name="Title 1"/>
-          <p:cNvSpPr>
-            <a:spLocks noGrp="1"/>
-          </p:cNvSpPr>
-          <p:nvPr>
-            <p:ph type="title"/>
-          </p:nvPr>
-        </p:nvSpPr>
-        <p:spPr/>
-        <p:txBody>
-          <a:bodyPr/>
-          <a:lstStyle/>
-          <a:p>
-            <a:r>
-              <a:rPr lang="en-US" dirty="0" smtClean="0"/>
-              <a:t>For v6 Users</a:t>
-            </a:r>
-            <a:endParaRPr lang="en-US" dirty="0"/>
-          </a:p>
-        </p:txBody>
-      </p:sp>
-      <p:sp>
-        <p:nvSpPr>
-          <p:cNvPr id="3" name="Content Placeholder 2"/>
-          <p:cNvSpPr>
-            <a:spLocks noGrp="1"/>
-          </p:cNvSpPr>
-          <p:nvPr>
-            <p:ph idx="1"/>
-          </p:nvPr>
-        </p:nvSpPr>
-        <p:spPr>
-          <a:xfrm>
-            <a:off x="685800" y="1981200"/>
-            <a:ext cx="8153400" cy="4114800"/>
-          </a:xfrm>
-        </p:spPr>
-        <p:txBody>
-          <a:bodyPr/>
-          <a:lstStyle/>
-          <a:p>
-            <a:r>
-              <a:rPr lang="en-US" dirty="0" smtClean="0"/>
-              <a:t>No “priorities” in DSS</a:t>
-            </a:r>
-          </a:p>
-          <a:p>
-            <a:r>
-              <a:rPr lang="en-US" dirty="0" smtClean="0"/>
-              <a:t>Link between Hydro and </a:t>
-            </a:r>
-            <a:r>
-              <a:rPr lang="en-US" dirty="0" err="1" smtClean="0"/>
-              <a:t>Qual</a:t>
-            </a:r>
-            <a:r>
-              <a:rPr lang="en-US" dirty="0" smtClean="0"/>
-              <a:t> different</a:t>
-            </a:r>
-            <a:endParaRPr lang="en-US" dirty="0"/>
-          </a:p>
-        </p:txBody>
-      </p:sp>
-      <p:sp>
-        <p:nvSpPr>
-          <p:cNvPr id="4" name="Date Placeholder 3"/>
-          <p:cNvSpPr>
-            <a:spLocks noGrp="1"/>
-          </p:cNvSpPr>
-          <p:nvPr>
-            <p:ph type="dt" sz="half" idx="10"/>
-          </p:nvPr>
-        </p:nvSpPr>
-        <p:spPr/>
-        <p:txBody>
-          <a:bodyPr/>
-          <a:lstStyle/>
-          <a:p>
-            <a:fld id="{AB98F214-5D90-468C-9EE8-E1612B8D2BE2}" type="slidenum">
-              <a:rPr lang="en-US" smtClean="0"/>
-              <a:pPr/>
-              <a:t>23</a:t>
-            </a:fld>
-            <a:endParaRPr lang="en-US"/>
-          </a:p>
-        </p:txBody>
-      </p:sp>
-    </p:spTree>
-  </p:cSld>
-  <p:clrMapOvr>
-    <a:masterClrMapping/>
-  </p:clrMapOvr>
-  <p:transition/>
-  <p:timing>
-    <p:tnLst>
-      <p:par>
-        <p:cTn id="1" dur="indefinite" restart="never" nodeType="tmRoot"/>
-      </p:par>
-    </p:tnLst>
-  </p:timing>
-</p:sld>
-</file>
-
-<file path=ppt/slides/slide24.xml><?xml version="1.0" encoding="utf-8"?>
-<p:sld xmlns:a="http://schemas.openxmlformats.org/drawingml/2006/main" xmlns:r="http://schemas.openxmlformats.org/officeDocument/2006/relationships" xmlns:p="http://schemas.openxmlformats.org/presentationml/2006/main">
-  <p:cSld>
-    <p:spTree>
-      <p:nvGrpSpPr>
-        <p:cNvPr id="1" name=""/>
-        <p:cNvGrpSpPr/>
-        <p:nvPr/>
-      </p:nvGrpSpPr>
-      <p:grpSpPr>
-        <a:xfrm>
-          <a:off x="0" y="0"/>
-          <a:ext cx="0" cy="0"/>
-          <a:chOff x="0" y="0"/>
-          <a:chExt cx="0" cy="0"/>
-        </a:xfrm>
-      </p:grpSpPr>
-      <p:sp>
-        <p:nvSpPr>
-          <p:cNvPr id="2" name="Title 1"/>
-          <p:cNvSpPr>
-            <a:spLocks noGrp="1"/>
-          </p:cNvSpPr>
-          <p:nvPr>
-            <p:ph type="title"/>
-          </p:nvPr>
-        </p:nvSpPr>
-        <p:spPr/>
-        <p:txBody>
-          <a:bodyPr/>
-          <a:lstStyle/>
-          <a:p>
-            <a:r>
-              <a:rPr lang="en-US" dirty="0" smtClean="0"/>
-              <a:t>Tutorial 4: Time Series</a:t>
+              <a:t>Series</a:t>
             </a:r>
             <a:endParaRPr lang="en-US" dirty="0"/>
           </a:p>
@@ -7542,7 +7572,15 @@
           <a:p>
             <a:r>
               <a:rPr lang="en-US" dirty="0" smtClean="0"/>
-              <a:t>Replaces some constant inputs with time series data, e.g. a realistic tide.</a:t>
+              <a:t>Replaces </a:t>
+            </a:r>
+            <a:r>
+              <a:rPr lang="en-US" dirty="0" smtClean="0"/>
+              <a:t>constant </a:t>
+            </a:r>
+            <a:r>
+              <a:rPr lang="en-US" dirty="0" smtClean="0"/>
+              <a:t>inputs with time series data, e.g. a realistic tide.</a:t>
             </a:r>
             <a:endParaRPr lang="en-US" dirty="0"/>
           </a:p>
@@ -7566,7 +7604,7 @@
             <a:fld id="{AB98F214-5D90-468C-9EE8-E1612B8D2BE2}" type="slidenum">
               <a:rPr lang="en-US" smtClean="0"/>
               <a:pPr/>
-              <a:t>24</a:t>
+              <a:t>21</a:t>
             </a:fld>
             <a:endParaRPr lang="en-US"/>
           </a:p>
@@ -7648,7 +7686,7 @@
           <a:p>
             <a:r>
               <a:rPr lang="en-US" dirty="0" smtClean="0"/>
-              <a:t>Basic Input</a:t>
+              <a:t>DSM2 Input</a:t>
             </a:r>
             <a:endParaRPr lang="en-US" dirty="0"/>
           </a:p>
@@ -7694,8 +7732,19 @@
           <a:p>
             <a:r>
               <a:rPr lang="en-US" dirty="0" smtClean="0"/>
-              <a:t>Initial Conditions</a:t>
-            </a:r>
+              <a:t>Initial </a:t>
+            </a:r>
+            <a:r>
+              <a:rPr lang="en-US" dirty="0" smtClean="0"/>
+              <a:t>Conditions</a:t>
+            </a:r>
+          </a:p>
+          <a:p>
+            <a:r>
+              <a:rPr lang="en-US" dirty="0" smtClean="0"/>
+              <a:t>Output specifications</a:t>
+            </a:r>
+            <a:endParaRPr lang="en-US" dirty="0" smtClean="0"/>
           </a:p>
           <a:p>
             <a:r>
@@ -7732,6 +7781,73 @@
               <a:t>3</a:t>
             </a:fld>
             <a:endParaRPr lang="en-US"/>
+          </a:p>
+        </p:txBody>
+      </p:sp>
+      <p:sp>
+        <p:nvSpPr>
+          <p:cNvPr id="8" name="Rectangle 7"/>
+          <p:cNvSpPr/>
+          <p:nvPr/>
+        </p:nvSpPr>
+        <p:spPr bwMode="auto">
+          <a:xfrm>
+            <a:off x="664027" y="2590800"/>
+            <a:ext cx="4408715" cy="2590800"/>
+          </a:xfrm>
+          <a:prstGeom prst="rect">
+            <a:avLst/>
+          </a:prstGeom>
+          <a:solidFill>
+            <a:schemeClr val="accent6">
+              <a:lumMod val="20000"/>
+              <a:lumOff val="80000"/>
+              <a:alpha val="22000"/>
+            </a:schemeClr>
+          </a:solidFill>
+          <a:ln w="9525" cap="flat" cmpd="sng" algn="ctr">
+            <a:noFill/>
+            <a:prstDash val="solid"/>
+            <a:round/>
+            <a:headEnd type="none" w="med" len="med"/>
+            <a:tailEnd type="none" w="med" len="med"/>
+          </a:ln>
+          <a:effectLst/>
+        </p:spPr>
+        <p:txBody>
+          <a:bodyPr vert="horz" wrap="square" lIns="91440" tIns="45720" rIns="91440" bIns="45720" numCol="1" rtlCol="0" anchor="ctr" anchorCtr="0" compatLnSpc="1">
+            <a:prstTxWarp prst="textNoShape">
+              <a:avLst/>
+            </a:prstTxWarp>
+          </a:bodyPr>
+          <a:lstStyle/>
+          <a:p>
+            <a:pPr marL="0" marR="0" indent="0" algn="ctr" defTabSz="914400" rtl="0" eaLnBrk="0" fontAlgn="base" latinLnBrk="0" hangingPunct="0">
+              <a:lnSpc>
+                <a:spcPct val="100000"/>
+              </a:lnSpc>
+              <a:spcBef>
+                <a:spcPct val="0"/>
+              </a:spcBef>
+              <a:spcAft>
+                <a:spcPct val="0"/>
+              </a:spcAft>
+              <a:buClrTx/>
+              <a:buSzTx/>
+              <a:buFontTx/>
+              <a:buNone/>
+              <a:tabLst/>
+            </a:pPr>
+            <a:endParaRPr kumimoji="0" lang="en-US" sz="3600" b="1" i="0" u="none" strike="noStrike" cap="none" normalizeH="0" baseline="0" smtClean="0">
+              <a:ln>
+                <a:noFill/>
+              </a:ln>
+              <a:solidFill>
+                <a:schemeClr val="tx1"/>
+              </a:solidFill>
+              <a:effectLst/>
+              <a:latin typeface="Arial" charset="0"/>
+            </a:endParaRPr>
           </a:p>
         </p:txBody>
       </p:sp>
@@ -7783,10 +7899,9 @@
           <a:bodyPr/>
           <a:lstStyle/>
           <a:p>
-            <a:pPr algn="l"/>
             <a:r>
               <a:rPr lang="en-US" dirty="0" smtClean="0"/>
-              <a:t>Input</a:t>
+              <a:t>Boundary Conditions</a:t>
             </a:r>
             <a:endParaRPr lang="en-US" dirty="0"/>
           </a:p>
@@ -7805,7 +7920,7 @@
         <p:spPr>
           <a:xfrm>
             <a:off x="685799" y="1458686"/>
-            <a:ext cx="4909457" cy="4637314"/>
+            <a:ext cx="8001001" cy="4637314"/>
           </a:xfrm>
         </p:spPr>
         <p:txBody>
@@ -7813,36 +7928,62 @@
           <a:lstStyle/>
           <a:p>
             <a:r>
-              <a:rPr lang="en-US" sz="2000" dirty="0" smtClean="0"/>
-              <a:t>Configuration</a:t>
-            </a:r>
+              <a:rPr lang="en-US" dirty="0" smtClean="0"/>
+              <a:t>Boundary </a:t>
+            </a:r>
+            <a:r>
+              <a:rPr lang="en-US" dirty="0" smtClean="0"/>
+              <a:t>Conditions for Hydro</a:t>
+            </a:r>
+            <a:endParaRPr lang="en-US" dirty="0" smtClean="0"/>
           </a:p>
           <a:p>
             <a:pPr lvl="1"/>
             <a:r>
-              <a:rPr lang="en-US" sz="1800" dirty="0" smtClean="0"/>
-              <a:t>ENVVAR</a:t>
-            </a:r>
-          </a:p>
-          <a:p>
-            <a:pPr lvl="1"/>
-            <a:r>
-              <a:rPr lang="en-US" sz="1800" dirty="0" smtClean="0"/>
-              <a:t>SCALAR</a:t>
-            </a:r>
-          </a:p>
-          <a:p>
-            <a:pPr lvl="1"/>
-            <a:r>
-              <a:rPr lang="en-US" sz="1800" dirty="0" smtClean="0"/>
-              <a:t>IO_FILE</a:t>
-            </a:r>
-          </a:p>
-          <a:p>
-            <a:pPr>
-              <a:buNone/>
-            </a:pPr>
-            <a:endParaRPr lang="en-US" dirty="0"/>
+              <a:rPr lang="en-US" dirty="0" smtClean="0"/>
+              <a:t>is </a:t>
+            </a:r>
+            <a:r>
+              <a:rPr lang="en-US" dirty="0" smtClean="0"/>
+              <a:t>stage or flow (including source/sink)</a:t>
+            </a:r>
+          </a:p>
+          <a:p>
+            <a:pPr lvl="2"/>
+            <a:r>
+              <a:rPr lang="en-US" dirty="0" smtClean="0"/>
+              <a:t>Default is </a:t>
+            </a:r>
+            <a:r>
+              <a:rPr lang="en-US" dirty="0" smtClean="0"/>
+              <a:t>no-flow</a:t>
+            </a:r>
+          </a:p>
+          <a:p>
+            <a:pPr lvl="2"/>
+            <a:r>
+              <a:rPr lang="en-US" dirty="0" smtClean="0"/>
+              <a:t>‘Constant’ flow or stage (used in simple tutorials)</a:t>
+            </a:r>
+          </a:p>
+          <a:p>
+            <a:pPr lvl="2"/>
+            <a:r>
+              <a:rPr lang="en-US" dirty="0" smtClean="0"/>
+              <a:t>Time series data (in real applications) </a:t>
+            </a:r>
+          </a:p>
+          <a:p>
+            <a:pPr lvl="3"/>
+            <a:r>
+              <a:rPr lang="en-US" dirty="0" smtClean="0"/>
+              <a:t>Format: </a:t>
+            </a:r>
+            <a:r>
+              <a:rPr lang="en-US" dirty="0" smtClean="0"/>
+              <a:t>DSS or DSS-like text</a:t>
+            </a:r>
+            <a:endParaRPr lang="en-US" dirty="0" smtClean="0"/>
           </a:p>
         </p:txBody>
       </p:sp>
@@ -7870,40 +8011,6 @@
           </a:p>
         </p:txBody>
       </p:sp>
-      <p:pic>
-        <p:nvPicPr>
-          <p:cNvPr id="1028" name="Picture 4">
-            <a:hlinkClick r:id="rId3" action="ppaction://hlinkfile"/>
-          </p:cNvPr>
-          <p:cNvPicPr>
-            <a:picLocks noChangeAspect="1" noChangeArrowheads="1"/>
-          </p:cNvPicPr>
-          <p:nvPr/>
-        </p:nvPicPr>
-        <p:blipFill>
-          <a:blip r:embed="rId4" cstate="print"/>
-          <a:srcRect/>
-          <a:stretch>
-            <a:fillRect/>
-          </a:stretch>
-        </p:blipFill>
-        <p:spPr bwMode="auto">
-          <a:xfrm>
-            <a:off x="3311299" y="272143"/>
-            <a:ext cx="4948312" cy="6400800"/>
-          </a:xfrm>
-          <a:prstGeom prst="rect">
-            <a:avLst/>
-          </a:prstGeom>
-          <a:noFill/>
-          <a:ln w="9525">
-            <a:noFill/>
-            <a:miter lim="800000"/>
-            <a:headEnd/>
-            <a:tailEnd/>
-          </a:ln>
-        </p:spPr>
-      </p:pic>
     </p:spTree>
   </p:cSld>
   <p:clrMapOvr>
@@ -7939,90 +8046,6 @@
       </p:grpSpPr>
       <p:sp>
         <p:nvSpPr>
-          <p:cNvPr id="2" name="Title 1"/>
-          <p:cNvSpPr>
-            <a:spLocks noGrp="1"/>
-          </p:cNvSpPr>
-          <p:nvPr>
-            <p:ph type="title"/>
-          </p:nvPr>
-        </p:nvSpPr>
-        <p:spPr/>
-        <p:txBody>
-          <a:bodyPr/>
-          <a:lstStyle/>
-          <a:p>
-            <a:r>
-              <a:rPr lang="en-US" dirty="0" smtClean="0"/>
-              <a:t>Basic Input</a:t>
-            </a:r>
-            <a:endParaRPr lang="en-US" dirty="0"/>
-          </a:p>
-        </p:txBody>
-      </p:sp>
-      <p:sp>
-        <p:nvSpPr>
-          <p:cNvPr id="3" name="Content Placeholder 2"/>
-          <p:cNvSpPr>
-            <a:spLocks noGrp="1"/>
-          </p:cNvSpPr>
-          <p:nvPr>
-            <p:ph idx="1"/>
-          </p:nvPr>
-        </p:nvSpPr>
-        <p:spPr>
-          <a:xfrm>
-            <a:off x="685800" y="1458686"/>
-            <a:ext cx="7772400" cy="4637314"/>
-          </a:xfrm>
-        </p:spPr>
-        <p:txBody>
-          <a:bodyPr/>
-          <a:lstStyle/>
-          <a:p>
-            <a:r>
-              <a:rPr lang="en-US" dirty="0" smtClean="0"/>
-              <a:t>Grid</a:t>
-            </a:r>
-          </a:p>
-          <a:p>
-            <a:pPr lvl="1"/>
-            <a:r>
-              <a:rPr lang="en-US" dirty="0" smtClean="0"/>
-              <a:t>Channel</a:t>
-            </a:r>
-          </a:p>
-          <a:p>
-            <a:pPr lvl="1"/>
-            <a:r>
-              <a:rPr lang="en-US" dirty="0" smtClean="0"/>
-              <a:t>Reservoir</a:t>
-            </a:r>
-          </a:p>
-          <a:p>
-            <a:pPr lvl="1"/>
-            <a:r>
-              <a:rPr lang="en-US" dirty="0" smtClean="0"/>
-              <a:t>Gate</a:t>
-            </a:r>
-          </a:p>
-          <a:p>
-            <a:pPr lvl="1"/>
-            <a:r>
-              <a:rPr lang="en-US" dirty="0" smtClean="0"/>
-              <a:t>Transfer</a:t>
-            </a:r>
-          </a:p>
-          <a:p>
-            <a:pPr lvl="1">
-              <a:buNone/>
-            </a:pPr>
-            <a:endParaRPr lang="en-US" dirty="0" smtClean="0"/>
-          </a:p>
-        </p:txBody>
-      </p:sp>
-      <p:sp>
-        <p:nvSpPr>
           <p:cNvPr id="4" name="Date Placeholder 3"/>
           <p:cNvSpPr>
             <a:spLocks noGrp="1"/>
@@ -8045,27 +8068,1156 @@
           </a:p>
         </p:txBody>
       </p:sp>
-      <p:pic>
-        <p:nvPicPr>
-          <p:cNvPr id="2050" name="Picture 2">
-            <a:hlinkClick r:id="rId3" action="ppaction://hlinkfile"/>
-          </p:cNvPr>
-          <p:cNvPicPr>
-            <a:picLocks noChangeAspect="1" noChangeArrowheads="1"/>
-          </p:cNvPicPr>
+      <p:grpSp>
+        <p:nvGrpSpPr>
+          <p:cNvPr id="15" name="Group 41"/>
+          <p:cNvGrpSpPr>
+            <a:grpSpLocks/>
+          </p:cNvGrpSpPr>
           <p:nvPr/>
-        </p:nvPicPr>
-        <p:blipFill>
-          <a:blip r:embed="rId4" cstate="print"/>
-          <a:srcRect/>
-          <a:stretch>
-            <a:fillRect/>
-          </a:stretch>
-        </p:blipFill>
+        </p:nvGrpSpPr>
+        <p:grpSpPr bwMode="auto">
+          <a:xfrm>
+            <a:off x="476250" y="-3175"/>
+            <a:ext cx="8191500" cy="6861175"/>
+            <a:chOff x="300" y="-2"/>
+            <a:chExt cx="5160" cy="4322"/>
+          </a:xfrm>
+        </p:grpSpPr>
+        <p:pic>
+          <p:nvPicPr>
+            <p:cNvPr id="16" name="Picture 3" descr="dsm2main"/>
+            <p:cNvPicPr>
+              <a:picLocks noChangeAspect="1" noChangeArrowheads="1"/>
+            </p:cNvPicPr>
+            <p:nvPr/>
+          </p:nvPicPr>
+          <p:blipFill>
+            <a:blip r:embed="rId3" cstate="print"/>
+            <a:srcRect/>
+            <a:stretch>
+              <a:fillRect/>
+            </a:stretch>
+          </p:blipFill>
+          <p:spPr bwMode="auto">
+            <a:xfrm>
+              <a:off x="300" y="-2"/>
+              <a:ext cx="5160" cy="4322"/>
+            </a:xfrm>
+            <a:prstGeom prst="rect">
+              <a:avLst/>
+            </a:prstGeom>
+            <a:noFill/>
+          </p:spPr>
+        </p:pic>
+        <p:sp>
+          <p:nvSpPr>
+            <p:cNvPr id="17" name="Text Box 4"/>
+            <p:cNvSpPr txBox="1">
+              <a:spLocks noChangeArrowheads="1"/>
+            </p:cNvSpPr>
+            <p:nvPr/>
+          </p:nvSpPr>
+          <p:spPr bwMode="auto">
+            <a:xfrm>
+              <a:off x="336" y="4174"/>
+              <a:ext cx="1632" cy="146"/>
+            </a:xfrm>
+            <a:prstGeom prst="rect">
+              <a:avLst/>
+            </a:prstGeom>
+            <a:solidFill>
+              <a:srgbClr val="B2B2B2">
+                <a:alpha val="80000"/>
+              </a:srgbClr>
+            </a:solidFill>
+            <a:ln w="9525">
+              <a:noFill/>
+              <a:miter lim="800000"/>
+              <a:headEnd/>
+              <a:tailEnd/>
+            </a:ln>
+            <a:effectLst/>
+          </p:spPr>
+          <p:txBody>
+            <a:bodyPr lIns="9144" tIns="9144" rIns="9144" bIns="9144" anchor="ctr">
+              <a:spAutoFit/>
+            </a:bodyPr>
+            <a:lstStyle/>
+            <a:p>
+              <a:r>
+                <a:rPr lang="en-US" sz="1400">
+                  <a:solidFill>
+                    <a:srgbClr val="4D4D4D"/>
+                  </a:solidFill>
+                  <a:latin typeface="Times New Roman" pitchFamily="18" charset="0"/>
+                </a:rPr>
+                <a:t>Image from USBR GIS Group</a:t>
+              </a:r>
+            </a:p>
+          </p:txBody>
+        </p:sp>
+        <p:sp>
+          <p:nvSpPr>
+            <p:cNvPr id="18" name="Text Box 5"/>
+            <p:cNvSpPr txBox="1">
+              <a:spLocks noChangeArrowheads="1"/>
+            </p:cNvSpPr>
+            <p:nvPr/>
+          </p:nvSpPr>
+          <p:spPr bwMode="auto">
+            <a:xfrm>
+              <a:off x="1392" y="2592"/>
+              <a:ext cx="569" cy="192"/>
+            </a:xfrm>
+            <a:prstGeom prst="rect">
+              <a:avLst/>
+            </a:prstGeom>
+            <a:solidFill>
+              <a:srgbClr val="B2B2B2">
+                <a:alpha val="80000"/>
+              </a:srgbClr>
+            </a:solidFill>
+            <a:ln w="9525">
+              <a:noFill/>
+              <a:miter lim="800000"/>
+              <a:headEnd/>
+              <a:tailEnd/>
+            </a:ln>
+            <a:effectLst/>
+          </p:spPr>
+          <p:txBody>
+            <a:bodyPr wrap="none">
+              <a:spAutoFit/>
+            </a:bodyPr>
+            <a:lstStyle/>
+            <a:p>
+              <a:pPr algn="l" eaLnBrk="1" hangingPunct="1"/>
+              <a:r>
+                <a:rPr lang="en-US" sz="1400">
+                  <a:solidFill>
+                    <a:srgbClr val="4D4D4D"/>
+                  </a:solidFill>
+                </a:rPr>
+                <a:t>Martinez</a:t>
+              </a:r>
+            </a:p>
+          </p:txBody>
+        </p:sp>
+        <p:sp>
+          <p:nvSpPr>
+            <p:cNvPr id="19" name="Text Box 6"/>
+            <p:cNvSpPr txBox="1">
+              <a:spLocks noChangeArrowheads="1"/>
+            </p:cNvSpPr>
+            <p:nvPr/>
+          </p:nvSpPr>
+          <p:spPr bwMode="auto">
+            <a:xfrm>
+              <a:off x="3712" y="280"/>
+              <a:ext cx="756" cy="192"/>
+            </a:xfrm>
+            <a:prstGeom prst="rect">
+              <a:avLst/>
+            </a:prstGeom>
+            <a:solidFill>
+              <a:srgbClr val="B2B2B2">
+                <a:alpha val="80000"/>
+              </a:srgbClr>
+            </a:solidFill>
+            <a:ln w="9525">
+              <a:noFill/>
+              <a:miter lim="800000"/>
+              <a:headEnd/>
+              <a:tailEnd/>
+            </a:ln>
+            <a:effectLst/>
+          </p:spPr>
+          <p:txBody>
+            <a:bodyPr wrap="none">
+              <a:spAutoFit/>
+            </a:bodyPr>
+            <a:lstStyle/>
+            <a:p>
+              <a:pPr algn="l" eaLnBrk="1" hangingPunct="1"/>
+              <a:r>
+                <a:rPr lang="en-US" sz="1400">
+                  <a:solidFill>
+                    <a:srgbClr val="4D4D4D"/>
+                  </a:solidFill>
+                </a:rPr>
+                <a:t>Sacramento</a:t>
+              </a:r>
+            </a:p>
+          </p:txBody>
+        </p:sp>
+        <p:sp>
+          <p:nvSpPr>
+            <p:cNvPr id="20" name="Text Box 7"/>
+            <p:cNvSpPr txBox="1">
+              <a:spLocks noChangeArrowheads="1"/>
+            </p:cNvSpPr>
+            <p:nvPr/>
+          </p:nvSpPr>
+          <p:spPr bwMode="auto">
+            <a:xfrm>
+              <a:off x="4272" y="2976"/>
+              <a:ext cx="593" cy="192"/>
+            </a:xfrm>
+            <a:prstGeom prst="rect">
+              <a:avLst/>
+            </a:prstGeom>
+            <a:solidFill>
+              <a:srgbClr val="B2B2B2">
+                <a:alpha val="80000"/>
+              </a:srgbClr>
+            </a:solidFill>
+            <a:ln w="9525">
+              <a:noFill/>
+              <a:miter lim="800000"/>
+              <a:headEnd/>
+              <a:tailEnd/>
+            </a:ln>
+            <a:effectLst/>
+          </p:spPr>
+          <p:txBody>
+            <a:bodyPr wrap="none">
+              <a:spAutoFit/>
+            </a:bodyPr>
+            <a:lstStyle/>
+            <a:p>
+              <a:pPr algn="l" eaLnBrk="1" hangingPunct="1"/>
+              <a:r>
+                <a:rPr lang="en-US" sz="1400">
+                  <a:solidFill>
+                    <a:srgbClr val="4D4D4D"/>
+                  </a:solidFill>
+                </a:rPr>
+                <a:t>Stockton</a:t>
+              </a:r>
+            </a:p>
+          </p:txBody>
+        </p:sp>
+      </p:grpSp>
+      <p:sp>
+        <p:nvSpPr>
+          <p:cNvPr id="21" name="Rectangle 8"/>
+          <p:cNvSpPr>
+            <a:spLocks noChangeArrowheads="1"/>
+          </p:cNvSpPr>
+          <p:nvPr/>
+        </p:nvSpPr>
         <p:spPr bwMode="auto">
           <a:xfrm>
-            <a:off x="1003529" y="4578124"/>
-            <a:ext cx="4371975" cy="2905125"/>
+            <a:off x="650875" y="169863"/>
+            <a:ext cx="3162300" cy="2081212"/>
+          </a:xfrm>
+          <a:prstGeom prst="rect">
+            <a:avLst/>
+          </a:prstGeom>
+          <a:solidFill>
+            <a:srgbClr val="B2B2B2">
+              <a:alpha val="80000"/>
+            </a:srgbClr>
+          </a:solidFill>
+          <a:ln w="9525">
+            <a:noFill/>
+            <a:miter lim="800000"/>
+            <a:headEnd/>
+            <a:tailEnd/>
+          </a:ln>
+          <a:effectLst/>
+        </p:spPr>
+        <p:txBody>
+          <a:bodyPr wrap="none" anchor="ctr"/>
+          <a:lstStyle/>
+          <a:p>
+            <a:endParaRPr lang="en-US"/>
+          </a:p>
+        </p:txBody>
+      </p:sp>
+      <p:sp>
+        <p:nvSpPr>
+          <p:cNvPr id="22" name="Rectangle 9"/>
+          <p:cNvSpPr>
+            <a:spLocks noGrp="1" noChangeArrowheads="1"/>
+          </p:cNvSpPr>
+          <p:nvPr>
+            <p:ph type="title" idx="4294967295"/>
+          </p:nvPr>
+        </p:nvSpPr>
+        <p:spPr>
+          <a:xfrm>
+            <a:off x="609600" y="152400"/>
+            <a:ext cx="3810000" cy="914400"/>
+          </a:xfrm>
+          <a:noFill/>
+        </p:spPr>
+        <p:txBody>
+          <a:bodyPr/>
+          <a:lstStyle/>
+          <a:p>
+            <a:pPr algn="l"/>
+            <a:r>
+              <a:rPr lang="en-US" altLang="zh-CN" sz="3200" b="0" dirty="0" smtClean="0">
+                <a:solidFill>
+                  <a:srgbClr val="000000"/>
+                </a:solidFill>
+                <a:ea typeface="宋体" pitchFamily="2" charset="-122"/>
+              </a:rPr>
+              <a:t>DSM2 Boundary Conditions</a:t>
+            </a:r>
+          </a:p>
+        </p:txBody>
+      </p:sp>
+      <p:grpSp>
+        <p:nvGrpSpPr>
+          <p:cNvPr id="23" name="Group 42"/>
+          <p:cNvGrpSpPr>
+            <a:grpSpLocks/>
+          </p:cNvGrpSpPr>
+          <p:nvPr/>
+        </p:nvGrpSpPr>
+        <p:grpSpPr bwMode="auto">
+          <a:xfrm>
+            <a:off x="5202238" y="0"/>
+            <a:ext cx="2513012" cy="701675"/>
+            <a:chOff x="3277" y="0"/>
+            <a:chExt cx="1583" cy="442"/>
+          </a:xfrm>
+        </p:grpSpPr>
+        <p:sp>
+          <p:nvSpPr>
+            <p:cNvPr id="24" name="Text Box 11"/>
+            <p:cNvSpPr txBox="1">
+              <a:spLocks noChangeAspect="1" noChangeArrowheads="1"/>
+            </p:cNvSpPr>
+            <p:nvPr/>
+          </p:nvSpPr>
+          <p:spPr bwMode="auto">
+            <a:xfrm>
+              <a:off x="3617" y="102"/>
+              <a:ext cx="1243" cy="185"/>
+            </a:xfrm>
+            <a:prstGeom prst="rect">
+              <a:avLst/>
+            </a:prstGeom>
+            <a:solidFill>
+              <a:srgbClr val="B2B2B2">
+                <a:alpha val="80000"/>
+              </a:srgbClr>
+            </a:solidFill>
+            <a:ln w="9525">
+              <a:noFill/>
+              <a:miter lim="800000"/>
+              <a:headEnd/>
+              <a:tailEnd/>
+            </a:ln>
+            <a:effectLst/>
+          </p:spPr>
+          <p:txBody>
+            <a:bodyPr lIns="9144" tIns="9144" rIns="9144" bIns="9144" anchor="ctr">
+              <a:spAutoFit/>
+            </a:bodyPr>
+            <a:lstStyle/>
+            <a:p>
+              <a:pPr algn="r"/>
+              <a:r>
+                <a:rPr lang="en-US" sz="1800">
+                  <a:solidFill>
+                    <a:srgbClr val="000099"/>
+                  </a:solidFill>
+                  <a:latin typeface="Times New Roman" pitchFamily="18" charset="0"/>
+                </a:rPr>
+                <a:t>Sacramento River</a:t>
+              </a:r>
+            </a:p>
+          </p:txBody>
+        </p:sp>
+        <p:sp>
+          <p:nvSpPr>
+            <p:cNvPr id="25" name="AutoShape 12"/>
+            <p:cNvSpPr>
+              <a:spLocks noChangeAspect="1" noChangeArrowheads="1"/>
+            </p:cNvSpPr>
+            <p:nvPr/>
+          </p:nvSpPr>
+          <p:spPr bwMode="auto">
+            <a:xfrm rot="5400000">
+              <a:off x="3275" y="2"/>
+              <a:ext cx="442" cy="438"/>
+            </a:xfrm>
+            <a:prstGeom prst="rightArrow">
+              <a:avLst>
+                <a:gd name="adj1" fmla="val 50000"/>
+                <a:gd name="adj2" fmla="val 25228"/>
+              </a:avLst>
+            </a:prstGeom>
+            <a:solidFill>
+              <a:srgbClr val="0000FF"/>
+            </a:solidFill>
+            <a:ln w="9525">
+              <a:solidFill>
+                <a:srgbClr val="000099"/>
+              </a:solidFill>
+              <a:miter lim="800000"/>
+              <a:headEnd/>
+              <a:tailEnd/>
+            </a:ln>
+            <a:effectLst/>
+          </p:spPr>
+          <p:txBody>
+            <a:bodyPr wrap="none" anchor="ctr"/>
+            <a:lstStyle/>
+            <a:p>
+              <a:endParaRPr lang="en-US"/>
+            </a:p>
+          </p:txBody>
+        </p:sp>
+      </p:grpSp>
+      <p:grpSp>
+        <p:nvGrpSpPr>
+          <p:cNvPr id="26" name="Group 43"/>
+          <p:cNvGrpSpPr>
+            <a:grpSpLocks/>
+          </p:cNvGrpSpPr>
+          <p:nvPr/>
+        </p:nvGrpSpPr>
+        <p:grpSpPr bwMode="auto">
+          <a:xfrm>
+            <a:off x="4808538" y="6154738"/>
+            <a:ext cx="2444750" cy="488950"/>
+            <a:chOff x="3029" y="3877"/>
+            <a:chExt cx="1540" cy="308"/>
+          </a:xfrm>
+        </p:grpSpPr>
+        <p:sp>
+          <p:nvSpPr>
+            <p:cNvPr id="27" name="Text Box 14"/>
+            <p:cNvSpPr txBox="1">
+              <a:spLocks noChangeAspect="1" noChangeArrowheads="1"/>
+            </p:cNvSpPr>
+            <p:nvPr/>
+          </p:nvSpPr>
+          <p:spPr bwMode="auto">
+            <a:xfrm>
+              <a:off x="3029" y="3971"/>
+              <a:ext cx="1220" cy="185"/>
+            </a:xfrm>
+            <a:prstGeom prst="rect">
+              <a:avLst/>
+            </a:prstGeom>
+            <a:solidFill>
+              <a:srgbClr val="B2B2B2">
+                <a:alpha val="80000"/>
+              </a:srgbClr>
+            </a:solidFill>
+            <a:ln w="9525">
+              <a:noFill/>
+              <a:miter lim="800000"/>
+              <a:headEnd/>
+              <a:tailEnd/>
+            </a:ln>
+            <a:effectLst/>
+          </p:spPr>
+          <p:txBody>
+            <a:bodyPr lIns="9144" tIns="9144" rIns="9144" bIns="9144" anchor="ctr">
+              <a:spAutoFit/>
+            </a:bodyPr>
+            <a:lstStyle/>
+            <a:p>
+              <a:pPr algn="l"/>
+              <a:r>
+                <a:rPr lang="en-US" sz="1800">
+                  <a:solidFill>
+                    <a:srgbClr val="000099"/>
+                  </a:solidFill>
+                  <a:latin typeface="Times New Roman" pitchFamily="18" charset="0"/>
+                </a:rPr>
+                <a:t>San Joaquin River</a:t>
+              </a:r>
+            </a:p>
+          </p:txBody>
+        </p:sp>
+        <p:sp>
+          <p:nvSpPr>
+            <p:cNvPr id="28" name="AutoShape 15"/>
+            <p:cNvSpPr>
+              <a:spLocks noChangeAspect="1" noChangeArrowheads="1"/>
+            </p:cNvSpPr>
+            <p:nvPr/>
+          </p:nvSpPr>
+          <p:spPr bwMode="auto">
+            <a:xfrm rot="16200000" flipV="1">
+              <a:off x="4248" y="3864"/>
+              <a:ext cx="308" cy="334"/>
+            </a:xfrm>
+            <a:prstGeom prst="rightArrow">
+              <a:avLst>
+                <a:gd name="adj1" fmla="val 50000"/>
+                <a:gd name="adj2" fmla="val 25000"/>
+              </a:avLst>
+            </a:prstGeom>
+            <a:solidFill>
+              <a:srgbClr val="0000FF"/>
+            </a:solidFill>
+            <a:ln w="9525">
+              <a:solidFill>
+                <a:srgbClr val="000099"/>
+              </a:solidFill>
+              <a:miter lim="800000"/>
+              <a:headEnd/>
+              <a:tailEnd/>
+            </a:ln>
+            <a:effectLst/>
+          </p:spPr>
+          <p:txBody>
+            <a:bodyPr wrap="none" anchor="ctr"/>
+            <a:lstStyle/>
+            <a:p>
+              <a:endParaRPr lang="en-US"/>
+            </a:p>
+          </p:txBody>
+        </p:sp>
+      </p:grpSp>
+      <p:grpSp>
+        <p:nvGrpSpPr>
+          <p:cNvPr id="29" name="Group 24"/>
+          <p:cNvGrpSpPr>
+            <a:grpSpLocks/>
+          </p:cNvGrpSpPr>
+          <p:nvPr/>
+        </p:nvGrpSpPr>
+        <p:grpSpPr bwMode="auto">
+          <a:xfrm>
+            <a:off x="4953000" y="3268663"/>
+            <a:ext cx="2952750" cy="825500"/>
+            <a:chOff x="3120" y="2112"/>
+            <a:chExt cx="1860" cy="520"/>
+          </a:xfrm>
+        </p:grpSpPr>
+        <p:sp>
+          <p:nvSpPr>
+            <p:cNvPr id="30" name="Text Box 25"/>
+            <p:cNvSpPr txBox="1">
+              <a:spLocks noChangeAspect="1" noChangeArrowheads="1"/>
+            </p:cNvSpPr>
+            <p:nvPr/>
+          </p:nvSpPr>
+          <p:spPr bwMode="auto">
+            <a:xfrm>
+              <a:off x="4032" y="2112"/>
+              <a:ext cx="948" cy="520"/>
+            </a:xfrm>
+            <a:prstGeom prst="rect">
+              <a:avLst/>
+            </a:prstGeom>
+            <a:solidFill>
+              <a:srgbClr val="B2B2B2">
+                <a:alpha val="80000"/>
+              </a:srgbClr>
+            </a:solidFill>
+            <a:ln w="9525">
+              <a:noFill/>
+              <a:miter lim="800000"/>
+              <a:headEnd/>
+              <a:tailEnd/>
+            </a:ln>
+            <a:effectLst/>
+          </p:spPr>
+          <p:txBody>
+            <a:bodyPr>
+              <a:spAutoFit/>
+            </a:bodyPr>
+            <a:lstStyle/>
+            <a:p>
+              <a:pPr>
+                <a:spcBef>
+                  <a:spcPct val="50000"/>
+                </a:spcBef>
+              </a:pPr>
+              <a:r>
+                <a:rPr lang="en-US" sz="1600">
+                  <a:solidFill>
+                    <a:srgbClr val="800000"/>
+                  </a:solidFill>
+                  <a:latin typeface="Times New Roman" pitchFamily="18" charset="0"/>
+                </a:rPr>
+                <a:t>Delta Island Consumptive Use</a:t>
+              </a:r>
+              <a:endParaRPr lang="en-US" sz="1600">
+                <a:solidFill>
+                  <a:srgbClr val="000099"/>
+                </a:solidFill>
+                <a:latin typeface="Times New Roman" pitchFamily="18" charset="0"/>
+              </a:endParaRPr>
+            </a:p>
+          </p:txBody>
+        </p:sp>
+        <p:grpSp>
+          <p:nvGrpSpPr>
+            <p:cNvPr id="31" name="Group 26"/>
+            <p:cNvGrpSpPr>
+              <a:grpSpLocks/>
+            </p:cNvGrpSpPr>
+            <p:nvPr/>
+          </p:nvGrpSpPr>
+          <p:grpSpPr bwMode="auto">
+            <a:xfrm>
+              <a:off x="3120" y="2175"/>
+              <a:ext cx="528" cy="258"/>
+              <a:chOff x="3120" y="2213"/>
+              <a:chExt cx="528" cy="258"/>
+            </a:xfrm>
+          </p:grpSpPr>
+          <p:sp>
+            <p:nvSpPr>
+              <p:cNvPr id="32" name="Rectangle 27"/>
+              <p:cNvSpPr>
+                <a:spLocks noChangeArrowheads="1"/>
+              </p:cNvSpPr>
+              <p:nvPr/>
+            </p:nvSpPr>
+            <p:spPr bwMode="auto">
+              <a:xfrm>
+                <a:off x="3120" y="2213"/>
+                <a:ext cx="528" cy="240"/>
+              </a:xfrm>
+              <a:prstGeom prst="rect">
+                <a:avLst/>
+              </a:prstGeom>
+              <a:solidFill>
+                <a:srgbClr val="B2B2B2">
+                  <a:alpha val="80000"/>
+                </a:srgbClr>
+              </a:solidFill>
+              <a:ln w="9525">
+                <a:noFill/>
+                <a:miter lim="800000"/>
+                <a:headEnd/>
+                <a:tailEnd/>
+              </a:ln>
+              <a:effectLst/>
+            </p:spPr>
+            <p:txBody>
+              <a:bodyPr wrap="none" anchor="ctr"/>
+              <a:lstStyle/>
+              <a:p>
+                <a:endParaRPr lang="en-US"/>
+              </a:p>
+            </p:txBody>
+          </p:sp>
+          <p:grpSp>
+            <p:nvGrpSpPr>
+              <p:cNvPr id="33" name="Group 28"/>
+              <p:cNvGrpSpPr>
+                <a:grpSpLocks noChangeAspect="1"/>
+              </p:cNvGrpSpPr>
+              <p:nvPr/>
+            </p:nvGrpSpPr>
+            <p:grpSpPr bwMode="auto">
+              <a:xfrm flipH="1">
+                <a:off x="3148" y="2220"/>
+                <a:ext cx="433" cy="251"/>
+                <a:chOff x="3139" y="1199"/>
+                <a:chExt cx="173" cy="100"/>
+              </a:xfrm>
+            </p:grpSpPr>
+            <p:sp>
+              <p:nvSpPr>
+                <p:cNvPr id="34" name="AutoShape 29"/>
+                <p:cNvSpPr>
+                  <a:spLocks noChangeAspect="1" noChangeArrowheads="1"/>
+                </p:cNvSpPr>
+                <p:nvPr/>
+              </p:nvSpPr>
+              <p:spPr bwMode="auto">
+                <a:xfrm rot="10800000" flipH="1" flipV="1">
+                  <a:off x="3226" y="1200"/>
+                  <a:ext cx="86" cy="99"/>
+                </a:xfrm>
+                <a:prstGeom prst="rightArrow">
+                  <a:avLst>
+                    <a:gd name="adj1" fmla="val 50000"/>
+                    <a:gd name="adj2" fmla="val 25000"/>
+                  </a:avLst>
+                </a:prstGeom>
+                <a:solidFill>
+                  <a:srgbClr val="000099"/>
+                </a:solidFill>
+                <a:ln w="9525">
+                  <a:solidFill>
+                    <a:srgbClr val="000099"/>
+                  </a:solidFill>
+                  <a:miter lim="800000"/>
+                  <a:headEnd/>
+                  <a:tailEnd/>
+                </a:ln>
+                <a:effectLst/>
+              </p:spPr>
+              <p:txBody>
+                <a:bodyPr wrap="none" anchor="ctr"/>
+                <a:lstStyle/>
+                <a:p>
+                  <a:endParaRPr lang="en-US"/>
+                </a:p>
+              </p:txBody>
+            </p:sp>
+            <p:sp>
+              <p:nvSpPr>
+                <p:cNvPr id="35" name="AutoShape 30"/>
+                <p:cNvSpPr>
+                  <a:spLocks noChangeAspect="1" noChangeArrowheads="1"/>
+                </p:cNvSpPr>
+                <p:nvPr/>
+              </p:nvSpPr>
+              <p:spPr bwMode="auto">
+                <a:xfrm rot="10800000" flipV="1">
+                  <a:off x="3139" y="1199"/>
+                  <a:ext cx="86" cy="99"/>
+                </a:xfrm>
+                <a:prstGeom prst="rightArrow">
+                  <a:avLst>
+                    <a:gd name="adj1" fmla="val 50000"/>
+                    <a:gd name="adj2" fmla="val 25000"/>
+                  </a:avLst>
+                </a:prstGeom>
+                <a:solidFill>
+                  <a:srgbClr val="800000"/>
+                </a:solidFill>
+                <a:ln w="9525">
+                  <a:solidFill>
+                    <a:srgbClr val="800000"/>
+                  </a:solidFill>
+                  <a:miter lim="800000"/>
+                  <a:headEnd/>
+                  <a:tailEnd/>
+                </a:ln>
+                <a:effectLst/>
+              </p:spPr>
+              <p:txBody>
+                <a:bodyPr wrap="none" anchor="ctr"/>
+                <a:lstStyle/>
+                <a:p>
+                  <a:endParaRPr lang="en-US"/>
+                </a:p>
+              </p:txBody>
+            </p:sp>
+          </p:grpSp>
+        </p:grpSp>
+      </p:grpSp>
+      <p:grpSp>
+        <p:nvGrpSpPr>
+          <p:cNvPr id="36" name="Group 31"/>
+          <p:cNvGrpSpPr>
+            <a:grpSpLocks/>
+          </p:cNvGrpSpPr>
+          <p:nvPr/>
+        </p:nvGrpSpPr>
+        <p:grpSpPr bwMode="auto">
+          <a:xfrm>
+            <a:off x="1219200" y="3657600"/>
+            <a:ext cx="1519238" cy="1343025"/>
+            <a:chOff x="768" y="2304"/>
+            <a:chExt cx="957" cy="846"/>
+          </a:xfrm>
+        </p:grpSpPr>
+        <p:sp>
+          <p:nvSpPr>
+            <p:cNvPr id="37" name="Text Box 32"/>
+            <p:cNvSpPr txBox="1">
+              <a:spLocks noChangeAspect="1" noChangeArrowheads="1"/>
+            </p:cNvSpPr>
+            <p:nvPr/>
+          </p:nvSpPr>
+          <p:spPr bwMode="auto">
+            <a:xfrm>
+              <a:off x="768" y="2784"/>
+              <a:ext cx="957" cy="366"/>
+            </a:xfrm>
+            <a:prstGeom prst="rect">
+              <a:avLst/>
+            </a:prstGeom>
+            <a:solidFill>
+              <a:srgbClr val="B2B2B2">
+                <a:alpha val="80000"/>
+              </a:srgbClr>
+            </a:solidFill>
+            <a:ln w="9525">
+              <a:noFill/>
+              <a:miter lim="800000"/>
+              <a:headEnd/>
+              <a:tailEnd/>
+            </a:ln>
+            <a:effectLst/>
+          </p:spPr>
+          <p:txBody>
+            <a:bodyPr>
+              <a:spAutoFit/>
+            </a:bodyPr>
+            <a:lstStyle/>
+            <a:p>
+              <a:pPr>
+                <a:spcBef>
+                  <a:spcPct val="50000"/>
+                </a:spcBef>
+              </a:pPr>
+              <a:r>
+                <a:rPr lang="en-US" sz="1600">
+                  <a:solidFill>
+                    <a:srgbClr val="000099"/>
+                  </a:solidFill>
+                  <a:latin typeface="Times New Roman" pitchFamily="18" charset="0"/>
+                </a:rPr>
+                <a:t>Tidal Stage &amp; Water Quality</a:t>
+              </a:r>
+            </a:p>
+          </p:txBody>
+        </p:sp>
+        <p:grpSp>
+          <p:nvGrpSpPr>
+            <p:cNvPr id="38" name="Group 33"/>
+            <p:cNvGrpSpPr>
+              <a:grpSpLocks/>
+            </p:cNvGrpSpPr>
+            <p:nvPr/>
+          </p:nvGrpSpPr>
+          <p:grpSpPr bwMode="auto">
+            <a:xfrm>
+              <a:off x="864" y="2304"/>
+              <a:ext cx="557" cy="490"/>
+              <a:chOff x="1248" y="3168"/>
+              <a:chExt cx="557" cy="490"/>
+            </a:xfrm>
+          </p:grpSpPr>
+          <p:sp>
+            <p:nvSpPr>
+              <p:cNvPr id="39" name="Rectangle 34"/>
+              <p:cNvSpPr>
+                <a:spLocks noChangeArrowheads="1"/>
+              </p:cNvSpPr>
+              <p:nvPr/>
+            </p:nvSpPr>
+            <p:spPr bwMode="auto">
+              <a:xfrm>
+                <a:off x="1248" y="3168"/>
+                <a:ext cx="557" cy="490"/>
+              </a:xfrm>
+              <a:prstGeom prst="rect">
+                <a:avLst/>
+              </a:prstGeom>
+              <a:solidFill>
+                <a:srgbClr val="B2B2B2">
+                  <a:alpha val="80000"/>
+                </a:srgbClr>
+              </a:solidFill>
+              <a:ln w="9525">
+                <a:noFill/>
+                <a:miter lim="800000"/>
+                <a:headEnd/>
+                <a:tailEnd/>
+              </a:ln>
+              <a:effectLst/>
+            </p:spPr>
+            <p:txBody>
+              <a:bodyPr wrap="none" anchor="ctr"/>
+              <a:lstStyle/>
+              <a:p>
+                <a:endParaRPr lang="en-US"/>
+              </a:p>
+            </p:txBody>
+          </p:sp>
+          <p:grpSp>
+            <p:nvGrpSpPr>
+              <p:cNvPr id="40" name="Group 35"/>
+              <p:cNvGrpSpPr>
+                <a:grpSpLocks/>
+              </p:cNvGrpSpPr>
+              <p:nvPr/>
+            </p:nvGrpSpPr>
+            <p:grpSpPr bwMode="auto">
+              <a:xfrm>
+                <a:off x="1283" y="3168"/>
+                <a:ext cx="479" cy="480"/>
+                <a:chOff x="1296" y="2750"/>
+                <a:chExt cx="862" cy="722"/>
+              </a:xfrm>
+            </p:grpSpPr>
+            <p:sp>
+              <p:nvSpPr>
+                <p:cNvPr id="41" name="Freeform 36"/>
+                <p:cNvSpPr>
+                  <a:spLocks/>
+                </p:cNvSpPr>
+                <p:nvPr/>
+              </p:nvSpPr>
+              <p:spPr bwMode="auto">
+                <a:xfrm>
+                  <a:off x="1296" y="2824"/>
+                  <a:ext cx="432" cy="648"/>
+                </a:xfrm>
+                <a:custGeom>
+                  <a:avLst/>
+                  <a:gdLst/>
+                  <a:ahLst/>
+                  <a:cxnLst>
+                    <a:cxn ang="0">
+                      <a:pos x="0" y="296"/>
+                    </a:cxn>
+                    <a:cxn ang="0">
+                      <a:pos x="96" y="56"/>
+                    </a:cxn>
+                    <a:cxn ang="0">
+                      <a:pos x="240" y="632"/>
+                    </a:cxn>
+                    <a:cxn ang="0">
+                      <a:pos x="288" y="152"/>
+                    </a:cxn>
+                    <a:cxn ang="0">
+                      <a:pos x="384" y="488"/>
+                    </a:cxn>
+                    <a:cxn ang="0">
+                      <a:pos x="432" y="200"/>
+                    </a:cxn>
+                  </a:cxnLst>
+                  <a:rect l="0" t="0" r="r" b="b"/>
+                  <a:pathLst>
+                    <a:path w="432" h="648">
+                      <a:moveTo>
+                        <a:pt x="0" y="296"/>
+                      </a:moveTo>
+                      <a:cubicBezTo>
+                        <a:pt x="28" y="148"/>
+                        <a:pt x="56" y="0"/>
+                        <a:pt x="96" y="56"/>
+                      </a:cubicBezTo>
+                      <a:cubicBezTo>
+                        <a:pt x="136" y="112"/>
+                        <a:pt x="208" y="616"/>
+                        <a:pt x="240" y="632"/>
+                      </a:cubicBezTo>
+                      <a:cubicBezTo>
+                        <a:pt x="272" y="648"/>
+                        <a:pt x="264" y="176"/>
+                        <a:pt x="288" y="152"/>
+                      </a:cubicBezTo>
+                      <a:cubicBezTo>
+                        <a:pt x="312" y="128"/>
+                        <a:pt x="360" y="480"/>
+                        <a:pt x="384" y="488"/>
+                      </a:cubicBezTo>
+                      <a:cubicBezTo>
+                        <a:pt x="408" y="496"/>
+                        <a:pt x="424" y="248"/>
+                        <a:pt x="432" y="200"/>
+                      </a:cubicBezTo>
+                    </a:path>
+                  </a:pathLst>
+                </a:custGeom>
+                <a:noFill/>
+                <a:ln w="38100" cmpd="sng">
+                  <a:solidFill>
+                    <a:srgbClr val="000099"/>
+                  </a:solidFill>
+                  <a:round/>
+                  <a:headEnd/>
+                  <a:tailEnd/>
+                </a:ln>
+                <a:effectLst/>
+              </p:spPr>
+              <p:txBody>
+                <a:bodyPr/>
+                <a:lstStyle/>
+                <a:p>
+                  <a:endParaRPr lang="en-US"/>
+                </a:p>
+              </p:txBody>
+            </p:sp>
+            <p:sp>
+              <p:nvSpPr>
+                <p:cNvPr id="42" name="Freeform 37"/>
+                <p:cNvSpPr>
+                  <a:spLocks/>
+                </p:cNvSpPr>
+                <p:nvPr/>
+              </p:nvSpPr>
+              <p:spPr bwMode="auto">
+                <a:xfrm>
+                  <a:off x="1726" y="2750"/>
+                  <a:ext cx="432" cy="648"/>
+                </a:xfrm>
+                <a:custGeom>
+                  <a:avLst/>
+                  <a:gdLst/>
+                  <a:ahLst/>
+                  <a:cxnLst>
+                    <a:cxn ang="0">
+                      <a:pos x="0" y="296"/>
+                    </a:cxn>
+                    <a:cxn ang="0">
+                      <a:pos x="96" y="56"/>
+                    </a:cxn>
+                    <a:cxn ang="0">
+                      <a:pos x="240" y="632"/>
+                    </a:cxn>
+                    <a:cxn ang="0">
+                      <a:pos x="288" y="152"/>
+                    </a:cxn>
+                    <a:cxn ang="0">
+                      <a:pos x="384" y="488"/>
+                    </a:cxn>
+                    <a:cxn ang="0">
+                      <a:pos x="432" y="200"/>
+                    </a:cxn>
+                  </a:cxnLst>
+                  <a:rect l="0" t="0" r="r" b="b"/>
+                  <a:pathLst>
+                    <a:path w="432" h="648">
+                      <a:moveTo>
+                        <a:pt x="0" y="296"/>
+                      </a:moveTo>
+                      <a:cubicBezTo>
+                        <a:pt x="28" y="148"/>
+                        <a:pt x="56" y="0"/>
+                        <a:pt x="96" y="56"/>
+                      </a:cubicBezTo>
+                      <a:cubicBezTo>
+                        <a:pt x="136" y="112"/>
+                        <a:pt x="208" y="616"/>
+                        <a:pt x="240" y="632"/>
+                      </a:cubicBezTo>
+                      <a:cubicBezTo>
+                        <a:pt x="272" y="648"/>
+                        <a:pt x="264" y="176"/>
+                        <a:pt x="288" y="152"/>
+                      </a:cubicBezTo>
+                      <a:cubicBezTo>
+                        <a:pt x="312" y="128"/>
+                        <a:pt x="360" y="480"/>
+                        <a:pt x="384" y="488"/>
+                      </a:cubicBezTo>
+                      <a:cubicBezTo>
+                        <a:pt x="408" y="496"/>
+                        <a:pt x="424" y="248"/>
+                        <a:pt x="432" y="200"/>
+                      </a:cubicBezTo>
+                    </a:path>
+                  </a:pathLst>
+                </a:custGeom>
+                <a:noFill/>
+                <a:ln w="38100" cmpd="sng">
+                  <a:solidFill>
+                    <a:srgbClr val="000099"/>
+                  </a:solidFill>
+                  <a:round/>
+                  <a:headEnd/>
+                  <a:tailEnd/>
+                </a:ln>
+                <a:effectLst/>
+              </p:spPr>
+              <p:txBody>
+                <a:bodyPr/>
+                <a:lstStyle/>
+                <a:p>
+                  <a:endParaRPr lang="en-US"/>
+                </a:p>
+              </p:txBody>
+            </p:sp>
+          </p:grpSp>
+        </p:grpSp>
+      </p:grpSp>
+      <p:sp>
+        <p:nvSpPr>
+          <p:cNvPr id="43" name="AutoShape 38"/>
+          <p:cNvSpPr>
+            <a:spLocks noChangeAspect="1" noChangeArrowheads="1"/>
+          </p:cNvSpPr>
+          <p:nvPr/>
+        </p:nvSpPr>
+        <p:spPr bwMode="auto">
+          <a:xfrm>
+            <a:off x="808038" y="1308100"/>
+            <a:ext cx="381000" cy="377825"/>
+          </a:xfrm>
+          <a:prstGeom prst="rightArrow">
+            <a:avLst>
+              <a:gd name="adj1" fmla="val 50000"/>
+              <a:gd name="adj2" fmla="val 25210"/>
+            </a:avLst>
+          </a:prstGeom>
+          <a:solidFill>
+            <a:srgbClr val="0000FF"/>
+          </a:solidFill>
+          <a:ln w="9525">
+            <a:solidFill>
+              <a:srgbClr val="000099"/>
+            </a:solidFill>
+            <a:miter lim="800000"/>
+            <a:headEnd/>
+            <a:tailEnd/>
+          </a:ln>
+          <a:effectLst/>
+        </p:spPr>
+        <p:txBody>
+          <a:bodyPr wrap="none" anchor="ctr"/>
+          <a:lstStyle/>
+          <a:p>
+            <a:endParaRPr lang="en-US"/>
+          </a:p>
+        </p:txBody>
+      </p:sp>
+      <p:sp>
+        <p:nvSpPr>
+          <p:cNvPr id="44" name="AutoShape 39"/>
+          <p:cNvSpPr>
+            <a:spLocks noChangeAspect="1" noChangeArrowheads="1"/>
+          </p:cNvSpPr>
+          <p:nvPr/>
+        </p:nvSpPr>
+        <p:spPr bwMode="auto">
+          <a:xfrm flipH="1">
+            <a:off x="768350" y="1725613"/>
+            <a:ext cx="381000" cy="377825"/>
+          </a:xfrm>
+          <a:prstGeom prst="rightArrow">
+            <a:avLst>
+              <a:gd name="adj1" fmla="val 50000"/>
+              <a:gd name="adj2" fmla="val 25210"/>
+            </a:avLst>
+          </a:prstGeom>
+          <a:solidFill>
+            <a:srgbClr val="990000"/>
+          </a:solidFill>
+          <a:ln w="9525">
+            <a:solidFill>
+              <a:srgbClr val="990000"/>
+            </a:solidFill>
+            <a:miter lim="800000"/>
+            <a:headEnd/>
+            <a:tailEnd/>
+          </a:ln>
+          <a:effectLst/>
+        </p:spPr>
+        <p:txBody>
+          <a:bodyPr wrap="none" anchor="ctr"/>
+          <a:lstStyle/>
+          <a:p>
+            <a:endParaRPr lang="en-US"/>
+          </a:p>
+        </p:txBody>
+      </p:sp>
+      <p:sp>
+        <p:nvSpPr>
+          <p:cNvPr id="45" name="Text Box 40"/>
+          <p:cNvSpPr txBox="1">
+            <a:spLocks noChangeArrowheads="1"/>
+          </p:cNvSpPr>
+          <p:nvPr/>
+        </p:nvSpPr>
+        <p:spPr bwMode="auto">
+          <a:xfrm>
+            <a:off x="1281113" y="1306513"/>
+            <a:ext cx="2533650" cy="779462"/>
           </a:xfrm>
           <a:prstGeom prst="rect">
             <a:avLst/>
@@ -8077,40 +9229,516 @@
             <a:headEnd/>
             <a:tailEnd/>
           </a:ln>
+          <a:effectLst/>
         </p:spPr>
-      </p:pic>
-      <p:pic>
-        <p:nvPicPr>
-          <p:cNvPr id="5" name="Picture 2"/>
-          <p:cNvPicPr>
-            <a:picLocks noChangeAspect="1" noChangeArrowheads="1"/>
-          </p:cNvPicPr>
+        <p:txBody>
+          <a:bodyPr wrap="none">
+            <a:spAutoFit/>
+          </a:bodyPr>
+          <a:lstStyle/>
+          <a:p>
+            <a:pPr algn="l"/>
+            <a:r>
+              <a:rPr lang="en-US" sz="1800" dirty="0">
+                <a:solidFill>
+                  <a:schemeClr val="bg2"/>
+                </a:solidFill>
+              </a:rPr>
+              <a:t>Inflow &amp; water quality</a:t>
+            </a:r>
+          </a:p>
+          <a:p>
+            <a:pPr algn="l">
+              <a:spcBef>
+                <a:spcPct val="50000"/>
+              </a:spcBef>
+            </a:pPr>
+            <a:r>
+              <a:rPr lang="en-US" sz="1800" dirty="0">
+                <a:solidFill>
+                  <a:schemeClr val="bg2"/>
+                </a:solidFill>
+              </a:rPr>
+              <a:t>Export flow</a:t>
+            </a:r>
+          </a:p>
+        </p:txBody>
+      </p:sp>
+      <p:grpSp>
+        <p:nvGrpSpPr>
+          <p:cNvPr id="46" name="Group 52"/>
+          <p:cNvGrpSpPr>
+            <a:grpSpLocks/>
+          </p:cNvGrpSpPr>
           <p:nvPr/>
-        </p:nvPicPr>
-        <p:blipFill>
-          <a:blip r:embed="rId5" cstate="print"/>
-          <a:srcRect/>
-          <a:stretch>
-            <a:fillRect/>
-          </a:stretch>
-        </p:blipFill>
-        <p:spPr bwMode="auto">
+        </p:nvGrpSpPr>
+        <p:grpSpPr bwMode="auto">
           <a:xfrm>
-            <a:off x="3013982" y="1360715"/>
-            <a:ext cx="5934075" cy="3667125"/>
+            <a:off x="4538663" y="1700213"/>
+            <a:ext cx="3290887" cy="2944812"/>
+            <a:chOff x="2859" y="1071"/>
+            <a:chExt cx="2073" cy="1855"/>
           </a:xfrm>
-          <a:prstGeom prst="rect">
-            <a:avLst/>
-          </a:prstGeom>
-          <a:noFill/>
-          <a:ln w="9525">
-            <a:noFill/>
-            <a:miter lim="800000"/>
-            <a:headEnd/>
-            <a:tailEnd/>
-          </a:ln>
-        </p:spPr>
-      </p:pic>
+        </p:grpSpPr>
+        <p:grpSp>
+          <p:nvGrpSpPr>
+            <p:cNvPr id="47" name="Group 16"/>
+            <p:cNvGrpSpPr>
+              <a:grpSpLocks/>
+            </p:cNvGrpSpPr>
+            <p:nvPr/>
+          </p:nvGrpSpPr>
+          <p:grpSpPr bwMode="auto">
+            <a:xfrm>
+              <a:off x="3792" y="1248"/>
+              <a:ext cx="1140" cy="1678"/>
+              <a:chOff x="3792" y="1248"/>
+              <a:chExt cx="1140" cy="1678"/>
+            </a:xfrm>
+          </p:grpSpPr>
+          <p:sp>
+            <p:nvSpPr>
+              <p:cNvPr id="49" name="Text Box 17"/>
+              <p:cNvSpPr txBox="1">
+                <a:spLocks noChangeAspect="1" noChangeArrowheads="1"/>
+              </p:cNvSpPr>
+              <p:nvPr/>
+            </p:nvSpPr>
+            <p:spPr bwMode="auto">
+              <a:xfrm>
+                <a:off x="4080" y="1248"/>
+                <a:ext cx="852" cy="212"/>
+              </a:xfrm>
+              <a:prstGeom prst="rect">
+                <a:avLst/>
+              </a:prstGeom>
+              <a:solidFill>
+                <a:srgbClr val="B2B2B2">
+                  <a:alpha val="80000"/>
+                </a:srgbClr>
+              </a:solidFill>
+              <a:ln w="9525">
+                <a:noFill/>
+                <a:miter lim="800000"/>
+                <a:headEnd/>
+                <a:tailEnd/>
+              </a:ln>
+              <a:effectLst/>
+            </p:spPr>
+            <p:txBody>
+              <a:bodyPr>
+                <a:spAutoFit/>
+              </a:bodyPr>
+              <a:lstStyle/>
+              <a:p>
+                <a:pPr>
+                  <a:spcBef>
+                    <a:spcPct val="50000"/>
+                  </a:spcBef>
+                </a:pPr>
+                <a:r>
+                  <a:rPr lang="en-US" sz="1600">
+                    <a:solidFill>
+                      <a:srgbClr val="000099"/>
+                    </a:solidFill>
+                    <a:latin typeface="Times New Roman" pitchFamily="18" charset="0"/>
+                  </a:rPr>
+                  <a:t>Tributaries</a:t>
+                </a:r>
+              </a:p>
+            </p:txBody>
+          </p:sp>
+          <p:sp>
+            <p:nvSpPr>
+              <p:cNvPr id="50" name="AutoShape 18"/>
+              <p:cNvSpPr>
+                <a:spLocks noChangeAspect="1" noChangeArrowheads="1"/>
+              </p:cNvSpPr>
+              <p:nvPr/>
+            </p:nvSpPr>
+            <p:spPr bwMode="auto">
+              <a:xfrm rot="6955306">
+                <a:off x="3775" y="1313"/>
+                <a:ext cx="175" cy="142"/>
+              </a:xfrm>
+              <a:prstGeom prst="rightArrow">
+                <a:avLst>
+                  <a:gd name="adj1" fmla="val 50000"/>
+                  <a:gd name="adj2" fmla="val 30810"/>
+                </a:avLst>
+              </a:prstGeom>
+              <a:solidFill>
+                <a:srgbClr val="0000FF"/>
+              </a:solidFill>
+              <a:ln w="9525">
+                <a:solidFill>
+                  <a:srgbClr val="000099"/>
+                </a:solidFill>
+                <a:miter lim="800000"/>
+                <a:headEnd/>
+                <a:tailEnd/>
+              </a:ln>
+              <a:effectLst/>
+            </p:spPr>
+            <p:txBody>
+              <a:bodyPr wrap="none" anchor="ctr"/>
+              <a:lstStyle/>
+              <a:p>
+                <a:endParaRPr lang="en-US"/>
+              </a:p>
+            </p:txBody>
+          </p:sp>
+          <p:sp>
+            <p:nvSpPr>
+              <p:cNvPr id="51" name="AutoShape 19"/>
+              <p:cNvSpPr>
+                <a:spLocks noChangeAspect="1" noChangeArrowheads="1"/>
+              </p:cNvSpPr>
+              <p:nvPr/>
+            </p:nvSpPr>
+            <p:spPr bwMode="auto">
+              <a:xfrm rot="10109395">
+                <a:off x="4320" y="2784"/>
+                <a:ext cx="175" cy="142"/>
+              </a:xfrm>
+              <a:prstGeom prst="rightArrow">
+                <a:avLst>
+                  <a:gd name="adj1" fmla="val 50000"/>
+                  <a:gd name="adj2" fmla="val 30810"/>
+                </a:avLst>
+              </a:prstGeom>
+              <a:solidFill>
+                <a:srgbClr val="0000FF"/>
+              </a:solidFill>
+              <a:ln w="9525">
+                <a:solidFill>
+                  <a:srgbClr val="000099"/>
+                </a:solidFill>
+                <a:miter lim="800000"/>
+                <a:headEnd/>
+                <a:tailEnd/>
+              </a:ln>
+              <a:effectLst/>
+            </p:spPr>
+            <p:txBody>
+              <a:bodyPr wrap="none" anchor="ctr"/>
+              <a:lstStyle/>
+              <a:p>
+                <a:endParaRPr lang="en-US"/>
+              </a:p>
+            </p:txBody>
+          </p:sp>
+          <p:sp>
+            <p:nvSpPr>
+              <p:cNvPr id="52" name="AutoShape 20"/>
+              <p:cNvSpPr>
+                <a:spLocks noChangeAspect="1" noChangeArrowheads="1"/>
+              </p:cNvSpPr>
+              <p:nvPr/>
+            </p:nvSpPr>
+            <p:spPr bwMode="auto">
+              <a:xfrm rot="10457227">
+                <a:off x="3888" y="1536"/>
+                <a:ext cx="175" cy="142"/>
+              </a:xfrm>
+              <a:prstGeom prst="rightArrow">
+                <a:avLst>
+                  <a:gd name="adj1" fmla="val 50000"/>
+                  <a:gd name="adj2" fmla="val 30810"/>
+                </a:avLst>
+              </a:prstGeom>
+              <a:solidFill>
+                <a:srgbClr val="0000FF"/>
+              </a:solidFill>
+              <a:ln w="9525">
+                <a:solidFill>
+                  <a:srgbClr val="000099"/>
+                </a:solidFill>
+                <a:miter lim="800000"/>
+                <a:headEnd/>
+                <a:tailEnd/>
+              </a:ln>
+              <a:effectLst/>
+            </p:spPr>
+            <p:txBody>
+              <a:bodyPr wrap="none" anchor="ctr"/>
+              <a:lstStyle/>
+              <a:p>
+                <a:endParaRPr lang="en-US"/>
+              </a:p>
+            </p:txBody>
+          </p:sp>
+        </p:grpSp>
+        <p:sp>
+          <p:nvSpPr>
+            <p:cNvPr id="48" name="AutoShape 46"/>
+            <p:cNvSpPr>
+              <a:spLocks noChangeAspect="1" noChangeArrowheads="1"/>
+            </p:cNvSpPr>
+            <p:nvPr/>
+          </p:nvSpPr>
+          <p:spPr bwMode="auto">
+            <a:xfrm rot="5400000">
+              <a:off x="2838" y="1092"/>
+              <a:ext cx="177" cy="135"/>
+            </a:xfrm>
+            <a:prstGeom prst="rightArrow">
+              <a:avLst>
+                <a:gd name="adj1" fmla="val 50000"/>
+                <a:gd name="adj2" fmla="val 32778"/>
+              </a:avLst>
+            </a:prstGeom>
+            <a:solidFill>
+              <a:srgbClr val="0000FF"/>
+            </a:solidFill>
+            <a:ln w="9525">
+              <a:solidFill>
+                <a:srgbClr val="000099"/>
+              </a:solidFill>
+              <a:miter lim="800000"/>
+              <a:headEnd/>
+              <a:tailEnd/>
+            </a:ln>
+            <a:effectLst/>
+          </p:spPr>
+          <p:txBody>
+            <a:bodyPr wrap="none" anchor="ctr"/>
+            <a:lstStyle/>
+            <a:p>
+              <a:endParaRPr lang="en-US"/>
+            </a:p>
+          </p:txBody>
+        </p:sp>
+      </p:grpSp>
+      <p:grpSp>
+        <p:nvGrpSpPr>
+          <p:cNvPr id="53" name="Group 51"/>
+          <p:cNvGrpSpPr>
+            <a:grpSpLocks/>
+          </p:cNvGrpSpPr>
+          <p:nvPr/>
+        </p:nvGrpSpPr>
+        <p:grpSpPr bwMode="auto">
+          <a:xfrm>
+            <a:off x="3668713" y="2249488"/>
+            <a:ext cx="1944687" cy="4003675"/>
+            <a:chOff x="2311" y="1417"/>
+            <a:chExt cx="1225" cy="2522"/>
+          </a:xfrm>
+        </p:grpSpPr>
+        <p:sp>
+          <p:nvSpPr>
+            <p:cNvPr id="54" name="Text Box 22"/>
+            <p:cNvSpPr txBox="1">
+              <a:spLocks noChangeAspect="1" noChangeArrowheads="1"/>
+            </p:cNvSpPr>
+            <p:nvPr/>
+          </p:nvSpPr>
+          <p:spPr bwMode="auto">
+            <a:xfrm>
+              <a:off x="2965" y="3727"/>
+              <a:ext cx="571" cy="212"/>
+            </a:xfrm>
+            <a:prstGeom prst="rect">
+              <a:avLst/>
+            </a:prstGeom>
+            <a:solidFill>
+              <a:srgbClr val="B2B2B2">
+                <a:alpha val="80000"/>
+              </a:srgbClr>
+            </a:solidFill>
+            <a:ln w="9525">
+              <a:noFill/>
+              <a:miter lim="800000"/>
+              <a:headEnd/>
+              <a:tailEnd/>
+            </a:ln>
+            <a:effectLst/>
+          </p:spPr>
+          <p:txBody>
+            <a:bodyPr>
+              <a:spAutoFit/>
+            </a:bodyPr>
+            <a:lstStyle/>
+            <a:p>
+              <a:pPr>
+                <a:spcBef>
+                  <a:spcPct val="50000"/>
+                </a:spcBef>
+              </a:pPr>
+              <a:r>
+                <a:rPr lang="en-US" sz="1600">
+                  <a:solidFill>
+                    <a:srgbClr val="800000"/>
+                  </a:solidFill>
+                  <a:latin typeface="Times New Roman" pitchFamily="18" charset="0"/>
+                </a:rPr>
+                <a:t>Exports</a:t>
+              </a:r>
+            </a:p>
+          </p:txBody>
+        </p:sp>
+        <p:sp>
+          <p:nvSpPr>
+            <p:cNvPr id="55" name="AutoShape 23"/>
+            <p:cNvSpPr>
+              <a:spLocks noChangeAspect="1" noChangeArrowheads="1"/>
+            </p:cNvSpPr>
+            <p:nvPr/>
+          </p:nvSpPr>
+          <p:spPr bwMode="auto">
+            <a:xfrm rot="7274432" flipV="1">
+              <a:off x="3133" y="3414"/>
+              <a:ext cx="175" cy="233"/>
+            </a:xfrm>
+            <a:prstGeom prst="rightArrow">
+              <a:avLst>
+                <a:gd name="adj1" fmla="val 50000"/>
+                <a:gd name="adj2" fmla="val 25000"/>
+              </a:avLst>
+            </a:prstGeom>
+            <a:solidFill>
+              <a:srgbClr val="990000"/>
+            </a:solidFill>
+            <a:ln w="9525">
+              <a:solidFill>
+                <a:srgbClr val="990000"/>
+              </a:solidFill>
+              <a:miter lim="800000"/>
+              <a:headEnd/>
+              <a:tailEnd/>
+            </a:ln>
+            <a:effectLst/>
+          </p:spPr>
+          <p:txBody>
+            <a:bodyPr wrap="none" anchor="ctr"/>
+            <a:lstStyle/>
+            <a:p>
+              <a:endParaRPr lang="en-US"/>
+            </a:p>
+          </p:txBody>
+        </p:sp>
+        <p:sp>
+          <p:nvSpPr>
+            <p:cNvPr id="56" name="AutoShape 44"/>
+            <p:cNvSpPr>
+              <a:spLocks noChangeAspect="1" noChangeArrowheads="1"/>
+            </p:cNvSpPr>
+            <p:nvPr/>
+          </p:nvSpPr>
+          <p:spPr bwMode="auto">
+            <a:xfrm flipH="1">
+              <a:off x="2900" y="2708"/>
+              <a:ext cx="178" cy="153"/>
+            </a:xfrm>
+            <a:prstGeom prst="rightArrow">
+              <a:avLst>
+                <a:gd name="adj1" fmla="val 50000"/>
+                <a:gd name="adj2" fmla="val 29085"/>
+              </a:avLst>
+            </a:prstGeom>
+            <a:solidFill>
+              <a:srgbClr val="990000"/>
+            </a:solidFill>
+            <a:ln w="9525">
+              <a:solidFill>
+                <a:srgbClr val="990000"/>
+              </a:solidFill>
+              <a:miter lim="800000"/>
+              <a:headEnd/>
+              <a:tailEnd/>
+            </a:ln>
+            <a:effectLst/>
+          </p:spPr>
+          <p:txBody>
+            <a:bodyPr wrap="none" anchor="ctr"/>
+            <a:lstStyle/>
+            <a:p>
+              <a:endParaRPr lang="en-US"/>
+            </a:p>
+          </p:txBody>
+        </p:sp>
+        <p:sp>
+          <p:nvSpPr>
+            <p:cNvPr id="57" name="AutoShape 45"/>
+            <p:cNvSpPr>
+              <a:spLocks noChangeAspect="1" noChangeArrowheads="1"/>
+            </p:cNvSpPr>
+            <p:nvPr/>
+          </p:nvSpPr>
+          <p:spPr bwMode="auto">
+            <a:xfrm rot="1045005" flipH="1">
+              <a:off x="2311" y="1417"/>
+              <a:ext cx="173" cy="120"/>
+            </a:xfrm>
+            <a:prstGeom prst="rightArrow">
+              <a:avLst>
+                <a:gd name="adj1" fmla="val 50000"/>
+                <a:gd name="adj2" fmla="val 36042"/>
+              </a:avLst>
+            </a:prstGeom>
+            <a:solidFill>
+              <a:srgbClr val="990000"/>
+            </a:solidFill>
+            <a:ln w="9525">
+              <a:solidFill>
+                <a:srgbClr val="990000"/>
+              </a:solidFill>
+              <a:miter lim="800000"/>
+              <a:headEnd/>
+              <a:tailEnd/>
+            </a:ln>
+            <a:effectLst/>
+          </p:spPr>
+          <p:txBody>
+            <a:bodyPr wrap="none" anchor="ctr"/>
+            <a:lstStyle/>
+            <a:p>
+              <a:endParaRPr lang="en-US"/>
+            </a:p>
+          </p:txBody>
+        </p:sp>
+        <p:sp>
+          <p:nvSpPr>
+            <p:cNvPr id="58" name="AutoShape 48"/>
+            <p:cNvSpPr>
+              <a:spLocks noChangeAspect="1" noChangeArrowheads="1"/>
+            </p:cNvSpPr>
+            <p:nvPr/>
+          </p:nvSpPr>
+          <p:spPr bwMode="auto">
+            <a:xfrm rot="17825733" flipH="1">
+              <a:off x="3326" y="3536"/>
+              <a:ext cx="171" cy="192"/>
+            </a:xfrm>
+            <a:prstGeom prst="rightArrow">
+              <a:avLst>
+                <a:gd name="adj1" fmla="val 50000"/>
+                <a:gd name="adj2" fmla="val 25000"/>
+              </a:avLst>
+            </a:prstGeom>
+            <a:solidFill>
+              <a:srgbClr val="990000"/>
+            </a:solidFill>
+            <a:ln w="9525">
+              <a:solidFill>
+                <a:srgbClr val="990000"/>
+              </a:solidFill>
+              <a:miter lim="800000"/>
+              <a:headEnd/>
+              <a:tailEnd/>
+            </a:ln>
+            <a:effectLst/>
+          </p:spPr>
+          <p:txBody>
+            <a:bodyPr wrap="none" anchor="ctr"/>
+            <a:lstStyle/>
+            <a:p>
+              <a:endParaRPr lang="en-US"/>
+            </a:p>
+          </p:txBody>
+        </p:sp>
+      </p:grpSp>
     </p:spTree>
   </p:cSld>
   <p:clrMapOvr>
@@ -8120,7 +9748,290 @@
   <p:timing>
     <p:tnLst>
       <p:par>
-        <p:cTn id="1" dur="indefinite" restart="never" nodeType="tmRoot"/>
+        <p:cTn id="1" dur="indefinite" restart="never" nodeType="tmRoot">
+          <p:childTnLst>
+            <p:seq concurrent="1" nextAc="seek">
+              <p:cTn id="2" dur="indefinite" nodeType="mainSeq">
+                <p:childTnLst>
+                  <p:par>
+                    <p:cTn id="3" fill="hold">
+                      <p:stCondLst>
+                        <p:cond delay="indefinite"/>
+                      </p:stCondLst>
+                      <p:childTnLst>
+                        <p:par>
+                          <p:cTn id="4" fill="hold">
+                            <p:stCondLst>
+                              <p:cond delay="0"/>
+                            </p:stCondLst>
+                            <p:childTnLst>
+                              <p:par>
+                                <p:cTn id="5" presetID="1" presetClass="entr" presetSubtype="0" fill="hold" nodeType="clickEffect">
+                                  <p:stCondLst>
+                                    <p:cond delay="0"/>
+                                  </p:stCondLst>
+                                  <p:childTnLst>
+                                    <p:set>
+                                      <p:cBhvr>
+                                        <p:cTn id="6" dur="1" fill="hold">
+                                          <p:stCondLst>
+                                            <p:cond delay="0"/>
+                                          </p:stCondLst>
+                                        </p:cTn>
+                                        <p:tgtEl>
+                                          <p:spTgt spid="26"/>
+                                        </p:tgtEl>
+                                        <p:attrNameLst>
+                                          <p:attrName>style.visibility</p:attrName>
+                                        </p:attrNameLst>
+                                      </p:cBhvr>
+                                      <p:to>
+                                        <p:strVal val="visible"/>
+                                      </p:to>
+                                    </p:set>
+                                  </p:childTnLst>
+                                </p:cTn>
+                              </p:par>
+                              <p:par>
+                                <p:cTn id="7" presetID="1" presetClass="entr" presetSubtype="0" fill="hold" nodeType="withEffect">
+                                  <p:stCondLst>
+                                    <p:cond delay="0"/>
+                                  </p:stCondLst>
+                                  <p:childTnLst>
+                                    <p:set>
+                                      <p:cBhvr>
+                                        <p:cTn id="8" dur="1" fill="hold">
+                                          <p:stCondLst>
+                                            <p:cond delay="0"/>
+                                          </p:stCondLst>
+                                        </p:cTn>
+                                        <p:tgtEl>
+                                          <p:spTgt spid="23"/>
+                                        </p:tgtEl>
+                                        <p:attrNameLst>
+                                          <p:attrName>style.visibility</p:attrName>
+                                        </p:attrNameLst>
+                                      </p:cBhvr>
+                                      <p:to>
+                                        <p:strVal val="visible"/>
+                                      </p:to>
+                                    </p:set>
+                                  </p:childTnLst>
+                                </p:cTn>
+                              </p:par>
+                            </p:childTnLst>
+                          </p:cTn>
+                        </p:par>
+                      </p:childTnLst>
+                    </p:cTn>
+                  </p:par>
+                  <p:par>
+                    <p:cTn id="9" fill="hold">
+                      <p:stCondLst>
+                        <p:cond delay="indefinite"/>
+                      </p:stCondLst>
+                      <p:childTnLst>
+                        <p:par>
+                          <p:cTn id="10" fill="hold">
+                            <p:stCondLst>
+                              <p:cond delay="0"/>
+                            </p:stCondLst>
+                            <p:childTnLst>
+                              <p:par>
+                                <p:cTn id="11" presetID="1" presetClass="entr" presetSubtype="0" fill="hold" nodeType="clickEffect">
+                                  <p:stCondLst>
+                                    <p:cond delay="0"/>
+                                  </p:stCondLst>
+                                  <p:childTnLst>
+                                    <p:set>
+                                      <p:cBhvr>
+                                        <p:cTn id="12" dur="1" fill="hold">
+                                          <p:stCondLst>
+                                            <p:cond delay="0"/>
+                                          </p:stCondLst>
+                                        </p:cTn>
+                                        <p:tgtEl>
+                                          <p:spTgt spid="46"/>
+                                        </p:tgtEl>
+                                        <p:attrNameLst>
+                                          <p:attrName>style.visibility</p:attrName>
+                                        </p:attrNameLst>
+                                      </p:cBhvr>
+                                      <p:to>
+                                        <p:strVal val="visible"/>
+                                      </p:to>
+                                    </p:set>
+                                  </p:childTnLst>
+                                </p:cTn>
+                              </p:par>
+                            </p:childTnLst>
+                          </p:cTn>
+                        </p:par>
+                      </p:childTnLst>
+                    </p:cTn>
+                  </p:par>
+                  <p:par>
+                    <p:cTn id="13" fill="hold">
+                      <p:stCondLst>
+                        <p:cond delay="indefinite"/>
+                      </p:stCondLst>
+                      <p:childTnLst>
+                        <p:par>
+                          <p:cTn id="14" fill="hold">
+                            <p:stCondLst>
+                              <p:cond delay="0"/>
+                            </p:stCondLst>
+                            <p:childTnLst>
+                              <p:par>
+                                <p:cTn id="15" presetID="1" presetClass="entr" presetSubtype="0" fill="hold" nodeType="clickEffect">
+                                  <p:stCondLst>
+                                    <p:cond delay="0"/>
+                                  </p:stCondLst>
+                                  <p:childTnLst>
+                                    <p:set>
+                                      <p:cBhvr>
+                                        <p:cTn id="16" dur="1" fill="hold">
+                                          <p:stCondLst>
+                                            <p:cond delay="0"/>
+                                          </p:stCondLst>
+                                        </p:cTn>
+                                        <p:tgtEl>
+                                          <p:spTgt spid="36"/>
+                                        </p:tgtEl>
+                                        <p:attrNameLst>
+                                          <p:attrName>style.visibility</p:attrName>
+                                        </p:attrNameLst>
+                                      </p:cBhvr>
+                                      <p:to>
+                                        <p:strVal val="visible"/>
+                                      </p:to>
+                                    </p:set>
+                                  </p:childTnLst>
+                                </p:cTn>
+                              </p:par>
+                            </p:childTnLst>
+                          </p:cTn>
+                        </p:par>
+                      </p:childTnLst>
+                    </p:cTn>
+                  </p:par>
+                  <p:par>
+                    <p:cTn id="17" fill="hold">
+                      <p:stCondLst>
+                        <p:cond delay="indefinite"/>
+                      </p:stCondLst>
+                      <p:childTnLst>
+                        <p:par>
+                          <p:cTn id="18" fill="hold">
+                            <p:stCondLst>
+                              <p:cond delay="0"/>
+                            </p:stCondLst>
+                            <p:childTnLst>
+                              <p:par>
+                                <p:cTn id="19" presetID="1" presetClass="entr" presetSubtype="0" fill="hold" nodeType="clickEffect">
+                                  <p:stCondLst>
+                                    <p:cond delay="0"/>
+                                  </p:stCondLst>
+                                  <p:childTnLst>
+                                    <p:set>
+                                      <p:cBhvr>
+                                        <p:cTn id="20" dur="1" fill="hold">
+                                          <p:stCondLst>
+                                            <p:cond delay="0"/>
+                                          </p:stCondLst>
+                                        </p:cTn>
+                                        <p:tgtEl>
+                                          <p:spTgt spid="53"/>
+                                        </p:tgtEl>
+                                        <p:attrNameLst>
+                                          <p:attrName>style.visibility</p:attrName>
+                                        </p:attrNameLst>
+                                      </p:cBhvr>
+                                      <p:to>
+                                        <p:strVal val="visible"/>
+                                      </p:to>
+                                    </p:set>
+                                  </p:childTnLst>
+                                </p:cTn>
+                              </p:par>
+                            </p:childTnLst>
+                          </p:cTn>
+                        </p:par>
+                      </p:childTnLst>
+                    </p:cTn>
+                  </p:par>
+                  <p:par>
+                    <p:cTn id="21" fill="hold">
+                      <p:stCondLst>
+                        <p:cond delay="indefinite"/>
+                      </p:stCondLst>
+                      <p:childTnLst>
+                        <p:par>
+                          <p:cTn id="22" fill="hold">
+                            <p:stCondLst>
+                              <p:cond delay="0"/>
+                            </p:stCondLst>
+                            <p:childTnLst>
+                              <p:par>
+                                <p:cTn id="23" presetID="3" presetClass="entr" presetSubtype="10" fill="hold" nodeType="clickEffect">
+                                  <p:stCondLst>
+                                    <p:cond delay="0"/>
+                                  </p:stCondLst>
+                                  <p:childTnLst>
+                                    <p:set>
+                                      <p:cBhvr>
+                                        <p:cTn id="24" dur="1" fill="hold">
+                                          <p:stCondLst>
+                                            <p:cond delay="0"/>
+                                          </p:stCondLst>
+                                        </p:cTn>
+                                        <p:tgtEl>
+                                          <p:spTgt spid="29"/>
+                                        </p:tgtEl>
+                                        <p:attrNameLst>
+                                          <p:attrName>style.visibility</p:attrName>
+                                        </p:attrNameLst>
+                                      </p:cBhvr>
+                                      <p:to>
+                                        <p:strVal val="visible"/>
+                                      </p:to>
+                                    </p:set>
+                                    <p:animEffect transition="in" filter="blinds(horizontal)">
+                                      <p:cBhvr>
+                                        <p:cTn id="25" dur="500"/>
+                                        <p:tgtEl>
+                                          <p:spTgt spid="29"/>
+                                        </p:tgtEl>
+                                      </p:cBhvr>
+                                    </p:animEffect>
+                                  </p:childTnLst>
+                                </p:cTn>
+                              </p:par>
+                            </p:childTnLst>
+                          </p:cTn>
+                        </p:par>
+                      </p:childTnLst>
+                    </p:cTn>
+                  </p:par>
+                </p:childTnLst>
+              </p:cTn>
+              <p:prevCondLst>
+                <p:cond evt="onPrev" delay="0">
+                  <p:tgtEl>
+                    <p:sldTgt/>
+                  </p:tgtEl>
+                </p:cond>
+              </p:prevCondLst>
+              <p:nextCondLst>
+                <p:cond evt="onNext" delay="0">
+                  <p:tgtEl>
+                    <p:sldTgt/>
+                  </p:tgtEl>
+                </p:cond>
+              </p:nextCondLst>
+            </p:seq>
+          </p:childTnLst>
+        </p:cTn>
       </p:par>
     </p:tnLst>
   </p:timing>
@@ -8146,70 +10057,6 @@
       </p:grpSpPr>
       <p:sp>
         <p:nvSpPr>
-          <p:cNvPr id="2" name="Title 1"/>
-          <p:cNvSpPr>
-            <a:spLocks noGrp="1"/>
-          </p:cNvSpPr>
-          <p:nvPr>
-            <p:ph type="title"/>
-          </p:nvPr>
-        </p:nvSpPr>
-        <p:spPr/>
-        <p:txBody>
-          <a:bodyPr/>
-          <a:lstStyle/>
-          <a:p>
-            <a:r>
-              <a:rPr lang="en-US" dirty="0" smtClean="0"/>
-              <a:t>Basic Input</a:t>
-            </a:r>
-            <a:endParaRPr lang="en-US" dirty="0"/>
-          </a:p>
-        </p:txBody>
-      </p:sp>
-      <p:sp>
-        <p:nvSpPr>
-          <p:cNvPr id="3" name="Content Placeholder 2"/>
-          <p:cNvSpPr>
-            <a:spLocks noGrp="1"/>
-          </p:cNvSpPr>
-          <p:nvPr>
-            <p:ph idx="1"/>
-          </p:nvPr>
-        </p:nvSpPr>
-        <p:spPr>
-          <a:xfrm>
-            <a:off x="685799" y="1458686"/>
-            <a:ext cx="8001001" cy="4637314"/>
-          </a:xfrm>
-        </p:spPr>
-        <p:txBody>
-          <a:bodyPr/>
-          <a:lstStyle/>
-          <a:p>
-            <a:r>
-              <a:rPr lang="en-US" dirty="0" smtClean="0"/>
-              <a:t>Boundary Conditions</a:t>
-            </a:r>
-          </a:p>
-          <a:p>
-            <a:pPr lvl="1"/>
-            <a:r>
-              <a:rPr lang="en-US" dirty="0" smtClean="0"/>
-              <a:t>Hydro is stage or flow (including source/sink)</a:t>
-            </a:r>
-          </a:p>
-          <a:p>
-            <a:pPr lvl="2"/>
-            <a:r>
-              <a:rPr lang="en-US" dirty="0" smtClean="0"/>
-              <a:t>Default is no-flow</a:t>
-            </a:r>
-          </a:p>
-        </p:txBody>
-      </p:sp>
-      <p:sp>
-        <p:nvSpPr>
           <p:cNvPr id="4" name="Date Placeholder 3"/>
           <p:cNvSpPr>
             <a:spLocks noGrp="1"/>
@@ -8232,18 +10079,39 @@
           </a:p>
         </p:txBody>
       </p:sp>
+      <p:sp>
+        <p:nvSpPr>
+          <p:cNvPr id="6" name="Title 5"/>
+          <p:cNvSpPr>
+            <a:spLocks noGrp="1"/>
+          </p:cNvSpPr>
+          <p:nvPr>
+            <p:ph type="title"/>
+          </p:nvPr>
+        </p:nvSpPr>
+        <p:spPr/>
+        <p:txBody>
+          <a:bodyPr/>
+          <a:lstStyle/>
+          <a:p>
+            <a:r>
+              <a:rPr lang="en-US" dirty="0" smtClean="0"/>
+              <a:t> </a:t>
+            </a:r>
+            <a:endParaRPr lang="en-US" dirty="0"/>
+          </a:p>
+        </p:txBody>
+      </p:sp>
       <p:pic>
         <p:nvPicPr>
-          <p:cNvPr id="1026" name="Picture 2">
-            <a:hlinkClick r:id="rId3" action="ppaction://hlinkfile"/>
-          </p:cNvPr>
+          <p:cNvPr id="5" name="Picture 2"/>
           <p:cNvPicPr>
             <a:picLocks noChangeAspect="1" noChangeArrowheads="1"/>
           </p:cNvPicPr>
           <p:nvPr/>
         </p:nvPicPr>
         <p:blipFill>
-          <a:blip r:embed="rId4" cstate="print"/>
+          <a:blip r:embed="rId3" cstate="print"/>
           <a:srcRect/>
           <a:stretch>
             <a:fillRect/>
@@ -8251,8 +10119,8 @@
         </p:blipFill>
         <p:spPr bwMode="auto">
           <a:xfrm>
-            <a:off x="2850349" y="2945415"/>
-            <a:ext cx="4962525" cy="3448050"/>
+            <a:off x="1773011" y="827315"/>
+            <a:ext cx="5934075" cy="3667125"/>
           </a:xfrm>
           <a:prstGeom prst="rect">
             <a:avLst/>
@@ -8266,51 +10134,6 @@
           </a:ln>
         </p:spPr>
       </p:pic>
-      <p:sp>
-        <p:nvSpPr>
-          <p:cNvPr id="6" name="TextBox 5"/>
-          <p:cNvSpPr txBox="1"/>
-          <p:nvPr/>
-        </p:nvSpPr>
-        <p:spPr>
-          <a:xfrm>
-            <a:off x="702789" y="4057982"/>
-            <a:ext cx="1906291" cy="1015663"/>
-          </a:xfrm>
-          <a:prstGeom prst="rect">
-            <a:avLst/>
-          </a:prstGeom>
-          <a:noFill/>
-        </p:spPr>
-        <p:txBody>
-          <a:bodyPr wrap="none" rtlCol="0">
-            <a:spAutoFit/>
-          </a:bodyPr>
-          <a:lstStyle/>
-          <a:p>
-            <a:pPr algn="l"/>
-            <a:r>
-              <a:rPr lang="en-US" sz="2000" dirty="0" smtClean="0"/>
-              <a:t>Example with </a:t>
-            </a:r>
-          </a:p>
-          <a:p>
-            <a:pPr algn="l"/>
-            <a:r>
-              <a:rPr lang="en-US" sz="2000" dirty="0" smtClean="0"/>
-              <a:t>constant flow </a:t>
-            </a:r>
-          </a:p>
-          <a:p>
-            <a:pPr algn="l"/>
-            <a:r>
-              <a:rPr lang="en-US" sz="2000" dirty="0" smtClean="0"/>
-              <a:t>and stage</a:t>
-            </a:r>
-            <a:endParaRPr lang="en-US" sz="2000" dirty="0"/>
-          </a:p>
-        </p:txBody>
-      </p:sp>
     </p:spTree>
   </p:cSld>
   <p:clrMapOvr>
@@ -8364,40 +10187,6 @@
               <a:t>Basic Input</a:t>
             </a:r>
             <a:endParaRPr lang="en-US" dirty="0"/>
-          </a:p>
-        </p:txBody>
-      </p:sp>
-      <p:sp>
-        <p:nvSpPr>
-          <p:cNvPr id="3" name="Content Placeholder 2"/>
-          <p:cNvSpPr>
-            <a:spLocks noGrp="1"/>
-          </p:cNvSpPr>
-          <p:nvPr>
-            <p:ph idx="1"/>
-          </p:nvPr>
-        </p:nvSpPr>
-        <p:spPr>
-          <a:xfrm>
-            <a:off x="685800" y="1458686"/>
-            <a:ext cx="7772400" cy="4637314"/>
-          </a:xfrm>
-        </p:spPr>
-        <p:txBody>
-          <a:bodyPr/>
-          <a:lstStyle/>
-          <a:p>
-            <a:r>
-              <a:rPr lang="en-US" dirty="0" smtClean="0"/>
-              <a:t>Boundary Conditions</a:t>
-            </a:r>
-          </a:p>
-          <a:p>
-            <a:pPr lvl="1"/>
-            <a:r>
-              <a:rPr lang="en-US" dirty="0" smtClean="0"/>
-              <a:t>Specifying flow and stage in time series </a:t>
-            </a:r>
           </a:p>
         </p:txBody>
       </p:sp>
@@ -8507,36 +10296,9 @@
           <a:p>
             <a:r>
               <a:rPr lang="en-US" dirty="0" smtClean="0"/>
-              <a:t>Basic Input</a:t>
+              <a:t>HEC-DSS file</a:t>
             </a:r>
             <a:endParaRPr lang="en-US" dirty="0"/>
-          </a:p>
-        </p:txBody>
-      </p:sp>
-      <p:sp>
-        <p:nvSpPr>
-          <p:cNvPr id="3" name="Content Placeholder 2"/>
-          <p:cNvSpPr>
-            <a:spLocks noGrp="1"/>
-          </p:cNvSpPr>
-          <p:nvPr>
-            <p:ph idx="1"/>
-          </p:nvPr>
-        </p:nvSpPr>
-        <p:spPr>
-          <a:xfrm>
-            <a:off x="685800" y="1458686"/>
-            <a:ext cx="7772400" cy="4637314"/>
-          </a:xfrm>
-        </p:spPr>
-        <p:txBody>
-          <a:bodyPr/>
-          <a:lstStyle/>
-          <a:p>
-            <a:r>
-              <a:rPr lang="en-US" dirty="0" smtClean="0"/>
-              <a:t>Downstream stage time series example</a:t>
-            </a:r>
           </a:p>
         </p:txBody>
       </p:sp>
@@ -8566,7 +10328,7 @@
       </p:sp>
       <p:pic>
         <p:nvPicPr>
-          <p:cNvPr id="4098" name="Picture 2"/>
+          <p:cNvPr id="3074" name="Picture 2"/>
           <p:cNvPicPr>
             <a:picLocks noChangeAspect="1" noChangeArrowheads="1"/>
           </p:cNvPicPr>
@@ -8581,8 +10343,8 @@
         </p:blipFill>
         <p:spPr bwMode="auto">
           <a:xfrm>
-            <a:off x="2117271" y="1943099"/>
-            <a:ext cx="5715000" cy="4762500"/>
+            <a:off x="1585232" y="1420586"/>
+            <a:ext cx="6191250" cy="4762500"/>
           </a:xfrm>
           <a:prstGeom prst="rect">
             <a:avLst/>
@@ -8646,7 +10408,7 @@
           <a:p>
             <a:r>
               <a:rPr lang="en-US" dirty="0" smtClean="0"/>
-              <a:t>Basic Input</a:t>
+              <a:t>HEC-DSS file</a:t>
             </a:r>
             <a:endParaRPr lang="en-US" dirty="0"/>
           </a:p>
@@ -8664,7 +10426,7 @@
         </p:nvSpPr>
         <p:spPr>
           <a:xfrm>
-            <a:off x="642256" y="1240972"/>
+            <a:off x="685800" y="1458686"/>
             <a:ext cx="7772400" cy="4637314"/>
           </a:xfrm>
         </p:spPr>
@@ -8674,59 +10436,8 @@
           <a:p>
             <a:r>
               <a:rPr lang="en-US" dirty="0" smtClean="0"/>
-              <a:t>Boundary Conditions for </a:t>
-            </a:r>
-            <a:r>
-              <a:rPr lang="en-US" dirty="0" err="1" smtClean="0"/>
-              <a:t>Qual</a:t>
-            </a:r>
-            <a:endParaRPr lang="en-US" dirty="0" smtClean="0"/>
-          </a:p>
-          <a:p>
-            <a:pPr lvl="1"/>
-            <a:r>
-              <a:rPr lang="en-US" dirty="0" smtClean="0"/>
-              <a:t>Concentration for every inflow</a:t>
-            </a:r>
-          </a:p>
-          <a:p>
-            <a:pPr lvl="1"/>
-            <a:r>
-              <a:rPr lang="en-US" dirty="0" smtClean="0"/>
-              <a:t>Concentration for tidal boundary</a:t>
-            </a:r>
-          </a:p>
-          <a:p>
-            <a:pPr lvl="1"/>
-            <a:r>
-              <a:rPr lang="en-US" dirty="0" smtClean="0"/>
-              <a:t>Default zero with warning</a:t>
-            </a:r>
-          </a:p>
-          <a:p>
-            <a:pPr lvl="1"/>
-            <a:r>
-              <a:rPr lang="en-US" dirty="0" smtClean="0"/>
-              <a:t>Linking </a:t>
-            </a:r>
-            <a:r>
-              <a:rPr lang="en-US" dirty="0" err="1" smtClean="0"/>
-              <a:t>qual</a:t>
-            </a:r>
-            <a:r>
-              <a:rPr lang="en-US" dirty="0" smtClean="0"/>
-              <a:t> to hydro (use same name )</a:t>
-            </a:r>
-          </a:p>
-          <a:p>
-            <a:pPr lvl="1"/>
-            <a:endParaRPr lang="en-US" dirty="0" smtClean="0"/>
-          </a:p>
-          <a:p>
-            <a:pPr lvl="1">
-              <a:buNone/>
-            </a:pPr>
-            <a:endParaRPr lang="en-US" dirty="0" smtClean="0"/>
+              <a:t>Downstream stage time series example</a:t>
+            </a:r>
           </a:p>
         </p:txBody>
       </p:sp>
@@ -8756,7 +10467,7 @@
       </p:sp>
       <p:pic>
         <p:nvPicPr>
-          <p:cNvPr id="1027" name="Picture 3"/>
+          <p:cNvPr id="4098" name="Picture 2"/>
           <p:cNvPicPr>
             <a:picLocks noChangeAspect="1" noChangeArrowheads="1"/>
           </p:cNvPicPr>
@@ -8771,161 +10482,8 @@
         </p:blipFill>
         <p:spPr bwMode="auto">
           <a:xfrm>
-            <a:off x="1040948" y="3810000"/>
-            <a:ext cx="7258050" cy="3048000"/>
-          </a:xfrm>
-          <a:prstGeom prst="rect">
-            <a:avLst/>
-          </a:prstGeom>
-          <a:noFill/>
-          <a:ln w="9525">
-            <a:noFill/>
-            <a:miter lim="800000"/>
-            <a:headEnd/>
-            <a:tailEnd/>
-          </a:ln>
-        </p:spPr>
-      </p:pic>
-      <p:sp>
-        <p:nvSpPr>
-          <p:cNvPr id="7" name="Oval 6"/>
-          <p:cNvSpPr/>
-          <p:nvPr/>
-        </p:nvSpPr>
-        <p:spPr bwMode="auto">
-          <a:xfrm>
-            <a:off x="1632857" y="5083628"/>
-            <a:ext cx="1698171" cy="402772"/>
-          </a:xfrm>
-          <a:prstGeom prst="ellipse">
-            <a:avLst/>
-          </a:prstGeom>
-          <a:noFill/>
-          <a:ln w="25400" cap="flat" cmpd="sng" algn="ctr">
-            <a:solidFill>
-              <a:srgbClr val="C00000"/>
-            </a:solidFill>
-            <a:prstDash val="solid"/>
-            <a:round/>
-            <a:headEnd type="none" w="med" len="med"/>
-            <a:tailEnd type="none" w="med" len="med"/>
-          </a:ln>
-          <a:effectLst/>
-        </p:spPr>
-        <p:txBody>
-          <a:bodyPr vert="horz" wrap="square" lIns="91440" tIns="45720" rIns="91440" bIns="45720" numCol="1" rtlCol="0" anchor="ctr" anchorCtr="0" compatLnSpc="1">
-            <a:prstTxWarp prst="textNoShape">
-              <a:avLst/>
-            </a:prstTxWarp>
-          </a:bodyPr>
-          <a:lstStyle/>
-          <a:p>
-            <a:pPr marL="0" marR="0" indent="0" algn="ctr" defTabSz="914400" rtl="0" eaLnBrk="0" fontAlgn="base" latinLnBrk="0" hangingPunct="0">
-              <a:lnSpc>
-                <a:spcPct val="100000"/>
-              </a:lnSpc>
-              <a:spcBef>
-                <a:spcPct val="0"/>
-              </a:spcBef>
-              <a:spcAft>
-                <a:spcPct val="0"/>
-              </a:spcAft>
-              <a:buClrTx/>
-              <a:buSzTx/>
-              <a:buFontTx/>
-              <a:buNone/>
-              <a:tabLst/>
-            </a:pPr>
-            <a:endParaRPr kumimoji="0" lang="en-US" sz="3600" b="1" i="0" u="none" strike="noStrike" cap="none" normalizeH="0" baseline="0" smtClean="0">
-              <a:ln>
-                <a:noFill/>
-              </a:ln>
-              <a:solidFill>
-                <a:schemeClr val="tx1"/>
-              </a:solidFill>
-              <a:effectLst/>
-              <a:latin typeface="Arial" charset="0"/>
-            </a:endParaRPr>
-          </a:p>
-        </p:txBody>
-      </p:sp>
-      <p:cxnSp>
-        <p:nvCxnSpPr>
-          <p:cNvPr id="9" name="Straight Arrow Connector 8"/>
-          <p:cNvCxnSpPr/>
-          <p:nvPr/>
-        </p:nvCxnSpPr>
-        <p:spPr bwMode="auto">
-          <a:xfrm>
-            <a:off x="6672943" y="3733800"/>
-            <a:ext cx="914400" cy="914400"/>
-          </a:xfrm>
-          <a:prstGeom prst="straightConnector1">
-            <a:avLst/>
-          </a:prstGeom>
-          <a:solidFill>
-            <a:srgbClr val="FFFF99"/>
-          </a:solidFill>
-          <a:ln w="9525" cap="flat" cmpd="sng" algn="ctr">
-            <a:noFill/>
-            <a:prstDash val="solid"/>
-            <a:round/>
-            <a:headEnd type="none" w="med" len="med"/>
-            <a:tailEnd type="arrow"/>
-          </a:ln>
-          <a:effectLst/>
-        </p:spPr>
-      </p:cxnSp>
-      <p:cxnSp>
-        <p:nvCxnSpPr>
-          <p:cNvPr id="11" name="Straight Arrow Connector 10"/>
-          <p:cNvCxnSpPr>
-            <a:endCxn id="7" idx="7"/>
-          </p:cNvCxnSpPr>
-          <p:nvPr/>
-        </p:nvCxnSpPr>
-        <p:spPr bwMode="auto">
-          <a:xfrm rot="10800000" flipV="1">
-            <a:off x="3082337" y="3777341"/>
-            <a:ext cx="3209607" cy="1365271"/>
-          </a:xfrm>
-          <a:prstGeom prst="straightConnector1">
-            <a:avLst/>
-          </a:prstGeom>
-          <a:solidFill>
-            <a:srgbClr val="FFFF99"/>
-          </a:solidFill>
-          <a:ln w="19050" cap="flat" cmpd="sng" algn="ctr">
-            <a:solidFill>
-              <a:srgbClr val="C00000"/>
-            </a:solidFill>
-            <a:prstDash val="solid"/>
-            <a:round/>
-            <a:headEnd type="none" w="med" len="med"/>
-            <a:tailEnd type="arrow"/>
-          </a:ln>
-          <a:effectLst/>
-        </p:spPr>
-      </p:cxnSp>
-      <p:pic>
-        <p:nvPicPr>
-          <p:cNvPr id="1026" name="Picture 2" descr="j0434750[1]"/>
-          <p:cNvPicPr>
-            <a:picLocks noChangeAspect="1" noChangeArrowheads="1"/>
-          </p:cNvPicPr>
-          <p:nvPr/>
-        </p:nvPicPr>
-        <p:blipFill>
-          <a:blip r:embed="rId4" cstate="print"/>
-          <a:srcRect/>
-          <a:stretch>
-            <a:fillRect/>
-          </a:stretch>
-        </p:blipFill>
-        <p:spPr bwMode="auto">
-          <a:xfrm>
-            <a:off x="7772400" y="3537857"/>
-            <a:ext cx="276225" cy="276225"/>
+            <a:off x="2117271" y="1943099"/>
+            <a:ext cx="5715000" cy="4762500"/>
           </a:xfrm>
           <a:prstGeom prst="rect">
             <a:avLst/>

--- a/dsm2/presentations/p4_simulation_data.pptx
+++ b/dsm2/presentations/p4_simulation_data.pptx
@@ -2315,7 +2315,7 @@
   <p:clrMapOvr>
     <a:masterClrMapping/>
   </p:clrMapOvr>
-  <p:transition/>
+  <p:transition advClick="0" advTm="0"/>
 </p:sldLayout>
 </file>
 
@@ -2444,7 +2444,7 @@
   <p:clrMapOvr>
     <a:masterClrMapping/>
   </p:clrMapOvr>
-  <p:transition/>
+  <p:transition advClick="0" advTm="0"/>
 </p:sldLayout>
 </file>
 
@@ -2583,7 +2583,7 @@
   <p:clrMapOvr>
     <a:masterClrMapping/>
   </p:clrMapOvr>
-  <p:transition/>
+  <p:transition advClick="0" advTm="0"/>
 </p:sldLayout>
 </file>
 
@@ -2712,7 +2712,7 @@
   <p:clrMapOvr>
     <a:masterClrMapping/>
   </p:clrMapOvr>
-  <p:transition/>
+  <p:transition advClick="0" advTm="0"/>
 </p:sldLayout>
 </file>
 
@@ -2863,7 +2863,7 @@
   <p:clrMapOvr>
     <a:masterClrMapping/>
   </p:clrMapOvr>
-  <p:transition/>
+  <p:transition advClick="0" advTm="0"/>
 </p:sldLayout>
 </file>
 
@@ -3110,7 +3110,7 @@
   <p:clrMapOvr>
     <a:masterClrMapping/>
   </p:clrMapOvr>
-  <p:transition/>
+  <p:transition advClick="0" advTm="0"/>
 </p:sldLayout>
 </file>
 
@@ -3496,7 +3496,7 @@
   <p:clrMapOvr>
     <a:masterClrMapping/>
   </p:clrMapOvr>
-  <p:transition/>
+  <p:transition advClick="0" advTm="0"/>
 </p:sldLayout>
 </file>
 
@@ -3573,7 +3573,7 @@
   <p:clrMapOvr>
     <a:masterClrMapping/>
   </p:clrMapOvr>
-  <p:transition/>
+  <p:transition advClick="0" advTm="0"/>
 </p:sldLayout>
 </file>
 
@@ -3627,7 +3627,7 @@
   <p:clrMapOvr>
     <a:masterClrMapping/>
   </p:clrMapOvr>
-  <p:transition/>
+  <p:transition advClick="0" advTm="0"/>
 </p:sldLayout>
 </file>
 
@@ -3863,7 +3863,7 @@
   <p:clrMapOvr>
     <a:masterClrMapping/>
   </p:clrMapOvr>
-  <p:transition/>
+  <p:transition advClick="0" advTm="0"/>
 </p:sldLayout>
 </file>
 
@@ -4075,7 +4075,7 @@
   <p:clrMapOvr>
     <a:masterClrMapping/>
   </p:clrMapOvr>
-  <p:transition/>
+  <p:transition advClick="0" advTm="0"/>
 </p:sldLayout>
 </file>
 
@@ -4294,7 +4294,7 @@
     <p:sldLayoutId id="2147483658" r:id="rId10"/>
     <p:sldLayoutId id="2147483659" r:id="rId11"/>
   </p:sldLayoutIdLst>
-  <p:transition/>
+  <p:transition advClick="0" advTm="0"/>
   <p:hf sldNum="0" hdr="0" ftr="0"/>
   <p:txStyles>
     <p:titleStyle>
@@ -4765,7 +4765,15 @@
                   <a:srgbClr val="6666FF"/>
                 </a:solidFill>
               </a:rPr>
-              <a:t>Lianwu Liu Ph.D. P.E.</a:t>
+              <a:t>Lianwu Liu </a:t>
+            </a:r>
+            <a:r>
+              <a:rPr lang="en-US" dirty="0" smtClean="0">
+                <a:solidFill>
+                  <a:srgbClr val="6666FF"/>
+                </a:solidFill>
+              </a:rPr>
+              <a:t>PhD PE</a:t>
             </a:r>
             <a:endParaRPr lang="en-US" sz="2400" dirty="0">
               <a:solidFill>
@@ -4844,7 +4852,7 @@
   <p:clrMapOvr>
     <a:masterClrMapping/>
   </p:clrMapOvr>
-  <p:transition/>
+  <p:transition advClick="0" advTm="0"/>
   <p:timing>
     <p:tnLst>
       <p:par>
@@ -5187,7 +5195,7 @@
   <p:clrMapOvr>
     <a:masterClrMapping/>
   </p:clrMapOvr>
-  <p:transition/>
+  <p:transition advClick="0" advTm="0"/>
   <p:timing>
     <p:tnLst>
       <p:par>
@@ -5303,7 +5311,7 @@
   <p:clrMapOvr>
     <a:masterClrMapping/>
   </p:clrMapOvr>
-  <p:transition/>
+  <p:transition advClick="0" advTm="0"/>
   <p:timing>
     <p:tnLst>
       <p:par>
@@ -5396,13 +5404,8 @@
           <a:p>
             <a:r>
               <a:rPr lang="en-US" dirty="0" smtClean="0"/>
-              <a:t>Restart file has </a:t>
-            </a:r>
-            <a:r>
-              <a:rPr lang="en-US" dirty="0" smtClean="0"/>
-              <a:t>priority</a:t>
-            </a:r>
-            <a:endParaRPr lang="en-US" dirty="0" smtClean="0"/>
+              <a:t>Restart file has priority</a:t>
+            </a:r>
           </a:p>
         </p:txBody>
       </p:sp>
@@ -5467,7 +5470,7 @@
   <p:clrMapOvr>
     <a:masterClrMapping/>
   </p:clrMapOvr>
-  <p:transition/>
+  <p:transition advClick="0" advTm="0"/>
   <p:timing>
     <p:tnLst>
       <p:par>
@@ -5755,7 +5758,7 @@
   <p:clrMapOvr>
     <a:masterClrMapping/>
   </p:clrMapOvr>
-  <p:transition/>
+  <p:transition advClick="0" advTm="0"/>
   <p:timing>
     <p:tnLst>
       <p:par>
@@ -5828,43 +5831,20 @@
           <a:p>
             <a:r>
               <a:rPr lang="en-US" dirty="0" smtClean="0"/>
-              <a:t>GRID </a:t>
-            </a:r>
+              <a:t>GRID data for QUAL (from HYDRO)</a:t>
+            </a:r>
+          </a:p>
+          <a:p>
             <a:r>
               <a:rPr lang="en-US" dirty="0" smtClean="0"/>
-              <a:t>data </a:t>
-            </a:r>
+              <a:t>Flow field</a:t>
+            </a:r>
+          </a:p>
+          <a:p>
             <a:r>
               <a:rPr lang="en-US" dirty="0" smtClean="0"/>
-              <a:t>for QUAL </a:t>
-            </a:r>
-            <a:r>
-              <a:rPr lang="en-US" dirty="0" smtClean="0"/>
-              <a:t>(from HYDRO)</a:t>
-            </a:r>
-            <a:endParaRPr lang="en-US" dirty="0" smtClean="0"/>
-          </a:p>
-          <a:p>
-            <a:r>
-              <a:rPr lang="en-US" dirty="0" smtClean="0"/>
-              <a:t>Flow </a:t>
-            </a:r>
-            <a:r>
-              <a:rPr lang="en-US" dirty="0" smtClean="0"/>
-              <a:t>field</a:t>
-            </a:r>
-            <a:endParaRPr lang="en-US" dirty="0" smtClean="0"/>
-          </a:p>
-          <a:p>
-            <a:r>
-              <a:rPr lang="en-US" dirty="0" smtClean="0"/>
-              <a:t>Has own time step, spatial </a:t>
-            </a:r>
-            <a:r>
-              <a:rPr lang="en-US" dirty="0" smtClean="0"/>
-              <a:t>step (often 1hr)</a:t>
-            </a:r>
-            <a:endParaRPr lang="en-US" dirty="0" smtClean="0"/>
+              <a:t>Has own time step, spatial step (often 1hr)</a:t>
+            </a:r>
           </a:p>
           <a:p>
             <a:r>
@@ -5935,7 +5915,7 @@
   <p:clrMapOvr>
     <a:masterClrMapping/>
   </p:clrMapOvr>
-  <p:transition/>
+  <p:transition advClick="0" advTm="0"/>
   <p:timing>
     <p:tnLst>
       <p:par>
@@ -6364,7 +6344,7 @@
   <p:clrMapOvr>
     <a:masterClrMapping/>
   </p:clrMapOvr>
-  <p:transition/>
+  <p:transition advClick="0" advTm="0"/>
   <p:timing>
     <p:tnLst>
       <p:par>
@@ -6444,19 +6424,7 @@
             <a:pPr lvl="1"/>
             <a:r>
               <a:rPr lang="en-US" dirty="0" smtClean="0"/>
-              <a:t>flow</a:t>
-            </a:r>
-            <a:r>
-              <a:rPr lang="en-US" dirty="0" smtClean="0"/>
-              <a:t>, </a:t>
-            </a:r>
-            <a:r>
-              <a:rPr lang="en-US" dirty="0" smtClean="0"/>
-              <a:t>stage</a:t>
-            </a:r>
-            <a:r>
-              <a:rPr lang="en-US" dirty="0" smtClean="0"/>
-              <a:t>, </a:t>
+              <a:t>flow, stage, </a:t>
             </a:r>
             <a:r>
               <a:rPr lang="en-US" dirty="0" err="1" smtClean="0"/>
@@ -6472,11 +6440,7 @@
             </a:r>
             <a:r>
               <a:rPr lang="en-US" dirty="0" smtClean="0"/>
-              <a:t>, do</a:t>
-            </a:r>
-            <a:r>
-              <a:rPr lang="en-US" dirty="0" smtClean="0"/>
-              <a:t>…)</a:t>
+              <a:t>, do…)</a:t>
             </a:r>
           </a:p>
           <a:p>
@@ -6485,16 +6449,11 @@
               <a:rPr lang="en-US" dirty="0" smtClean="0"/>
               <a:t>Check out the documentation!</a:t>
             </a:r>
-            <a:endParaRPr lang="en-US" dirty="0" smtClean="0"/>
           </a:p>
           <a:p>
             <a:r>
               <a:rPr lang="en-US" dirty="0" smtClean="0"/>
-              <a:t>Formats: </a:t>
-            </a:r>
-            <a:r>
-              <a:rPr lang="en-US" dirty="0" smtClean="0"/>
-              <a:t>text and DSS</a:t>
+              <a:t>Formats: text and DSS</a:t>
             </a:r>
           </a:p>
           <a:p>
@@ -6502,7 +6461,6 @@
               <a:rPr lang="en-US" dirty="0" smtClean="0"/>
               <a:t>Tables</a:t>
             </a:r>
-            <a:endParaRPr lang="en-US" dirty="0" smtClean="0"/>
           </a:p>
           <a:p>
             <a:pPr lvl="1"/>
@@ -6675,7 +6633,7 @@
   <p:clrMapOvr>
     <a:masterClrMapping/>
   </p:clrMapOvr>
-  <p:transition/>
+  <p:transition advClick="0" advTm="0"/>
   <p:timing>
     <p:tnLst>
       <p:par>
@@ -6871,7 +6829,7 @@
   <p:clrMapOvr>
     <a:masterClrMapping/>
   </p:clrMapOvr>
-  <p:transition/>
+  <p:transition advClick="0" advTm="0"/>
   <p:timing>
     <p:tnLst>
       <p:par>
@@ -6983,7 +6941,7 @@
   <p:clrMapOvr>
     <a:masterClrMapping/>
   </p:clrMapOvr>
-  <p:transition/>
+  <p:transition advClick="0" advTm="0"/>
   <p:timing>
     <p:tnLst>
       <p:par>
@@ -7097,7 +7055,7 @@
   <p:clrMapOvr>
     <a:masterClrMapping/>
   </p:clrMapOvr>
-  <p:transition/>
+  <p:transition advClick="0" advTm="0"/>
   <p:timing>
     <p:tnLst>
       <p:par>
@@ -7176,25 +7134,13 @@
           <a:p>
             <a:r>
               <a:rPr lang="en-US" dirty="0" smtClean="0"/>
-              <a:t>Other Time </a:t>
-            </a:r>
+              <a:t>Other Time Series (gates, sources)</a:t>
+            </a:r>
+          </a:p>
+          <a:p>
             <a:r>
               <a:rPr lang="en-US" dirty="0" smtClean="0"/>
-              <a:t>Series (</a:t>
-            </a:r>
-            <a:r>
-              <a:rPr lang="en-US" dirty="0" smtClean="0"/>
-              <a:t>gates, sources)</a:t>
-            </a:r>
-          </a:p>
-          <a:p>
-            <a:r>
-              <a:rPr lang="en-US" dirty="0" smtClean="0"/>
-              <a:t>Initial </a:t>
-            </a:r>
-            <a:r>
-              <a:rPr lang="en-US" dirty="0" smtClean="0"/>
-              <a:t>Conditions (default, restart)</a:t>
+              <a:t>Initial Conditions (default, restart)</a:t>
             </a:r>
           </a:p>
           <a:p>
@@ -7207,11 +7153,7 @@
           <a:p>
             <a:r>
               <a:rPr lang="en-US" dirty="0" smtClean="0"/>
-              <a:t>Time </a:t>
-            </a:r>
-            <a:r>
-              <a:rPr lang="en-US" dirty="0" smtClean="0"/>
-              <a:t>Series Output</a:t>
+              <a:t>Time Series Output</a:t>
             </a:r>
           </a:p>
           <a:p>
@@ -7274,7 +7216,7 @@
   <p:clrMapOvr>
     <a:masterClrMapping/>
   </p:clrMapOvr>
-  <p:transition/>
+  <p:transition advClick="0" advTm="0"/>
   <p:timing>
     <p:tnLst>
       <p:par>
@@ -7491,7 +7433,7 @@
   <p:clrMapOvr>
     <a:masterClrMapping/>
   </p:clrMapOvr>
-  <p:transition/>
+  <p:transition advClick="0" advTm="0"/>
   <p:timing>
     <p:tnLst>
       <p:par>
@@ -7536,15 +7478,7 @@
           <a:p>
             <a:r>
               <a:rPr lang="en-US" dirty="0" smtClean="0"/>
-              <a:t>Tutorial 4: </a:t>
-            </a:r>
-            <a:r>
-              <a:rPr lang="en-US" dirty="0" smtClean="0"/>
-              <a:t>Time </a:t>
-            </a:r>
-            <a:r>
-              <a:rPr lang="en-US" dirty="0" smtClean="0"/>
-              <a:t>Series</a:t>
+              <a:t>Tutorial 4: Time Series</a:t>
             </a:r>
             <a:endParaRPr lang="en-US" dirty="0"/>
           </a:p>
@@ -7572,15 +7506,7 @@
           <a:p>
             <a:r>
               <a:rPr lang="en-US" dirty="0" smtClean="0"/>
-              <a:t>Replaces </a:t>
-            </a:r>
-            <a:r>
-              <a:rPr lang="en-US" dirty="0" smtClean="0"/>
-              <a:t>constant </a:t>
-            </a:r>
-            <a:r>
-              <a:rPr lang="en-US" dirty="0" smtClean="0"/>
-              <a:t>inputs with time series data, e.g. a realistic tide.</a:t>
+              <a:t>Replaces constant inputs with time series data, e.g. a realistic tide.</a:t>
             </a:r>
             <a:endParaRPr lang="en-US" dirty="0"/>
           </a:p>
@@ -7641,7 +7567,7 @@
   <p:clrMapOvr>
     <a:masterClrMapping/>
   </p:clrMapOvr>
-  <p:transition/>
+  <p:transition advClick="0" advTm="0"/>
   <p:timing>
     <p:tnLst>
       <p:par>
@@ -7732,11 +7658,7 @@
           <a:p>
             <a:r>
               <a:rPr lang="en-US" dirty="0" smtClean="0"/>
-              <a:t>Initial </a:t>
-            </a:r>
-            <a:r>
-              <a:rPr lang="en-US" dirty="0" smtClean="0"/>
-              <a:t>Conditions</a:t>
+              <a:t>Initial Conditions</a:t>
             </a:r>
           </a:p>
           <a:p>
@@ -7744,7 +7666,6 @@
               <a:rPr lang="en-US" dirty="0" smtClean="0"/>
               <a:t>Output specifications</a:t>
             </a:r>
-            <a:endParaRPr lang="en-US" dirty="0" smtClean="0"/>
           </a:p>
           <a:p>
             <a:r>
@@ -7856,7 +7777,7 @@
   <p:clrMapOvr>
     <a:masterClrMapping/>
   </p:clrMapOvr>
-  <p:transition/>
+  <p:transition advClick="0" advTm="0"/>
   <p:timing>
     <p:tnLst>
       <p:par>
@@ -7929,34 +7850,21 @@
           <a:p>
             <a:r>
               <a:rPr lang="en-US" dirty="0" smtClean="0"/>
-              <a:t>Boundary </a:t>
-            </a:r>
+              <a:t>Boundary Conditions for Hydro</a:t>
+            </a:r>
+          </a:p>
+          <a:p>
+            <a:pPr lvl="1"/>
             <a:r>
               <a:rPr lang="en-US" dirty="0" smtClean="0"/>
-              <a:t>Conditions for Hydro</a:t>
-            </a:r>
-            <a:endParaRPr lang="en-US" dirty="0" smtClean="0"/>
-          </a:p>
-          <a:p>
-            <a:pPr lvl="1"/>
+              <a:t>is stage or flow (including source/sink)</a:t>
+            </a:r>
+          </a:p>
+          <a:p>
+            <a:pPr lvl="2"/>
             <a:r>
               <a:rPr lang="en-US" dirty="0" smtClean="0"/>
-              <a:t>is </a:t>
-            </a:r>
-            <a:r>
-              <a:rPr lang="en-US" dirty="0" smtClean="0"/>
-              <a:t>stage or flow (including source/sink)</a:t>
-            </a:r>
-          </a:p>
-          <a:p>
-            <a:pPr lvl="2"/>
-            <a:r>
-              <a:rPr lang="en-US" dirty="0" smtClean="0"/>
-              <a:t>Default is </a:t>
-            </a:r>
-            <a:r>
-              <a:rPr lang="en-US" dirty="0" smtClean="0"/>
-              <a:t>no-flow</a:t>
+              <a:t>Default is no-flow</a:t>
             </a:r>
           </a:p>
           <a:p>
@@ -7977,13 +7885,8 @@
             <a:pPr lvl="3"/>
             <a:r>
               <a:rPr lang="en-US" dirty="0" smtClean="0"/>
-              <a:t>Format: </a:t>
-            </a:r>
-            <a:r>
-              <a:rPr lang="en-US" dirty="0" smtClean="0"/>
-              <a:t>DSS or DSS-like text</a:t>
-            </a:r>
-            <a:endParaRPr lang="en-US" dirty="0" smtClean="0"/>
+              <a:t>Format: DSS or DSS-like text</a:t>
+            </a:r>
           </a:p>
         </p:txBody>
       </p:sp>
@@ -8016,7 +7919,7 @@
   <p:clrMapOvr>
     <a:masterClrMapping/>
   </p:clrMapOvr>
-  <p:transition/>
+  <p:transition advClick="0" advTm="0"/>
   <p:timing>
     <p:tnLst>
       <p:par>
@@ -9744,7 +9647,7 @@
   <p:clrMapOvr>
     <a:masterClrMapping/>
   </p:clrMapOvr>
-  <p:transition/>
+  <p:transition advClick="0" advTm="0"/>
   <p:timing>
     <p:tnLst>
       <p:par>
@@ -10134,18 +10037,304 @@
           </a:ln>
         </p:spPr>
       </p:pic>
+      <p:sp>
+        <p:nvSpPr>
+          <p:cNvPr id="7" name="AutoShape 38"/>
+          <p:cNvSpPr>
+            <a:spLocks noChangeAspect="1" noChangeArrowheads="1"/>
+          </p:cNvSpPr>
+          <p:nvPr/>
+        </p:nvSpPr>
+        <p:spPr bwMode="auto">
+          <a:xfrm rot="10800000">
+            <a:off x="7742237" y="2255156"/>
+            <a:ext cx="381000" cy="377825"/>
+          </a:xfrm>
+          <a:prstGeom prst="rightArrow">
+            <a:avLst>
+              <a:gd name="adj1" fmla="val 50000"/>
+              <a:gd name="adj2" fmla="val 25210"/>
+            </a:avLst>
+          </a:prstGeom>
+          <a:solidFill>
+            <a:schemeClr val="accent6"/>
+          </a:solidFill>
+          <a:ln w="9525">
+            <a:solidFill>
+              <a:srgbClr val="000099"/>
+            </a:solidFill>
+            <a:miter lim="800000"/>
+            <a:headEnd/>
+            <a:tailEnd/>
+          </a:ln>
+          <a:effectLst/>
+        </p:spPr>
+        <p:txBody>
+          <a:bodyPr wrap="none" anchor="ctr"/>
+          <a:lstStyle/>
+          <a:p>
+            <a:endParaRPr lang="en-US"/>
+          </a:p>
+        </p:txBody>
+      </p:sp>
+      <p:sp>
+        <p:nvSpPr>
+          <p:cNvPr id="10" name="Freeform 36"/>
+          <p:cNvSpPr>
+            <a:spLocks/>
+          </p:cNvSpPr>
+          <p:nvPr/>
+        </p:nvSpPr>
+        <p:spPr bwMode="auto">
+          <a:xfrm>
+            <a:off x="1500230" y="2368050"/>
+            <a:ext cx="381179" cy="683719"/>
+          </a:xfrm>
+          <a:custGeom>
+            <a:avLst/>
+            <a:gdLst/>
+            <a:ahLst/>
+            <a:cxnLst>
+              <a:cxn ang="0">
+                <a:pos x="0" y="296"/>
+              </a:cxn>
+              <a:cxn ang="0">
+                <a:pos x="96" y="56"/>
+              </a:cxn>
+              <a:cxn ang="0">
+                <a:pos x="240" y="632"/>
+              </a:cxn>
+              <a:cxn ang="0">
+                <a:pos x="288" y="152"/>
+              </a:cxn>
+              <a:cxn ang="0">
+                <a:pos x="384" y="488"/>
+              </a:cxn>
+              <a:cxn ang="0">
+                <a:pos x="432" y="200"/>
+              </a:cxn>
+            </a:cxnLst>
+            <a:rect l="0" t="0" r="r" b="b"/>
+            <a:pathLst>
+              <a:path w="432" h="648">
+                <a:moveTo>
+                  <a:pt x="0" y="296"/>
+                </a:moveTo>
+                <a:cubicBezTo>
+                  <a:pt x="28" y="148"/>
+                  <a:pt x="56" y="0"/>
+                  <a:pt x="96" y="56"/>
+                </a:cubicBezTo>
+                <a:cubicBezTo>
+                  <a:pt x="136" y="112"/>
+                  <a:pt x="208" y="616"/>
+                  <a:pt x="240" y="632"/>
+                </a:cubicBezTo>
+                <a:cubicBezTo>
+                  <a:pt x="272" y="648"/>
+                  <a:pt x="264" y="176"/>
+                  <a:pt x="288" y="152"/>
+                </a:cubicBezTo>
+                <a:cubicBezTo>
+                  <a:pt x="312" y="128"/>
+                  <a:pt x="360" y="480"/>
+                  <a:pt x="384" y="488"/>
+                </a:cubicBezTo>
+                <a:cubicBezTo>
+                  <a:pt x="408" y="496"/>
+                  <a:pt x="424" y="248"/>
+                  <a:pt x="432" y="200"/>
+                </a:cubicBezTo>
+              </a:path>
+            </a:pathLst>
+          </a:custGeom>
+          <a:noFill/>
+          <a:ln w="38100" cmpd="sng">
+            <a:solidFill>
+              <a:schemeClr val="accent6"/>
+            </a:solidFill>
+            <a:round/>
+            <a:headEnd/>
+            <a:tailEnd/>
+          </a:ln>
+          <a:effectLst/>
+        </p:spPr>
+        <p:txBody>
+          <a:bodyPr/>
+          <a:lstStyle/>
+          <a:p>
+            <a:endParaRPr lang="en-US"/>
+          </a:p>
+        </p:txBody>
+      </p:sp>
     </p:spTree>
   </p:cSld>
   <p:clrMapOvr>
     <a:masterClrMapping/>
   </p:clrMapOvr>
-  <p:transition/>
+  <p:transition advClick="0" advTm="0"/>
   <p:timing>
     <p:tnLst>
       <p:par>
-        <p:cTn id="1" dur="indefinite" restart="never" nodeType="tmRoot"/>
+        <p:cTn id="1" dur="indefinite" restart="never" nodeType="tmRoot">
+          <p:childTnLst>
+            <p:seq concurrent="1" nextAc="seek">
+              <p:cTn id="2" dur="indefinite" nodeType="mainSeq">
+                <p:childTnLst>
+                  <p:par>
+                    <p:cTn id="3" fill="hold">
+                      <p:stCondLst>
+                        <p:cond delay="indefinite"/>
+                        <p:cond evt="onBegin" delay="0">
+                          <p:tn val="2"/>
+                        </p:cond>
+                      </p:stCondLst>
+                      <p:childTnLst>
+                        <p:par>
+                          <p:cTn id="4" fill="hold">
+                            <p:stCondLst>
+                              <p:cond delay="0"/>
+                            </p:stCondLst>
+                            <p:childTnLst>
+                              <p:par>
+                                <p:cTn id="5" presetID="2" presetClass="entr" presetSubtype="2" fill="hold" grpId="0" nodeType="afterEffect">
+                                  <p:stCondLst>
+                                    <p:cond delay="0"/>
+                                  </p:stCondLst>
+                                  <p:childTnLst>
+                                    <p:set>
+                                      <p:cBhvr>
+                                        <p:cTn id="6" dur="1" fill="hold">
+                                          <p:stCondLst>
+                                            <p:cond delay="0"/>
+                                          </p:stCondLst>
+                                        </p:cTn>
+                                        <p:tgtEl>
+                                          <p:spTgt spid="7"/>
+                                        </p:tgtEl>
+                                        <p:attrNameLst>
+                                          <p:attrName>style.visibility</p:attrName>
+                                        </p:attrNameLst>
+                                      </p:cBhvr>
+                                      <p:to>
+                                        <p:strVal val="visible"/>
+                                      </p:to>
+                                    </p:set>
+                                    <p:anim calcmode="lin" valueType="num">
+                                      <p:cBhvr additive="base">
+                                        <p:cTn id="7" dur="500" fill="hold"/>
+                                        <p:tgtEl>
+                                          <p:spTgt spid="7"/>
+                                        </p:tgtEl>
+                                        <p:attrNameLst>
+                                          <p:attrName>ppt_x</p:attrName>
+                                        </p:attrNameLst>
+                                      </p:cBhvr>
+                                      <p:tavLst>
+                                        <p:tav tm="0">
+                                          <p:val>
+                                            <p:strVal val="1+#ppt_w/2"/>
+                                          </p:val>
+                                        </p:tav>
+                                        <p:tav tm="100000">
+                                          <p:val>
+                                            <p:strVal val="#ppt_x"/>
+                                          </p:val>
+                                        </p:tav>
+                                      </p:tavLst>
+                                    </p:anim>
+                                    <p:anim calcmode="lin" valueType="num">
+                                      <p:cBhvr additive="base">
+                                        <p:cTn id="8" dur="500" fill="hold"/>
+                                        <p:tgtEl>
+                                          <p:spTgt spid="7"/>
+                                        </p:tgtEl>
+                                        <p:attrNameLst>
+                                          <p:attrName>ppt_y</p:attrName>
+                                        </p:attrNameLst>
+                                      </p:cBhvr>
+                                      <p:tavLst>
+                                        <p:tav tm="0">
+                                          <p:val>
+                                            <p:strVal val="#ppt_y"/>
+                                          </p:val>
+                                        </p:tav>
+                                        <p:tav tm="100000">
+                                          <p:val>
+                                            <p:strVal val="#ppt_y"/>
+                                          </p:val>
+                                        </p:tav>
+                                      </p:tavLst>
+                                    </p:anim>
+                                  </p:childTnLst>
+                                </p:cTn>
+                              </p:par>
+                              <p:par>
+                                <p:cTn id="9" presetID="22" presetClass="entr" presetSubtype="4" fill="hold" grpId="0" nodeType="withEffect">
+                                  <p:stCondLst>
+                                    <p:cond delay="0"/>
+                                  </p:stCondLst>
+                                  <p:childTnLst>
+                                    <p:set>
+                                      <p:cBhvr>
+                                        <p:cTn id="10" dur="1" fill="hold">
+                                          <p:stCondLst>
+                                            <p:cond delay="0"/>
+                                          </p:stCondLst>
+                                        </p:cTn>
+                                        <p:tgtEl>
+                                          <p:spTgt spid="10"/>
+                                        </p:tgtEl>
+                                        <p:attrNameLst>
+                                          <p:attrName>style.visibility</p:attrName>
+                                        </p:attrNameLst>
+                                      </p:cBhvr>
+                                      <p:to>
+                                        <p:strVal val="visible"/>
+                                      </p:to>
+                                    </p:set>
+                                    <p:animEffect transition="in" filter="wipe(down)">
+                                      <p:cBhvr>
+                                        <p:cTn id="11" dur="500"/>
+                                        <p:tgtEl>
+                                          <p:spTgt spid="10"/>
+                                        </p:tgtEl>
+                                      </p:cBhvr>
+                                    </p:animEffect>
+                                  </p:childTnLst>
+                                </p:cTn>
+                              </p:par>
+                            </p:childTnLst>
+                          </p:cTn>
+                        </p:par>
+                      </p:childTnLst>
+                    </p:cTn>
+                  </p:par>
+                </p:childTnLst>
+              </p:cTn>
+              <p:prevCondLst>
+                <p:cond evt="onPrev" delay="0">
+                  <p:tgtEl>
+                    <p:sldTgt/>
+                  </p:tgtEl>
+                </p:cond>
+              </p:prevCondLst>
+              <p:nextCondLst>
+                <p:cond evt="onNext" delay="0">
+                  <p:tgtEl>
+                    <p:sldTgt/>
+                  </p:tgtEl>
+                </p:cond>
+              </p:nextCondLst>
+            </p:seq>
+          </p:childTnLst>
+        </p:cTn>
       </p:par>
     </p:tnLst>
+    <p:bldLst>
+      <p:bldP spid="7" grpId="0" animBg="1"/>
+      <p:bldP spid="10" grpId="0" animBg="1"/>
+    </p:bldLst>
   </p:timing>
 </p:sld>
 </file>
@@ -10184,7 +10373,15 @@
           <a:p>
             <a:r>
               <a:rPr lang="en-US" dirty="0" smtClean="0"/>
-              <a:t>Basic Input</a:t>
+              <a:t>Time Series</a:t>
+            </a:r>
+            <a:r>
+              <a:rPr lang="en-US" dirty="0" smtClean="0"/>
+              <a:t> </a:t>
+            </a:r>
+            <a:r>
+              <a:rPr lang="en-US" dirty="0" smtClean="0"/>
+              <a:t>Input</a:t>
             </a:r>
             <a:endParaRPr lang="en-US" dirty="0"/>
           </a:p>
@@ -10216,7 +10413,7 @@
       </p:sp>
       <p:pic>
         <p:nvPicPr>
-          <p:cNvPr id="3074" name="Picture 2"/>
+          <p:cNvPr id="1026" name="Picture 2"/>
           <p:cNvPicPr>
             <a:picLocks noChangeAspect="1" noChangeArrowheads="1"/>
           </p:cNvPicPr>
@@ -10231,8 +10428,8 @@
         </p:blipFill>
         <p:spPr bwMode="auto">
           <a:xfrm>
-            <a:off x="942975" y="2484664"/>
-            <a:ext cx="7258050" cy="4133850"/>
+            <a:off x="636134" y="1246414"/>
+            <a:ext cx="8067675" cy="4762500"/>
           </a:xfrm>
           <a:prstGeom prst="rect">
             <a:avLst/>
@@ -10251,7 +10448,7 @@
   <p:clrMapOvr>
     <a:masterClrMapping/>
   </p:clrMapOvr>
-  <p:transition/>
+  <p:transition advClick="0" advTm="0"/>
   <p:timing>
     <p:tnLst>
       <p:par>
@@ -10363,7 +10560,7 @@
   <p:clrMapOvr>
     <a:masterClrMapping/>
   </p:clrMapOvr>
-  <p:transition/>
+  <p:transition advClick="0" advTm="0"/>
   <p:timing>
     <p:tnLst>
       <p:par>
@@ -10502,7 +10699,7 @@
   <p:clrMapOvr>
     <a:masterClrMapping/>
   </p:clrMapOvr>
-  <p:transition/>
+  <p:transition advClick="0" advTm="0"/>
   <p:timing>
     <p:tnLst>
       <p:par>

--- a/dsm2/presentations/p4_simulation_data.pptx
+++ b/dsm2/presentations/p4_simulation_data.pptx
@@ -13,25 +13,25 @@
   <p:sldIdLst>
     <p:sldId id="429" r:id="rId2"/>
     <p:sldId id="430" r:id="rId3"/>
-    <p:sldId id="460" r:id="rId4"/>
+    <p:sldId id="480" r:id="rId4"/>
     <p:sldId id="469" r:id="rId5"/>
-    <p:sldId id="480" r:id="rId6"/>
-    <p:sldId id="481" r:id="rId7"/>
-    <p:sldId id="470" r:id="rId8"/>
-    <p:sldId id="471" r:id="rId9"/>
-    <p:sldId id="479" r:id="rId10"/>
-    <p:sldId id="465" r:id="rId11"/>
-    <p:sldId id="473" r:id="rId12"/>
+    <p:sldId id="481" r:id="rId6"/>
+    <p:sldId id="470" r:id="rId7"/>
+    <p:sldId id="471" r:id="rId8"/>
+    <p:sldId id="479" r:id="rId9"/>
+    <p:sldId id="465" r:id="rId10"/>
+    <p:sldId id="473" r:id="rId11"/>
+    <p:sldId id="485" r:id="rId12"/>
     <p:sldId id="454" r:id="rId13"/>
     <p:sldId id="472" r:id="rId14"/>
     <p:sldId id="456" r:id="rId15"/>
     <p:sldId id="455" r:id="rId16"/>
     <p:sldId id="458" r:id="rId17"/>
-    <p:sldId id="477" r:id="rId18"/>
-    <p:sldId id="474" r:id="rId19"/>
-    <p:sldId id="476" r:id="rId20"/>
-    <p:sldId id="457" r:id="rId21"/>
-    <p:sldId id="450" r:id="rId22"/>
+    <p:sldId id="474" r:id="rId18"/>
+    <p:sldId id="476" r:id="rId19"/>
+    <p:sldId id="450" r:id="rId20"/>
+    <p:sldId id="484" r:id="rId21"/>
+    <p:sldId id="483" r:id="rId22"/>
   </p:sldIdLst>
   <p:sldSz cx="9144000" cy="6858000" type="screen4x3"/>
   <p:notesSz cx="7010400" cy="9296400"/>
@@ -958,7 +958,18 @@
             </a:r>
             <a:r>
               <a:rPr lang="en-US" baseline="0" dirty="0" smtClean="0"/>
-              <a:t> and Output we mean boundary and initial conditions and some of the runtime I/O files.</a:t>
+              <a:t> and Output we mean boundary and initial conditions and some of the runtime I/O files</a:t>
+            </a:r>
+            <a:r>
+              <a:rPr lang="en-US" baseline="0" dirty="0" smtClean="0"/>
+              <a:t>.</a:t>
+            </a:r>
+          </a:p>
+          <a:p>
+            <a:pPr marL="228600" indent="-228600"/>
+            <a:r>
+              <a:rPr lang="en-US" baseline="0" dirty="0" smtClean="0"/>
+              <a:t>You have already seen this a little bit getting the simple model running.</a:t>
             </a:r>
             <a:endParaRPr lang="en-US" dirty="0"/>
           </a:p>
@@ -1018,14 +1029,134 @@
           </a:bodyPr>
           <a:lstStyle/>
           <a:p>
-            <a:r>
-              <a:rPr lang="en-US" dirty="0" smtClean="0"/>
-              <a:t>Only inflow matter for QUAL (if</a:t>
-            </a:r>
-            <a:r>
-              <a:rPr lang="en-US" baseline="0" dirty="0" smtClean="0"/>
-              <a:t> tidal like Martinez, assigned time series may be ignored part of the time)</a:t>
-            </a:r>
+            <a:endParaRPr lang="en-US" dirty="0"/>
+          </a:p>
+        </p:txBody>
+      </p:sp>
+      <p:sp>
+        <p:nvSpPr>
+          <p:cNvPr id="4" name="Header Placeholder 3"/>
+          <p:cNvSpPr>
+            <a:spLocks noGrp="1"/>
+          </p:cNvSpPr>
+          <p:nvPr>
+            <p:ph type="hdr" sz="quarter" idx="10"/>
+          </p:nvPr>
+        </p:nvSpPr>
+        <p:spPr/>
+        <p:txBody>
+          <a:bodyPr/>
+          <a:lstStyle/>
+          <a:p>
+            <a:r>
+              <a:rPr lang="en-US" smtClean="0"/>
+              <a:t>DSM2 Users Group: "EXAMPLE: Filling in Martinez Stage"</a:t>
+            </a:r>
+            <a:endParaRPr lang="en-US"/>
+          </a:p>
+        </p:txBody>
+      </p:sp>
+      <p:sp>
+        <p:nvSpPr>
+          <p:cNvPr id="5" name="Date Placeholder 4"/>
+          <p:cNvSpPr>
+            <a:spLocks noGrp="1"/>
+          </p:cNvSpPr>
+          <p:nvPr>
+            <p:ph type="dt" idx="11"/>
+          </p:nvPr>
+        </p:nvSpPr>
+        <p:spPr/>
+        <p:txBody>
+          <a:bodyPr/>
+          <a:lstStyle/>
+          <a:p>
+            <a:r>
+              <a:rPr lang="en-US" smtClean="0"/>
+              <a:t>2004.04.27</a:t>
+            </a:r>
+            <a:endParaRPr lang="en-US"/>
+          </a:p>
+        </p:txBody>
+      </p:sp>
+      <p:sp>
+        <p:nvSpPr>
+          <p:cNvPr id="6" name="Slide Number Placeholder 5"/>
+          <p:cNvSpPr>
+            <a:spLocks noGrp="1"/>
+          </p:cNvSpPr>
+          <p:nvPr>
+            <p:ph type="sldNum" sz="quarter" idx="12"/>
+          </p:nvPr>
+        </p:nvSpPr>
+        <p:spPr/>
+        <p:txBody>
+          <a:bodyPr/>
+          <a:lstStyle/>
+          <a:p>
+            <a:fld id="{8D3EB24B-42D1-409E-999A-7EC16A8B48A4}" type="slidenum">
+              <a:rPr lang="en-US" smtClean="0"/>
+              <a:pPr/>
+              <a:t>10</a:t>
+            </a:fld>
+            <a:endParaRPr lang="en-US"/>
+          </a:p>
+        </p:txBody>
+      </p:sp>
+    </p:spTree>
+  </p:cSld>
+  <p:clrMapOvr>
+    <a:masterClrMapping/>
+  </p:clrMapOvr>
+</p:notes>
+</file>
+
+<file path=ppt/notesSlides/notesSlide11.xml><?xml version="1.0" encoding="utf-8"?>
+<p:notes xmlns:a="http://schemas.openxmlformats.org/drawingml/2006/main" xmlns:r="http://schemas.openxmlformats.org/officeDocument/2006/relationships" xmlns:p="http://schemas.openxmlformats.org/presentationml/2006/main">
+  <p:cSld>
+    <p:spTree>
+      <p:nvGrpSpPr>
+        <p:cNvPr id="1" name=""/>
+        <p:cNvGrpSpPr/>
+        <p:nvPr/>
+      </p:nvGrpSpPr>
+      <p:grpSpPr>
+        <a:xfrm>
+          <a:off x="0" y="0"/>
+          <a:ext cx="0" cy="0"/>
+          <a:chOff x="0" y="0"/>
+          <a:chExt cx="0" cy="0"/>
+        </a:xfrm>
+      </p:grpSpPr>
+      <p:sp>
+        <p:nvSpPr>
+          <p:cNvPr id="2" name="Slide Image Placeholder 1"/>
+          <p:cNvSpPr>
+            <a:spLocks noGrp="1" noRot="1" noChangeAspect="1"/>
+          </p:cNvSpPr>
+          <p:nvPr>
+            <p:ph type="sldImg"/>
+          </p:nvPr>
+        </p:nvSpPr>
+        <p:spPr/>
+      </p:sp>
+      <p:sp>
+        <p:nvSpPr>
+          <p:cNvPr id="3" name="Notes Placeholder 2"/>
+          <p:cNvSpPr>
+            <a:spLocks noGrp="1"/>
+          </p:cNvSpPr>
+          <p:nvPr>
+            <p:ph type="body" idx="1"/>
+          </p:nvPr>
+        </p:nvSpPr>
+        <p:spPr/>
+        <p:txBody>
+          <a:bodyPr>
+            <a:normAutofit/>
+          </a:bodyPr>
+          <a:lstStyle/>
+          <a:p>
             <a:endParaRPr lang="en-US" dirty="0"/>
           </a:p>
         </p:txBody>
@@ -1095,6 +1226,560 @@
               <a:rPr lang="en-US" smtClean="0"/>
               <a:pPr/>
               <a:t>11</a:t>
+            </a:fld>
+            <a:endParaRPr lang="en-US"/>
+          </a:p>
+        </p:txBody>
+      </p:sp>
+    </p:spTree>
+  </p:cSld>
+  <p:clrMapOvr>
+    <a:masterClrMapping/>
+  </p:clrMapOvr>
+</p:notes>
+</file>
+
+<file path=ppt/notesSlides/notesSlide12.xml><?xml version="1.0" encoding="utf-8"?>
+<p:notes xmlns:a="http://schemas.openxmlformats.org/drawingml/2006/main" xmlns:r="http://schemas.openxmlformats.org/officeDocument/2006/relationships" xmlns:p="http://schemas.openxmlformats.org/presentationml/2006/main">
+  <p:cSld>
+    <p:spTree>
+      <p:nvGrpSpPr>
+        <p:cNvPr id="1" name=""/>
+        <p:cNvGrpSpPr/>
+        <p:nvPr/>
+      </p:nvGrpSpPr>
+      <p:grpSpPr>
+        <a:xfrm>
+          <a:off x="0" y="0"/>
+          <a:ext cx="0" cy="0"/>
+          <a:chOff x="0" y="0"/>
+          <a:chExt cx="0" cy="0"/>
+        </a:xfrm>
+      </p:grpSpPr>
+      <p:sp>
+        <p:nvSpPr>
+          <p:cNvPr id="2" name="Slide Image Placeholder 1"/>
+          <p:cNvSpPr>
+            <a:spLocks noGrp="1" noRot="1" noChangeAspect="1"/>
+          </p:cNvSpPr>
+          <p:nvPr>
+            <p:ph type="sldImg"/>
+          </p:nvPr>
+        </p:nvSpPr>
+        <p:spPr/>
+      </p:sp>
+      <p:sp>
+        <p:nvSpPr>
+          <p:cNvPr id="3" name="Notes Placeholder 2"/>
+          <p:cNvSpPr>
+            <a:spLocks noGrp="1"/>
+          </p:cNvSpPr>
+          <p:nvPr>
+            <p:ph type="body" idx="1"/>
+          </p:nvPr>
+        </p:nvSpPr>
+        <p:spPr/>
+        <p:txBody>
+          <a:bodyPr>
+            <a:normAutofit/>
+          </a:bodyPr>
+          <a:lstStyle/>
+          <a:p>
+            <a:endParaRPr lang="en-US" dirty="0"/>
+          </a:p>
+        </p:txBody>
+      </p:sp>
+      <p:sp>
+        <p:nvSpPr>
+          <p:cNvPr id="4" name="Header Placeholder 3"/>
+          <p:cNvSpPr>
+            <a:spLocks noGrp="1"/>
+          </p:cNvSpPr>
+          <p:nvPr>
+            <p:ph type="hdr" sz="quarter" idx="10"/>
+          </p:nvPr>
+        </p:nvSpPr>
+        <p:spPr/>
+        <p:txBody>
+          <a:bodyPr/>
+          <a:lstStyle/>
+          <a:p>
+            <a:r>
+              <a:rPr lang="en-US" smtClean="0"/>
+              <a:t>DSM2 Users Group: "EXAMPLE: Filling in Martinez Stage"</a:t>
+            </a:r>
+            <a:endParaRPr lang="en-US"/>
+          </a:p>
+        </p:txBody>
+      </p:sp>
+      <p:sp>
+        <p:nvSpPr>
+          <p:cNvPr id="5" name="Date Placeholder 4"/>
+          <p:cNvSpPr>
+            <a:spLocks noGrp="1"/>
+          </p:cNvSpPr>
+          <p:nvPr>
+            <p:ph type="dt" idx="11"/>
+          </p:nvPr>
+        </p:nvSpPr>
+        <p:spPr/>
+        <p:txBody>
+          <a:bodyPr/>
+          <a:lstStyle/>
+          <a:p>
+            <a:r>
+              <a:rPr lang="en-US" smtClean="0"/>
+              <a:t>2004.04.27</a:t>
+            </a:r>
+            <a:endParaRPr lang="en-US"/>
+          </a:p>
+        </p:txBody>
+      </p:sp>
+      <p:sp>
+        <p:nvSpPr>
+          <p:cNvPr id="6" name="Slide Number Placeholder 5"/>
+          <p:cNvSpPr>
+            <a:spLocks noGrp="1"/>
+          </p:cNvSpPr>
+          <p:nvPr>
+            <p:ph type="sldNum" sz="quarter" idx="12"/>
+          </p:nvPr>
+        </p:nvSpPr>
+        <p:spPr/>
+        <p:txBody>
+          <a:bodyPr/>
+          <a:lstStyle/>
+          <a:p>
+            <a:fld id="{8D3EB24B-42D1-409E-999A-7EC16A8B48A4}" type="slidenum">
+              <a:rPr lang="en-US" smtClean="0"/>
+              <a:pPr/>
+              <a:t>12</a:t>
+            </a:fld>
+            <a:endParaRPr lang="en-US"/>
+          </a:p>
+        </p:txBody>
+      </p:sp>
+    </p:spTree>
+  </p:cSld>
+  <p:clrMapOvr>
+    <a:masterClrMapping/>
+  </p:clrMapOvr>
+</p:notes>
+</file>
+
+<file path=ppt/notesSlides/notesSlide13.xml><?xml version="1.0" encoding="utf-8"?>
+<p:notes xmlns:a="http://schemas.openxmlformats.org/drawingml/2006/main" xmlns:r="http://schemas.openxmlformats.org/officeDocument/2006/relationships" xmlns:p="http://schemas.openxmlformats.org/presentationml/2006/main">
+  <p:cSld>
+    <p:spTree>
+      <p:nvGrpSpPr>
+        <p:cNvPr id="1" name=""/>
+        <p:cNvGrpSpPr/>
+        <p:nvPr/>
+      </p:nvGrpSpPr>
+      <p:grpSpPr>
+        <a:xfrm>
+          <a:off x="0" y="0"/>
+          <a:ext cx="0" cy="0"/>
+          <a:chOff x="0" y="0"/>
+          <a:chExt cx="0" cy="0"/>
+        </a:xfrm>
+      </p:grpSpPr>
+      <p:sp>
+        <p:nvSpPr>
+          <p:cNvPr id="2" name="Slide Image Placeholder 1"/>
+          <p:cNvSpPr>
+            <a:spLocks noGrp="1" noRot="1" noChangeAspect="1"/>
+          </p:cNvSpPr>
+          <p:nvPr>
+            <p:ph type="sldImg"/>
+          </p:nvPr>
+        </p:nvSpPr>
+        <p:spPr/>
+      </p:sp>
+      <p:sp>
+        <p:nvSpPr>
+          <p:cNvPr id="3" name="Notes Placeholder 2"/>
+          <p:cNvSpPr>
+            <a:spLocks noGrp="1"/>
+          </p:cNvSpPr>
+          <p:nvPr>
+            <p:ph type="body" idx="1"/>
+          </p:nvPr>
+        </p:nvSpPr>
+        <p:spPr/>
+        <p:txBody>
+          <a:bodyPr>
+            <a:normAutofit/>
+          </a:bodyPr>
+          <a:lstStyle/>
+          <a:p>
+            <a:r>
+              <a:rPr lang="en-US" dirty="0" smtClean="0"/>
+              <a:t>Single value for</a:t>
+            </a:r>
+            <a:r>
+              <a:rPr lang="en-US" baseline="0" dirty="0" smtClean="0"/>
+              <a:t> all locations and for all constituents. This can be really bad for DO or non-conservative runs, because there isn’t necessarily a single number that works well for all the different constituents.</a:t>
+            </a:r>
+          </a:p>
+          <a:p>
+            <a:r>
+              <a:rPr lang="en-US" baseline="0" dirty="0" smtClean="0"/>
+              <a:t>Also can interfere with source tracking if it isn’t zero</a:t>
+            </a:r>
+            <a:endParaRPr lang="en-US" dirty="0"/>
+          </a:p>
+        </p:txBody>
+      </p:sp>
+      <p:sp>
+        <p:nvSpPr>
+          <p:cNvPr id="4" name="Header Placeholder 3"/>
+          <p:cNvSpPr>
+            <a:spLocks noGrp="1"/>
+          </p:cNvSpPr>
+          <p:nvPr>
+            <p:ph type="hdr" sz="quarter" idx="10"/>
+          </p:nvPr>
+        </p:nvSpPr>
+        <p:spPr/>
+        <p:txBody>
+          <a:bodyPr/>
+          <a:lstStyle/>
+          <a:p>
+            <a:r>
+              <a:rPr lang="en-US" smtClean="0"/>
+              <a:t>DSM2 Users Group: "EXAMPLE: Filling in Martinez Stage"</a:t>
+            </a:r>
+            <a:endParaRPr lang="en-US"/>
+          </a:p>
+        </p:txBody>
+      </p:sp>
+      <p:sp>
+        <p:nvSpPr>
+          <p:cNvPr id="5" name="Date Placeholder 4"/>
+          <p:cNvSpPr>
+            <a:spLocks noGrp="1"/>
+          </p:cNvSpPr>
+          <p:nvPr>
+            <p:ph type="dt" idx="11"/>
+          </p:nvPr>
+        </p:nvSpPr>
+        <p:spPr/>
+        <p:txBody>
+          <a:bodyPr/>
+          <a:lstStyle/>
+          <a:p>
+            <a:r>
+              <a:rPr lang="en-US" smtClean="0"/>
+              <a:t>2004.04.27</a:t>
+            </a:r>
+            <a:endParaRPr lang="en-US"/>
+          </a:p>
+        </p:txBody>
+      </p:sp>
+      <p:sp>
+        <p:nvSpPr>
+          <p:cNvPr id="6" name="Slide Number Placeholder 5"/>
+          <p:cNvSpPr>
+            <a:spLocks noGrp="1"/>
+          </p:cNvSpPr>
+          <p:nvPr>
+            <p:ph type="sldNum" sz="quarter" idx="12"/>
+          </p:nvPr>
+        </p:nvSpPr>
+        <p:spPr/>
+        <p:txBody>
+          <a:bodyPr/>
+          <a:lstStyle/>
+          <a:p>
+            <a:fld id="{8D3EB24B-42D1-409E-999A-7EC16A8B48A4}" type="slidenum">
+              <a:rPr lang="en-US" smtClean="0"/>
+              <a:pPr/>
+              <a:t>13</a:t>
+            </a:fld>
+            <a:endParaRPr lang="en-US"/>
+          </a:p>
+        </p:txBody>
+      </p:sp>
+    </p:spTree>
+  </p:cSld>
+  <p:clrMapOvr>
+    <a:masterClrMapping/>
+  </p:clrMapOvr>
+</p:notes>
+</file>
+
+<file path=ppt/notesSlides/notesSlide14.xml><?xml version="1.0" encoding="utf-8"?>
+<p:notes xmlns:a="http://schemas.openxmlformats.org/drawingml/2006/main" xmlns:r="http://schemas.openxmlformats.org/officeDocument/2006/relationships" xmlns:p="http://schemas.openxmlformats.org/presentationml/2006/main">
+  <p:cSld>
+    <p:spTree>
+      <p:nvGrpSpPr>
+        <p:cNvPr id="1" name=""/>
+        <p:cNvGrpSpPr/>
+        <p:nvPr/>
+      </p:nvGrpSpPr>
+      <p:grpSpPr>
+        <a:xfrm>
+          <a:off x="0" y="0"/>
+          <a:ext cx="0" cy="0"/>
+          <a:chOff x="0" y="0"/>
+          <a:chExt cx="0" cy="0"/>
+        </a:xfrm>
+      </p:grpSpPr>
+      <p:sp>
+        <p:nvSpPr>
+          <p:cNvPr id="2" name="Slide Image Placeholder 1"/>
+          <p:cNvSpPr>
+            <a:spLocks noGrp="1" noRot="1" noChangeAspect="1"/>
+          </p:cNvSpPr>
+          <p:nvPr>
+            <p:ph type="sldImg"/>
+          </p:nvPr>
+        </p:nvSpPr>
+        <p:spPr/>
+      </p:sp>
+      <p:sp>
+        <p:nvSpPr>
+          <p:cNvPr id="3" name="Notes Placeholder 2"/>
+          <p:cNvSpPr>
+            <a:spLocks noGrp="1"/>
+          </p:cNvSpPr>
+          <p:nvPr>
+            <p:ph type="body" idx="1"/>
+          </p:nvPr>
+        </p:nvSpPr>
+        <p:spPr/>
+        <p:txBody>
+          <a:bodyPr>
+            <a:normAutofit/>
+          </a:bodyPr>
+          <a:lstStyle/>
+          <a:p>
+            <a:r>
+              <a:rPr lang="en-US" dirty="0" smtClean="0"/>
+              <a:t>The grid data for QUAL comes</a:t>
+            </a:r>
+            <a:r>
+              <a:rPr lang="en-US" baseline="0" dirty="0" smtClean="0"/>
+              <a:t> from HYDRO (this is new!!!!)</a:t>
+            </a:r>
+          </a:p>
+          <a:p>
+            <a:r>
+              <a:rPr lang="en-US" baseline="0" dirty="0" smtClean="0"/>
+              <a:t>The format can be opened and looked at using off the shelf tools</a:t>
+            </a:r>
+          </a:p>
+          <a:p>
+            <a:r>
+              <a:rPr lang="en-US" baseline="0" dirty="0" smtClean="0"/>
+              <a:t>The time step is less of an issue now. In version 6 it causes gross errors in PTM to use step &gt; 15MIN</a:t>
+            </a:r>
+            <a:endParaRPr lang="en-US" dirty="0"/>
+          </a:p>
+        </p:txBody>
+      </p:sp>
+      <p:sp>
+        <p:nvSpPr>
+          <p:cNvPr id="4" name="Header Placeholder 3"/>
+          <p:cNvSpPr>
+            <a:spLocks noGrp="1"/>
+          </p:cNvSpPr>
+          <p:nvPr>
+            <p:ph type="hdr" sz="quarter" idx="10"/>
+          </p:nvPr>
+        </p:nvSpPr>
+        <p:spPr/>
+        <p:txBody>
+          <a:bodyPr/>
+          <a:lstStyle/>
+          <a:p>
+            <a:r>
+              <a:rPr lang="en-US" smtClean="0"/>
+              <a:t>DSM2 Users Group: "EXAMPLE: Filling in Martinez Stage"</a:t>
+            </a:r>
+            <a:endParaRPr lang="en-US"/>
+          </a:p>
+        </p:txBody>
+      </p:sp>
+      <p:sp>
+        <p:nvSpPr>
+          <p:cNvPr id="5" name="Date Placeholder 4"/>
+          <p:cNvSpPr>
+            <a:spLocks noGrp="1"/>
+          </p:cNvSpPr>
+          <p:nvPr>
+            <p:ph type="dt" idx="11"/>
+          </p:nvPr>
+        </p:nvSpPr>
+        <p:spPr/>
+        <p:txBody>
+          <a:bodyPr/>
+          <a:lstStyle/>
+          <a:p>
+            <a:r>
+              <a:rPr lang="en-US" smtClean="0"/>
+              <a:t>2004.04.27</a:t>
+            </a:r>
+            <a:endParaRPr lang="en-US"/>
+          </a:p>
+        </p:txBody>
+      </p:sp>
+      <p:sp>
+        <p:nvSpPr>
+          <p:cNvPr id="6" name="Slide Number Placeholder 5"/>
+          <p:cNvSpPr>
+            <a:spLocks noGrp="1"/>
+          </p:cNvSpPr>
+          <p:nvPr>
+            <p:ph type="sldNum" sz="quarter" idx="12"/>
+          </p:nvPr>
+        </p:nvSpPr>
+        <p:spPr/>
+        <p:txBody>
+          <a:bodyPr/>
+          <a:lstStyle/>
+          <a:p>
+            <a:fld id="{8D3EB24B-42D1-409E-999A-7EC16A8B48A4}" type="slidenum">
+              <a:rPr lang="en-US" smtClean="0"/>
+              <a:pPr/>
+              <a:t>14</a:t>
+            </a:fld>
+            <a:endParaRPr lang="en-US"/>
+          </a:p>
+        </p:txBody>
+      </p:sp>
+    </p:spTree>
+  </p:cSld>
+  <p:clrMapOvr>
+    <a:masterClrMapping/>
+  </p:clrMapOvr>
+</p:notes>
+</file>
+
+<file path=ppt/notesSlides/notesSlide15.xml><?xml version="1.0" encoding="utf-8"?>
+<p:notes xmlns:a="http://schemas.openxmlformats.org/drawingml/2006/main" xmlns:r="http://schemas.openxmlformats.org/officeDocument/2006/relationships" xmlns:p="http://schemas.openxmlformats.org/presentationml/2006/main">
+  <p:cSld>
+    <p:spTree>
+      <p:nvGrpSpPr>
+        <p:cNvPr id="1" name=""/>
+        <p:cNvGrpSpPr/>
+        <p:nvPr/>
+      </p:nvGrpSpPr>
+      <p:grpSpPr>
+        <a:xfrm>
+          <a:off x="0" y="0"/>
+          <a:ext cx="0" cy="0"/>
+          <a:chOff x="0" y="0"/>
+          <a:chExt cx="0" cy="0"/>
+        </a:xfrm>
+      </p:grpSpPr>
+      <p:sp>
+        <p:nvSpPr>
+          <p:cNvPr id="2" name="Slide Image Placeholder 1"/>
+          <p:cNvSpPr>
+            <a:spLocks noGrp="1" noRot="1" noChangeAspect="1"/>
+          </p:cNvSpPr>
+          <p:nvPr>
+            <p:ph type="sldImg"/>
+          </p:nvPr>
+        </p:nvSpPr>
+        <p:spPr/>
+      </p:sp>
+      <p:sp>
+        <p:nvSpPr>
+          <p:cNvPr id="3" name="Notes Placeholder 2"/>
+          <p:cNvSpPr>
+            <a:spLocks noGrp="1"/>
+          </p:cNvSpPr>
+          <p:nvPr>
+            <p:ph type="body" idx="1"/>
+          </p:nvPr>
+        </p:nvSpPr>
+        <p:spPr/>
+        <p:txBody>
+          <a:bodyPr>
+            <a:normAutofit/>
+          </a:bodyPr>
+          <a:lstStyle/>
+          <a:p>
+            <a:r>
+              <a:rPr lang="en-US" dirty="0" smtClean="0"/>
+              <a:t>You</a:t>
+            </a:r>
+            <a:r>
+              <a:rPr lang="en-US" baseline="0" dirty="0" smtClean="0"/>
+              <a:t> can find all the output possibilities in the documentation. That is how we created this slide.</a:t>
+            </a:r>
+            <a:endParaRPr lang="en-US" dirty="0"/>
+          </a:p>
+        </p:txBody>
+      </p:sp>
+      <p:sp>
+        <p:nvSpPr>
+          <p:cNvPr id="4" name="Header Placeholder 3"/>
+          <p:cNvSpPr>
+            <a:spLocks noGrp="1"/>
+          </p:cNvSpPr>
+          <p:nvPr>
+            <p:ph type="hdr" sz="quarter" idx="10"/>
+          </p:nvPr>
+        </p:nvSpPr>
+        <p:spPr/>
+        <p:txBody>
+          <a:bodyPr/>
+          <a:lstStyle/>
+          <a:p>
+            <a:r>
+              <a:rPr lang="en-US" smtClean="0"/>
+              <a:t>DSM2 Users Group: "EXAMPLE: Filling in Martinez Stage"</a:t>
+            </a:r>
+            <a:endParaRPr lang="en-US"/>
+          </a:p>
+        </p:txBody>
+      </p:sp>
+      <p:sp>
+        <p:nvSpPr>
+          <p:cNvPr id="5" name="Date Placeholder 4"/>
+          <p:cNvSpPr>
+            <a:spLocks noGrp="1"/>
+          </p:cNvSpPr>
+          <p:nvPr>
+            <p:ph type="dt" idx="11"/>
+          </p:nvPr>
+        </p:nvSpPr>
+        <p:spPr/>
+        <p:txBody>
+          <a:bodyPr/>
+          <a:lstStyle/>
+          <a:p>
+            <a:r>
+              <a:rPr lang="en-US" smtClean="0"/>
+              <a:t>2004.04.27</a:t>
+            </a:r>
+            <a:endParaRPr lang="en-US"/>
+          </a:p>
+        </p:txBody>
+      </p:sp>
+      <p:sp>
+        <p:nvSpPr>
+          <p:cNvPr id="6" name="Slide Number Placeholder 5"/>
+          <p:cNvSpPr>
+            <a:spLocks noGrp="1"/>
+          </p:cNvSpPr>
+          <p:nvPr>
+            <p:ph type="sldNum" sz="quarter" idx="12"/>
+          </p:nvPr>
+        </p:nvSpPr>
+        <p:spPr/>
+        <p:txBody>
+          <a:bodyPr/>
+          <a:lstStyle/>
+          <a:p>
+            <a:fld id="{8D3EB24B-42D1-409E-999A-7EC16A8B48A4}" type="slidenum">
+              <a:rPr lang="en-US" smtClean="0"/>
+              <a:pPr/>
+              <a:t>16</a:t>
             </a:fld>
             <a:endParaRPr lang="en-US"/>
           </a:p>
@@ -1155,8 +1840,25 @@
           <a:lstStyle/>
           <a:p>
             <a:r>
-              <a:rPr lang="en-US" dirty="0" smtClean="0"/>
-              <a:t>To model a </a:t>
+              <a:rPr lang="en-US" baseline="0" dirty="0" smtClean="0"/>
+              <a:t>Here we get away from the grid and talk about the scenario specific inputs that really differentiate DSM2 runs. </a:t>
+            </a:r>
+          </a:p>
+          <a:p>
+            <a:endParaRPr lang="en-US" baseline="0" dirty="0" smtClean="0"/>
+          </a:p>
+          <a:p>
+            <a:r>
+              <a:rPr lang="en-US" baseline="0" dirty="0" smtClean="0"/>
+              <a:t>The main topic is going to be time series input and output, but we are also going to touch on initial conditions and the connectivity between HYDRO and QUAL both the transfer of flow information through the </a:t>
+            </a:r>
+            <a:r>
+              <a:rPr lang="en-US" baseline="0" dirty="0" err="1" smtClean="0"/>
+              <a:t>tidefile</a:t>
+            </a:r>
+            <a:r>
+              <a:rPr lang="en-US" baseline="0" dirty="0" smtClean="0"/>
+              <a:t> and the other is the way flows and concentrations are paired.</a:t>
             </a:r>
             <a:endParaRPr lang="en-US" dirty="0"/>
           </a:p>
@@ -1226,7 +1928,7 @@
             <a:fld id="{8D3EB24B-42D1-409E-999A-7EC16A8B48A4}" type="slidenum">
               <a:rPr lang="en-US" smtClean="0"/>
               <a:pPr/>
-              <a:t>3</a:t>
+              <a:t>2</a:t>
             </a:fld>
             <a:endParaRPr lang="en-US"/>
           </a:p>
@@ -1288,7 +1990,7 @@
           <a:p>
             <a:r>
               <a:rPr lang="en-US" dirty="0" smtClean="0"/>
-              <a:t>In reality</a:t>
+              <a:t>Mention Initial Conditions first, then add BC</a:t>
             </a:r>
             <a:endParaRPr lang="en-US" dirty="0"/>
           </a:p>
@@ -1358,7 +2060,7 @@
             <a:fld id="{8D3EB24B-42D1-409E-999A-7EC16A8B48A4}" type="slidenum">
               <a:rPr lang="en-US" smtClean="0"/>
               <a:pPr/>
-              <a:t>4</a:t>
+              <a:t>3</a:t>
             </a:fld>
             <a:endParaRPr lang="en-US"/>
           </a:p>
@@ -1418,6 +2120,14 @@
           </a:bodyPr>
           <a:lstStyle/>
           <a:p>
+            <a:r>
+              <a:rPr lang="en-US" dirty="0" smtClean="0"/>
+              <a:t>HYDRO and QUAL are numerical</a:t>
+            </a:r>
+            <a:r>
+              <a:rPr lang="en-US" baseline="0" dirty="0" smtClean="0"/>
+              <a:t> models and require boundary data.</a:t>
+            </a:r>
             <a:endParaRPr lang="en-US" dirty="0"/>
           </a:p>
         </p:txBody>
@@ -1486,7 +2196,7 @@
             <a:fld id="{8D3EB24B-42D1-409E-999A-7EC16A8B48A4}" type="slidenum">
               <a:rPr lang="en-US" smtClean="0"/>
               <a:pPr/>
-              <a:t>5</a:t>
+              <a:t>4</a:t>
             </a:fld>
             <a:endParaRPr lang="en-US"/>
           </a:p>
@@ -1548,15 +2258,11 @@
           <a:p>
             <a:r>
               <a:rPr lang="en-US" dirty="0" smtClean="0"/>
-              <a:t>Animate</a:t>
+              <a:t>For the tutorial, we have</a:t>
             </a:r>
             <a:r>
               <a:rPr lang="en-US" baseline="0" dirty="0" smtClean="0"/>
-              <a:t> flow </a:t>
-            </a:r>
-            <a:r>
-              <a:rPr lang="en-US" baseline="0" smtClean="0"/>
-              <a:t>stage boundary</a:t>
+              <a:t> already created boundaries, but we are going to change them from constants to time series. We are also going to add the source at node 5.</a:t>
             </a:r>
             <a:endParaRPr lang="en-US" dirty="0"/>
           </a:p>
@@ -1626,7 +2332,7 @@
             <a:fld id="{8D3EB24B-42D1-409E-999A-7EC16A8B48A4}" type="slidenum">
               <a:rPr lang="en-US" smtClean="0"/>
               <a:pPr/>
-              <a:t>6</a:t>
+              <a:t>5</a:t>
             </a:fld>
             <a:endParaRPr lang="en-US"/>
           </a:p>
@@ -1688,11 +2394,34 @@
           <a:p>
             <a:r>
               <a:rPr lang="en-US" dirty="0" smtClean="0"/>
-              <a:t>In reality, you will have to specify boundary</a:t>
+              <a:t>Now we know what the model needs, how do</a:t>
             </a:r>
             <a:r>
               <a:rPr lang="en-US" baseline="0" dirty="0" smtClean="0"/>
-              <a:t> conditions with time series data.</a:t>
+              <a:t> we get it in there?</a:t>
+            </a:r>
+            <a:endParaRPr lang="en-US" dirty="0" smtClean="0"/>
+          </a:p>
+          <a:p>
+            <a:endParaRPr lang="en-US" dirty="0" smtClean="0"/>
+          </a:p>
+          <a:p>
+            <a:r>
+              <a:rPr lang="en-US" dirty="0" smtClean="0"/>
+              <a:t>In this table we are really doing two things. We are creating a boundary and we are assigning the time series</a:t>
+            </a:r>
+            <a:r>
+              <a:rPr lang="en-US" baseline="0" dirty="0" smtClean="0"/>
+              <a:t> that will be used to supply values (at least at the beginning).</a:t>
+            </a:r>
+          </a:p>
+          <a:p>
+            <a:endParaRPr lang="en-US" baseline="0" dirty="0" smtClean="0"/>
+          </a:p>
+          <a:p>
+            <a:r>
+              <a:rPr lang="en-US" baseline="0" dirty="0" smtClean="0"/>
+              <a:t>Introduce the idea of DSS. You can mention the text format.</a:t>
             </a:r>
             <a:endParaRPr lang="en-US" dirty="0"/>
           </a:p>
@@ -1762,7 +2491,7 @@
             <a:fld id="{8D3EB24B-42D1-409E-999A-7EC16A8B48A4}" type="slidenum">
               <a:rPr lang="en-US" smtClean="0"/>
               <a:pPr/>
-              <a:t>7</a:t>
+              <a:t>6</a:t>
             </a:fld>
             <a:endParaRPr lang="en-US"/>
           </a:p>
@@ -1824,7 +2553,11 @@
           <a:p>
             <a:r>
               <a:rPr lang="en-US" dirty="0" smtClean="0"/>
-              <a:t>To model a </a:t>
+              <a:t>For most of the time series I/O</a:t>
+            </a:r>
+            <a:r>
+              <a:rPr lang="en-US" baseline="0" dirty="0" smtClean="0"/>
+              <a:t> we use HEC-DSS format. This is a tool produced by HEC that shows the time series stored in one file (tutorial.dss). Each row is a time series, and the data are referenced by 6 parts called a “path”</a:t>
             </a:r>
             <a:endParaRPr lang="en-US" dirty="0"/>
           </a:p>
@@ -1894,7 +2627,7 @@
             <a:fld id="{8D3EB24B-42D1-409E-999A-7EC16A8B48A4}" type="slidenum">
               <a:rPr lang="en-US" smtClean="0"/>
               <a:pPr/>
-              <a:t>8</a:t>
+              <a:t>7</a:t>
             </a:fld>
             <a:endParaRPr lang="en-US"/>
           </a:p>
@@ -1954,10 +2687,6 @@
           </a:bodyPr>
           <a:lstStyle/>
           <a:p>
-            <a:r>
-              <a:rPr lang="en-US" dirty="0" smtClean="0"/>
-              <a:t>To model a </a:t>
-            </a:r>
             <a:endParaRPr lang="en-US" dirty="0"/>
           </a:p>
         </p:txBody>
@@ -2026,7 +2755,7 @@
             <a:fld id="{8D3EB24B-42D1-409E-999A-7EC16A8B48A4}" type="slidenum">
               <a:rPr lang="en-US" smtClean="0"/>
               <a:pPr/>
-              <a:t>9</a:t>
+              <a:t>8</a:t>
             </a:fld>
             <a:endParaRPr lang="en-US"/>
           </a:p>
@@ -2088,7 +2817,31 @@
           <a:p>
             <a:r>
               <a:rPr lang="en-US" dirty="0" smtClean="0"/>
-              <a:t>To model a </a:t>
+              <a:t>Two main interesting things:</a:t>
+            </a:r>
+          </a:p>
+          <a:p>
+            <a:r>
+              <a:rPr lang="en-US" dirty="0" smtClean="0"/>
+              <a:t>1. Link between Hydro and QUAL</a:t>
+            </a:r>
+          </a:p>
+          <a:p>
+            <a:r>
+              <a:rPr lang="en-US" dirty="0" smtClean="0"/>
+              <a:t>2.</a:t>
+            </a:r>
+            <a:r>
+              <a:rPr lang="en-US" baseline="0" dirty="0" smtClean="0"/>
+              <a:t> </a:t>
+            </a:r>
+            <a:r>
+              <a:rPr lang="en-US" dirty="0" smtClean="0"/>
+              <a:t>Only inflow matter for QUAL (if</a:t>
+            </a:r>
+            <a:r>
+              <a:rPr lang="en-US" baseline="0" dirty="0" smtClean="0"/>
+              <a:t> tidal like Martinez, assigned time series may be ignored part of the time)</a:t>
             </a:r>
             <a:endParaRPr lang="en-US" dirty="0"/>
           </a:p>
@@ -2158,7 +2911,7 @@
             <a:fld id="{8D3EB24B-42D1-409E-999A-7EC16A8B48A4}" type="slidenum">
               <a:rPr lang="en-US" smtClean="0"/>
               <a:pPr/>
-              <a:t>10</a:t>
+              <a:t>9</a:t>
             </a:fld>
             <a:endParaRPr lang="en-US"/>
           </a:p>
@@ -4741,8 +5494,16 @@
           </a:p>
           <a:p>
             <a:r>
+              <a:rPr lang="en-US" smtClean="0"/>
+              <a:t>September </a:t>
+            </a:r>
+            <a:r>
+              <a:rPr lang="en-US" smtClean="0"/>
+              <a:t>21, </a:t>
+            </a:r>
+            <a:r>
               <a:rPr lang="en-US" dirty="0" smtClean="0"/>
-              <a:t>September 15-17, 2009</a:t>
+              <a:t>2009</a:t>
             </a:r>
             <a:endParaRPr lang="en-US" dirty="0"/>
           </a:p>
@@ -4765,15 +5526,7 @@
                   <a:srgbClr val="6666FF"/>
                 </a:solidFill>
               </a:rPr>
-              <a:t>Lianwu Liu </a:t>
-            </a:r>
-            <a:r>
-              <a:rPr lang="en-US" dirty="0" smtClean="0">
-                <a:solidFill>
-                  <a:srgbClr val="6666FF"/>
-                </a:solidFill>
-              </a:rPr>
-              <a:t>PhD PE</a:t>
+              <a:t>Lianwu Liu PhD PE</a:t>
             </a:r>
             <a:endParaRPr lang="en-US" sz="2400" dirty="0">
               <a:solidFill>
@@ -4882,7 +5635,7 @@
       </p:grpSpPr>
       <p:sp>
         <p:nvSpPr>
-          <p:cNvPr id="2" name="Title 1"/>
+          <p:cNvPr id="5" name="Title 4"/>
           <p:cNvSpPr>
             <a:spLocks noGrp="1"/>
           </p:cNvSpPr>
@@ -4897,87 +5650,9 @@
           <a:p>
             <a:r>
               <a:rPr lang="en-US" dirty="0" smtClean="0"/>
-              <a:t>Boundary Conditions</a:t>
+              <a:t>Other TS Input: Gates</a:t>
             </a:r>
             <a:endParaRPr lang="en-US" dirty="0"/>
-          </a:p>
-        </p:txBody>
-      </p:sp>
-      <p:sp>
-        <p:nvSpPr>
-          <p:cNvPr id="3" name="Content Placeholder 2"/>
-          <p:cNvSpPr>
-            <a:spLocks noGrp="1"/>
-          </p:cNvSpPr>
-          <p:nvPr>
-            <p:ph idx="1"/>
-          </p:nvPr>
-        </p:nvSpPr>
-        <p:spPr>
-          <a:xfrm>
-            <a:off x="642256" y="1240972"/>
-            <a:ext cx="7772400" cy="4637314"/>
-          </a:xfrm>
-        </p:spPr>
-        <p:txBody>
-          <a:bodyPr/>
-          <a:lstStyle/>
-          <a:p>
-            <a:r>
-              <a:rPr lang="en-US" dirty="0" smtClean="0"/>
-              <a:t>Boundary Conditions for </a:t>
-            </a:r>
-            <a:r>
-              <a:rPr lang="en-US" dirty="0" err="1" smtClean="0"/>
-              <a:t>Qual</a:t>
-            </a:r>
-            <a:endParaRPr lang="en-US" dirty="0" smtClean="0"/>
-          </a:p>
-          <a:p>
-            <a:pPr lvl="1"/>
-            <a:r>
-              <a:rPr lang="en-US" dirty="0" smtClean="0"/>
-              <a:t>Concentration for every inflow</a:t>
-            </a:r>
-          </a:p>
-          <a:p>
-            <a:pPr lvl="1"/>
-            <a:r>
-              <a:rPr lang="en-US" dirty="0" smtClean="0"/>
-              <a:t>Concentration for tidal boundary</a:t>
-            </a:r>
-          </a:p>
-          <a:p>
-            <a:pPr lvl="1"/>
-            <a:r>
-              <a:rPr lang="en-US" dirty="0" smtClean="0"/>
-              <a:t>Default zero with warning</a:t>
-            </a:r>
-          </a:p>
-          <a:p>
-            <a:pPr lvl="1"/>
-            <a:r>
-              <a:rPr lang="en-US" dirty="0" smtClean="0"/>
-              <a:t>Linking </a:t>
-            </a:r>
-            <a:r>
-              <a:rPr lang="en-US" dirty="0" err="1" smtClean="0"/>
-              <a:t>qual</a:t>
-            </a:r>
-            <a:r>
-              <a:rPr lang="en-US" dirty="0" smtClean="0"/>
-              <a:t> to hydro (use same name )</a:t>
-            </a:r>
-          </a:p>
-          <a:p>
-            <a:pPr lvl="1"/>
-            <a:endParaRPr lang="en-US" dirty="0" smtClean="0"/>
-          </a:p>
-          <a:p>
-            <a:pPr lvl="1">
-              <a:buNone/>
-            </a:pPr>
-            <a:endParaRPr lang="en-US" dirty="0" smtClean="0"/>
           </a:p>
         </p:txBody>
       </p:sp>
@@ -5005,9 +5680,43 @@
           </a:p>
         </p:txBody>
       </p:sp>
+      <p:sp>
+        <p:nvSpPr>
+          <p:cNvPr id="3" name="Content Placeholder 2"/>
+          <p:cNvSpPr>
+            <a:spLocks noGrp="1"/>
+          </p:cNvSpPr>
+          <p:nvPr>
+            <p:ph idx="4294967295"/>
+          </p:nvPr>
+        </p:nvSpPr>
+        <p:spPr>
+          <a:xfrm>
+            <a:off x="514350" y="1497012"/>
+            <a:ext cx="7772400" cy="4881563"/>
+          </a:xfrm>
+        </p:spPr>
+        <p:txBody>
+          <a:bodyPr/>
+          <a:lstStyle/>
+          <a:p>
+            <a:r>
+              <a:rPr lang="en-US" dirty="0" smtClean="0"/>
+              <a:t>Can change operational parameters</a:t>
+            </a:r>
+          </a:p>
+          <a:p>
+            <a:r>
+              <a:rPr lang="en-US" dirty="0" smtClean="0"/>
+              <a:t>Are superseded by op rules</a:t>
+            </a:r>
+            <a:endParaRPr lang="en-US" dirty="0" smtClean="0"/>
+          </a:p>
+        </p:txBody>
+      </p:sp>
       <p:pic>
         <p:nvPicPr>
-          <p:cNvPr id="1027" name="Picture 3"/>
+          <p:cNvPr id="8194" name="Picture 2"/>
           <p:cNvPicPr>
             <a:picLocks noChangeAspect="1" noChangeArrowheads="1"/>
           </p:cNvPicPr>
@@ -5022,161 +5731,8 @@
         </p:blipFill>
         <p:spPr bwMode="auto">
           <a:xfrm>
-            <a:off x="1040948" y="3810000"/>
-            <a:ext cx="7258050" cy="3048000"/>
-          </a:xfrm>
-          <a:prstGeom prst="rect">
-            <a:avLst/>
-          </a:prstGeom>
-          <a:noFill/>
-          <a:ln w="9525">
-            <a:noFill/>
-            <a:miter lim="800000"/>
-            <a:headEnd/>
-            <a:tailEnd/>
-          </a:ln>
-        </p:spPr>
-      </p:pic>
-      <p:sp>
-        <p:nvSpPr>
-          <p:cNvPr id="7" name="Oval 6"/>
-          <p:cNvSpPr/>
-          <p:nvPr/>
-        </p:nvSpPr>
-        <p:spPr bwMode="auto">
-          <a:xfrm>
-            <a:off x="1632857" y="5083628"/>
-            <a:ext cx="1698171" cy="402772"/>
-          </a:xfrm>
-          <a:prstGeom prst="ellipse">
-            <a:avLst/>
-          </a:prstGeom>
-          <a:noFill/>
-          <a:ln w="25400" cap="flat" cmpd="sng" algn="ctr">
-            <a:solidFill>
-              <a:srgbClr val="C00000"/>
-            </a:solidFill>
-            <a:prstDash val="solid"/>
-            <a:round/>
-            <a:headEnd type="none" w="med" len="med"/>
-            <a:tailEnd type="none" w="med" len="med"/>
-          </a:ln>
-          <a:effectLst/>
-        </p:spPr>
-        <p:txBody>
-          <a:bodyPr vert="horz" wrap="square" lIns="91440" tIns="45720" rIns="91440" bIns="45720" numCol="1" rtlCol="0" anchor="ctr" anchorCtr="0" compatLnSpc="1">
-            <a:prstTxWarp prst="textNoShape">
-              <a:avLst/>
-            </a:prstTxWarp>
-          </a:bodyPr>
-          <a:lstStyle/>
-          <a:p>
-            <a:pPr marL="0" marR="0" indent="0" algn="ctr" defTabSz="914400" rtl="0" eaLnBrk="0" fontAlgn="base" latinLnBrk="0" hangingPunct="0">
-              <a:lnSpc>
-                <a:spcPct val="100000"/>
-              </a:lnSpc>
-              <a:spcBef>
-                <a:spcPct val="0"/>
-              </a:spcBef>
-              <a:spcAft>
-                <a:spcPct val="0"/>
-              </a:spcAft>
-              <a:buClrTx/>
-              <a:buSzTx/>
-              <a:buFontTx/>
-              <a:buNone/>
-              <a:tabLst/>
-            </a:pPr>
-            <a:endParaRPr kumimoji="0" lang="en-US" sz="3600" b="1" i="0" u="none" strike="noStrike" cap="none" normalizeH="0" baseline="0" smtClean="0">
-              <a:ln>
-                <a:noFill/>
-              </a:ln>
-              <a:solidFill>
-                <a:schemeClr val="tx1"/>
-              </a:solidFill>
-              <a:effectLst/>
-              <a:latin typeface="Arial" charset="0"/>
-            </a:endParaRPr>
-          </a:p>
-        </p:txBody>
-      </p:sp>
-      <p:cxnSp>
-        <p:nvCxnSpPr>
-          <p:cNvPr id="9" name="Straight Arrow Connector 8"/>
-          <p:cNvCxnSpPr/>
-          <p:nvPr/>
-        </p:nvCxnSpPr>
-        <p:spPr bwMode="auto">
-          <a:xfrm>
-            <a:off x="6672943" y="3733800"/>
-            <a:ext cx="914400" cy="914400"/>
-          </a:xfrm>
-          <a:prstGeom prst="straightConnector1">
-            <a:avLst/>
-          </a:prstGeom>
-          <a:solidFill>
-            <a:srgbClr val="FFFF99"/>
-          </a:solidFill>
-          <a:ln w="9525" cap="flat" cmpd="sng" algn="ctr">
-            <a:noFill/>
-            <a:prstDash val="solid"/>
-            <a:round/>
-            <a:headEnd type="none" w="med" len="med"/>
-            <a:tailEnd type="arrow"/>
-          </a:ln>
-          <a:effectLst/>
-        </p:spPr>
-      </p:cxnSp>
-      <p:cxnSp>
-        <p:nvCxnSpPr>
-          <p:cNvPr id="11" name="Straight Arrow Connector 10"/>
-          <p:cNvCxnSpPr>
-            <a:endCxn id="7" idx="7"/>
-          </p:cNvCxnSpPr>
-          <p:nvPr/>
-        </p:nvCxnSpPr>
-        <p:spPr bwMode="auto">
-          <a:xfrm rot="10800000" flipV="1">
-            <a:off x="3082337" y="3777341"/>
-            <a:ext cx="3209607" cy="1365271"/>
-          </a:xfrm>
-          <a:prstGeom prst="straightConnector1">
-            <a:avLst/>
-          </a:prstGeom>
-          <a:solidFill>
-            <a:srgbClr val="FFFF99"/>
-          </a:solidFill>
-          <a:ln w="19050" cap="flat" cmpd="sng" algn="ctr">
-            <a:solidFill>
-              <a:srgbClr val="C00000"/>
-            </a:solidFill>
-            <a:prstDash val="solid"/>
-            <a:round/>
-            <a:headEnd type="none" w="med" len="med"/>
-            <a:tailEnd type="arrow"/>
-          </a:ln>
-          <a:effectLst/>
-        </p:spPr>
-      </p:cxnSp>
-      <p:pic>
-        <p:nvPicPr>
-          <p:cNvPr id="1026" name="Picture 2" descr="j0434750[1]"/>
-          <p:cNvPicPr>
-            <a:picLocks noChangeAspect="1" noChangeArrowheads="1"/>
-          </p:cNvPicPr>
-          <p:nvPr/>
-        </p:nvPicPr>
-        <p:blipFill>
-          <a:blip r:embed="rId4" cstate="print"/>
-          <a:srcRect/>
-          <a:stretch>
-            <a:fillRect/>
-          </a:stretch>
-        </p:blipFill>
-        <p:spPr bwMode="auto">
-          <a:xfrm>
-            <a:off x="7772400" y="3537857"/>
-            <a:ext cx="276225" cy="276225"/>
+            <a:off x="540883" y="2982006"/>
+            <a:ext cx="8134350" cy="2600325"/>
           </a:xfrm>
           <a:prstGeom prst="rect">
             <a:avLst/>
@@ -5225,28 +5781,24 @@
       </p:grpSpPr>
       <p:sp>
         <p:nvSpPr>
-          <p:cNvPr id="3" name="Content Placeholder 2"/>
-          <p:cNvSpPr>
-            <a:spLocks noGrp="1"/>
-          </p:cNvSpPr>
-          <p:nvPr>
-            <p:ph idx="1"/>
-          </p:nvPr>
-        </p:nvSpPr>
-        <p:spPr>
-          <a:xfrm>
-            <a:off x="685800" y="1596325"/>
-            <a:ext cx="7772400" cy="4881967"/>
-          </a:xfrm>
-        </p:spPr>
+          <p:cNvPr id="2" name="Title 1"/>
+          <p:cNvSpPr>
+            <a:spLocks noGrp="1"/>
+          </p:cNvSpPr>
+          <p:nvPr>
+            <p:ph type="title"/>
+          </p:nvPr>
+        </p:nvSpPr>
+        <p:spPr/>
         <p:txBody>
           <a:bodyPr/>
           <a:lstStyle/>
           <a:p>
             <a:r>
               <a:rPr lang="en-US" dirty="0" smtClean="0"/>
-              <a:t>Other TS input (gates)</a:t>
-            </a:r>
+              <a:t>Initial Conditions + Memory</a:t>
+            </a:r>
+            <a:endParaRPr lang="en-US" dirty="0"/>
           </a:p>
         </p:txBody>
       </p:sp>
@@ -5274,51 +5826,594 @@
           </a:p>
         </p:txBody>
       </p:sp>
-      <p:pic>
-        <p:nvPicPr>
-          <p:cNvPr id="8194" name="Picture 2"/>
-          <p:cNvPicPr>
-            <a:picLocks noChangeAspect="1" noChangeArrowheads="1"/>
-          </p:cNvPicPr>
+      <p:grpSp>
+        <p:nvGrpSpPr>
+          <p:cNvPr id="34" name="Group 33"/>
+          <p:cNvGrpSpPr/>
           <p:nvPr/>
-        </p:nvPicPr>
-        <p:blipFill>
-          <a:blip r:embed="rId3" cstate="print"/>
-          <a:srcRect/>
-          <a:stretch>
-            <a:fillRect/>
-          </a:stretch>
-        </p:blipFill>
-        <p:spPr bwMode="auto">
+        </p:nvGrpSpPr>
+        <p:grpSpPr>
           <a:xfrm>
-            <a:off x="526596" y="2781981"/>
-            <a:ext cx="8134350" cy="2600325"/>
+            <a:off x="276909" y="1971675"/>
+            <a:ext cx="8583722" cy="4600575"/>
+            <a:chOff x="276909" y="1971675"/>
+            <a:chExt cx="8583722" cy="4600575"/>
           </a:xfrm>
-          <a:prstGeom prst="rect">
-            <a:avLst/>
-          </a:prstGeom>
-          <a:noFill/>
-          <a:ln w="9525">
+        </p:grpSpPr>
+        <p:grpSp>
+          <p:nvGrpSpPr>
+            <p:cNvPr id="33" name="Group 32"/>
+            <p:cNvGrpSpPr/>
+            <p:nvPr/>
+          </p:nvGrpSpPr>
+          <p:grpSpPr>
+            <a:xfrm>
+              <a:off x="1009654" y="1971675"/>
+              <a:ext cx="7105646" cy="3700464"/>
+              <a:chOff x="1295404" y="2457450"/>
+              <a:chExt cx="7105646" cy="3700464"/>
+            </a:xfrm>
+          </p:grpSpPr>
+          <p:cxnSp>
+            <p:nvCxnSpPr>
+              <p:cNvPr id="6" name="Straight Connector 5"/>
+              <p:cNvCxnSpPr/>
+              <p:nvPr/>
+            </p:nvCxnSpPr>
+            <p:spPr bwMode="auto">
+              <a:xfrm rot="5400000">
+                <a:off x="-536479" y="4295059"/>
+                <a:ext cx="3688539" cy="13321"/>
+              </a:xfrm>
+              <a:prstGeom prst="line">
+                <a:avLst/>
+              </a:prstGeom>
+              <a:solidFill>
+                <a:srgbClr val="FFFF99"/>
+              </a:solidFill>
+              <a:ln w="34925" cap="flat" cmpd="sng" algn="ctr">
+                <a:solidFill>
+                  <a:schemeClr val="tx1"/>
+                </a:solidFill>
+                <a:prstDash val="solid"/>
+                <a:round/>
+                <a:headEnd type="none" w="med" len="med"/>
+                <a:tailEnd type="none" w="med" len="med"/>
+              </a:ln>
+              <a:effectLst/>
+            </p:spPr>
+          </p:cxnSp>
+          <p:cxnSp>
+            <p:nvCxnSpPr>
+              <p:cNvPr id="7" name="Straight Connector 6"/>
+              <p:cNvCxnSpPr/>
+              <p:nvPr/>
+            </p:nvCxnSpPr>
+            <p:spPr bwMode="auto">
+              <a:xfrm rot="10800000" flipV="1">
+                <a:off x="1295404" y="6129338"/>
+                <a:ext cx="7105646" cy="28576"/>
+              </a:xfrm>
+              <a:prstGeom prst="line">
+                <a:avLst/>
+              </a:prstGeom>
+              <a:solidFill>
+                <a:srgbClr val="FFFF99"/>
+              </a:solidFill>
+              <a:ln w="34925" cap="flat" cmpd="sng" algn="ctr">
+                <a:solidFill>
+                  <a:schemeClr val="tx1"/>
+                </a:solidFill>
+                <a:prstDash val="solid"/>
+                <a:round/>
+                <a:headEnd type="none" w="med" len="med"/>
+                <a:tailEnd type="none" w="med" len="med"/>
+              </a:ln>
+              <a:effectLst/>
+            </p:spPr>
+          </p:cxnSp>
+        </p:grpSp>
+        <p:sp>
+          <p:nvSpPr>
+            <p:cNvPr id="20" name="TextBox 19"/>
+            <p:cNvSpPr txBox="1"/>
+            <p:nvPr/>
+          </p:nvSpPr>
+          <p:spPr>
+            <a:xfrm rot="16200000">
+              <a:off x="-514350" y="3506571"/>
+              <a:ext cx="2228850" cy="646331"/>
+            </a:xfrm>
+            <a:prstGeom prst="rect">
+              <a:avLst/>
+            </a:prstGeom>
             <a:noFill/>
-            <a:miter lim="800000"/>
-            <a:headEnd/>
-            <a:tailEnd/>
-          </a:ln>
-        </p:spPr>
-      </p:pic>
+          </p:spPr>
+          <p:txBody>
+            <a:bodyPr wrap="square" rtlCol="0">
+              <a:spAutoFit/>
+            </a:bodyPr>
+            <a:lstStyle/>
+            <a:p>
+              <a:r>
+                <a:rPr lang="en-US" dirty="0" smtClean="0"/>
+                <a:t>memory</a:t>
+              </a:r>
+              <a:endParaRPr lang="en-US" dirty="0"/>
+            </a:p>
+          </p:txBody>
+        </p:sp>
+        <p:sp>
+          <p:nvSpPr>
+            <p:cNvPr id="21" name="Freeform 20"/>
+            <p:cNvSpPr/>
+            <p:nvPr/>
+          </p:nvSpPr>
+          <p:spPr bwMode="auto">
+            <a:xfrm>
+              <a:off x="1400175" y="2757488"/>
+              <a:ext cx="6943725" cy="2486025"/>
+            </a:xfrm>
+            <a:custGeom>
+              <a:avLst/>
+              <a:gdLst>
+                <a:gd name="connsiteX0" fmla="*/ 0 w 6943725"/>
+                <a:gd name="connsiteY0" fmla="*/ 0 h 2486025"/>
+                <a:gd name="connsiteX1" fmla="*/ 314325 w 6943725"/>
+                <a:gd name="connsiteY1" fmla="*/ 585787 h 2486025"/>
+                <a:gd name="connsiteX2" fmla="*/ 914400 w 6943725"/>
+                <a:gd name="connsiteY2" fmla="*/ 1343025 h 2486025"/>
+                <a:gd name="connsiteX3" fmla="*/ 2000250 w 6943725"/>
+                <a:gd name="connsiteY3" fmla="*/ 1914525 h 2486025"/>
+                <a:gd name="connsiteX4" fmla="*/ 3914775 w 6943725"/>
+                <a:gd name="connsiteY4" fmla="*/ 2286000 h 2486025"/>
+                <a:gd name="connsiteX5" fmla="*/ 5529263 w 6943725"/>
+                <a:gd name="connsiteY5" fmla="*/ 2414587 h 2486025"/>
+                <a:gd name="connsiteX6" fmla="*/ 6943725 w 6943725"/>
+                <a:gd name="connsiteY6" fmla="*/ 2486025 h 2486025"/>
+                <a:gd name="connsiteX7" fmla="*/ 6943725 w 6943725"/>
+                <a:gd name="connsiteY7" fmla="*/ 2486025 h 2486025"/>
+              </a:gdLst>
+              <a:ahLst/>
+              <a:cxnLst>
+                <a:cxn ang="0">
+                  <a:pos x="connsiteX0" y="connsiteY0"/>
+                </a:cxn>
+                <a:cxn ang="0">
+                  <a:pos x="connsiteX1" y="connsiteY1"/>
+                </a:cxn>
+                <a:cxn ang="0">
+                  <a:pos x="connsiteX2" y="connsiteY2"/>
+                </a:cxn>
+                <a:cxn ang="0">
+                  <a:pos x="connsiteX3" y="connsiteY3"/>
+                </a:cxn>
+                <a:cxn ang="0">
+                  <a:pos x="connsiteX4" y="connsiteY4"/>
+                </a:cxn>
+                <a:cxn ang="0">
+                  <a:pos x="connsiteX5" y="connsiteY5"/>
+                </a:cxn>
+                <a:cxn ang="0">
+                  <a:pos x="connsiteX6" y="connsiteY6"/>
+                </a:cxn>
+                <a:cxn ang="0">
+                  <a:pos x="connsiteX7" y="connsiteY7"/>
+                </a:cxn>
+              </a:cxnLst>
+              <a:rect l="l" t="t" r="r" b="b"/>
+              <a:pathLst>
+                <a:path w="6943725" h="2486025">
+                  <a:moveTo>
+                    <a:pt x="0" y="0"/>
+                  </a:moveTo>
+                  <a:cubicBezTo>
+                    <a:pt x="80962" y="180975"/>
+                    <a:pt x="161925" y="361950"/>
+                    <a:pt x="314325" y="585787"/>
+                  </a:cubicBezTo>
+                  <a:cubicBezTo>
+                    <a:pt x="466725" y="809625"/>
+                    <a:pt x="633413" y="1121569"/>
+                    <a:pt x="914400" y="1343025"/>
+                  </a:cubicBezTo>
+                  <a:cubicBezTo>
+                    <a:pt x="1195387" y="1564481"/>
+                    <a:pt x="1500187" y="1757362"/>
+                    <a:pt x="2000250" y="1914525"/>
+                  </a:cubicBezTo>
+                  <a:cubicBezTo>
+                    <a:pt x="2500313" y="2071688"/>
+                    <a:pt x="3326606" y="2202656"/>
+                    <a:pt x="3914775" y="2286000"/>
+                  </a:cubicBezTo>
+                  <a:cubicBezTo>
+                    <a:pt x="4502944" y="2369344"/>
+                    <a:pt x="5024438" y="2381250"/>
+                    <a:pt x="5529263" y="2414587"/>
+                  </a:cubicBezTo>
+                  <a:cubicBezTo>
+                    <a:pt x="6034088" y="2447925"/>
+                    <a:pt x="6943725" y="2486025"/>
+                    <a:pt x="6943725" y="2486025"/>
+                  </a:cubicBezTo>
+                  <a:lnTo>
+                    <a:pt x="6943725" y="2486025"/>
+                  </a:lnTo>
+                </a:path>
+              </a:pathLst>
+            </a:custGeom>
+            <a:noFill/>
+            <a:ln w="34925" cap="flat" cmpd="sng" algn="ctr">
+              <a:solidFill>
+                <a:srgbClr val="FF0000"/>
+              </a:solidFill>
+              <a:prstDash val="solid"/>
+              <a:round/>
+              <a:headEnd type="none" w="med" len="med"/>
+              <a:tailEnd type="none" w="med" len="med"/>
+            </a:ln>
+            <a:effectLst/>
+          </p:spPr>
+          <p:txBody>
+            <a:bodyPr vert="horz" wrap="square" lIns="91440" tIns="45720" rIns="91440" bIns="45720" numCol="1" rtlCol="0" anchor="ctr" anchorCtr="0" compatLnSpc="1">
+              <a:prstTxWarp prst="textNoShape">
+                <a:avLst/>
+              </a:prstTxWarp>
+            </a:bodyPr>
+            <a:lstStyle/>
+            <a:p>
+              <a:pPr marL="0" marR="0" indent="0" algn="ctr" defTabSz="914400" rtl="0" eaLnBrk="0" fontAlgn="base" latinLnBrk="0" hangingPunct="0">
+                <a:lnSpc>
+                  <a:spcPct val="100000"/>
+                </a:lnSpc>
+                <a:spcBef>
+                  <a:spcPct val="0"/>
+                </a:spcBef>
+                <a:spcAft>
+                  <a:spcPct val="0"/>
+                </a:spcAft>
+                <a:buClrTx/>
+                <a:buSzTx/>
+                <a:buFontTx/>
+                <a:buNone/>
+                <a:tabLst/>
+              </a:pPr>
+              <a:endParaRPr kumimoji="0" lang="en-US" sz="3600" b="1" i="0" u="none" strike="noStrike" cap="none" normalizeH="0" baseline="0" smtClean="0">
+                <a:ln>
+                  <a:noFill/>
+                </a:ln>
+                <a:solidFill>
+                  <a:schemeClr val="tx1"/>
+                </a:solidFill>
+                <a:effectLst/>
+                <a:latin typeface="Arial" charset="0"/>
+              </a:endParaRPr>
+            </a:p>
+          </p:txBody>
+        </p:sp>
+        <p:sp>
+          <p:nvSpPr>
+            <p:cNvPr id="22" name="Freeform 21"/>
+            <p:cNvSpPr/>
+            <p:nvPr/>
+          </p:nvSpPr>
+          <p:spPr bwMode="auto">
+            <a:xfrm>
+              <a:off x="1071563" y="2743200"/>
+              <a:ext cx="7789068" cy="2921794"/>
+            </a:xfrm>
+            <a:custGeom>
+              <a:avLst/>
+              <a:gdLst>
+                <a:gd name="connsiteX0" fmla="*/ 0 w 7789068"/>
+                <a:gd name="connsiteY0" fmla="*/ 0 h 2943225"/>
+                <a:gd name="connsiteX1" fmla="*/ 157162 w 7789068"/>
+                <a:gd name="connsiteY1" fmla="*/ 1357313 h 2943225"/>
+                <a:gd name="connsiteX2" fmla="*/ 428625 w 7789068"/>
+                <a:gd name="connsiteY2" fmla="*/ 2357438 h 2943225"/>
+                <a:gd name="connsiteX3" fmla="*/ 914400 w 7789068"/>
+                <a:gd name="connsiteY3" fmla="*/ 2857500 h 2943225"/>
+                <a:gd name="connsiteX4" fmla="*/ 1057275 w 7789068"/>
+                <a:gd name="connsiteY4" fmla="*/ 2871788 h 2943225"/>
+                <a:gd name="connsiteX5" fmla="*/ 1457325 w 7789068"/>
+                <a:gd name="connsiteY5" fmla="*/ 2914650 h 2943225"/>
+                <a:gd name="connsiteX6" fmla="*/ 2386012 w 7789068"/>
+                <a:gd name="connsiteY6" fmla="*/ 2914650 h 2943225"/>
+                <a:gd name="connsiteX7" fmla="*/ 7015162 w 7789068"/>
+                <a:gd name="connsiteY7" fmla="*/ 2900363 h 2943225"/>
+                <a:gd name="connsiteX8" fmla="*/ 7029450 w 7789068"/>
+                <a:gd name="connsiteY8" fmla="*/ 2886075 h 2943225"/>
+                <a:gd name="connsiteX0" fmla="*/ 0 w 7789068"/>
+                <a:gd name="connsiteY0" fmla="*/ 0 h 2921794"/>
+                <a:gd name="connsiteX1" fmla="*/ 157162 w 7789068"/>
+                <a:gd name="connsiteY1" fmla="*/ 1357313 h 2921794"/>
+                <a:gd name="connsiteX2" fmla="*/ 428625 w 7789068"/>
+                <a:gd name="connsiteY2" fmla="*/ 2357438 h 2921794"/>
+                <a:gd name="connsiteX3" fmla="*/ 757238 w 7789068"/>
+                <a:gd name="connsiteY3" fmla="*/ 2757488 h 2921794"/>
+                <a:gd name="connsiteX4" fmla="*/ 1057275 w 7789068"/>
+                <a:gd name="connsiteY4" fmla="*/ 2871788 h 2921794"/>
+                <a:gd name="connsiteX5" fmla="*/ 1457325 w 7789068"/>
+                <a:gd name="connsiteY5" fmla="*/ 2914650 h 2921794"/>
+                <a:gd name="connsiteX6" fmla="*/ 2386012 w 7789068"/>
+                <a:gd name="connsiteY6" fmla="*/ 2914650 h 2921794"/>
+                <a:gd name="connsiteX7" fmla="*/ 7015162 w 7789068"/>
+                <a:gd name="connsiteY7" fmla="*/ 2900363 h 2921794"/>
+                <a:gd name="connsiteX8" fmla="*/ 7029450 w 7789068"/>
+                <a:gd name="connsiteY8" fmla="*/ 2886075 h 2921794"/>
+              </a:gdLst>
+              <a:ahLst/>
+              <a:cxnLst>
+                <a:cxn ang="0">
+                  <a:pos x="connsiteX0" y="connsiteY0"/>
+                </a:cxn>
+                <a:cxn ang="0">
+                  <a:pos x="connsiteX1" y="connsiteY1"/>
+                </a:cxn>
+                <a:cxn ang="0">
+                  <a:pos x="connsiteX2" y="connsiteY2"/>
+                </a:cxn>
+                <a:cxn ang="0">
+                  <a:pos x="connsiteX3" y="connsiteY3"/>
+                </a:cxn>
+                <a:cxn ang="0">
+                  <a:pos x="connsiteX4" y="connsiteY4"/>
+                </a:cxn>
+                <a:cxn ang="0">
+                  <a:pos x="connsiteX5" y="connsiteY5"/>
+                </a:cxn>
+                <a:cxn ang="0">
+                  <a:pos x="connsiteX6" y="connsiteY6"/>
+                </a:cxn>
+                <a:cxn ang="0">
+                  <a:pos x="connsiteX7" y="connsiteY7"/>
+                </a:cxn>
+                <a:cxn ang="0">
+                  <a:pos x="connsiteX8" y="connsiteY8"/>
+                </a:cxn>
+              </a:cxnLst>
+              <a:rect l="l" t="t" r="r" b="b"/>
+              <a:pathLst>
+                <a:path w="7789068" h="2921794">
+                  <a:moveTo>
+                    <a:pt x="0" y="0"/>
+                  </a:moveTo>
+                  <a:cubicBezTo>
+                    <a:pt x="42862" y="482203"/>
+                    <a:pt x="85724" y="964407"/>
+                    <a:pt x="157162" y="1357313"/>
+                  </a:cubicBezTo>
+                  <a:cubicBezTo>
+                    <a:pt x="228600" y="1750219"/>
+                    <a:pt x="328612" y="2124076"/>
+                    <a:pt x="428625" y="2357438"/>
+                  </a:cubicBezTo>
+                  <a:cubicBezTo>
+                    <a:pt x="528638" y="2590801"/>
+                    <a:pt x="652463" y="2671763"/>
+                    <a:pt x="757238" y="2757488"/>
+                  </a:cubicBezTo>
+                  <a:cubicBezTo>
+                    <a:pt x="862013" y="2843213"/>
+                    <a:pt x="1057275" y="2871788"/>
+                    <a:pt x="1057275" y="2871788"/>
+                  </a:cubicBezTo>
+                  <a:cubicBezTo>
+                    <a:pt x="1147763" y="2881313"/>
+                    <a:pt x="1235869" y="2907506"/>
+                    <a:pt x="1457325" y="2914650"/>
+                  </a:cubicBezTo>
+                  <a:cubicBezTo>
+                    <a:pt x="1678781" y="2921794"/>
+                    <a:pt x="2386012" y="2914650"/>
+                    <a:pt x="2386012" y="2914650"/>
+                  </a:cubicBezTo>
+                  <a:lnTo>
+                    <a:pt x="7015162" y="2900363"/>
+                  </a:lnTo>
+                  <a:cubicBezTo>
+                    <a:pt x="7789068" y="2895601"/>
+                    <a:pt x="7409259" y="2890838"/>
+                    <a:pt x="7029450" y="2886075"/>
+                  </a:cubicBezTo>
+                </a:path>
+              </a:pathLst>
+            </a:custGeom>
+            <a:noFill/>
+            <a:ln w="34925" cap="flat" cmpd="sng" algn="ctr">
+              <a:solidFill>
+                <a:schemeClr val="accent5">
+                  <a:lumMod val="75000"/>
+                </a:schemeClr>
+              </a:solidFill>
+              <a:prstDash val="solid"/>
+              <a:round/>
+              <a:headEnd type="none" w="med" len="med"/>
+              <a:tailEnd type="none" w="med" len="med"/>
+            </a:ln>
+            <a:effectLst/>
+          </p:spPr>
+          <p:txBody>
+            <a:bodyPr vert="horz" wrap="square" lIns="91440" tIns="45720" rIns="91440" bIns="45720" numCol="1" rtlCol="0" anchor="ctr" anchorCtr="0" compatLnSpc="1">
+              <a:prstTxWarp prst="textNoShape">
+                <a:avLst/>
+              </a:prstTxWarp>
+            </a:bodyPr>
+            <a:lstStyle/>
+            <a:p>
+              <a:pPr marL="0" marR="0" indent="0" algn="ctr" defTabSz="914400" rtl="0" eaLnBrk="0" fontAlgn="base" latinLnBrk="0" hangingPunct="0">
+                <a:lnSpc>
+                  <a:spcPct val="100000"/>
+                </a:lnSpc>
+                <a:spcBef>
+                  <a:spcPct val="0"/>
+                </a:spcBef>
+                <a:spcAft>
+                  <a:spcPct val="0"/>
+                </a:spcAft>
+                <a:buClrTx/>
+                <a:buSzTx/>
+                <a:buFontTx/>
+                <a:buNone/>
+                <a:tabLst/>
+              </a:pPr>
+              <a:endParaRPr kumimoji="0" lang="en-US" sz="3600" b="1" i="0" u="none" strike="noStrike" cap="none" normalizeH="0" baseline="0" smtClean="0">
+                <a:ln>
+                  <a:noFill/>
+                </a:ln>
+                <a:solidFill>
+                  <a:schemeClr val="tx1"/>
+                </a:solidFill>
+                <a:effectLst/>
+                <a:latin typeface="Arial" charset="0"/>
+              </a:endParaRPr>
+            </a:p>
+          </p:txBody>
+        </p:sp>
+        <p:sp>
+          <p:nvSpPr>
+            <p:cNvPr id="23" name="TextBox 22"/>
+            <p:cNvSpPr txBox="1"/>
+            <p:nvPr/>
+          </p:nvSpPr>
+          <p:spPr>
+            <a:xfrm>
+              <a:off x="6672262" y="4486275"/>
+              <a:ext cx="1500187" cy="646331"/>
+            </a:xfrm>
+            <a:prstGeom prst="rect">
+              <a:avLst/>
+            </a:prstGeom>
+            <a:noFill/>
+          </p:spPr>
+          <p:txBody>
+            <a:bodyPr wrap="square" rtlCol="0">
+              <a:spAutoFit/>
+            </a:bodyPr>
+            <a:lstStyle/>
+            <a:p>
+              <a:r>
+                <a:rPr lang="en-US" dirty="0" smtClean="0">
+                  <a:solidFill>
+                    <a:srgbClr val="C00000"/>
+                  </a:solidFill>
+                </a:rPr>
+                <a:t>QUAL</a:t>
+              </a:r>
+              <a:endParaRPr lang="en-US" dirty="0">
+                <a:solidFill>
+                  <a:srgbClr val="C00000"/>
+                </a:solidFill>
+              </a:endParaRPr>
+            </a:p>
+          </p:txBody>
+        </p:sp>
+        <p:sp>
+          <p:nvSpPr>
+            <p:cNvPr id="24" name="TextBox 23"/>
+            <p:cNvSpPr txBox="1"/>
+            <p:nvPr/>
+          </p:nvSpPr>
+          <p:spPr>
+            <a:xfrm>
+              <a:off x="2366962" y="5038726"/>
+              <a:ext cx="2333625" cy="646331"/>
+            </a:xfrm>
+            <a:prstGeom prst="rect">
+              <a:avLst/>
+            </a:prstGeom>
+            <a:noFill/>
+          </p:spPr>
+          <p:txBody>
+            <a:bodyPr wrap="square" rtlCol="0">
+              <a:spAutoFit/>
+            </a:bodyPr>
+            <a:lstStyle/>
+            <a:p>
+              <a:r>
+                <a:rPr lang="en-US" dirty="0" smtClean="0">
+                  <a:solidFill>
+                    <a:srgbClr val="A9E3A9"/>
+                  </a:solidFill>
+                </a:rPr>
+                <a:t>HYDRO</a:t>
+              </a:r>
+              <a:endParaRPr lang="en-US" dirty="0">
+                <a:solidFill>
+                  <a:srgbClr val="A9E3A9"/>
+                </a:solidFill>
+              </a:endParaRPr>
+            </a:p>
+          </p:txBody>
+        </p:sp>
+        <p:sp>
+          <p:nvSpPr>
+            <p:cNvPr id="29" name="TextBox 28"/>
+            <p:cNvSpPr txBox="1"/>
+            <p:nvPr/>
+          </p:nvSpPr>
+          <p:spPr>
+            <a:xfrm>
+              <a:off x="1895476" y="5925919"/>
+              <a:ext cx="1485900" cy="646331"/>
+            </a:xfrm>
+            <a:prstGeom prst="rect">
+              <a:avLst/>
+            </a:prstGeom>
+            <a:noFill/>
+          </p:spPr>
+          <p:txBody>
+            <a:bodyPr wrap="square" rtlCol="0">
+              <a:spAutoFit/>
+            </a:bodyPr>
+            <a:lstStyle/>
+            <a:p>
+              <a:r>
+                <a:rPr lang="en-US" dirty="0" smtClean="0"/>
+                <a:t>days</a:t>
+              </a:r>
+              <a:endParaRPr lang="en-US" dirty="0"/>
+            </a:p>
+          </p:txBody>
+        </p:sp>
+        <p:sp>
+          <p:nvSpPr>
+            <p:cNvPr id="30" name="TextBox 29"/>
+            <p:cNvSpPr txBox="1"/>
+            <p:nvPr/>
+          </p:nvSpPr>
+          <p:spPr>
+            <a:xfrm>
+              <a:off x="5962652" y="5911632"/>
+              <a:ext cx="2352674" cy="646331"/>
+            </a:xfrm>
+            <a:prstGeom prst="rect">
+              <a:avLst/>
+            </a:prstGeom>
+            <a:noFill/>
+          </p:spPr>
+          <p:txBody>
+            <a:bodyPr wrap="square" rtlCol="0">
+              <a:spAutoFit/>
+            </a:bodyPr>
+            <a:lstStyle/>
+            <a:p>
+              <a:r>
+                <a:rPr lang="en-US" dirty="0" smtClean="0"/>
+                <a:t>months</a:t>
+              </a:r>
+              <a:endParaRPr lang="en-US" dirty="0"/>
+            </a:p>
+          </p:txBody>
+        </p:sp>
+      </p:grpSp>
     </p:spTree>
   </p:cSld>
   <p:clrMapOvr>
     <a:masterClrMapping/>
   </p:clrMapOvr>
   <p:transition advClick="0" advTm="0"/>
-  <p:timing>
-    <p:tnLst>
-      <p:par>
-        <p:cTn id="1" dur="indefinite" restart="never" nodeType="tmRoot"/>
-      </p:par>
-    </p:tnLst>
-  </p:timing>
 </p:sld>
 </file>
 
@@ -5349,14 +6444,23 @@
             <p:ph type="title"/>
           </p:nvPr>
         </p:nvSpPr>
-        <p:spPr/>
+        <p:spPr>
+          <a:xfrm>
+            <a:off x="379562" y="323850"/>
+            <a:ext cx="8384876" cy="1143000"/>
+          </a:xfrm>
+        </p:spPr>
         <p:txBody>
           <a:bodyPr/>
           <a:lstStyle/>
           <a:p>
             <a:r>
               <a:rPr lang="en-US" dirty="0" smtClean="0"/>
-              <a:t>Initial Condition Input</a:t>
+              <a:t>HYDRO Initial </a:t>
+            </a:r>
+            <a:r>
+              <a:rPr lang="en-US" dirty="0" smtClean="0"/>
+              <a:t>Condition Input</a:t>
             </a:r>
             <a:endParaRPr lang="en-US" dirty="0"/>
           </a:p>
@@ -5442,7 +6546,7 @@
           <p:nvPr/>
         </p:nvPicPr>
         <p:blipFill>
-          <a:blip r:embed="rId2" cstate="print"/>
+          <a:blip r:embed="rId3" cstate="print"/>
           <a:srcRect/>
           <a:stretch>
             <a:fillRect/>
@@ -5450,7 +6554,7 @@
         </p:blipFill>
         <p:spPr bwMode="auto">
           <a:xfrm>
-            <a:off x="5244194" y="1296761"/>
+            <a:off x="5399470" y="1572807"/>
             <a:ext cx="3467100" cy="5048250"/>
           </a:xfrm>
           <a:prstGeom prst="rect">
@@ -5515,7 +6619,11 @@
           <a:p>
             <a:r>
               <a:rPr lang="en-US" dirty="0" smtClean="0"/>
-              <a:t>Initial Condition Input</a:t>
+              <a:t>QUAL Initial </a:t>
+            </a:r>
+            <a:r>
+              <a:rPr lang="en-US" dirty="0" smtClean="0"/>
+              <a:t>Condition Input</a:t>
             </a:r>
             <a:endParaRPr lang="en-US" dirty="0"/>
           </a:p>
@@ -5534,7 +6642,7 @@
         <p:spPr>
           <a:xfrm>
             <a:off x="674914" y="1556658"/>
-            <a:ext cx="7772400" cy="4114800"/>
+            <a:ext cx="7772400" cy="4672692"/>
           </a:xfrm>
         </p:spPr>
         <p:txBody>
@@ -5543,18 +6651,7 @@
           <a:p>
             <a:r>
               <a:rPr lang="en-US" dirty="0" smtClean="0"/>
-              <a:t>QUAL Default</a:t>
-            </a:r>
-          </a:p>
-          <a:p>
-            <a:pPr lvl="1"/>
-            <a:r>
-              <a:rPr lang="en-US" dirty="0" smtClean="0"/>
-              <a:t>Scalar </a:t>
-            </a:r>
-            <a:r>
-              <a:rPr lang="en-US" dirty="0" err="1" smtClean="0"/>
-              <a:t>init_conc</a:t>
+              <a:t>Default:</a:t>
             </a:r>
             <a:endParaRPr lang="en-US" dirty="0" smtClean="0"/>
           </a:p>
@@ -5564,6 +6661,20 @@
             </a:pPr>
             <a:r>
               <a:rPr lang="en-US" dirty="0" smtClean="0"/>
+              <a:t>Scalar </a:t>
+            </a:r>
+            <a:r>
+              <a:rPr lang="en-US" dirty="0" err="1" smtClean="0"/>
+              <a:t>init_conc</a:t>
+            </a:r>
+            <a:endParaRPr lang="en-US" dirty="0" smtClean="0"/>
+          </a:p>
+          <a:p>
+            <a:pPr lvl="1">
+              <a:buNone/>
+            </a:pPr>
+            <a:r>
+              <a:rPr lang="en-US" dirty="0" smtClean="0"/>
               <a:t>    (cold start)</a:t>
             </a:r>
           </a:p>
@@ -5588,8 +6699,36 @@
             </a:pPr>
             <a:r>
               <a:rPr lang="en-US" dirty="0" smtClean="0"/>
-              <a:t>   (warm start)</a:t>
-            </a:r>
+              <a:t>   (warm start</a:t>
+            </a:r>
+            <a:r>
+              <a:rPr lang="en-US" dirty="0" smtClean="0"/>
+              <a:t>)</a:t>
+            </a:r>
+          </a:p>
+          <a:p>
+            <a:pPr>
+              <a:buFont typeface="Arial" pitchFamily="34" charset="0"/>
+              <a:buChar char="•"/>
+            </a:pPr>
+            <a:r>
+              <a:rPr lang="en-US" dirty="0" smtClean="0"/>
+              <a:t>Affects source </a:t>
+            </a:r>
+          </a:p>
+          <a:p>
+            <a:pPr>
+              <a:buNone/>
+            </a:pPr>
+            <a:r>
+              <a:rPr lang="en-US" dirty="0" smtClean="0"/>
+              <a:t>	</a:t>
+            </a:r>
+            <a:r>
+              <a:rPr lang="en-US" dirty="0" smtClean="0"/>
+              <a:t>tracking</a:t>
+            </a:r>
+            <a:endParaRPr lang="en-US" dirty="0" smtClean="0"/>
           </a:p>
           <a:p>
             <a:pPr lvl="1">
@@ -5638,7 +6777,7 @@
           <p:nvPr/>
         </p:nvPicPr>
         <p:blipFill>
-          <a:blip r:embed="rId2" cstate="print"/>
+          <a:blip r:embed="rId3" cstate="print"/>
           <a:srcRect/>
           <a:stretch>
             <a:fillRect/>
@@ -5646,8 +6785,8 @@
         </p:blipFill>
         <p:spPr bwMode="auto">
           <a:xfrm>
-            <a:off x="4523014" y="1171575"/>
-            <a:ext cx="4191000" cy="5686425"/>
+            <a:off x="4961712" y="1485900"/>
+            <a:ext cx="3959336" cy="5372099"/>
           </a:xfrm>
           <a:prstGeom prst="rect">
             <a:avLst/>
@@ -5698,7 +6837,7 @@
         </p:nvSpPr>
         <p:spPr bwMode="auto">
           <a:xfrm>
-            <a:off x="5148943" y="5148943"/>
+            <a:off x="5020355" y="5206093"/>
             <a:ext cx="1730828" cy="250372"/>
           </a:xfrm>
           <a:prstGeom prst="ellipse">
@@ -5837,8 +6976,13 @@
           <a:p>
             <a:r>
               <a:rPr lang="en-US" dirty="0" smtClean="0"/>
-              <a:t>Flow field</a:t>
-            </a:r>
+              <a:t>Flow </a:t>
+            </a:r>
+            <a:r>
+              <a:rPr lang="en-US" dirty="0" smtClean="0"/>
+              <a:t>field for every time step</a:t>
+            </a:r>
+            <a:endParaRPr lang="en-US" dirty="0" smtClean="0"/>
           </a:p>
           <a:p>
             <a:r>
@@ -5849,8 +6993,35 @@
           <a:p>
             <a:r>
               <a:rPr lang="en-US" dirty="0" smtClean="0"/>
-              <a:t>HDF5 Viewer to view</a:t>
-            </a:r>
+              <a:t>HDF5 Viewer to </a:t>
+            </a:r>
+            <a:r>
+              <a:rPr lang="en-US" dirty="0" smtClean="0"/>
+              <a:t>view</a:t>
+            </a:r>
+          </a:p>
+          <a:p>
+            <a:pPr lvl="1"/>
+            <a:r>
+              <a:rPr lang="en-US" dirty="0" err="1" smtClean="0"/>
+              <a:t>Matlab</a:t>
+            </a:r>
+            <a:endParaRPr lang="en-US" dirty="0" smtClean="0"/>
+          </a:p>
+          <a:p>
+            <a:pPr lvl="1"/>
+            <a:r>
+              <a:rPr lang="en-US" dirty="0" smtClean="0"/>
+              <a:t>Python</a:t>
+            </a:r>
+          </a:p>
+          <a:p>
+            <a:pPr lvl="1"/>
+            <a:r>
+              <a:rPr lang="en-US" dirty="0" smtClean="0"/>
+              <a:t>Etc.</a:t>
+            </a:r>
+            <a:endParaRPr lang="en-US" dirty="0" smtClean="0"/>
           </a:p>
         </p:txBody>
       </p:sp>
@@ -5887,7 +7058,7 @@
           <p:nvPr/>
         </p:nvPicPr>
         <p:blipFill>
-          <a:blip r:embed="rId2" cstate="print"/>
+          <a:blip r:embed="rId3" cstate="print"/>
           <a:srcRect/>
           <a:stretch>
             <a:fillRect/>
@@ -5895,8 +7066,8 @@
         </p:blipFill>
         <p:spPr bwMode="auto">
           <a:xfrm>
-            <a:off x="4929673" y="3701143"/>
-            <a:ext cx="4214327" cy="3156857"/>
+            <a:off x="5078832" y="3812875"/>
+            <a:ext cx="4065168" cy="3045125"/>
           </a:xfrm>
           <a:prstGeom prst="rect">
             <a:avLst/>
@@ -5953,7 +7124,12 @@
             <p:ph type="title"/>
           </p:nvPr>
         </p:nvSpPr>
-        <p:spPr/>
+        <p:spPr>
+          <a:xfrm>
+            <a:off x="754811" y="69012"/>
+            <a:ext cx="7772400" cy="1143000"/>
+          </a:xfrm>
+        </p:spPr>
         <p:txBody>
           <a:bodyPr/>
           <a:lstStyle/>
@@ -5961,6 +7137,10 @@
             <a:r>
               <a:rPr lang="en-US" dirty="0" err="1" smtClean="0"/>
               <a:t>Tidefile</a:t>
+            </a:r>
+            <a:r>
+              <a:rPr lang="en-US" dirty="0" smtClean="0"/>
+              <a:t> Specifications</a:t>
             </a:r>
             <a:r>
               <a:rPr lang="en-US" dirty="0" smtClean="0"/>
@@ -6072,7 +7252,7 @@
         </p:blipFill>
         <p:spPr bwMode="auto">
           <a:xfrm>
-            <a:off x="3688897" y="3935866"/>
+            <a:off x="3861427" y="3935866"/>
             <a:ext cx="5010150" cy="2600325"/>
           </a:xfrm>
           <a:prstGeom prst="rect">
@@ -6284,7 +7464,7 @@
           <a:solidFill>
             <a:srgbClr val="FFFF99"/>
           </a:solidFill>
-          <a:ln w="22225" cap="flat" cmpd="sng" algn="ctr">
+          <a:ln w="28575" cap="flat" cmpd="sng" algn="ctr">
             <a:solidFill>
               <a:srgbClr val="C00000"/>
             </a:solidFill>
@@ -6305,7 +7485,7 @@
         <p:spPr>
           <a:xfrm>
             <a:off x="282983" y="4874411"/>
-            <a:ext cx="3203120" cy="707886"/>
+            <a:ext cx="3271100" cy="707886"/>
           </a:xfrm>
           <a:prstGeom prst="rect">
             <a:avLst/>
@@ -6313,7 +7493,7 @@
           <a:noFill/>
         </p:spPr>
         <p:txBody>
-          <a:bodyPr wrap="none" rtlCol="0">
+          <a:bodyPr wrap="square" rtlCol="0">
             <a:spAutoFit/>
           </a:bodyPr>
           <a:lstStyle/>
@@ -6329,13 +7509,89 @@
               <a:t> to </a:t>
             </a:r>
             <a:r>
-              <a:rPr lang="en-US" sz="2000" dirty="0" err="1" smtClean="0"/>
-              <a:t>Qual</a:t>
-            </a:r>
-            <a:r>
               <a:rPr lang="en-US" sz="2000" dirty="0" smtClean="0"/>
-              <a:t> and PTM </a:t>
-            </a:r>
+              <a:t>QUAL </a:t>
+            </a:r>
+            <a:r>
+              <a:rPr lang="en-US" sz="2000" dirty="0" smtClean="0"/>
+              <a:t>and PTM </a:t>
+            </a:r>
+          </a:p>
+        </p:txBody>
+      </p:sp>
+      <p:sp>
+        <p:nvSpPr>
+          <p:cNvPr id="13" name="TextBox 12"/>
+          <p:cNvSpPr txBox="1"/>
+          <p:nvPr/>
+        </p:nvSpPr>
+        <p:spPr>
+          <a:xfrm>
+            <a:off x="4244195" y="2329132"/>
+            <a:ext cx="2570673" cy="461665"/>
+          </a:xfrm>
+          <a:prstGeom prst="rect">
+            <a:avLst/>
+          </a:prstGeom>
+          <a:noFill/>
+        </p:spPr>
+        <p:txBody>
+          <a:bodyPr wrap="square" rtlCol="0">
+            <a:spAutoFit/>
+          </a:bodyPr>
+          <a:lstStyle/>
+          <a:p>
+            <a:r>
+              <a:rPr lang="en-US" sz="2400" dirty="0" smtClean="0">
+                <a:solidFill>
+                  <a:srgbClr val="C00000"/>
+                </a:solidFill>
+              </a:rPr>
+              <a:t>Create</a:t>
+            </a:r>
+            <a:endParaRPr lang="en-US" sz="2400" dirty="0">
+              <a:solidFill>
+                <a:srgbClr val="C00000"/>
+              </a:solidFill>
+            </a:endParaRPr>
+          </a:p>
+        </p:txBody>
+      </p:sp>
+      <p:sp>
+        <p:nvSpPr>
+          <p:cNvPr id="16" name="TextBox 15"/>
+          <p:cNvSpPr txBox="1"/>
+          <p:nvPr/>
+        </p:nvSpPr>
+        <p:spPr>
+          <a:xfrm>
+            <a:off x="7019026" y="5069456"/>
+            <a:ext cx="1259457" cy="461665"/>
+          </a:xfrm>
+          <a:prstGeom prst="rect">
+            <a:avLst/>
+          </a:prstGeom>
+          <a:noFill/>
+        </p:spPr>
+        <p:txBody>
+          <a:bodyPr wrap="square" rtlCol="0">
+            <a:spAutoFit/>
+          </a:bodyPr>
+          <a:lstStyle/>
+          <a:p>
+            <a:r>
+              <a:rPr lang="en-US" sz="2400" dirty="0" smtClean="0">
+                <a:solidFill>
+                  <a:srgbClr val="C00000"/>
+                </a:solidFill>
+              </a:rPr>
+              <a:t>Use</a:t>
+            </a:r>
+            <a:endParaRPr lang="en-US" sz="2400" dirty="0">
+              <a:solidFill>
+                <a:srgbClr val="C00000"/>
+              </a:solidFill>
+            </a:endParaRPr>
           </a:p>
         </p:txBody>
       </p:sp>
@@ -6466,15 +7722,17 @@
             <a:pPr lvl="1"/>
             <a:r>
               <a:rPr lang="en-US" sz="2000" dirty="0" smtClean="0"/>
-              <a:t>OUTPUT_CHANNEL</a:t>
-            </a:r>
+              <a:t>OUTPUT_CHANNEL 	(HYDRO and QUAL)</a:t>
+            </a:r>
+            <a:endParaRPr lang="en-US" sz="2000" dirty="0" smtClean="0"/>
           </a:p>
           <a:p>
             <a:pPr lvl="1"/>
             <a:r>
               <a:rPr lang="en-US" sz="2000" dirty="0" smtClean="0"/>
-              <a:t>OUTPUT_RESERVOIR</a:t>
-            </a:r>
+              <a:t>OUTPUT_RESERVOIR	 (HYDRO and QUAL)</a:t>
+            </a:r>
+            <a:endParaRPr lang="en-US" sz="2000" dirty="0" smtClean="0"/>
           </a:p>
           <a:p>
             <a:pPr lvl="1"/>
@@ -6535,7 +7793,7 @@
         </p:nvSpPr>
         <p:spPr bwMode="auto">
           <a:xfrm>
-            <a:off x="6509657" y="5529943"/>
+            <a:off x="6716691" y="5529943"/>
             <a:ext cx="152400" cy="805543"/>
           </a:xfrm>
           <a:prstGeom prst="rightBrace">
@@ -6599,7 +7857,7 @@
         <p:spPr>
           <a:xfrm>
             <a:off x="6825343" y="5715000"/>
-            <a:ext cx="1643742" cy="369332"/>
+            <a:ext cx="1643742" cy="830997"/>
           </a:xfrm>
           <a:prstGeom prst="rect">
             <a:avLst/>
@@ -6613,14 +7871,22 @@
           <a:lstStyle/>
           <a:p>
             <a:r>
-              <a:rPr lang="en-US" sz="1800" dirty="0" smtClean="0">
+              <a:rPr lang="en-US" sz="2400" dirty="0" smtClean="0">
                 <a:solidFill>
                   <a:schemeClr val="tx2"/>
                 </a:solidFill>
               </a:rPr>
-              <a:t>Covered next</a:t>
-            </a:r>
-            <a:endParaRPr lang="en-US" sz="1800" dirty="0">
+              <a:t>Covered </a:t>
+            </a:r>
+            <a:r>
+              <a:rPr lang="en-US" sz="2400" dirty="0" smtClean="0">
+                <a:solidFill>
+                  <a:schemeClr val="tx2"/>
+                </a:solidFill>
+              </a:rPr>
+              <a:t>later</a:t>
+            </a:r>
+            <a:endParaRPr lang="en-US" sz="2400" dirty="0">
               <a:solidFill>
                 <a:schemeClr val="tx2"/>
               </a:solidFill>
@@ -6678,125 +7944,13 @@
           <a:p>
             <a:r>
               <a:rPr lang="en-US" dirty="0" smtClean="0"/>
-              <a:t>Time Series Output</a:t>
+              <a:t>Example 1: Channel </a:t>
+            </a:r>
+            <a:r>
+              <a:rPr lang="en-US" dirty="0" smtClean="0"/>
+              <a:t>Output</a:t>
             </a:r>
             <a:endParaRPr lang="en-US" dirty="0"/>
-          </a:p>
-        </p:txBody>
-      </p:sp>
-      <p:sp>
-        <p:nvSpPr>
-          <p:cNvPr id="3" name="Content Placeholder 2"/>
-          <p:cNvSpPr>
-            <a:spLocks noGrp="1"/>
-          </p:cNvSpPr>
-          <p:nvPr>
-            <p:ph idx="1"/>
-          </p:nvPr>
-        </p:nvSpPr>
-        <p:spPr>
-          <a:xfrm>
-            <a:off x="729343" y="1589314"/>
-            <a:ext cx="7772400" cy="4114800"/>
-          </a:xfrm>
-        </p:spPr>
-        <p:txBody>
-          <a:bodyPr/>
-          <a:lstStyle/>
-          <a:p>
-            <a:pPr lvl="1"/>
-            <a:r>
-              <a:rPr lang="en-US" sz="2000" dirty="0" smtClean="0"/>
-              <a:t>OUTPUT_GATE</a:t>
-            </a:r>
-          </a:p>
-          <a:p>
-            <a:pPr lvl="2"/>
-            <a:r>
-              <a:rPr lang="en-US" sz="2000" dirty="0" smtClean="0"/>
-              <a:t>Device physical data (</a:t>
-            </a:r>
-            <a:r>
-              <a:rPr lang="en-US" sz="2000" i="1" dirty="0" smtClean="0"/>
-              <a:t>width</a:t>
-            </a:r>
-            <a:r>
-              <a:rPr lang="en-US" sz="2000" dirty="0" smtClean="0"/>
-              <a:t>, </a:t>
-            </a:r>
-            <a:r>
-              <a:rPr lang="en-US" sz="2000" i="1" dirty="0" smtClean="0"/>
-              <a:t>height</a:t>
-            </a:r>
-            <a:r>
-              <a:rPr lang="en-US" sz="2000" dirty="0" smtClean="0"/>
-              <a:t>, </a:t>
-            </a:r>
-            <a:r>
-              <a:rPr lang="en-US" sz="2000" i="1" dirty="0" err="1" smtClean="0"/>
-              <a:t>elev</a:t>
-            </a:r>
-            <a:r>
-              <a:rPr lang="en-US" sz="2000" dirty="0" smtClean="0"/>
-              <a:t>), </a:t>
-            </a:r>
-          </a:p>
-          <a:p>
-            <a:pPr lvl="2"/>
-            <a:r>
-              <a:rPr lang="en-US" sz="2000" dirty="0" smtClean="0"/>
-              <a:t>operational data (</a:t>
-            </a:r>
-            <a:r>
-              <a:rPr lang="en-US" sz="2000" i="1" dirty="0" err="1" smtClean="0"/>
-              <a:t>op_to_node</a:t>
-            </a:r>
-            <a:r>
-              <a:rPr lang="en-US" sz="2000" dirty="0" smtClean="0"/>
-              <a:t>, </a:t>
-            </a:r>
-            <a:r>
-              <a:rPr lang="en-US" sz="2000" i="1" dirty="0" err="1" smtClean="0"/>
-              <a:t>op_from_node</a:t>
-            </a:r>
-            <a:r>
-              <a:rPr lang="en-US" sz="2000" dirty="0" smtClean="0"/>
-              <a:t>) </a:t>
-            </a:r>
-          </a:p>
-          <a:p>
-            <a:pPr lvl="2"/>
-            <a:r>
-              <a:rPr lang="en-US" sz="2000" i="1" dirty="0" smtClean="0"/>
-              <a:t>flow</a:t>
-            </a:r>
-            <a:r>
-              <a:rPr lang="en-US" sz="2000" dirty="0" smtClean="0"/>
-              <a:t> from water body to node.</a:t>
-            </a:r>
-          </a:p>
-          <a:p>
-            <a:pPr lvl="2"/>
-            <a:r>
-              <a:rPr lang="en-US" sz="2000" dirty="0" smtClean="0"/>
-              <a:t>From a gate with device=none you can request the variables </a:t>
-            </a:r>
-            <a:r>
-              <a:rPr lang="en-US" sz="2000" i="1" dirty="0" smtClean="0"/>
-              <a:t>install</a:t>
-            </a:r>
-            <a:r>
-              <a:rPr lang="en-US" sz="2000" dirty="0" smtClean="0"/>
-              <a:t>, or total </a:t>
-            </a:r>
-            <a:r>
-              <a:rPr lang="en-US" sz="2000" i="1" dirty="0" smtClean="0"/>
-              <a:t>flow</a:t>
-            </a:r>
-            <a:r>
-              <a:rPr lang="en-US" sz="2000" dirty="0" smtClean="0"/>
-              <a:t> oriented from water body to node.</a:t>
-            </a:r>
           </a:p>
         </p:txBody>
       </p:sp>
@@ -6819,86 +7973,6 @@
               <a:rPr lang="en-US" smtClean="0"/>
               <a:pPr/>
               <a:t>17</a:t>
-            </a:fld>
-            <a:endParaRPr lang="en-US" dirty="0"/>
-          </a:p>
-        </p:txBody>
-      </p:sp>
-    </p:spTree>
-  </p:cSld>
-  <p:clrMapOvr>
-    <a:masterClrMapping/>
-  </p:clrMapOvr>
-  <p:transition advClick="0" advTm="0"/>
-  <p:timing>
-    <p:tnLst>
-      <p:par>
-        <p:cTn id="1" dur="indefinite" restart="never" nodeType="tmRoot"/>
-      </p:par>
-    </p:tnLst>
-  </p:timing>
-</p:sld>
-</file>
-
-<file path=ppt/slides/slide18.xml><?xml version="1.0" encoding="utf-8"?>
-<p:sld xmlns:a="http://schemas.openxmlformats.org/drawingml/2006/main" xmlns:r="http://schemas.openxmlformats.org/officeDocument/2006/relationships" xmlns:p="http://schemas.openxmlformats.org/presentationml/2006/main">
-  <p:cSld>
-    <p:spTree>
-      <p:nvGrpSpPr>
-        <p:cNvPr id="1" name=""/>
-        <p:cNvGrpSpPr/>
-        <p:nvPr/>
-      </p:nvGrpSpPr>
-      <p:grpSpPr>
-        <a:xfrm>
-          <a:off x="0" y="0"/>
-          <a:ext cx="0" cy="0"/>
-          <a:chOff x="0" y="0"/>
-          <a:chExt cx="0" cy="0"/>
-        </a:xfrm>
-      </p:grpSpPr>
-      <p:sp>
-        <p:nvSpPr>
-          <p:cNvPr id="2" name="Title 1"/>
-          <p:cNvSpPr>
-            <a:spLocks noGrp="1"/>
-          </p:cNvSpPr>
-          <p:nvPr>
-            <p:ph type="title"/>
-          </p:nvPr>
-        </p:nvSpPr>
-        <p:spPr/>
-        <p:txBody>
-          <a:bodyPr/>
-          <a:lstStyle/>
-          <a:p>
-            <a:r>
-              <a:rPr lang="en-US" dirty="0" smtClean="0"/>
-              <a:t>Time Series Output</a:t>
-            </a:r>
-            <a:endParaRPr lang="en-US" dirty="0"/>
-          </a:p>
-        </p:txBody>
-      </p:sp>
-      <p:sp>
-        <p:nvSpPr>
-          <p:cNvPr id="4" name="Date Placeholder 3"/>
-          <p:cNvSpPr>
-            <a:spLocks noGrp="1"/>
-          </p:cNvSpPr>
-          <p:nvPr>
-            <p:ph type="dt" sz="half" idx="10"/>
-          </p:nvPr>
-        </p:nvSpPr>
-        <p:spPr/>
-        <p:txBody>
-          <a:bodyPr/>
-          <a:lstStyle/>
-          <a:p>
-            <a:fld id="{AB98F214-5D90-468C-9EE8-E1612B8D2BE2}" type="slidenum">
-              <a:rPr lang="en-US" smtClean="0"/>
-              <a:pPr/>
-              <a:t>18</a:t>
             </a:fld>
             <a:endParaRPr lang="en-US"/>
           </a:p>
@@ -6952,7 +8026,7 @@
 </p:sld>
 </file>
 
-<file path=ppt/slides/slide19.xml><?xml version="1.0" encoding="utf-8"?>
+<file path=ppt/slides/slide18.xml><?xml version="1.0" encoding="utf-8"?>
 <p:sld xmlns:a="http://schemas.openxmlformats.org/drawingml/2006/main" xmlns:r="http://schemas.openxmlformats.org/officeDocument/2006/relationships" xmlns:p="http://schemas.openxmlformats.org/presentationml/2006/main">
   <p:cSld>
     <p:spTree>
@@ -6986,7 +8060,7 @@
           <a:p>
             <a:r>
               <a:rPr lang="en-US" dirty="0" smtClean="0"/>
-              <a:t>Time Series Output</a:t>
+              <a:t>Example 2: Gate Output</a:t>
             </a:r>
             <a:endParaRPr lang="en-US" dirty="0"/>
           </a:p>
@@ -7010,7 +8084,7 @@
             <a:fld id="{AB98F214-5D90-468C-9EE8-E1612B8D2BE2}" type="slidenum">
               <a:rPr lang="en-US" smtClean="0"/>
               <a:pPr/>
-              <a:t>19</a:t>
+              <a:t>18</a:t>
             </a:fld>
             <a:endParaRPr lang="en-US"/>
           </a:p>
@@ -7066,6 +8140,140 @@
 </p:sld>
 </file>
 
+<file path=ppt/slides/slide19.xml><?xml version="1.0" encoding="utf-8"?>
+<p:sld xmlns:a="http://schemas.openxmlformats.org/drawingml/2006/main" xmlns:r="http://schemas.openxmlformats.org/officeDocument/2006/relationships" xmlns:p="http://schemas.openxmlformats.org/presentationml/2006/main">
+  <p:cSld>
+    <p:spTree>
+      <p:nvGrpSpPr>
+        <p:cNvPr id="1" name=""/>
+        <p:cNvGrpSpPr/>
+        <p:nvPr/>
+      </p:nvGrpSpPr>
+      <p:grpSpPr>
+        <a:xfrm>
+          <a:off x="0" y="0"/>
+          <a:ext cx="0" cy="0"/>
+          <a:chOff x="0" y="0"/>
+          <a:chExt cx="0" cy="0"/>
+        </a:xfrm>
+      </p:grpSpPr>
+      <p:sp>
+        <p:nvSpPr>
+          <p:cNvPr id="2" name="Title 1"/>
+          <p:cNvSpPr>
+            <a:spLocks noGrp="1"/>
+          </p:cNvSpPr>
+          <p:nvPr>
+            <p:ph type="title"/>
+          </p:nvPr>
+        </p:nvSpPr>
+        <p:spPr/>
+        <p:txBody>
+          <a:bodyPr/>
+          <a:lstStyle/>
+          <a:p>
+            <a:r>
+              <a:rPr lang="en-US" dirty="0" smtClean="0"/>
+              <a:t>Tutorial 4: Time Series</a:t>
+            </a:r>
+            <a:endParaRPr lang="en-US" dirty="0"/>
+          </a:p>
+        </p:txBody>
+      </p:sp>
+      <p:sp>
+        <p:nvSpPr>
+          <p:cNvPr id="3" name="Content Placeholder 2"/>
+          <p:cNvSpPr>
+            <a:spLocks noGrp="1"/>
+          </p:cNvSpPr>
+          <p:nvPr>
+            <p:ph idx="1"/>
+          </p:nvPr>
+        </p:nvSpPr>
+        <p:spPr>
+          <a:xfrm>
+            <a:off x="685800" y="1596325"/>
+            <a:ext cx="7772400" cy="4499675"/>
+          </a:xfrm>
+        </p:spPr>
+        <p:txBody>
+          <a:bodyPr/>
+          <a:lstStyle/>
+          <a:p>
+            <a:r>
+              <a:rPr lang="en-US" dirty="0" smtClean="0"/>
+              <a:t>Replaces constant inputs with time series data, e.g. a realistic tide.</a:t>
+            </a:r>
+            <a:endParaRPr lang="en-US" dirty="0"/>
+          </a:p>
+        </p:txBody>
+      </p:sp>
+      <p:sp>
+        <p:nvSpPr>
+          <p:cNvPr id="4" name="Date Placeholder 3"/>
+          <p:cNvSpPr>
+            <a:spLocks noGrp="1"/>
+          </p:cNvSpPr>
+          <p:nvPr>
+            <p:ph type="dt" sz="half" idx="10"/>
+          </p:nvPr>
+        </p:nvSpPr>
+        <p:spPr/>
+        <p:txBody>
+          <a:bodyPr/>
+          <a:lstStyle/>
+          <a:p>
+            <a:fld id="{AB98F214-5D90-468C-9EE8-E1612B8D2BE2}" type="slidenum">
+              <a:rPr lang="en-US" smtClean="0"/>
+              <a:pPr/>
+              <a:t>19</a:t>
+            </a:fld>
+            <a:endParaRPr lang="en-US"/>
+          </a:p>
+        </p:txBody>
+      </p:sp>
+      <p:pic>
+        <p:nvPicPr>
+          <p:cNvPr id="7" name="Picture 17" descr="DSM2v8 Basic Tutorial 4"/>
+          <p:cNvPicPr>
+            <a:picLocks noChangeAspect="1" noChangeArrowheads="1"/>
+          </p:cNvPicPr>
+          <p:nvPr/>
+        </p:nvPicPr>
+        <p:blipFill>
+          <a:blip r:embed="rId2" cstate="print"/>
+          <a:srcRect/>
+          <a:stretch>
+            <a:fillRect/>
+          </a:stretch>
+        </p:blipFill>
+        <p:spPr bwMode="auto">
+          <a:xfrm>
+            <a:off x="925287" y="5522685"/>
+            <a:ext cx="7223125" cy="957263"/>
+          </a:xfrm>
+          <a:prstGeom prst="rect">
+            <a:avLst/>
+          </a:prstGeom>
+          <a:noFill/>
+        </p:spPr>
+      </p:pic>
+    </p:spTree>
+  </p:cSld>
+  <p:clrMapOvr>
+    <a:masterClrMapping/>
+  </p:clrMapOvr>
+  <p:transition advClick="0" advTm="0"/>
+  <p:timing>
+    <p:tnLst>
+      <p:par>
+        <p:cTn id="1" dur="indefinite" restart="never" nodeType="tmRoot"/>
+      </p:par>
+    </p:tnLst>
+  </p:timing>
+</p:sld>
+</file>
+
 <file path=ppt/slides/slide2.xml><?xml version="1.0" encoding="utf-8"?>
 <p:sld xmlns:a="http://schemas.openxmlformats.org/drawingml/2006/main" xmlns:r="http://schemas.openxmlformats.org/officeDocument/2006/relationships" xmlns:p="http://schemas.openxmlformats.org/presentationml/2006/main">
   <p:cSld>
@@ -7194,7 +8402,7 @@
           <p:nvPr/>
         </p:nvPicPr>
         <p:blipFill>
-          <a:blip r:embed="rId2" cstate="print"/>
+          <a:blip r:embed="rId3" cstate="print"/>
           <a:srcRect/>
           <a:stretch>
             <a:fillRect/>
@@ -7259,11 +8467,7 @@
           <a:bodyPr/>
           <a:lstStyle/>
           <a:p>
-            <a:r>
-              <a:rPr lang="en-US" dirty="0" smtClean="0"/>
-              <a:t>Echo Input File</a:t>
-            </a:r>
-            <a:endParaRPr lang="en-US" dirty="0"/>
+            <a:endParaRPr lang="en-US"/>
           </a:p>
         </p:txBody>
       </p:sp>
@@ -7277,35 +8481,12 @@
             <p:ph idx="1"/>
           </p:nvPr>
         </p:nvSpPr>
-        <p:spPr>
-          <a:xfrm>
-            <a:off x="685799" y="1360714"/>
-            <a:ext cx="8175171" cy="4114800"/>
-          </a:xfrm>
-        </p:spPr>
+        <p:spPr/>
         <p:txBody>
           <a:bodyPr/>
           <a:lstStyle/>
           <a:p>
-            <a:r>
-              <a:rPr lang="en-US" dirty="0" smtClean="0"/>
-              <a:t>Archive of run</a:t>
-            </a:r>
-          </a:p>
-          <a:p>
-            <a:r>
-              <a:rPr lang="en-US" dirty="0" smtClean="0"/>
-              <a:t>QA/QC: single-file view of multiple sources</a:t>
-            </a:r>
-          </a:p>
-          <a:p>
-            <a:r>
-              <a:rPr lang="en-US" dirty="0" smtClean="0"/>
-              <a:t>Can be used as an input file</a:t>
-            </a:r>
-          </a:p>
-          <a:p>
-            <a:endParaRPr lang="en-US" dirty="0" smtClean="0"/>
+            <a:endParaRPr lang="en-US"/>
           </a:p>
         </p:txBody>
       </p:sp>
@@ -7333,114 +8514,12 @@
           </a:p>
         </p:txBody>
       </p:sp>
-      <p:pic>
-        <p:nvPicPr>
-          <p:cNvPr id="5" name="Picture 3"/>
-          <p:cNvPicPr>
-            <a:picLocks noChangeAspect="1" noChangeArrowheads="1"/>
-          </p:cNvPicPr>
-          <p:nvPr/>
-        </p:nvPicPr>
-        <p:blipFill>
-          <a:blip r:embed="rId2" cstate="print"/>
-          <a:srcRect/>
-          <a:stretch>
-            <a:fillRect/>
-          </a:stretch>
-        </p:blipFill>
-        <p:spPr bwMode="auto">
-          <a:xfrm>
-            <a:off x="1047749" y="3590925"/>
-            <a:ext cx="6591300" cy="3267075"/>
-          </a:xfrm>
-          <a:prstGeom prst="rect">
-            <a:avLst/>
-          </a:prstGeom>
-          <a:noFill/>
-          <a:ln w="9525">
-            <a:noFill/>
-            <a:miter lim="800000"/>
-            <a:headEnd/>
-            <a:tailEnd/>
-          </a:ln>
-        </p:spPr>
-      </p:pic>
-      <p:sp>
-        <p:nvSpPr>
-          <p:cNvPr id="6" name="Oval 5"/>
-          <p:cNvSpPr/>
-          <p:nvPr/>
-        </p:nvSpPr>
-        <p:spPr bwMode="auto">
-          <a:xfrm>
-            <a:off x="1796144" y="5715000"/>
-            <a:ext cx="5519056" cy="250371"/>
-          </a:xfrm>
-          <a:prstGeom prst="ellipse">
-            <a:avLst/>
-          </a:prstGeom>
-          <a:noFill/>
-          <a:ln w="19050" cap="flat" cmpd="sng" algn="ctr">
-            <a:solidFill>
-              <a:srgbClr val="C00000"/>
-            </a:solidFill>
-            <a:prstDash val="solid"/>
-            <a:round/>
-            <a:headEnd type="none" w="med" len="med"/>
-            <a:tailEnd type="none" w="med" len="med"/>
-          </a:ln>
-          <a:effectLst/>
-        </p:spPr>
-        <p:txBody>
-          <a:bodyPr vert="horz" wrap="square" lIns="91440" tIns="45720" rIns="91440" bIns="45720" numCol="1" rtlCol="0" anchor="ctr" anchorCtr="0" compatLnSpc="1">
-            <a:prstTxWarp prst="textNoShape">
-              <a:avLst/>
-            </a:prstTxWarp>
-          </a:bodyPr>
-          <a:lstStyle/>
-          <a:p>
-            <a:pPr marL="0" marR="0" indent="0" algn="ctr" defTabSz="914400" rtl="0" eaLnBrk="0" fontAlgn="base" latinLnBrk="0" hangingPunct="0">
-              <a:lnSpc>
-                <a:spcPct val="100000"/>
-              </a:lnSpc>
-              <a:spcBef>
-                <a:spcPct val="0"/>
-              </a:spcBef>
-              <a:spcAft>
-                <a:spcPct val="0"/>
-              </a:spcAft>
-              <a:buClrTx/>
-              <a:buSzTx/>
-              <a:buFontTx/>
-              <a:buNone/>
-              <a:tabLst/>
-            </a:pPr>
-            <a:endParaRPr kumimoji="0" lang="en-US" sz="3600" b="1" i="0" u="none" strike="noStrike" cap="none" normalizeH="0" baseline="0" smtClean="0">
-              <a:ln>
-                <a:noFill/>
-              </a:ln>
-              <a:solidFill>
-                <a:schemeClr val="tx1"/>
-              </a:solidFill>
-              <a:effectLst/>
-              <a:latin typeface="Arial" charset="0"/>
-            </a:endParaRPr>
-          </a:p>
-        </p:txBody>
-      </p:sp>
     </p:spTree>
   </p:cSld>
   <p:clrMapOvr>
     <a:masterClrMapping/>
   </p:clrMapOvr>
   <p:transition advClick="0" advTm="0"/>
-  <p:timing>
-    <p:tnLst>
-      <p:par>
-        <p:cTn id="1" dur="indefinite" restart="never" nodeType="tmRoot"/>
-      </p:par>
-    </p:tnLst>
-  </p:timing>
 </p:sld>
 </file>
 
@@ -7476,11 +8555,7 @@
           <a:bodyPr/>
           <a:lstStyle/>
           <a:p>
-            <a:r>
-              <a:rPr lang="en-US" dirty="0" smtClean="0"/>
-              <a:t>Tutorial 4: Time Series</a:t>
-            </a:r>
-            <a:endParaRPr lang="en-US" dirty="0"/>
+            <a:endParaRPr lang="en-US"/>
           </a:p>
         </p:txBody>
       </p:sp>
@@ -7494,21 +8569,12 @@
             <p:ph idx="1"/>
           </p:nvPr>
         </p:nvSpPr>
-        <p:spPr>
-          <a:xfrm>
-            <a:off x="685800" y="1596325"/>
-            <a:ext cx="7772400" cy="4499675"/>
-          </a:xfrm>
-        </p:spPr>
+        <p:spPr/>
         <p:txBody>
           <a:bodyPr/>
           <a:lstStyle/>
           <a:p>
-            <a:r>
-              <a:rPr lang="en-US" dirty="0" smtClean="0"/>
-              <a:t>Replaces constant inputs with time series data, e.g. a realistic tide.</a:t>
-            </a:r>
-            <a:endParaRPr lang="en-US" dirty="0"/>
+            <a:endParaRPr lang="en-US"/>
           </a:p>
         </p:txBody>
       </p:sp>
@@ -7536,45 +8602,12 @@
           </a:p>
         </p:txBody>
       </p:sp>
-      <p:pic>
-        <p:nvPicPr>
-          <p:cNvPr id="7" name="Picture 17" descr="DSM2v8 Basic Tutorial 4"/>
-          <p:cNvPicPr>
-            <a:picLocks noChangeAspect="1" noChangeArrowheads="1"/>
-          </p:cNvPicPr>
-          <p:nvPr/>
-        </p:nvPicPr>
-        <p:blipFill>
-          <a:blip r:embed="rId2" cstate="print"/>
-          <a:srcRect/>
-          <a:stretch>
-            <a:fillRect/>
-          </a:stretch>
-        </p:blipFill>
-        <p:spPr bwMode="auto">
-          <a:xfrm>
-            <a:off x="925287" y="5522685"/>
-            <a:ext cx="7223125" cy="957263"/>
-          </a:xfrm>
-          <a:prstGeom prst="rect">
-            <a:avLst/>
-          </a:prstGeom>
-          <a:noFill/>
-        </p:spPr>
-      </p:pic>
     </p:spTree>
   </p:cSld>
   <p:clrMapOvr>
     <a:masterClrMapping/>
   </p:clrMapOvr>
   <p:transition advClick="0" advTm="0"/>
-  <p:timing>
-    <p:tnLst>
-      <p:par>
-        <p:cTn id="1" dur="indefinite" restart="never" nodeType="tmRoot"/>
-      </p:par>
-    </p:tnLst>
-  </p:timing>
 </p:sld>
 </file>
 
@@ -7597,92 +8630,6 @@
       </p:grpSpPr>
       <p:sp>
         <p:nvSpPr>
-          <p:cNvPr id="2" name="Title 1"/>
-          <p:cNvSpPr>
-            <a:spLocks noGrp="1"/>
-          </p:cNvSpPr>
-          <p:nvPr>
-            <p:ph type="title"/>
-          </p:nvPr>
-        </p:nvSpPr>
-        <p:spPr/>
-        <p:txBody>
-          <a:bodyPr/>
-          <a:lstStyle/>
-          <a:p>
-            <a:r>
-              <a:rPr lang="en-US" dirty="0" smtClean="0"/>
-              <a:t>DSM2 Input</a:t>
-            </a:r>
-            <a:endParaRPr lang="en-US" dirty="0"/>
-          </a:p>
-        </p:txBody>
-      </p:sp>
-      <p:sp>
-        <p:nvSpPr>
-          <p:cNvPr id="3" name="Content Placeholder 2"/>
-          <p:cNvSpPr>
-            <a:spLocks noGrp="1"/>
-          </p:cNvSpPr>
-          <p:nvPr>
-            <p:ph idx="1"/>
-          </p:nvPr>
-        </p:nvSpPr>
-        <p:spPr>
-          <a:xfrm>
-            <a:off x="685800" y="1458686"/>
-            <a:ext cx="7772400" cy="4637314"/>
-          </a:xfrm>
-        </p:spPr>
-        <p:txBody>
-          <a:bodyPr/>
-          <a:lstStyle/>
-          <a:p>
-            <a:r>
-              <a:rPr lang="en-US" dirty="0" smtClean="0"/>
-              <a:t>Configuration</a:t>
-            </a:r>
-          </a:p>
-          <a:p>
-            <a:r>
-              <a:rPr lang="en-US" dirty="0" smtClean="0"/>
-              <a:t>Grid</a:t>
-            </a:r>
-          </a:p>
-          <a:p>
-            <a:r>
-              <a:rPr lang="en-US" dirty="0" smtClean="0"/>
-              <a:t>Boundary Conditions</a:t>
-            </a:r>
-          </a:p>
-          <a:p>
-            <a:r>
-              <a:rPr lang="en-US" dirty="0" smtClean="0"/>
-              <a:t>Initial Conditions</a:t>
-            </a:r>
-          </a:p>
-          <a:p>
-            <a:r>
-              <a:rPr lang="en-US" dirty="0" smtClean="0"/>
-              <a:t>Output specifications</a:t>
-            </a:r>
-          </a:p>
-          <a:p>
-            <a:r>
-              <a:rPr lang="en-US" dirty="0" smtClean="0"/>
-              <a:t>Operation</a:t>
-            </a:r>
-          </a:p>
-          <a:p>
-            <a:pPr>
-              <a:buNone/>
-            </a:pPr>
-            <a:endParaRPr lang="en-US" dirty="0"/>
-          </a:p>
-        </p:txBody>
-      </p:sp>
-      <p:sp>
-        <p:nvSpPr>
           <p:cNvPr id="4" name="Date Placeholder 3"/>
           <p:cNvSpPr>
             <a:spLocks noGrp="1"/>
@@ -7700,272 +8647,6 @@
               <a:rPr lang="en-US" smtClean="0"/>
               <a:pPr/>
               <a:t>3</a:t>
-            </a:fld>
-            <a:endParaRPr lang="en-US"/>
-          </a:p>
-        </p:txBody>
-      </p:sp>
-      <p:sp>
-        <p:nvSpPr>
-          <p:cNvPr id="8" name="Rectangle 7"/>
-          <p:cNvSpPr/>
-          <p:nvPr/>
-        </p:nvSpPr>
-        <p:spPr bwMode="auto">
-          <a:xfrm>
-            <a:off x="664027" y="2590800"/>
-            <a:ext cx="4408715" cy="2590800"/>
-          </a:xfrm>
-          <a:prstGeom prst="rect">
-            <a:avLst/>
-          </a:prstGeom>
-          <a:solidFill>
-            <a:schemeClr val="accent6">
-              <a:lumMod val="20000"/>
-              <a:lumOff val="80000"/>
-              <a:alpha val="22000"/>
-            </a:schemeClr>
-          </a:solidFill>
-          <a:ln w="9525" cap="flat" cmpd="sng" algn="ctr">
-            <a:noFill/>
-            <a:prstDash val="solid"/>
-            <a:round/>
-            <a:headEnd type="none" w="med" len="med"/>
-            <a:tailEnd type="none" w="med" len="med"/>
-          </a:ln>
-          <a:effectLst/>
-        </p:spPr>
-        <p:txBody>
-          <a:bodyPr vert="horz" wrap="square" lIns="91440" tIns="45720" rIns="91440" bIns="45720" numCol="1" rtlCol="0" anchor="ctr" anchorCtr="0" compatLnSpc="1">
-            <a:prstTxWarp prst="textNoShape">
-              <a:avLst/>
-            </a:prstTxWarp>
-          </a:bodyPr>
-          <a:lstStyle/>
-          <a:p>
-            <a:pPr marL="0" marR="0" indent="0" algn="ctr" defTabSz="914400" rtl="0" eaLnBrk="0" fontAlgn="base" latinLnBrk="0" hangingPunct="0">
-              <a:lnSpc>
-                <a:spcPct val="100000"/>
-              </a:lnSpc>
-              <a:spcBef>
-                <a:spcPct val="0"/>
-              </a:spcBef>
-              <a:spcAft>
-                <a:spcPct val="0"/>
-              </a:spcAft>
-              <a:buClrTx/>
-              <a:buSzTx/>
-              <a:buFontTx/>
-              <a:buNone/>
-              <a:tabLst/>
-            </a:pPr>
-            <a:endParaRPr kumimoji="0" lang="en-US" sz="3600" b="1" i="0" u="none" strike="noStrike" cap="none" normalizeH="0" baseline="0" smtClean="0">
-              <a:ln>
-                <a:noFill/>
-              </a:ln>
-              <a:solidFill>
-                <a:schemeClr val="tx1"/>
-              </a:solidFill>
-              <a:effectLst/>
-              <a:latin typeface="Arial" charset="0"/>
-            </a:endParaRPr>
-          </a:p>
-        </p:txBody>
-      </p:sp>
-    </p:spTree>
-  </p:cSld>
-  <p:clrMapOvr>
-    <a:masterClrMapping/>
-  </p:clrMapOvr>
-  <p:transition advClick="0" advTm="0"/>
-  <p:timing>
-    <p:tnLst>
-      <p:par>
-        <p:cTn id="1" dur="indefinite" restart="never" nodeType="tmRoot"/>
-      </p:par>
-    </p:tnLst>
-  </p:timing>
-</p:sld>
-</file>
-
-<file path=ppt/slides/slide4.xml><?xml version="1.0" encoding="utf-8"?>
-<p:sld xmlns:a="http://schemas.openxmlformats.org/drawingml/2006/main" xmlns:r="http://schemas.openxmlformats.org/officeDocument/2006/relationships" xmlns:p="http://schemas.openxmlformats.org/presentationml/2006/main">
-  <p:cSld>
-    <p:spTree>
-      <p:nvGrpSpPr>
-        <p:cNvPr id="1" name=""/>
-        <p:cNvGrpSpPr/>
-        <p:nvPr/>
-      </p:nvGrpSpPr>
-      <p:grpSpPr>
-        <a:xfrm>
-          <a:off x="0" y="0"/>
-          <a:ext cx="0" cy="0"/>
-          <a:chOff x="0" y="0"/>
-          <a:chExt cx="0" cy="0"/>
-        </a:xfrm>
-      </p:grpSpPr>
-      <p:sp>
-        <p:nvSpPr>
-          <p:cNvPr id="2" name="Title 1"/>
-          <p:cNvSpPr>
-            <a:spLocks noGrp="1"/>
-          </p:cNvSpPr>
-          <p:nvPr>
-            <p:ph type="title"/>
-          </p:nvPr>
-        </p:nvSpPr>
-        <p:spPr/>
-        <p:txBody>
-          <a:bodyPr/>
-          <a:lstStyle/>
-          <a:p>
-            <a:r>
-              <a:rPr lang="en-US" dirty="0" smtClean="0"/>
-              <a:t>Boundary Conditions</a:t>
-            </a:r>
-            <a:endParaRPr lang="en-US" dirty="0"/>
-          </a:p>
-        </p:txBody>
-      </p:sp>
-      <p:sp>
-        <p:nvSpPr>
-          <p:cNvPr id="3" name="Content Placeholder 2"/>
-          <p:cNvSpPr>
-            <a:spLocks noGrp="1"/>
-          </p:cNvSpPr>
-          <p:nvPr>
-            <p:ph idx="1"/>
-          </p:nvPr>
-        </p:nvSpPr>
-        <p:spPr>
-          <a:xfrm>
-            <a:off x="685799" y="1458686"/>
-            <a:ext cx="8001001" cy="4637314"/>
-          </a:xfrm>
-        </p:spPr>
-        <p:txBody>
-          <a:bodyPr/>
-          <a:lstStyle/>
-          <a:p>
-            <a:r>
-              <a:rPr lang="en-US" dirty="0" smtClean="0"/>
-              <a:t>Boundary Conditions for Hydro</a:t>
-            </a:r>
-          </a:p>
-          <a:p>
-            <a:pPr lvl="1"/>
-            <a:r>
-              <a:rPr lang="en-US" dirty="0" smtClean="0"/>
-              <a:t>is stage or flow (including source/sink)</a:t>
-            </a:r>
-          </a:p>
-          <a:p>
-            <a:pPr lvl="2"/>
-            <a:r>
-              <a:rPr lang="en-US" dirty="0" smtClean="0"/>
-              <a:t>Default is no-flow</a:t>
-            </a:r>
-          </a:p>
-          <a:p>
-            <a:pPr lvl="2"/>
-            <a:r>
-              <a:rPr lang="en-US" dirty="0" smtClean="0"/>
-              <a:t>‘Constant’ flow or stage (used in simple tutorials)</a:t>
-            </a:r>
-          </a:p>
-          <a:p>
-            <a:pPr lvl="2"/>
-            <a:r>
-              <a:rPr lang="en-US" dirty="0" smtClean="0"/>
-              <a:t>Time series data (in real applications) </a:t>
-            </a:r>
-          </a:p>
-          <a:p>
-            <a:pPr lvl="3"/>
-            <a:r>
-              <a:rPr lang="en-US" dirty="0" smtClean="0"/>
-              <a:t>Format: DSS or DSS-like text</a:t>
-            </a:r>
-          </a:p>
-        </p:txBody>
-      </p:sp>
-      <p:sp>
-        <p:nvSpPr>
-          <p:cNvPr id="4" name="Date Placeholder 3"/>
-          <p:cNvSpPr>
-            <a:spLocks noGrp="1"/>
-          </p:cNvSpPr>
-          <p:nvPr>
-            <p:ph type="dt" sz="half" idx="10"/>
-          </p:nvPr>
-        </p:nvSpPr>
-        <p:spPr/>
-        <p:txBody>
-          <a:bodyPr/>
-          <a:lstStyle/>
-          <a:p>
-            <a:fld id="{AB98F214-5D90-468C-9EE8-E1612B8D2BE2}" type="slidenum">
-              <a:rPr lang="en-US" smtClean="0"/>
-              <a:pPr/>
-              <a:t>4</a:t>
-            </a:fld>
-            <a:endParaRPr lang="en-US"/>
-          </a:p>
-        </p:txBody>
-      </p:sp>
-    </p:spTree>
-  </p:cSld>
-  <p:clrMapOvr>
-    <a:masterClrMapping/>
-  </p:clrMapOvr>
-  <p:transition advClick="0" advTm="0"/>
-  <p:timing>
-    <p:tnLst>
-      <p:par>
-        <p:cTn id="1" dur="indefinite" restart="never" nodeType="tmRoot"/>
-      </p:par>
-    </p:tnLst>
-  </p:timing>
-</p:sld>
-</file>
-
-<file path=ppt/slides/slide5.xml><?xml version="1.0" encoding="utf-8"?>
-<p:sld xmlns:a="http://schemas.openxmlformats.org/drawingml/2006/main" xmlns:r="http://schemas.openxmlformats.org/officeDocument/2006/relationships" xmlns:p="http://schemas.openxmlformats.org/presentationml/2006/main">
-  <p:cSld>
-    <p:spTree>
-      <p:nvGrpSpPr>
-        <p:cNvPr id="1" name=""/>
-        <p:cNvGrpSpPr/>
-        <p:nvPr/>
-      </p:nvGrpSpPr>
-      <p:grpSpPr>
-        <a:xfrm>
-          <a:off x="0" y="0"/>
-          <a:ext cx="0" cy="0"/>
-          <a:chOff x="0" y="0"/>
-          <a:chExt cx="0" cy="0"/>
-        </a:xfrm>
-      </p:grpSpPr>
-      <p:sp>
-        <p:nvSpPr>
-          <p:cNvPr id="4" name="Date Placeholder 3"/>
-          <p:cNvSpPr>
-            <a:spLocks noGrp="1"/>
-          </p:cNvSpPr>
-          <p:nvPr>
-            <p:ph type="dt" sz="half" idx="10"/>
-          </p:nvPr>
-        </p:nvSpPr>
-        <p:spPr/>
-        <p:txBody>
-          <a:bodyPr/>
-          <a:lstStyle/>
-          <a:p>
-            <a:fld id="{AB98F214-5D90-468C-9EE8-E1612B8D2BE2}" type="slidenum">
-              <a:rPr lang="en-US" smtClean="0"/>
-              <a:pPr/>
-              <a:t>5</a:t>
             </a:fld>
             <a:endParaRPr lang="en-US"/>
           </a:p>
@@ -8212,8 +8893,8 @@
         </p:nvSpPr>
         <p:spPr bwMode="auto">
           <a:xfrm>
-            <a:off x="650875" y="169863"/>
-            <a:ext cx="3162300" cy="2081212"/>
+            <a:off x="708025" y="0"/>
+            <a:ext cx="3849688" cy="2081212"/>
           </a:xfrm>
           <a:prstGeom prst="rect">
             <a:avLst/>
@@ -8252,7 +8933,7 @@
         <p:spPr>
           <a:xfrm>
             <a:off x="609600" y="152400"/>
-            <a:ext cx="3810000" cy="914400"/>
+            <a:ext cx="4090988" cy="914400"/>
           </a:xfrm>
           <a:noFill/>
         </p:spPr>
@@ -8268,8 +8949,14 @@
                 </a:solidFill>
                 <a:ea typeface="宋体" pitchFamily="2" charset="-122"/>
               </a:rPr>
-              <a:t>DSM2 Boundary Conditions</a:t>
-            </a:r>
+              <a:t>Boundary Conditions and Sources</a:t>
+            </a:r>
+            <a:endParaRPr lang="en-US" altLang="zh-CN" sz="3200" b="0" dirty="0" smtClean="0">
+              <a:solidFill>
+                <a:srgbClr val="000000"/>
+              </a:solidFill>
+              <a:ea typeface="宋体" pitchFamily="2" charset="-122"/>
+            </a:endParaRPr>
           </a:p>
         </p:txBody>
       </p:sp>
@@ -9941,6 +10628,412 @@
 </p:sld>
 </file>
 
+<file path=ppt/slides/slide4.xml><?xml version="1.0" encoding="utf-8"?>
+<p:sld xmlns:a="http://schemas.openxmlformats.org/drawingml/2006/main" xmlns:r="http://schemas.openxmlformats.org/officeDocument/2006/relationships" xmlns:p="http://schemas.openxmlformats.org/presentationml/2006/main">
+  <p:cSld>
+    <p:spTree>
+      <p:nvGrpSpPr>
+        <p:cNvPr id="1" name=""/>
+        <p:cNvGrpSpPr/>
+        <p:nvPr/>
+      </p:nvGrpSpPr>
+      <p:grpSpPr>
+        <a:xfrm>
+          <a:off x="0" y="0"/>
+          <a:ext cx="0" cy="0"/>
+          <a:chOff x="0" y="0"/>
+          <a:chExt cx="0" cy="0"/>
+        </a:xfrm>
+      </p:grpSpPr>
+      <p:sp>
+        <p:nvSpPr>
+          <p:cNvPr id="2" name="Title 1"/>
+          <p:cNvSpPr>
+            <a:spLocks noGrp="1"/>
+          </p:cNvSpPr>
+          <p:nvPr>
+            <p:ph type="title"/>
+          </p:nvPr>
+        </p:nvSpPr>
+        <p:spPr/>
+        <p:txBody>
+          <a:bodyPr/>
+          <a:lstStyle/>
+          <a:p>
+            <a:r>
+              <a:rPr lang="en-US" dirty="0" smtClean="0"/>
+              <a:t>Hydro Boundary </a:t>
+            </a:r>
+            <a:r>
+              <a:rPr lang="en-US" dirty="0" smtClean="0"/>
+              <a:t>Conditions</a:t>
+            </a:r>
+            <a:endParaRPr lang="en-US" dirty="0"/>
+          </a:p>
+        </p:txBody>
+      </p:sp>
+      <p:sp>
+        <p:nvSpPr>
+          <p:cNvPr id="3" name="Content Placeholder 2"/>
+          <p:cNvSpPr>
+            <a:spLocks noGrp="1"/>
+          </p:cNvSpPr>
+          <p:nvPr>
+            <p:ph idx="1"/>
+          </p:nvPr>
+        </p:nvSpPr>
+        <p:spPr>
+          <a:xfrm>
+            <a:off x="685799" y="2085974"/>
+            <a:ext cx="8001001" cy="4010025"/>
+          </a:xfrm>
+        </p:spPr>
+        <p:txBody>
+          <a:bodyPr/>
+          <a:lstStyle/>
+          <a:p>
+            <a:r>
+              <a:rPr lang="en-US" dirty="0" smtClean="0"/>
+              <a:t>BOUNDARY_STAGE</a:t>
+            </a:r>
+          </a:p>
+          <a:p>
+            <a:r>
+              <a:rPr lang="en-US" dirty="0" smtClean="0"/>
+              <a:t>BOUNDARY_FLOW</a:t>
+            </a:r>
+          </a:p>
+          <a:p>
+            <a:r>
+              <a:rPr lang="en-US" dirty="0" smtClean="0"/>
+              <a:t>SOURCE_FLOW</a:t>
+            </a:r>
+          </a:p>
+          <a:p>
+            <a:r>
+              <a:rPr lang="en-US" dirty="0" smtClean="0"/>
+              <a:t>INPUT_TRANSFER_FLOW</a:t>
+            </a:r>
+          </a:p>
+          <a:p>
+            <a:r>
+              <a:rPr lang="en-US" dirty="0" smtClean="0"/>
+              <a:t>SOURCE_FLOW_RESERVOIR</a:t>
+            </a:r>
+          </a:p>
+          <a:p>
+            <a:r>
+              <a:rPr lang="en-US" dirty="0" smtClean="0"/>
+              <a:t>Also:</a:t>
+            </a:r>
+          </a:p>
+          <a:p>
+            <a:pPr lvl="1"/>
+            <a:r>
+              <a:rPr lang="en-US" dirty="0" smtClean="0"/>
+              <a:t>INPUT_GATE for gate timing</a:t>
+            </a:r>
+            <a:endParaRPr lang="en-US" dirty="0" smtClean="0"/>
+          </a:p>
+        </p:txBody>
+      </p:sp>
+      <p:sp>
+        <p:nvSpPr>
+          <p:cNvPr id="4" name="Date Placeholder 3"/>
+          <p:cNvSpPr>
+            <a:spLocks noGrp="1"/>
+          </p:cNvSpPr>
+          <p:nvPr>
+            <p:ph type="dt" sz="half" idx="10"/>
+          </p:nvPr>
+        </p:nvSpPr>
+        <p:spPr/>
+        <p:txBody>
+          <a:bodyPr/>
+          <a:lstStyle/>
+          <a:p>
+            <a:fld id="{AB98F214-5D90-468C-9EE8-E1612B8D2BE2}" type="slidenum">
+              <a:rPr lang="en-US" smtClean="0"/>
+              <a:pPr/>
+              <a:t>4</a:t>
+            </a:fld>
+            <a:endParaRPr lang="en-US"/>
+          </a:p>
+        </p:txBody>
+      </p:sp>
+    </p:spTree>
+  </p:cSld>
+  <p:clrMapOvr>
+    <a:masterClrMapping/>
+  </p:clrMapOvr>
+  <p:transition advClick="0" advTm="0"/>
+  <p:timing>
+    <p:tnLst>
+      <p:par>
+        <p:cTn id="1" dur="indefinite" restart="never" nodeType="tmRoot"/>
+      </p:par>
+    </p:tnLst>
+  </p:timing>
+</p:sld>
+</file>
+
+<file path=ppt/slides/slide5.xml><?xml version="1.0" encoding="utf-8"?>
+<p:sld xmlns:a="http://schemas.openxmlformats.org/drawingml/2006/main" xmlns:r="http://schemas.openxmlformats.org/officeDocument/2006/relationships" xmlns:p="http://schemas.openxmlformats.org/presentationml/2006/main">
+  <p:cSld>
+    <p:spTree>
+      <p:nvGrpSpPr>
+        <p:cNvPr id="1" name=""/>
+        <p:cNvGrpSpPr/>
+        <p:nvPr/>
+      </p:nvGrpSpPr>
+      <p:grpSpPr>
+        <a:xfrm>
+          <a:off x="0" y="0"/>
+          <a:ext cx="0" cy="0"/>
+          <a:chOff x="0" y="0"/>
+          <a:chExt cx="0" cy="0"/>
+        </a:xfrm>
+      </p:grpSpPr>
+      <p:sp>
+        <p:nvSpPr>
+          <p:cNvPr id="6" name="Title 5"/>
+          <p:cNvSpPr>
+            <a:spLocks noGrp="1"/>
+          </p:cNvSpPr>
+          <p:nvPr>
+            <p:ph type="title"/>
+          </p:nvPr>
+        </p:nvSpPr>
+        <p:spPr/>
+        <p:txBody>
+          <a:bodyPr/>
+          <a:lstStyle/>
+          <a:p>
+            <a:r>
+              <a:rPr lang="en-US" dirty="0" smtClean="0"/>
+              <a:t> Tutorial Time Series Inputs</a:t>
+            </a:r>
+            <a:endParaRPr lang="en-US" dirty="0"/>
+          </a:p>
+        </p:txBody>
+      </p:sp>
+      <p:sp>
+        <p:nvSpPr>
+          <p:cNvPr id="4" name="Date Placeholder 3"/>
+          <p:cNvSpPr>
+            <a:spLocks noGrp="1"/>
+          </p:cNvSpPr>
+          <p:nvPr>
+            <p:ph type="dt" sz="half" idx="10"/>
+          </p:nvPr>
+        </p:nvSpPr>
+        <p:spPr/>
+        <p:txBody>
+          <a:bodyPr/>
+          <a:lstStyle/>
+          <a:p>
+            <a:fld id="{AB98F214-5D90-468C-9EE8-E1612B8D2BE2}" type="slidenum">
+              <a:rPr lang="en-US" smtClean="0"/>
+              <a:pPr/>
+              <a:t>5</a:t>
+            </a:fld>
+            <a:endParaRPr lang="en-US"/>
+          </a:p>
+        </p:txBody>
+      </p:sp>
+      <p:grpSp>
+        <p:nvGrpSpPr>
+          <p:cNvPr id="8" name="Group 7"/>
+          <p:cNvGrpSpPr/>
+          <p:nvPr/>
+        </p:nvGrpSpPr>
+        <p:grpSpPr>
+          <a:xfrm>
+            <a:off x="1576585" y="2128604"/>
+            <a:ext cx="6623007" cy="3667125"/>
+            <a:chOff x="1500230" y="827315"/>
+            <a:chExt cx="6623007" cy="3667125"/>
+          </a:xfrm>
+        </p:grpSpPr>
+        <p:pic>
+          <p:nvPicPr>
+            <p:cNvPr id="5" name="Picture 2"/>
+            <p:cNvPicPr>
+              <a:picLocks noChangeAspect="1" noChangeArrowheads="1"/>
+            </p:cNvPicPr>
+            <p:nvPr/>
+          </p:nvPicPr>
+          <p:blipFill>
+            <a:blip r:embed="rId3" cstate="print"/>
+            <a:srcRect/>
+            <a:stretch>
+              <a:fillRect/>
+            </a:stretch>
+          </p:blipFill>
+          <p:spPr bwMode="auto">
+            <a:xfrm>
+              <a:off x="1773011" y="827315"/>
+              <a:ext cx="5934075" cy="3667125"/>
+            </a:xfrm>
+            <a:prstGeom prst="rect">
+              <a:avLst/>
+            </a:prstGeom>
+            <a:noFill/>
+            <a:ln w="9525">
+              <a:noFill/>
+              <a:miter lim="800000"/>
+              <a:headEnd/>
+              <a:tailEnd/>
+            </a:ln>
+          </p:spPr>
+        </p:pic>
+        <p:sp>
+          <p:nvSpPr>
+            <p:cNvPr id="7" name="AutoShape 38"/>
+            <p:cNvSpPr>
+              <a:spLocks noChangeAspect="1" noChangeArrowheads="1"/>
+            </p:cNvSpPr>
+            <p:nvPr/>
+          </p:nvSpPr>
+          <p:spPr bwMode="auto">
+            <a:xfrm rot="10800000">
+              <a:off x="7742237" y="2255156"/>
+              <a:ext cx="381000" cy="377825"/>
+            </a:xfrm>
+            <a:prstGeom prst="rightArrow">
+              <a:avLst>
+                <a:gd name="adj1" fmla="val 50000"/>
+                <a:gd name="adj2" fmla="val 25210"/>
+              </a:avLst>
+            </a:prstGeom>
+            <a:solidFill>
+              <a:schemeClr val="accent6"/>
+            </a:solidFill>
+            <a:ln w="9525">
+              <a:solidFill>
+                <a:srgbClr val="000099"/>
+              </a:solidFill>
+              <a:miter lim="800000"/>
+              <a:headEnd/>
+              <a:tailEnd/>
+            </a:ln>
+            <a:effectLst/>
+          </p:spPr>
+          <p:txBody>
+            <a:bodyPr wrap="none" anchor="ctr"/>
+            <a:lstStyle/>
+            <a:p>
+              <a:endParaRPr lang="en-US"/>
+            </a:p>
+          </p:txBody>
+        </p:sp>
+        <p:sp>
+          <p:nvSpPr>
+            <p:cNvPr id="10" name="Freeform 36"/>
+            <p:cNvSpPr>
+              <a:spLocks/>
+            </p:cNvSpPr>
+            <p:nvPr/>
+          </p:nvSpPr>
+          <p:spPr bwMode="auto">
+            <a:xfrm>
+              <a:off x="1500230" y="2368050"/>
+              <a:ext cx="381179" cy="683719"/>
+            </a:xfrm>
+            <a:custGeom>
+              <a:avLst/>
+              <a:gdLst/>
+              <a:ahLst/>
+              <a:cxnLst>
+                <a:cxn ang="0">
+                  <a:pos x="0" y="296"/>
+                </a:cxn>
+                <a:cxn ang="0">
+                  <a:pos x="96" y="56"/>
+                </a:cxn>
+                <a:cxn ang="0">
+                  <a:pos x="240" y="632"/>
+                </a:cxn>
+                <a:cxn ang="0">
+                  <a:pos x="288" y="152"/>
+                </a:cxn>
+                <a:cxn ang="0">
+                  <a:pos x="384" y="488"/>
+                </a:cxn>
+                <a:cxn ang="0">
+                  <a:pos x="432" y="200"/>
+                </a:cxn>
+              </a:cxnLst>
+              <a:rect l="0" t="0" r="r" b="b"/>
+              <a:pathLst>
+                <a:path w="432" h="648">
+                  <a:moveTo>
+                    <a:pt x="0" y="296"/>
+                  </a:moveTo>
+                  <a:cubicBezTo>
+                    <a:pt x="28" y="148"/>
+                    <a:pt x="56" y="0"/>
+                    <a:pt x="96" y="56"/>
+                  </a:cubicBezTo>
+                  <a:cubicBezTo>
+                    <a:pt x="136" y="112"/>
+                    <a:pt x="208" y="616"/>
+                    <a:pt x="240" y="632"/>
+                  </a:cubicBezTo>
+                  <a:cubicBezTo>
+                    <a:pt x="272" y="648"/>
+                    <a:pt x="264" y="176"/>
+                    <a:pt x="288" y="152"/>
+                  </a:cubicBezTo>
+                  <a:cubicBezTo>
+                    <a:pt x="312" y="128"/>
+                    <a:pt x="360" y="480"/>
+                    <a:pt x="384" y="488"/>
+                  </a:cubicBezTo>
+                  <a:cubicBezTo>
+                    <a:pt x="408" y="496"/>
+                    <a:pt x="424" y="248"/>
+                    <a:pt x="432" y="200"/>
+                  </a:cubicBezTo>
+                </a:path>
+              </a:pathLst>
+            </a:custGeom>
+            <a:noFill/>
+            <a:ln w="38100" cmpd="sng">
+              <a:solidFill>
+                <a:schemeClr val="accent6"/>
+              </a:solidFill>
+              <a:round/>
+              <a:headEnd/>
+              <a:tailEnd/>
+            </a:ln>
+            <a:effectLst/>
+          </p:spPr>
+          <p:txBody>
+            <a:bodyPr/>
+            <a:lstStyle/>
+            <a:p>
+              <a:endParaRPr lang="en-US"/>
+            </a:p>
+          </p:txBody>
+        </p:sp>
+      </p:grpSp>
+    </p:spTree>
+  </p:cSld>
+  <p:clrMapOvr>
+    <a:masterClrMapping/>
+  </p:clrMapOvr>
+  <p:transition advClick="0" advTm="0"/>
+  <p:timing>
+    <p:tnLst>
+      <p:par>
+        <p:cTn id="1" dur="indefinite" restart="never" nodeType="tmRoot"/>
+      </p:par>
+    </p:tnLst>
+  </p:timing>
+</p:sld>
+</file>
+
 <file path=ppt/slides/slide6.xml><?xml version="1.0" encoding="utf-8"?>
 <p:sld xmlns:a="http://schemas.openxmlformats.org/drawingml/2006/main" xmlns:r="http://schemas.openxmlformats.org/officeDocument/2006/relationships" xmlns:p="http://schemas.openxmlformats.org/presentationml/2006/main">
   <p:cSld>
@@ -9960,6 +11053,29 @@
       </p:grpSpPr>
       <p:sp>
         <p:nvSpPr>
+          <p:cNvPr id="2" name="Title 1"/>
+          <p:cNvSpPr>
+            <a:spLocks noGrp="1"/>
+          </p:cNvSpPr>
+          <p:nvPr>
+            <p:ph type="title"/>
+          </p:nvPr>
+        </p:nvSpPr>
+        <p:spPr/>
+        <p:txBody>
+          <a:bodyPr/>
+          <a:lstStyle/>
+          <a:p>
+            <a:r>
+              <a:rPr lang="en-US" dirty="0" smtClean="0"/>
+              <a:t>Time Series Input</a:t>
+            </a:r>
+            <a:endParaRPr lang="en-US" dirty="0"/>
+          </a:p>
+        </p:txBody>
+      </p:sp>
+      <p:sp>
+        <p:nvSpPr>
           <p:cNvPr id="4" name="Date Placeholder 3"/>
           <p:cNvSpPr>
             <a:spLocks noGrp="1"/>
@@ -9982,32 +11098,9 @@
           </a:p>
         </p:txBody>
       </p:sp>
-      <p:sp>
-        <p:nvSpPr>
-          <p:cNvPr id="6" name="Title 5"/>
-          <p:cNvSpPr>
-            <a:spLocks noGrp="1"/>
-          </p:cNvSpPr>
-          <p:nvPr>
-            <p:ph type="title"/>
-          </p:nvPr>
-        </p:nvSpPr>
-        <p:spPr/>
-        <p:txBody>
-          <a:bodyPr/>
-          <a:lstStyle/>
-          <a:p>
-            <a:r>
-              <a:rPr lang="en-US" dirty="0" smtClean="0"/>
-              <a:t> </a:t>
-            </a:r>
-            <a:endParaRPr lang="en-US" dirty="0"/>
-          </a:p>
-        </p:txBody>
-      </p:sp>
       <p:pic>
         <p:nvPicPr>
-          <p:cNvPr id="5" name="Picture 2"/>
+          <p:cNvPr id="1026" name="Picture 2"/>
           <p:cNvPicPr>
             <a:picLocks noChangeAspect="1" noChangeArrowheads="1"/>
           </p:cNvPicPr>
@@ -10022,8 +11115,8 @@
         </p:blipFill>
         <p:spPr bwMode="auto">
           <a:xfrm>
-            <a:off x="1773011" y="827315"/>
-            <a:ext cx="5934075" cy="3667125"/>
+            <a:off x="604594" y="1728787"/>
+            <a:ext cx="7645545" cy="4513309"/>
           </a:xfrm>
           <a:prstGeom prst="rect">
             <a:avLst/>
@@ -10037,136 +11130,6 @@
           </a:ln>
         </p:spPr>
       </p:pic>
-      <p:sp>
-        <p:nvSpPr>
-          <p:cNvPr id="7" name="AutoShape 38"/>
-          <p:cNvSpPr>
-            <a:spLocks noChangeAspect="1" noChangeArrowheads="1"/>
-          </p:cNvSpPr>
-          <p:nvPr/>
-        </p:nvSpPr>
-        <p:spPr bwMode="auto">
-          <a:xfrm rot="10800000">
-            <a:off x="7742237" y="2255156"/>
-            <a:ext cx="381000" cy="377825"/>
-          </a:xfrm>
-          <a:prstGeom prst="rightArrow">
-            <a:avLst>
-              <a:gd name="adj1" fmla="val 50000"/>
-              <a:gd name="adj2" fmla="val 25210"/>
-            </a:avLst>
-          </a:prstGeom>
-          <a:solidFill>
-            <a:schemeClr val="accent6"/>
-          </a:solidFill>
-          <a:ln w="9525">
-            <a:solidFill>
-              <a:srgbClr val="000099"/>
-            </a:solidFill>
-            <a:miter lim="800000"/>
-            <a:headEnd/>
-            <a:tailEnd/>
-          </a:ln>
-          <a:effectLst/>
-        </p:spPr>
-        <p:txBody>
-          <a:bodyPr wrap="none" anchor="ctr"/>
-          <a:lstStyle/>
-          <a:p>
-            <a:endParaRPr lang="en-US"/>
-          </a:p>
-        </p:txBody>
-      </p:sp>
-      <p:sp>
-        <p:nvSpPr>
-          <p:cNvPr id="10" name="Freeform 36"/>
-          <p:cNvSpPr>
-            <a:spLocks/>
-          </p:cNvSpPr>
-          <p:nvPr/>
-        </p:nvSpPr>
-        <p:spPr bwMode="auto">
-          <a:xfrm>
-            <a:off x="1500230" y="2368050"/>
-            <a:ext cx="381179" cy="683719"/>
-          </a:xfrm>
-          <a:custGeom>
-            <a:avLst/>
-            <a:gdLst/>
-            <a:ahLst/>
-            <a:cxnLst>
-              <a:cxn ang="0">
-                <a:pos x="0" y="296"/>
-              </a:cxn>
-              <a:cxn ang="0">
-                <a:pos x="96" y="56"/>
-              </a:cxn>
-              <a:cxn ang="0">
-                <a:pos x="240" y="632"/>
-              </a:cxn>
-              <a:cxn ang="0">
-                <a:pos x="288" y="152"/>
-              </a:cxn>
-              <a:cxn ang="0">
-                <a:pos x="384" y="488"/>
-              </a:cxn>
-              <a:cxn ang="0">
-                <a:pos x="432" y="200"/>
-              </a:cxn>
-            </a:cxnLst>
-            <a:rect l="0" t="0" r="r" b="b"/>
-            <a:pathLst>
-              <a:path w="432" h="648">
-                <a:moveTo>
-                  <a:pt x="0" y="296"/>
-                </a:moveTo>
-                <a:cubicBezTo>
-                  <a:pt x="28" y="148"/>
-                  <a:pt x="56" y="0"/>
-                  <a:pt x="96" y="56"/>
-                </a:cubicBezTo>
-                <a:cubicBezTo>
-                  <a:pt x="136" y="112"/>
-                  <a:pt x="208" y="616"/>
-                  <a:pt x="240" y="632"/>
-                </a:cubicBezTo>
-                <a:cubicBezTo>
-                  <a:pt x="272" y="648"/>
-                  <a:pt x="264" y="176"/>
-                  <a:pt x="288" y="152"/>
-                </a:cubicBezTo>
-                <a:cubicBezTo>
-                  <a:pt x="312" y="128"/>
-                  <a:pt x="360" y="480"/>
-                  <a:pt x="384" y="488"/>
-                </a:cubicBezTo>
-                <a:cubicBezTo>
-                  <a:pt x="408" y="496"/>
-                  <a:pt x="424" y="248"/>
-                  <a:pt x="432" y="200"/>
-                </a:cubicBezTo>
-              </a:path>
-            </a:pathLst>
-          </a:custGeom>
-          <a:noFill/>
-          <a:ln w="38100" cmpd="sng">
-            <a:solidFill>
-              <a:schemeClr val="accent6"/>
-            </a:solidFill>
-            <a:round/>
-            <a:headEnd/>
-            <a:tailEnd/>
-          </a:ln>
-          <a:effectLst/>
-        </p:spPr>
-        <p:txBody>
-          <a:bodyPr/>
-          <a:lstStyle/>
-          <a:p>
-            <a:endParaRPr lang="en-US"/>
-          </a:p>
-        </p:txBody>
-      </p:sp>
     </p:spTree>
   </p:cSld>
   <p:clrMapOvr>
@@ -10176,165 +11139,9 @@
   <p:timing>
     <p:tnLst>
       <p:par>
-        <p:cTn id="1" dur="indefinite" restart="never" nodeType="tmRoot">
-          <p:childTnLst>
-            <p:seq concurrent="1" nextAc="seek">
-              <p:cTn id="2" dur="indefinite" nodeType="mainSeq">
-                <p:childTnLst>
-                  <p:par>
-                    <p:cTn id="3" fill="hold">
-                      <p:stCondLst>
-                        <p:cond delay="indefinite"/>
-                        <p:cond evt="onBegin" delay="0">
-                          <p:tn val="2"/>
-                        </p:cond>
-                      </p:stCondLst>
-                      <p:childTnLst>
-                        <p:par>
-                          <p:cTn id="4" fill="hold">
-                            <p:stCondLst>
-                              <p:cond delay="0"/>
-                            </p:stCondLst>
-                            <p:childTnLst>
-                              <p:par>
-                                <p:cTn id="5" presetID="2" presetClass="entr" presetSubtype="2" fill="hold" grpId="0" nodeType="afterEffect">
-                                  <p:stCondLst>
-                                    <p:cond delay="0"/>
-                                  </p:stCondLst>
-                                  <p:childTnLst>
-                                    <p:set>
-                                      <p:cBhvr>
-                                        <p:cTn id="6" dur="1" fill="hold">
-                                          <p:stCondLst>
-                                            <p:cond delay="0"/>
-                                          </p:stCondLst>
-                                        </p:cTn>
-                                        <p:tgtEl>
-                                          <p:spTgt spid="7"/>
-                                        </p:tgtEl>
-                                        <p:attrNameLst>
-                                          <p:attrName>style.visibility</p:attrName>
-                                        </p:attrNameLst>
-                                      </p:cBhvr>
-                                      <p:to>
-                                        <p:strVal val="visible"/>
-                                      </p:to>
-                                    </p:set>
-                                    <p:anim calcmode="lin" valueType="num">
-                                      <p:cBhvr additive="base">
-                                        <p:cTn id="7" dur="500" fill="hold"/>
-                                        <p:tgtEl>
-                                          <p:spTgt spid="7"/>
-                                        </p:tgtEl>
-                                        <p:attrNameLst>
-                                          <p:attrName>ppt_x</p:attrName>
-                                        </p:attrNameLst>
-                                      </p:cBhvr>
-                                      <p:tavLst>
-                                        <p:tav tm="0">
-                                          <p:val>
-                                            <p:strVal val="1+#ppt_w/2"/>
-                                          </p:val>
-                                        </p:tav>
-                                        <p:tav tm="100000">
-                                          <p:val>
-                                            <p:strVal val="#ppt_x"/>
-                                          </p:val>
-                                        </p:tav>
-                                      </p:tavLst>
-                                    </p:anim>
-                                    <p:anim calcmode="lin" valueType="num">
-                                      <p:cBhvr additive="base">
-                                        <p:cTn id="8" dur="500" fill="hold"/>
-                                        <p:tgtEl>
-                                          <p:spTgt spid="7"/>
-                                        </p:tgtEl>
-                                        <p:attrNameLst>
-                                          <p:attrName>ppt_y</p:attrName>
-                                        </p:attrNameLst>
-                                      </p:cBhvr>
-                                      <p:tavLst>
-                                        <p:tav tm="0">
-                                          <p:val>
-                                            <p:strVal val="#ppt_y"/>
-                                          </p:val>
-                                        </p:tav>
-                                        <p:tav tm="100000">
-                                          <p:val>
-                                            <p:strVal val="#ppt_y"/>
-                                          </p:val>
-                                        </p:tav>
-                                      </p:tavLst>
-                                    </p:anim>
-                                  </p:childTnLst>
-                                </p:cTn>
-                              </p:par>
-                              <p:par>
-                                <p:cTn id="9" presetID="22" presetClass="entr" presetSubtype="4" fill="hold" grpId="0" nodeType="withEffect">
-                                  <p:stCondLst>
-                                    <p:cond delay="0"/>
-                                  </p:stCondLst>
-                                  <p:childTnLst>
-                                    <p:set>
-                                      <p:cBhvr>
-                                        <p:cTn id="10" dur="1" fill="hold">
-                                          <p:stCondLst>
-                                            <p:cond delay="0"/>
-                                          </p:stCondLst>
-                                        </p:cTn>
-                                        <p:tgtEl>
-                                          <p:spTgt spid="10"/>
-                                        </p:tgtEl>
-                                        <p:attrNameLst>
-                                          <p:attrName>style.visibility</p:attrName>
-                                        </p:attrNameLst>
-                                      </p:cBhvr>
-                                      <p:to>
-                                        <p:strVal val="visible"/>
-                                      </p:to>
-                                    </p:set>
-                                    <p:animEffect transition="in" filter="wipe(down)">
-                                      <p:cBhvr>
-                                        <p:cTn id="11" dur="500"/>
-                                        <p:tgtEl>
-                                          <p:spTgt spid="10"/>
-                                        </p:tgtEl>
-                                      </p:cBhvr>
-                                    </p:animEffect>
-                                  </p:childTnLst>
-                                </p:cTn>
-                              </p:par>
-                            </p:childTnLst>
-                          </p:cTn>
-                        </p:par>
-                      </p:childTnLst>
-                    </p:cTn>
-                  </p:par>
-                </p:childTnLst>
-              </p:cTn>
-              <p:prevCondLst>
-                <p:cond evt="onPrev" delay="0">
-                  <p:tgtEl>
-                    <p:sldTgt/>
-                  </p:tgtEl>
-                </p:cond>
-              </p:prevCondLst>
-              <p:nextCondLst>
-                <p:cond evt="onNext" delay="0">
-                  <p:tgtEl>
-                    <p:sldTgt/>
-                  </p:tgtEl>
-                </p:cond>
-              </p:nextCondLst>
-            </p:seq>
-          </p:childTnLst>
-        </p:cTn>
+        <p:cTn id="1" dur="indefinite" restart="never" nodeType="tmRoot"/>
       </p:par>
     </p:tnLst>
-    <p:bldLst>
-      <p:bldP spid="7" grpId="0" animBg="1"/>
-      <p:bldP spid="10" grpId="0" animBg="1"/>
-    </p:bldLst>
   </p:timing>
 </p:sld>
 </file>
@@ -10373,15 +11180,7 @@
           <a:p>
             <a:r>
               <a:rPr lang="en-US" dirty="0" smtClean="0"/>
-              <a:t>Time Series</a:t>
-            </a:r>
-            <a:r>
-              <a:rPr lang="en-US" dirty="0" smtClean="0"/>
-              <a:t> </a:t>
-            </a:r>
-            <a:r>
-              <a:rPr lang="en-US" dirty="0" smtClean="0"/>
-              <a:t>Input</a:t>
+              <a:t>HEC-DSS file</a:t>
             </a:r>
             <a:endParaRPr lang="en-US" dirty="0"/>
           </a:p>
@@ -10413,7 +11212,7 @@
       </p:sp>
       <p:pic>
         <p:nvPicPr>
-          <p:cNvPr id="1026" name="Picture 2"/>
+          <p:cNvPr id="3074" name="Picture 2"/>
           <p:cNvPicPr>
             <a:picLocks noChangeAspect="1" noChangeArrowheads="1"/>
           </p:cNvPicPr>
@@ -10428,8 +11227,8 @@
         </p:blipFill>
         <p:spPr bwMode="auto">
           <a:xfrm>
-            <a:off x="636134" y="1246414"/>
-            <a:ext cx="8067675" cy="4762500"/>
+            <a:off x="513669" y="1314450"/>
+            <a:ext cx="5944281" cy="4572524"/>
           </a:xfrm>
           <a:prstGeom prst="rect">
             <a:avLst/>
@@ -10443,6 +11242,101 @@
           </a:ln>
         </p:spPr>
       </p:pic>
+      <p:pic>
+        <p:nvPicPr>
+          <p:cNvPr id="5" name="Picture 2"/>
+          <p:cNvPicPr>
+            <a:picLocks noChangeAspect="1" noChangeArrowheads="1"/>
+          </p:cNvPicPr>
+          <p:nvPr/>
+        </p:nvPicPr>
+        <p:blipFill>
+          <a:blip r:embed="rId4" cstate="print"/>
+          <a:srcRect t="72960" b="9600"/>
+          <a:stretch>
+            <a:fillRect/>
+          </a:stretch>
+        </p:blipFill>
+        <p:spPr bwMode="auto">
+          <a:xfrm>
+            <a:off x="1269855" y="5929312"/>
+            <a:ext cx="7645545" cy="727987"/>
+          </a:xfrm>
+          <a:prstGeom prst="rect">
+            <a:avLst/>
+          </a:prstGeom>
+          <a:noFill/>
+          <a:ln w="9525">
+            <a:noFill/>
+            <a:miter lim="800000"/>
+            <a:headEnd/>
+            <a:tailEnd/>
+          </a:ln>
+        </p:spPr>
+      </p:pic>
+      <p:sp>
+        <p:nvSpPr>
+          <p:cNvPr id="6" name="Circular Arrow 5"/>
+          <p:cNvSpPr/>
+          <p:nvPr/>
+        </p:nvSpPr>
+        <p:spPr bwMode="auto">
+          <a:xfrm rot="2733369">
+            <a:off x="6086477" y="2800351"/>
+            <a:ext cx="2614612" cy="3186112"/>
+          </a:xfrm>
+          <a:prstGeom prst="circularArrow">
+            <a:avLst/>
+          </a:prstGeom>
+          <a:solidFill>
+            <a:srgbClr val="FFFF99"/>
+          </a:solidFill>
+          <a:ln w="9525" cap="flat" cmpd="sng" algn="ctr">
+            <a:noFill/>
+            <a:prstDash val="solid"/>
+            <a:round/>
+            <a:headEnd type="none" w="med" len="med"/>
+            <a:tailEnd type="none" w="med" len="med"/>
+          </a:ln>
+          <a:effectLst/>
+        </p:spPr>
+        <p:txBody>
+          <a:bodyPr vert="horz" wrap="square" lIns="91440" tIns="45720" rIns="91440" bIns="45720" numCol="1" rtlCol="0" anchor="ctr" anchorCtr="0" compatLnSpc="1">
+            <a:prstTxWarp prst="textNoShape">
+              <a:avLst/>
+            </a:prstTxWarp>
+          </a:bodyPr>
+          <a:lstStyle/>
+          <a:p>
+            <a:pPr marL="0" marR="0" indent="0" algn="ctr" defTabSz="914400" rtl="0" eaLnBrk="0" fontAlgn="base" latinLnBrk="0" hangingPunct="0">
+              <a:lnSpc>
+                <a:spcPct val="100000"/>
+              </a:lnSpc>
+              <a:spcBef>
+                <a:spcPct val="0"/>
+              </a:spcBef>
+              <a:spcAft>
+                <a:spcPct val="0"/>
+              </a:spcAft>
+              <a:buClrTx/>
+              <a:buSzTx/>
+              <a:buFontTx/>
+              <a:buNone/>
+              <a:tabLst/>
+            </a:pPr>
+            <a:endParaRPr kumimoji="0" lang="en-US" sz="3600" b="1" i="0" u="none" strike="noStrike" cap="none" normalizeH="0" baseline="0" smtClean="0">
+              <a:ln>
+                <a:noFill/>
+              </a:ln>
+              <a:solidFill>
+                <a:schemeClr val="tx1"/>
+              </a:solidFill>
+              <a:effectLst/>
+              <a:latin typeface="Arial" charset="0"/>
+            </a:endParaRPr>
+          </a:p>
+        </p:txBody>
+      </p:sp>
     </p:spTree>
   </p:cSld>
   <p:clrMapOvr>
@@ -10501,6 +11395,33 @@
       </p:sp>
       <p:sp>
         <p:nvSpPr>
+          <p:cNvPr id="3" name="Content Placeholder 2"/>
+          <p:cNvSpPr>
+            <a:spLocks noGrp="1"/>
+          </p:cNvSpPr>
+          <p:nvPr>
+            <p:ph idx="1"/>
+          </p:nvPr>
+        </p:nvSpPr>
+        <p:spPr>
+          <a:xfrm>
+            <a:off x="685800" y="1458686"/>
+            <a:ext cx="7772400" cy="4637314"/>
+          </a:xfrm>
+        </p:spPr>
+        <p:txBody>
+          <a:bodyPr/>
+          <a:lstStyle/>
+          <a:p>
+            <a:r>
+              <a:rPr lang="en-US" dirty="0" smtClean="0"/>
+              <a:t>Downstream stage time series example</a:t>
+            </a:r>
+          </a:p>
+        </p:txBody>
+      </p:sp>
+      <p:sp>
+        <p:nvSpPr>
           <p:cNvPr id="4" name="Date Placeholder 3"/>
           <p:cNvSpPr>
             <a:spLocks noGrp="1"/>
@@ -10525,7 +11446,7 @@
       </p:sp>
       <p:pic>
         <p:nvPicPr>
-          <p:cNvPr id="3074" name="Picture 2"/>
+          <p:cNvPr id="4098" name="Picture 2"/>
           <p:cNvPicPr>
             <a:picLocks noChangeAspect="1" noChangeArrowheads="1"/>
           </p:cNvPicPr>
@@ -10540,8 +11461,8 @@
         </p:blipFill>
         <p:spPr bwMode="auto">
           <a:xfrm>
-            <a:off x="1585232" y="1420586"/>
-            <a:ext cx="6191250" cy="4762500"/>
+            <a:off x="2117271" y="2287727"/>
+            <a:ext cx="4897892" cy="4081577"/>
           </a:xfrm>
           <a:prstGeom prst="rect">
             <a:avLst/>
@@ -10598,32 +11519,41 @@
             <p:ph type="title"/>
           </p:nvPr>
         </p:nvSpPr>
-        <p:spPr/>
-        <p:txBody>
-          <a:bodyPr/>
-          <a:lstStyle/>
-          <a:p>
-            <a:r>
-              <a:rPr lang="en-US" dirty="0" smtClean="0"/>
-              <a:t>HEC-DSS file</a:t>
-            </a:r>
-            <a:endParaRPr lang="en-US" dirty="0"/>
-          </a:p>
-        </p:txBody>
-      </p:sp>
-      <p:sp>
-        <p:nvSpPr>
-          <p:cNvPr id="3" name="Content Placeholder 2"/>
-          <p:cNvSpPr>
-            <a:spLocks noGrp="1"/>
-          </p:cNvSpPr>
-          <p:nvPr>
-            <p:ph idx="1"/>
-          </p:nvPr>
-        </p:nvSpPr>
         <p:spPr>
           <a:xfrm>
-            <a:off x="685800" y="1458686"/>
+            <a:off x="814387" y="323850"/>
+            <a:ext cx="7772400" cy="1143000"/>
+          </a:xfrm>
+        </p:spPr>
+        <p:txBody>
+          <a:bodyPr/>
+          <a:lstStyle/>
+          <a:p>
+            <a:r>
+              <a:rPr lang="en-US" dirty="0" smtClean="0"/>
+              <a:t>QUAL Boundary </a:t>
+            </a:r>
+            <a:r>
+              <a:rPr lang="en-US" dirty="0" smtClean="0"/>
+              <a:t>Conditions</a:t>
+            </a:r>
+            <a:endParaRPr lang="en-US" dirty="0"/>
+          </a:p>
+        </p:txBody>
+      </p:sp>
+      <p:sp>
+        <p:nvSpPr>
+          <p:cNvPr id="3" name="Content Placeholder 2"/>
+          <p:cNvSpPr>
+            <a:spLocks noGrp="1"/>
+          </p:cNvSpPr>
+          <p:nvPr>
+            <p:ph idx="1"/>
+          </p:nvPr>
+        </p:nvSpPr>
+        <p:spPr>
+          <a:xfrm>
+            <a:off x="642256" y="1240972"/>
             <a:ext cx="7772400" cy="4637314"/>
           </a:xfrm>
         </p:spPr>
@@ -10633,8 +11563,54 @@
           <a:p>
             <a:r>
               <a:rPr lang="en-US" dirty="0" smtClean="0"/>
-              <a:t>Downstream stage time series example</a:t>
-            </a:r>
+              <a:t>Concentration </a:t>
+            </a:r>
+            <a:r>
+              <a:rPr lang="en-US" dirty="0" smtClean="0"/>
+              <a:t>for every inflow</a:t>
+            </a:r>
+          </a:p>
+          <a:p>
+            <a:r>
+              <a:rPr lang="en-US" dirty="0" smtClean="0"/>
+              <a:t>Concentration for tidal </a:t>
+            </a:r>
+            <a:r>
+              <a:rPr lang="en-US" dirty="0" smtClean="0"/>
+              <a:t>boundary (inflow)</a:t>
+            </a:r>
+            <a:endParaRPr lang="en-US" dirty="0" smtClean="0"/>
+          </a:p>
+          <a:p>
+            <a:r>
+              <a:rPr lang="en-US" dirty="0" smtClean="0"/>
+              <a:t>Default zero with warning</a:t>
+            </a:r>
+          </a:p>
+          <a:p>
+            <a:r>
+              <a:rPr lang="en-US" dirty="0" smtClean="0"/>
+              <a:t>Link QUAL to </a:t>
+            </a:r>
+            <a:r>
+              <a:rPr lang="en-US" dirty="0" smtClean="0"/>
+              <a:t>HYDRO</a:t>
+            </a:r>
+            <a:r>
+              <a:rPr lang="en-US" dirty="0" smtClean="0"/>
+              <a:t> using name </a:t>
+            </a:r>
+            <a:endParaRPr lang="en-US" dirty="0" smtClean="0"/>
+          </a:p>
+          <a:p>
+            <a:pPr lvl="1"/>
+            <a:endParaRPr lang="en-US" dirty="0" smtClean="0"/>
+          </a:p>
+          <a:p>
+            <a:pPr lvl="1">
+              <a:buNone/>
+            </a:pPr>
+            <a:endParaRPr lang="en-US" dirty="0" smtClean="0"/>
           </a:p>
         </p:txBody>
       </p:sp>
@@ -10664,7 +11640,7 @@
       </p:sp>
       <p:pic>
         <p:nvPicPr>
-          <p:cNvPr id="4098" name="Picture 2"/>
+          <p:cNvPr id="1027" name="Picture 3"/>
           <p:cNvPicPr>
             <a:picLocks noChangeAspect="1" noChangeArrowheads="1"/>
           </p:cNvPicPr>
@@ -10679,8 +11655,161 @@
         </p:blipFill>
         <p:spPr bwMode="auto">
           <a:xfrm>
-            <a:off x="2117271" y="1943099"/>
-            <a:ext cx="5715000" cy="4762500"/>
+            <a:off x="1316993" y="3941936"/>
+            <a:ext cx="6533044" cy="2743536"/>
+          </a:xfrm>
+          <a:prstGeom prst="rect">
+            <a:avLst/>
+          </a:prstGeom>
+          <a:noFill/>
+          <a:ln w="9525">
+            <a:noFill/>
+            <a:miter lim="800000"/>
+            <a:headEnd/>
+            <a:tailEnd/>
+          </a:ln>
+        </p:spPr>
+      </p:pic>
+      <p:sp>
+        <p:nvSpPr>
+          <p:cNvPr id="7" name="Oval 6"/>
+          <p:cNvSpPr/>
+          <p:nvPr/>
+        </p:nvSpPr>
+        <p:spPr bwMode="auto">
+          <a:xfrm>
+            <a:off x="1632857" y="5083628"/>
+            <a:ext cx="1698171" cy="402772"/>
+          </a:xfrm>
+          <a:prstGeom prst="ellipse">
+            <a:avLst/>
+          </a:prstGeom>
+          <a:noFill/>
+          <a:ln w="25400" cap="flat" cmpd="sng" algn="ctr">
+            <a:solidFill>
+              <a:srgbClr val="C00000"/>
+            </a:solidFill>
+            <a:prstDash val="solid"/>
+            <a:round/>
+            <a:headEnd type="none" w="med" len="med"/>
+            <a:tailEnd type="none" w="med" len="med"/>
+          </a:ln>
+          <a:effectLst/>
+        </p:spPr>
+        <p:txBody>
+          <a:bodyPr vert="horz" wrap="square" lIns="91440" tIns="45720" rIns="91440" bIns="45720" numCol="1" rtlCol="0" anchor="ctr" anchorCtr="0" compatLnSpc="1">
+            <a:prstTxWarp prst="textNoShape">
+              <a:avLst/>
+            </a:prstTxWarp>
+          </a:bodyPr>
+          <a:lstStyle/>
+          <a:p>
+            <a:pPr marL="0" marR="0" indent="0" algn="ctr" defTabSz="914400" rtl="0" eaLnBrk="0" fontAlgn="base" latinLnBrk="0" hangingPunct="0">
+              <a:lnSpc>
+                <a:spcPct val="100000"/>
+              </a:lnSpc>
+              <a:spcBef>
+                <a:spcPct val="0"/>
+              </a:spcBef>
+              <a:spcAft>
+                <a:spcPct val="0"/>
+              </a:spcAft>
+              <a:buClrTx/>
+              <a:buSzTx/>
+              <a:buFontTx/>
+              <a:buNone/>
+              <a:tabLst/>
+            </a:pPr>
+            <a:endParaRPr kumimoji="0" lang="en-US" sz="3600" b="1" i="0" u="none" strike="noStrike" cap="none" normalizeH="0" baseline="0" smtClean="0">
+              <a:ln>
+                <a:noFill/>
+              </a:ln>
+              <a:solidFill>
+                <a:schemeClr val="tx1"/>
+              </a:solidFill>
+              <a:effectLst/>
+              <a:latin typeface="Arial" charset="0"/>
+            </a:endParaRPr>
+          </a:p>
+        </p:txBody>
+      </p:sp>
+      <p:cxnSp>
+        <p:nvCxnSpPr>
+          <p:cNvPr id="9" name="Straight Arrow Connector 8"/>
+          <p:cNvCxnSpPr/>
+          <p:nvPr/>
+        </p:nvCxnSpPr>
+        <p:spPr bwMode="auto">
+          <a:xfrm>
+            <a:off x="6707449" y="3889076"/>
+            <a:ext cx="914400" cy="914400"/>
+          </a:xfrm>
+          <a:prstGeom prst="straightConnector1">
+            <a:avLst/>
+          </a:prstGeom>
+          <a:solidFill>
+            <a:srgbClr val="FFFF99"/>
+          </a:solidFill>
+          <a:ln w="9525" cap="flat" cmpd="sng" algn="ctr">
+            <a:noFill/>
+            <a:prstDash val="solid"/>
+            <a:round/>
+            <a:headEnd type="none" w="med" len="med"/>
+            <a:tailEnd type="arrow"/>
+          </a:ln>
+          <a:effectLst/>
+        </p:spPr>
+      </p:cxnSp>
+      <p:cxnSp>
+        <p:nvCxnSpPr>
+          <p:cNvPr id="11" name="Straight Arrow Connector 10"/>
+          <p:cNvCxnSpPr>
+            <a:endCxn id="7" idx="7"/>
+          </p:cNvCxnSpPr>
+          <p:nvPr/>
+        </p:nvCxnSpPr>
+        <p:spPr bwMode="auto">
+          <a:xfrm rot="10800000" flipV="1">
+            <a:off x="3082337" y="3777341"/>
+            <a:ext cx="3209607" cy="1365271"/>
+          </a:xfrm>
+          <a:prstGeom prst="straightConnector1">
+            <a:avLst/>
+          </a:prstGeom>
+          <a:solidFill>
+            <a:srgbClr val="FFFF99"/>
+          </a:solidFill>
+          <a:ln w="19050" cap="flat" cmpd="sng" algn="ctr">
+            <a:solidFill>
+              <a:srgbClr val="C00000"/>
+            </a:solidFill>
+            <a:prstDash val="solid"/>
+            <a:round/>
+            <a:headEnd type="none" w="med" len="med"/>
+            <a:tailEnd type="arrow"/>
+          </a:ln>
+          <a:effectLst/>
+        </p:spPr>
+      </p:cxnSp>
+      <p:pic>
+        <p:nvPicPr>
+          <p:cNvPr id="1026" name="Picture 2" descr="j0434750[1]"/>
+          <p:cNvPicPr>
+            <a:picLocks noChangeAspect="1" noChangeArrowheads="1"/>
+          </p:cNvPicPr>
+          <p:nvPr/>
+        </p:nvPicPr>
+        <p:blipFill>
+          <a:blip r:embed="rId4" cstate="print"/>
+          <a:srcRect/>
+          <a:stretch>
+            <a:fillRect/>
+          </a:stretch>
+        </p:blipFill>
+        <p:spPr bwMode="auto">
+          <a:xfrm>
+            <a:off x="7772400" y="3537857"/>
+            <a:ext cx="276225" cy="276225"/>
           </a:xfrm>
           <a:prstGeom prst="rect">
             <a:avLst/>

--- a/dsm2/presentations/p4_simulation_data.pptx
+++ b/dsm2/presentations/p4_simulation_data.pptx
@@ -5,10 +5,10 @@
     <p:sldMasterId id="2147483648" r:id="rId1"/>
   </p:sldMasterIdLst>
   <p:notesMasterIdLst>
-    <p:notesMasterId r:id="rId23"/>
+    <p:notesMasterId r:id="rId21"/>
   </p:notesMasterIdLst>
   <p:handoutMasterIdLst>
-    <p:handoutMasterId r:id="rId24"/>
+    <p:handoutMasterId r:id="rId22"/>
   </p:handoutMasterIdLst>
   <p:sldIdLst>
     <p:sldId id="429" r:id="rId2"/>
@@ -21,17 +21,15 @@
     <p:sldId id="479" r:id="rId9"/>
     <p:sldId id="465" r:id="rId10"/>
     <p:sldId id="473" r:id="rId11"/>
-    <p:sldId id="485" r:id="rId12"/>
-    <p:sldId id="454" r:id="rId13"/>
-    <p:sldId id="472" r:id="rId14"/>
+    <p:sldId id="454" r:id="rId12"/>
+    <p:sldId id="472" r:id="rId13"/>
+    <p:sldId id="485" r:id="rId14"/>
     <p:sldId id="456" r:id="rId15"/>
     <p:sldId id="455" r:id="rId16"/>
     <p:sldId id="458" r:id="rId17"/>
     <p:sldId id="474" r:id="rId18"/>
     <p:sldId id="476" r:id="rId19"/>
     <p:sldId id="450" r:id="rId20"/>
-    <p:sldId id="484" r:id="rId21"/>
-    <p:sldId id="483" r:id="rId22"/>
   </p:sldIdLst>
   <p:sldSz cx="9144000" cy="6858000" type="screen4x3"/>
   <p:notesSz cx="7010400" cy="9296400"/>
@@ -958,11 +956,7 @@
             </a:r>
             <a:r>
               <a:rPr lang="en-US" baseline="0" dirty="0" smtClean="0"/>
-              <a:t> and Output we mean boundary and initial conditions and some of the runtime I/O files</a:t>
-            </a:r>
-            <a:r>
-              <a:rPr lang="en-US" baseline="0" dirty="0" smtClean="0"/>
-              <a:t>.</a:t>
+              <a:t> and Output we mean boundary and initial conditions and some of the runtime I/O files.</a:t>
             </a:r>
           </a:p>
           <a:p>
@@ -1285,6 +1279,20 @@
           </a:bodyPr>
           <a:lstStyle/>
           <a:p>
+            <a:r>
+              <a:rPr lang="en-US" dirty="0" smtClean="0"/>
+              <a:t>Single value for</a:t>
+            </a:r>
+            <a:r>
+              <a:rPr lang="en-US" baseline="0" dirty="0" smtClean="0"/>
+              <a:t> all locations and for all constituents. This can be really bad for DO or non-conservative runs, because there isn’t necessarily a single number that works well for all the different constituents.</a:t>
+            </a:r>
+          </a:p>
+          <a:p>
+            <a:r>
+              <a:rPr lang="en-US" baseline="0" dirty="0" smtClean="0"/>
+              <a:t>Also can interfere with source tracking if it isn’t zero</a:t>
+            </a:r>
             <a:endParaRPr lang="en-US" dirty="0"/>
           </a:p>
         </p:txBody>
@@ -1413,20 +1421,6 @@
           </a:bodyPr>
           <a:lstStyle/>
           <a:p>
-            <a:r>
-              <a:rPr lang="en-US" dirty="0" smtClean="0"/>
-              <a:t>Single value for</a:t>
-            </a:r>
-            <a:r>
-              <a:rPr lang="en-US" baseline="0" dirty="0" smtClean="0"/>
-              <a:t> all locations and for all constituents. This can be really bad for DO or non-conservative runs, because there isn’t necessarily a single number that works well for all the different constituents.</a:t>
-            </a:r>
-          </a:p>
-          <a:p>
-            <a:r>
-              <a:rPr lang="en-US" baseline="0" dirty="0" smtClean="0"/>
-              <a:t>Also can interfere with source tracking if it isn’t zero</a:t>
-            </a:r>
             <a:endParaRPr lang="en-US" dirty="0"/>
           </a:p>
         </p:txBody>
@@ -5495,11 +5489,7 @@
           <a:p>
             <a:r>
               <a:rPr lang="en-US" smtClean="0"/>
-              <a:t>September </a:t>
-            </a:r>
-            <a:r>
-              <a:rPr lang="en-US" smtClean="0"/>
-              <a:t>21, </a:t>
+              <a:t>September 21, </a:t>
             </a:r>
             <a:r>
               <a:rPr lang="en-US" dirty="0" smtClean="0"/>
@@ -5710,7 +5700,6 @@
               <a:rPr lang="en-US" dirty="0" smtClean="0"/>
               <a:t>Are superseded by op rules</a:t>
             </a:r>
-            <a:endParaRPr lang="en-US" dirty="0" smtClean="0"/>
           </a:p>
         </p:txBody>
       </p:sp>
@@ -5789,16 +5778,68 @@
             <p:ph type="title"/>
           </p:nvPr>
         </p:nvSpPr>
-        <p:spPr/>
+        <p:spPr>
+          <a:xfrm>
+            <a:off x="379562" y="323850"/>
+            <a:ext cx="8384876" cy="1143000"/>
+          </a:xfrm>
+        </p:spPr>
         <p:txBody>
           <a:bodyPr/>
           <a:lstStyle/>
           <a:p>
             <a:r>
               <a:rPr lang="en-US" dirty="0" smtClean="0"/>
-              <a:t>Initial Conditions + Memory</a:t>
+              <a:t>HYDRO Initial Condition Input</a:t>
             </a:r>
             <a:endParaRPr lang="en-US" dirty="0"/>
+          </a:p>
+        </p:txBody>
+      </p:sp>
+      <p:sp>
+        <p:nvSpPr>
+          <p:cNvPr id="3" name="Content Placeholder 2"/>
+          <p:cNvSpPr>
+            <a:spLocks noGrp="1"/>
+          </p:cNvSpPr>
+          <p:nvPr>
+            <p:ph idx="1"/>
+          </p:nvPr>
+        </p:nvSpPr>
+        <p:spPr>
+          <a:xfrm>
+            <a:off x="674914" y="1556658"/>
+            <a:ext cx="7772400" cy="4114800"/>
+          </a:xfrm>
+        </p:spPr>
+        <p:txBody>
+          <a:bodyPr/>
+          <a:lstStyle/>
+          <a:p>
+            <a:r>
+              <a:rPr lang="en-US" dirty="0" smtClean="0"/>
+              <a:t>HYDRO Default: </a:t>
+            </a:r>
+          </a:p>
+          <a:p>
+            <a:pPr lvl="1"/>
+            <a:r>
+              <a:rPr lang="en-US" dirty="0" smtClean="0"/>
+              <a:t>CHANNEL_IC</a:t>
+            </a:r>
+          </a:p>
+          <a:p>
+            <a:pPr lvl="1"/>
+            <a:r>
+              <a:rPr lang="en-US" dirty="0" smtClean="0"/>
+              <a:t>RESERVOIR_IC</a:t>
+            </a:r>
+          </a:p>
+          <a:p>
+            <a:r>
+              <a:rPr lang="en-US" dirty="0" smtClean="0"/>
+              <a:t>Restart file has priority</a:t>
+            </a:r>
           </a:p>
         </p:txBody>
       </p:sp>
@@ -5821,6 +5862,427 @@
               <a:rPr lang="en-US" smtClean="0"/>
               <a:pPr/>
               <a:t>11</a:t>
+            </a:fld>
+            <a:endParaRPr lang="en-US"/>
+          </a:p>
+        </p:txBody>
+      </p:sp>
+      <p:pic>
+        <p:nvPicPr>
+          <p:cNvPr id="5122" name="Picture 2"/>
+          <p:cNvPicPr>
+            <a:picLocks noChangeAspect="1" noChangeArrowheads="1"/>
+          </p:cNvPicPr>
+          <p:nvPr/>
+        </p:nvPicPr>
+        <p:blipFill>
+          <a:blip r:embed="rId3" cstate="print"/>
+          <a:srcRect/>
+          <a:stretch>
+            <a:fillRect/>
+          </a:stretch>
+        </p:blipFill>
+        <p:spPr bwMode="auto">
+          <a:xfrm>
+            <a:off x="5399470" y="1572807"/>
+            <a:ext cx="3467100" cy="5048250"/>
+          </a:xfrm>
+          <a:prstGeom prst="rect">
+            <a:avLst/>
+          </a:prstGeom>
+          <a:noFill/>
+          <a:ln w="9525">
+            <a:noFill/>
+            <a:miter lim="800000"/>
+            <a:headEnd/>
+            <a:tailEnd/>
+          </a:ln>
+        </p:spPr>
+      </p:pic>
+    </p:spTree>
+  </p:cSld>
+  <p:clrMapOvr>
+    <a:masterClrMapping/>
+  </p:clrMapOvr>
+  <p:transition advClick="0" advTm="0"/>
+  <p:timing>
+    <p:tnLst>
+      <p:par>
+        <p:cTn id="1" dur="indefinite" restart="never" nodeType="tmRoot"/>
+      </p:par>
+    </p:tnLst>
+  </p:timing>
+</p:sld>
+</file>
+
+<file path=ppt/slides/slide12.xml><?xml version="1.0" encoding="utf-8"?>
+<p:sld xmlns:a="http://schemas.openxmlformats.org/drawingml/2006/main" xmlns:r="http://schemas.openxmlformats.org/officeDocument/2006/relationships" xmlns:p="http://schemas.openxmlformats.org/presentationml/2006/main">
+  <p:cSld>
+    <p:spTree>
+      <p:nvGrpSpPr>
+        <p:cNvPr id="1" name=""/>
+        <p:cNvGrpSpPr/>
+        <p:nvPr/>
+      </p:nvGrpSpPr>
+      <p:grpSpPr>
+        <a:xfrm>
+          <a:off x="0" y="0"/>
+          <a:ext cx="0" cy="0"/>
+          <a:chOff x="0" y="0"/>
+          <a:chExt cx="0" cy="0"/>
+        </a:xfrm>
+      </p:grpSpPr>
+      <p:sp>
+        <p:nvSpPr>
+          <p:cNvPr id="2" name="Title 1"/>
+          <p:cNvSpPr>
+            <a:spLocks noGrp="1"/>
+          </p:cNvSpPr>
+          <p:nvPr>
+            <p:ph type="title"/>
+          </p:nvPr>
+        </p:nvSpPr>
+        <p:spPr/>
+        <p:txBody>
+          <a:bodyPr/>
+          <a:lstStyle/>
+          <a:p>
+            <a:r>
+              <a:rPr lang="en-US" dirty="0" smtClean="0"/>
+              <a:t>QUAL Initial Condition Input</a:t>
+            </a:r>
+            <a:endParaRPr lang="en-US" dirty="0"/>
+          </a:p>
+        </p:txBody>
+      </p:sp>
+      <p:sp>
+        <p:nvSpPr>
+          <p:cNvPr id="3" name="Content Placeholder 2"/>
+          <p:cNvSpPr>
+            <a:spLocks noGrp="1"/>
+          </p:cNvSpPr>
+          <p:nvPr>
+            <p:ph idx="1"/>
+          </p:nvPr>
+        </p:nvSpPr>
+        <p:spPr>
+          <a:xfrm>
+            <a:off x="674914" y="1556658"/>
+            <a:ext cx="7772400" cy="4672692"/>
+          </a:xfrm>
+        </p:spPr>
+        <p:txBody>
+          <a:bodyPr/>
+          <a:lstStyle/>
+          <a:p>
+            <a:r>
+              <a:rPr lang="en-US" dirty="0" smtClean="0"/>
+              <a:t>Default:</a:t>
+            </a:r>
+          </a:p>
+          <a:p>
+            <a:pPr lvl="1">
+              <a:buNone/>
+            </a:pPr>
+            <a:r>
+              <a:rPr lang="en-US" dirty="0" smtClean="0"/>
+              <a:t>Scalar </a:t>
+            </a:r>
+            <a:r>
+              <a:rPr lang="en-US" dirty="0" err="1" smtClean="0"/>
+              <a:t>init_conc</a:t>
+            </a:r>
+            <a:endParaRPr lang="en-US" dirty="0" smtClean="0"/>
+          </a:p>
+          <a:p>
+            <a:pPr lvl="1">
+              <a:buNone/>
+            </a:pPr>
+            <a:r>
+              <a:rPr lang="en-US" dirty="0" smtClean="0"/>
+              <a:t>    (cold start)</a:t>
+            </a:r>
+          </a:p>
+          <a:p>
+            <a:r>
+              <a:rPr lang="en-US" dirty="0" smtClean="0"/>
+              <a:t>Restart files </a:t>
+            </a:r>
+          </a:p>
+          <a:p>
+            <a:pPr>
+              <a:buNone/>
+            </a:pPr>
+            <a:r>
+              <a:rPr lang="en-US" dirty="0" smtClean="0"/>
+              <a:t>   replace the default</a:t>
+            </a:r>
+          </a:p>
+          <a:p>
+            <a:pPr>
+              <a:buNone/>
+            </a:pPr>
+            <a:r>
+              <a:rPr lang="en-US" dirty="0" smtClean="0"/>
+              <a:t>   (warm start)</a:t>
+            </a:r>
+          </a:p>
+          <a:p>
+            <a:pPr>
+              <a:buFont typeface="Arial" pitchFamily="34" charset="0"/>
+              <a:buChar char="•"/>
+            </a:pPr>
+            <a:r>
+              <a:rPr lang="en-US" dirty="0" smtClean="0"/>
+              <a:t>Affects source </a:t>
+            </a:r>
+          </a:p>
+          <a:p>
+            <a:pPr>
+              <a:buNone/>
+            </a:pPr>
+            <a:r>
+              <a:rPr lang="en-US" dirty="0" smtClean="0"/>
+              <a:t>	tracking</a:t>
+            </a:r>
+          </a:p>
+          <a:p>
+            <a:pPr lvl="1">
+              <a:buNone/>
+            </a:pPr>
+            <a:endParaRPr lang="en-US" dirty="0" smtClean="0"/>
+          </a:p>
+          <a:p>
+            <a:pPr>
+              <a:buNone/>
+            </a:pPr>
+            <a:endParaRPr lang="en-US" dirty="0" smtClean="0"/>
+          </a:p>
+        </p:txBody>
+      </p:sp>
+      <p:sp>
+        <p:nvSpPr>
+          <p:cNvPr id="4" name="Date Placeholder 3"/>
+          <p:cNvSpPr>
+            <a:spLocks noGrp="1"/>
+          </p:cNvSpPr>
+          <p:nvPr>
+            <p:ph type="dt" sz="half" idx="10"/>
+          </p:nvPr>
+        </p:nvSpPr>
+        <p:spPr/>
+        <p:txBody>
+          <a:bodyPr/>
+          <a:lstStyle/>
+          <a:p>
+            <a:fld id="{AB98F214-5D90-468C-9EE8-E1612B8D2BE2}" type="slidenum">
+              <a:rPr lang="en-US" smtClean="0"/>
+              <a:pPr/>
+              <a:t>12</a:t>
+            </a:fld>
+            <a:endParaRPr lang="en-US"/>
+          </a:p>
+        </p:txBody>
+      </p:sp>
+      <p:pic>
+        <p:nvPicPr>
+          <p:cNvPr id="6146" name="Picture 2"/>
+          <p:cNvPicPr>
+            <a:picLocks noChangeAspect="1" noChangeArrowheads="1"/>
+          </p:cNvPicPr>
+          <p:nvPr/>
+        </p:nvPicPr>
+        <p:blipFill>
+          <a:blip r:embed="rId3" cstate="print"/>
+          <a:srcRect/>
+          <a:stretch>
+            <a:fillRect/>
+          </a:stretch>
+        </p:blipFill>
+        <p:spPr bwMode="auto">
+          <a:xfrm>
+            <a:off x="4613369" y="1355271"/>
+            <a:ext cx="3959336" cy="5372099"/>
+          </a:xfrm>
+          <a:prstGeom prst="rect">
+            <a:avLst/>
+          </a:prstGeom>
+          <a:noFill/>
+          <a:ln w="9525">
+            <a:noFill/>
+            <a:miter lim="800000"/>
+            <a:headEnd/>
+            <a:tailEnd/>
+          </a:ln>
+        </p:spPr>
+      </p:pic>
+      <p:cxnSp>
+        <p:nvCxnSpPr>
+          <p:cNvPr id="8" name="Straight Arrow Connector 7"/>
+          <p:cNvCxnSpPr/>
+          <p:nvPr/>
+        </p:nvCxnSpPr>
+        <p:spPr bwMode="auto">
+          <a:xfrm rot="16200000" flipH="1">
+            <a:off x="3184072" y="2705099"/>
+            <a:ext cx="2503715" cy="2362199"/>
+          </a:xfrm>
+          <a:prstGeom prst="straightConnector1">
+            <a:avLst/>
+          </a:prstGeom>
+          <a:solidFill>
+            <a:srgbClr val="FFFF99"/>
+          </a:solidFill>
+          <a:ln w="25400" cap="flat" cmpd="sng" algn="ctr">
+            <a:solidFill>
+              <a:srgbClr val="C00000"/>
+            </a:solidFill>
+            <a:prstDash val="solid"/>
+            <a:round/>
+            <a:headEnd type="none" w="med" len="med"/>
+            <a:tailEnd type="arrow"/>
+          </a:ln>
+          <a:effectLst/>
+        </p:spPr>
+      </p:cxnSp>
+      <p:sp>
+        <p:nvSpPr>
+          <p:cNvPr id="10" name="Oval 9"/>
+          <p:cNvSpPr/>
+          <p:nvPr/>
+        </p:nvSpPr>
+        <p:spPr bwMode="auto">
+          <a:xfrm>
+            <a:off x="5325155" y="5119007"/>
+            <a:ext cx="1730828" cy="250372"/>
+          </a:xfrm>
+          <a:prstGeom prst="ellipse">
+            <a:avLst/>
+          </a:prstGeom>
+          <a:noFill/>
+          <a:ln w="22225" cap="flat" cmpd="sng" algn="ctr">
+            <a:solidFill>
+              <a:srgbClr val="C00000"/>
+            </a:solidFill>
+            <a:prstDash val="solid"/>
+            <a:round/>
+            <a:headEnd type="none" w="med" len="med"/>
+            <a:tailEnd type="none" w="med" len="med"/>
+          </a:ln>
+          <a:effectLst/>
+        </p:spPr>
+        <p:txBody>
+          <a:bodyPr vert="horz" wrap="square" lIns="91440" tIns="45720" rIns="91440" bIns="45720" numCol="1" rtlCol="0" anchor="ctr" anchorCtr="0" compatLnSpc="1">
+            <a:prstTxWarp prst="textNoShape">
+              <a:avLst/>
+            </a:prstTxWarp>
+          </a:bodyPr>
+          <a:lstStyle/>
+          <a:p>
+            <a:pPr marL="0" marR="0" indent="0" algn="ctr" defTabSz="914400" rtl="0" eaLnBrk="0" fontAlgn="base" latinLnBrk="0" hangingPunct="0">
+              <a:lnSpc>
+                <a:spcPct val="100000"/>
+              </a:lnSpc>
+              <a:spcBef>
+                <a:spcPct val="0"/>
+              </a:spcBef>
+              <a:spcAft>
+                <a:spcPct val="0"/>
+              </a:spcAft>
+              <a:buClrTx/>
+              <a:buSzTx/>
+              <a:buFontTx/>
+              <a:buNone/>
+              <a:tabLst/>
+            </a:pPr>
+            <a:endParaRPr kumimoji="0" lang="en-US" sz="3600" b="1" i="0" u="none" strike="noStrike" cap="none" normalizeH="0" baseline="0" smtClean="0">
+              <a:ln>
+                <a:noFill/>
+              </a:ln>
+              <a:solidFill>
+                <a:schemeClr val="tx1"/>
+              </a:solidFill>
+              <a:effectLst/>
+              <a:latin typeface="Arial" charset="0"/>
+            </a:endParaRPr>
+          </a:p>
+        </p:txBody>
+      </p:sp>
+    </p:spTree>
+  </p:cSld>
+  <p:clrMapOvr>
+    <a:masterClrMapping/>
+  </p:clrMapOvr>
+  <p:transition advClick="0" advTm="0"/>
+  <p:timing>
+    <p:tnLst>
+      <p:par>
+        <p:cTn id="1" dur="indefinite" restart="never" nodeType="tmRoot"/>
+      </p:par>
+    </p:tnLst>
+  </p:timing>
+</p:sld>
+</file>
+
+<file path=ppt/slides/slide13.xml><?xml version="1.0" encoding="utf-8"?>
+<p:sld xmlns:a="http://schemas.openxmlformats.org/drawingml/2006/main" xmlns:r="http://schemas.openxmlformats.org/officeDocument/2006/relationships" xmlns:p="http://schemas.openxmlformats.org/presentationml/2006/main">
+  <p:cSld>
+    <p:spTree>
+      <p:nvGrpSpPr>
+        <p:cNvPr id="1" name=""/>
+        <p:cNvGrpSpPr/>
+        <p:nvPr/>
+      </p:nvGrpSpPr>
+      <p:grpSpPr>
+        <a:xfrm>
+          <a:off x="0" y="0"/>
+          <a:ext cx="0" cy="0"/>
+          <a:chOff x="0" y="0"/>
+          <a:chExt cx="0" cy="0"/>
+        </a:xfrm>
+      </p:grpSpPr>
+      <p:sp>
+        <p:nvSpPr>
+          <p:cNvPr id="2" name="Title 1"/>
+          <p:cNvSpPr>
+            <a:spLocks noGrp="1"/>
+          </p:cNvSpPr>
+          <p:nvPr>
+            <p:ph type="title"/>
+          </p:nvPr>
+        </p:nvSpPr>
+        <p:spPr/>
+        <p:txBody>
+          <a:bodyPr/>
+          <a:lstStyle/>
+          <a:p>
+            <a:r>
+              <a:rPr lang="en-US" dirty="0" smtClean="0"/>
+              <a:t>Initial Conditions + Memory</a:t>
+            </a:r>
+            <a:endParaRPr lang="en-US" dirty="0"/>
+          </a:p>
+        </p:txBody>
+      </p:sp>
+      <p:sp>
+        <p:nvSpPr>
+          <p:cNvPr id="4" name="Date Placeholder 3"/>
+          <p:cNvSpPr>
+            <a:spLocks noGrp="1"/>
+          </p:cNvSpPr>
+          <p:nvPr>
+            <p:ph type="dt" sz="half" idx="10"/>
+          </p:nvPr>
+        </p:nvSpPr>
+        <p:spPr/>
+        <p:txBody>
+          <a:bodyPr/>
+          <a:lstStyle/>
+          <a:p>
+            <a:fld id="{AB98F214-5D90-468C-9EE8-E1612B8D2BE2}" type="slidenum">
+              <a:rPr lang="en-US" smtClean="0"/>
+              <a:pPr/>
+              <a:t>13</a:t>
             </a:fld>
             <a:endParaRPr lang="en-US"/>
           </a:p>
@@ -6417,497 +6879,6 @@
 </p:sld>
 </file>
 
-<file path=ppt/slides/slide12.xml><?xml version="1.0" encoding="utf-8"?>
-<p:sld xmlns:a="http://schemas.openxmlformats.org/drawingml/2006/main" xmlns:r="http://schemas.openxmlformats.org/officeDocument/2006/relationships" xmlns:p="http://schemas.openxmlformats.org/presentationml/2006/main">
-  <p:cSld>
-    <p:spTree>
-      <p:nvGrpSpPr>
-        <p:cNvPr id="1" name=""/>
-        <p:cNvGrpSpPr/>
-        <p:nvPr/>
-      </p:nvGrpSpPr>
-      <p:grpSpPr>
-        <a:xfrm>
-          <a:off x="0" y="0"/>
-          <a:ext cx="0" cy="0"/>
-          <a:chOff x="0" y="0"/>
-          <a:chExt cx="0" cy="0"/>
-        </a:xfrm>
-      </p:grpSpPr>
-      <p:sp>
-        <p:nvSpPr>
-          <p:cNvPr id="2" name="Title 1"/>
-          <p:cNvSpPr>
-            <a:spLocks noGrp="1"/>
-          </p:cNvSpPr>
-          <p:nvPr>
-            <p:ph type="title"/>
-          </p:nvPr>
-        </p:nvSpPr>
-        <p:spPr>
-          <a:xfrm>
-            <a:off x="379562" y="323850"/>
-            <a:ext cx="8384876" cy="1143000"/>
-          </a:xfrm>
-        </p:spPr>
-        <p:txBody>
-          <a:bodyPr/>
-          <a:lstStyle/>
-          <a:p>
-            <a:r>
-              <a:rPr lang="en-US" dirty="0" smtClean="0"/>
-              <a:t>HYDRO Initial </a:t>
-            </a:r>
-            <a:r>
-              <a:rPr lang="en-US" dirty="0" smtClean="0"/>
-              <a:t>Condition Input</a:t>
-            </a:r>
-            <a:endParaRPr lang="en-US" dirty="0"/>
-          </a:p>
-        </p:txBody>
-      </p:sp>
-      <p:sp>
-        <p:nvSpPr>
-          <p:cNvPr id="3" name="Content Placeholder 2"/>
-          <p:cNvSpPr>
-            <a:spLocks noGrp="1"/>
-          </p:cNvSpPr>
-          <p:nvPr>
-            <p:ph idx="1"/>
-          </p:nvPr>
-        </p:nvSpPr>
-        <p:spPr>
-          <a:xfrm>
-            <a:off x="674914" y="1556658"/>
-            <a:ext cx="7772400" cy="4114800"/>
-          </a:xfrm>
-        </p:spPr>
-        <p:txBody>
-          <a:bodyPr/>
-          <a:lstStyle/>
-          <a:p>
-            <a:r>
-              <a:rPr lang="en-US" dirty="0" smtClean="0"/>
-              <a:t>HYDRO Default: </a:t>
-            </a:r>
-          </a:p>
-          <a:p>
-            <a:pPr lvl="1"/>
-            <a:r>
-              <a:rPr lang="en-US" dirty="0" smtClean="0"/>
-              <a:t>CHANNEL_IC</a:t>
-            </a:r>
-          </a:p>
-          <a:p>
-            <a:pPr lvl="1"/>
-            <a:r>
-              <a:rPr lang="en-US" dirty="0" smtClean="0"/>
-              <a:t>RESERVOIR_IC</a:t>
-            </a:r>
-          </a:p>
-          <a:p>
-            <a:r>
-              <a:rPr lang="en-US" dirty="0" smtClean="0"/>
-              <a:t>Restart file has priority</a:t>
-            </a:r>
-          </a:p>
-        </p:txBody>
-      </p:sp>
-      <p:sp>
-        <p:nvSpPr>
-          <p:cNvPr id="4" name="Date Placeholder 3"/>
-          <p:cNvSpPr>
-            <a:spLocks noGrp="1"/>
-          </p:cNvSpPr>
-          <p:nvPr>
-            <p:ph type="dt" sz="half" idx="10"/>
-          </p:nvPr>
-        </p:nvSpPr>
-        <p:spPr/>
-        <p:txBody>
-          <a:bodyPr/>
-          <a:lstStyle/>
-          <a:p>
-            <a:fld id="{AB98F214-5D90-468C-9EE8-E1612B8D2BE2}" type="slidenum">
-              <a:rPr lang="en-US" smtClean="0"/>
-              <a:pPr/>
-              <a:t>12</a:t>
-            </a:fld>
-            <a:endParaRPr lang="en-US"/>
-          </a:p>
-        </p:txBody>
-      </p:sp>
-      <p:pic>
-        <p:nvPicPr>
-          <p:cNvPr id="5122" name="Picture 2"/>
-          <p:cNvPicPr>
-            <a:picLocks noChangeAspect="1" noChangeArrowheads="1"/>
-          </p:cNvPicPr>
-          <p:nvPr/>
-        </p:nvPicPr>
-        <p:blipFill>
-          <a:blip r:embed="rId3" cstate="print"/>
-          <a:srcRect/>
-          <a:stretch>
-            <a:fillRect/>
-          </a:stretch>
-        </p:blipFill>
-        <p:spPr bwMode="auto">
-          <a:xfrm>
-            <a:off x="5399470" y="1572807"/>
-            <a:ext cx="3467100" cy="5048250"/>
-          </a:xfrm>
-          <a:prstGeom prst="rect">
-            <a:avLst/>
-          </a:prstGeom>
-          <a:noFill/>
-          <a:ln w="9525">
-            <a:noFill/>
-            <a:miter lim="800000"/>
-            <a:headEnd/>
-            <a:tailEnd/>
-          </a:ln>
-        </p:spPr>
-      </p:pic>
-    </p:spTree>
-  </p:cSld>
-  <p:clrMapOvr>
-    <a:masterClrMapping/>
-  </p:clrMapOvr>
-  <p:transition advClick="0" advTm="0"/>
-  <p:timing>
-    <p:tnLst>
-      <p:par>
-        <p:cTn id="1" dur="indefinite" restart="never" nodeType="tmRoot"/>
-      </p:par>
-    </p:tnLst>
-  </p:timing>
-</p:sld>
-</file>
-
-<file path=ppt/slides/slide13.xml><?xml version="1.0" encoding="utf-8"?>
-<p:sld xmlns:a="http://schemas.openxmlformats.org/drawingml/2006/main" xmlns:r="http://schemas.openxmlformats.org/officeDocument/2006/relationships" xmlns:p="http://schemas.openxmlformats.org/presentationml/2006/main">
-  <p:cSld>
-    <p:spTree>
-      <p:nvGrpSpPr>
-        <p:cNvPr id="1" name=""/>
-        <p:cNvGrpSpPr/>
-        <p:nvPr/>
-      </p:nvGrpSpPr>
-      <p:grpSpPr>
-        <a:xfrm>
-          <a:off x="0" y="0"/>
-          <a:ext cx="0" cy="0"/>
-          <a:chOff x="0" y="0"/>
-          <a:chExt cx="0" cy="0"/>
-        </a:xfrm>
-      </p:grpSpPr>
-      <p:sp>
-        <p:nvSpPr>
-          <p:cNvPr id="2" name="Title 1"/>
-          <p:cNvSpPr>
-            <a:spLocks noGrp="1"/>
-          </p:cNvSpPr>
-          <p:nvPr>
-            <p:ph type="title"/>
-          </p:nvPr>
-        </p:nvSpPr>
-        <p:spPr/>
-        <p:txBody>
-          <a:bodyPr/>
-          <a:lstStyle/>
-          <a:p>
-            <a:r>
-              <a:rPr lang="en-US" dirty="0" smtClean="0"/>
-              <a:t>QUAL Initial </a:t>
-            </a:r>
-            <a:r>
-              <a:rPr lang="en-US" dirty="0" smtClean="0"/>
-              <a:t>Condition Input</a:t>
-            </a:r>
-            <a:endParaRPr lang="en-US" dirty="0"/>
-          </a:p>
-        </p:txBody>
-      </p:sp>
-      <p:sp>
-        <p:nvSpPr>
-          <p:cNvPr id="3" name="Content Placeholder 2"/>
-          <p:cNvSpPr>
-            <a:spLocks noGrp="1"/>
-          </p:cNvSpPr>
-          <p:nvPr>
-            <p:ph idx="1"/>
-          </p:nvPr>
-        </p:nvSpPr>
-        <p:spPr>
-          <a:xfrm>
-            <a:off x="674914" y="1556658"/>
-            <a:ext cx="7772400" cy="4672692"/>
-          </a:xfrm>
-        </p:spPr>
-        <p:txBody>
-          <a:bodyPr/>
-          <a:lstStyle/>
-          <a:p>
-            <a:r>
-              <a:rPr lang="en-US" dirty="0" smtClean="0"/>
-              <a:t>Default:</a:t>
-            </a:r>
-            <a:endParaRPr lang="en-US" dirty="0" smtClean="0"/>
-          </a:p>
-          <a:p>
-            <a:pPr lvl="1">
-              <a:buNone/>
-            </a:pPr>
-            <a:r>
-              <a:rPr lang="en-US" dirty="0" smtClean="0"/>
-              <a:t>Scalar </a:t>
-            </a:r>
-            <a:r>
-              <a:rPr lang="en-US" dirty="0" err="1" smtClean="0"/>
-              <a:t>init_conc</a:t>
-            </a:r>
-            <a:endParaRPr lang="en-US" dirty="0" smtClean="0"/>
-          </a:p>
-          <a:p>
-            <a:pPr lvl="1">
-              <a:buNone/>
-            </a:pPr>
-            <a:r>
-              <a:rPr lang="en-US" dirty="0" smtClean="0"/>
-              <a:t>    (cold start)</a:t>
-            </a:r>
-          </a:p>
-          <a:p>
-            <a:r>
-              <a:rPr lang="en-US" dirty="0" smtClean="0"/>
-              <a:t>Restart files </a:t>
-            </a:r>
-          </a:p>
-          <a:p>
-            <a:pPr>
-              <a:buNone/>
-            </a:pPr>
-            <a:r>
-              <a:rPr lang="en-US" dirty="0" smtClean="0"/>
-              <a:t>   replace the default</a:t>
-            </a:r>
-          </a:p>
-          <a:p>
-            <a:pPr>
-              <a:buNone/>
-            </a:pPr>
-            <a:r>
-              <a:rPr lang="en-US" dirty="0" smtClean="0"/>
-              <a:t>   (warm start</a:t>
-            </a:r>
-            <a:r>
-              <a:rPr lang="en-US" dirty="0" smtClean="0"/>
-              <a:t>)</a:t>
-            </a:r>
-          </a:p>
-          <a:p>
-            <a:pPr>
-              <a:buFont typeface="Arial" pitchFamily="34" charset="0"/>
-              <a:buChar char="•"/>
-            </a:pPr>
-            <a:r>
-              <a:rPr lang="en-US" dirty="0" smtClean="0"/>
-              <a:t>Affects source </a:t>
-            </a:r>
-          </a:p>
-          <a:p>
-            <a:pPr>
-              <a:buNone/>
-            </a:pPr>
-            <a:r>
-              <a:rPr lang="en-US" dirty="0" smtClean="0"/>
-              <a:t>	</a:t>
-            </a:r>
-            <a:r>
-              <a:rPr lang="en-US" dirty="0" smtClean="0"/>
-              <a:t>tracking</a:t>
-            </a:r>
-            <a:endParaRPr lang="en-US" dirty="0" smtClean="0"/>
-          </a:p>
-          <a:p>
-            <a:pPr lvl="1">
-              <a:buNone/>
-            </a:pPr>
-            <a:endParaRPr lang="en-US" dirty="0" smtClean="0"/>
-          </a:p>
-          <a:p>
-            <a:pPr>
-              <a:buNone/>
-            </a:pPr>
-            <a:endParaRPr lang="en-US" dirty="0" smtClean="0"/>
-          </a:p>
-        </p:txBody>
-      </p:sp>
-      <p:sp>
-        <p:nvSpPr>
-          <p:cNvPr id="4" name="Date Placeholder 3"/>
-          <p:cNvSpPr>
-            <a:spLocks noGrp="1"/>
-          </p:cNvSpPr>
-          <p:nvPr>
-            <p:ph type="dt" sz="half" idx="10"/>
-          </p:nvPr>
-        </p:nvSpPr>
-        <p:spPr/>
-        <p:txBody>
-          <a:bodyPr/>
-          <a:lstStyle/>
-          <a:p>
-            <a:fld id="{AB98F214-5D90-468C-9EE8-E1612B8D2BE2}" type="slidenum">
-              <a:rPr lang="en-US" smtClean="0"/>
-              <a:pPr/>
-              <a:t>13</a:t>
-            </a:fld>
-            <a:endParaRPr lang="en-US"/>
-          </a:p>
-        </p:txBody>
-      </p:sp>
-      <p:pic>
-        <p:nvPicPr>
-          <p:cNvPr id="6146" name="Picture 2"/>
-          <p:cNvPicPr>
-            <a:picLocks noChangeAspect="1" noChangeArrowheads="1"/>
-          </p:cNvPicPr>
-          <p:nvPr/>
-        </p:nvPicPr>
-        <p:blipFill>
-          <a:blip r:embed="rId3" cstate="print"/>
-          <a:srcRect/>
-          <a:stretch>
-            <a:fillRect/>
-          </a:stretch>
-        </p:blipFill>
-        <p:spPr bwMode="auto">
-          <a:xfrm>
-            <a:off x="4961712" y="1485900"/>
-            <a:ext cx="3959336" cy="5372099"/>
-          </a:xfrm>
-          <a:prstGeom prst="rect">
-            <a:avLst/>
-          </a:prstGeom>
-          <a:noFill/>
-          <a:ln w="9525">
-            <a:noFill/>
-            <a:miter lim="800000"/>
-            <a:headEnd/>
-            <a:tailEnd/>
-          </a:ln>
-        </p:spPr>
-      </p:pic>
-      <p:cxnSp>
-        <p:nvCxnSpPr>
-          <p:cNvPr id="8" name="Straight Arrow Connector 7"/>
-          <p:cNvCxnSpPr/>
-          <p:nvPr/>
-        </p:nvCxnSpPr>
-        <p:spPr bwMode="auto">
-          <a:xfrm rot="16200000" flipH="1">
-            <a:off x="3184072" y="2705099"/>
-            <a:ext cx="2503715" cy="2362199"/>
-          </a:xfrm>
-          <a:prstGeom prst="straightConnector1">
-            <a:avLst/>
-          </a:prstGeom>
-          <a:solidFill>
-            <a:srgbClr val="FFFF99"/>
-          </a:solidFill>
-          <a:ln w="25400" cap="flat" cmpd="sng" algn="ctr">
-            <a:solidFill>
-              <a:srgbClr val="C00000"/>
-            </a:solidFill>
-            <a:prstDash val="solid"/>
-            <a:round/>
-            <a:headEnd type="none" w="med" len="med"/>
-            <a:tailEnd type="arrow"/>
-          </a:ln>
-          <a:effectLst/>
-        </p:spPr>
-      </p:cxnSp>
-      <p:sp>
-        <p:nvSpPr>
-          <p:cNvPr id="10" name="Oval 9"/>
-          <p:cNvSpPr/>
-          <p:nvPr/>
-        </p:nvSpPr>
-        <p:spPr bwMode="auto">
-          <a:xfrm>
-            <a:off x="5020355" y="5206093"/>
-            <a:ext cx="1730828" cy="250372"/>
-          </a:xfrm>
-          <a:prstGeom prst="ellipse">
-            <a:avLst/>
-          </a:prstGeom>
-          <a:noFill/>
-          <a:ln w="22225" cap="flat" cmpd="sng" algn="ctr">
-            <a:solidFill>
-              <a:srgbClr val="C00000"/>
-            </a:solidFill>
-            <a:prstDash val="solid"/>
-            <a:round/>
-            <a:headEnd type="none" w="med" len="med"/>
-            <a:tailEnd type="none" w="med" len="med"/>
-          </a:ln>
-          <a:effectLst/>
-        </p:spPr>
-        <p:txBody>
-          <a:bodyPr vert="horz" wrap="square" lIns="91440" tIns="45720" rIns="91440" bIns="45720" numCol="1" rtlCol="0" anchor="ctr" anchorCtr="0" compatLnSpc="1">
-            <a:prstTxWarp prst="textNoShape">
-              <a:avLst/>
-            </a:prstTxWarp>
-          </a:bodyPr>
-          <a:lstStyle/>
-          <a:p>
-            <a:pPr marL="0" marR="0" indent="0" algn="ctr" defTabSz="914400" rtl="0" eaLnBrk="0" fontAlgn="base" latinLnBrk="0" hangingPunct="0">
-              <a:lnSpc>
-                <a:spcPct val="100000"/>
-              </a:lnSpc>
-              <a:spcBef>
-                <a:spcPct val="0"/>
-              </a:spcBef>
-              <a:spcAft>
-                <a:spcPct val="0"/>
-              </a:spcAft>
-              <a:buClrTx/>
-              <a:buSzTx/>
-              <a:buFontTx/>
-              <a:buNone/>
-              <a:tabLst/>
-            </a:pPr>
-            <a:endParaRPr kumimoji="0" lang="en-US" sz="3600" b="1" i="0" u="none" strike="noStrike" cap="none" normalizeH="0" baseline="0" smtClean="0">
-              <a:ln>
-                <a:noFill/>
-              </a:ln>
-              <a:solidFill>
-                <a:schemeClr val="tx1"/>
-              </a:solidFill>
-              <a:effectLst/>
-              <a:latin typeface="Arial" charset="0"/>
-            </a:endParaRPr>
-          </a:p>
-        </p:txBody>
-      </p:sp>
-    </p:spTree>
-  </p:cSld>
-  <p:clrMapOvr>
-    <a:masterClrMapping/>
-  </p:clrMapOvr>
-  <p:transition advClick="0" advTm="0"/>
-  <p:timing>
-    <p:tnLst>
-      <p:par>
-        <p:cTn id="1" dur="indefinite" restart="never" nodeType="tmRoot"/>
-      </p:par>
-    </p:tnLst>
-  </p:timing>
-</p:sld>
-</file>
-
 <file path=ppt/slides/slide14.xml><?xml version="1.0" encoding="utf-8"?>
 <p:sld xmlns:a="http://schemas.openxmlformats.org/drawingml/2006/main" xmlns:r="http://schemas.openxmlformats.org/officeDocument/2006/relationships" xmlns:p="http://schemas.openxmlformats.org/presentationml/2006/main">
   <p:cSld>
@@ -6976,13 +6947,8 @@
           <a:p>
             <a:r>
               <a:rPr lang="en-US" dirty="0" smtClean="0"/>
-              <a:t>Flow </a:t>
-            </a:r>
-            <a:r>
-              <a:rPr lang="en-US" dirty="0" smtClean="0"/>
-              <a:t>field for every time step</a:t>
-            </a:r>
-            <a:endParaRPr lang="en-US" dirty="0" smtClean="0"/>
+              <a:t>Flow field for every time step</a:t>
+            </a:r>
           </a:p>
           <a:p>
             <a:r>
@@ -6993,11 +6959,7 @@
           <a:p>
             <a:r>
               <a:rPr lang="en-US" dirty="0" smtClean="0"/>
-              <a:t>HDF5 Viewer to </a:t>
-            </a:r>
-            <a:r>
-              <a:rPr lang="en-US" dirty="0" smtClean="0"/>
-              <a:t>view</a:t>
+              <a:t>HDF5 Viewer to view</a:t>
             </a:r>
           </a:p>
           <a:p>
@@ -7021,7 +6983,6 @@
               <a:rPr lang="en-US" dirty="0" smtClean="0"/>
               <a:t>Etc.</a:t>
             </a:r>
-            <a:endParaRPr lang="en-US" dirty="0" smtClean="0"/>
           </a:p>
         </p:txBody>
       </p:sp>
@@ -7140,11 +7101,7 @@
             </a:r>
             <a:r>
               <a:rPr lang="en-US" dirty="0" smtClean="0"/>
-              <a:t> Specifications</a:t>
-            </a:r>
-            <a:r>
-              <a:rPr lang="en-US" dirty="0" smtClean="0"/>
-              <a:t>	</a:t>
+              <a:t> Specifications	</a:t>
             </a:r>
             <a:endParaRPr lang="en-US" dirty="0"/>
           </a:p>
@@ -7506,15 +7463,7 @@
           <a:p>
             <a:r>
               <a:rPr lang="en-US" sz="2000" dirty="0" smtClean="0"/>
-              <a:t> to </a:t>
-            </a:r>
-            <a:r>
-              <a:rPr lang="en-US" sz="2000" dirty="0" smtClean="0"/>
-              <a:t>QUAL </a:t>
-            </a:r>
-            <a:r>
-              <a:rPr lang="en-US" sz="2000" dirty="0" smtClean="0"/>
-              <a:t>and PTM </a:t>
+              <a:t> to QUAL and PTM </a:t>
             </a:r>
           </a:p>
         </p:txBody>
@@ -7724,7 +7673,6 @@
               <a:rPr lang="en-US" sz="2000" dirty="0" smtClean="0"/>
               <a:t>OUTPUT_CHANNEL 	(HYDRO and QUAL)</a:t>
             </a:r>
-            <a:endParaRPr lang="en-US" sz="2000" dirty="0" smtClean="0"/>
           </a:p>
           <a:p>
             <a:pPr lvl="1"/>
@@ -7732,7 +7680,6 @@
               <a:rPr lang="en-US" sz="2000" dirty="0" smtClean="0"/>
               <a:t>OUTPUT_RESERVOIR	 (HYDRO and QUAL)</a:t>
             </a:r>
-            <a:endParaRPr lang="en-US" sz="2000" dirty="0" smtClean="0"/>
           </a:p>
           <a:p>
             <a:pPr lvl="1"/>
@@ -7876,15 +7823,7 @@
                   <a:schemeClr val="tx2"/>
                 </a:solidFill>
               </a:rPr>
-              <a:t>Covered </a:t>
-            </a:r>
-            <a:r>
-              <a:rPr lang="en-US" sz="2400" dirty="0" smtClean="0">
-                <a:solidFill>
-                  <a:schemeClr val="tx2"/>
-                </a:solidFill>
-              </a:rPr>
-              <a:t>later</a:t>
+              <a:t>Covered later</a:t>
             </a:r>
             <a:endParaRPr lang="en-US" sz="2400" dirty="0">
               <a:solidFill>
@@ -7944,11 +7883,7 @@
           <a:p>
             <a:r>
               <a:rPr lang="en-US" dirty="0" smtClean="0"/>
-              <a:t>Example 1: Channel </a:t>
-            </a:r>
-            <a:r>
-              <a:rPr lang="en-US" dirty="0" smtClean="0"/>
-              <a:t>Output</a:t>
+              <a:t>Example 1: Channel Output</a:t>
             </a:r>
             <a:endParaRPr lang="en-US" dirty="0"/>
           </a:p>
@@ -8432,182 +8367,6 @@
       </p:par>
     </p:tnLst>
   </p:timing>
-</p:sld>
-</file>
-
-<file path=ppt/slides/slide20.xml><?xml version="1.0" encoding="utf-8"?>
-<p:sld xmlns:a="http://schemas.openxmlformats.org/drawingml/2006/main" xmlns:r="http://schemas.openxmlformats.org/officeDocument/2006/relationships" xmlns:p="http://schemas.openxmlformats.org/presentationml/2006/main">
-  <p:cSld>
-    <p:spTree>
-      <p:nvGrpSpPr>
-        <p:cNvPr id="1" name=""/>
-        <p:cNvGrpSpPr/>
-        <p:nvPr/>
-      </p:nvGrpSpPr>
-      <p:grpSpPr>
-        <a:xfrm>
-          <a:off x="0" y="0"/>
-          <a:ext cx="0" cy="0"/>
-          <a:chOff x="0" y="0"/>
-          <a:chExt cx="0" cy="0"/>
-        </a:xfrm>
-      </p:grpSpPr>
-      <p:sp>
-        <p:nvSpPr>
-          <p:cNvPr id="2" name="Title 1"/>
-          <p:cNvSpPr>
-            <a:spLocks noGrp="1"/>
-          </p:cNvSpPr>
-          <p:nvPr>
-            <p:ph type="title"/>
-          </p:nvPr>
-        </p:nvSpPr>
-        <p:spPr/>
-        <p:txBody>
-          <a:bodyPr/>
-          <a:lstStyle/>
-          <a:p>
-            <a:endParaRPr lang="en-US"/>
-          </a:p>
-        </p:txBody>
-      </p:sp>
-      <p:sp>
-        <p:nvSpPr>
-          <p:cNvPr id="3" name="Content Placeholder 2"/>
-          <p:cNvSpPr>
-            <a:spLocks noGrp="1"/>
-          </p:cNvSpPr>
-          <p:nvPr>
-            <p:ph idx="1"/>
-          </p:nvPr>
-        </p:nvSpPr>
-        <p:spPr/>
-        <p:txBody>
-          <a:bodyPr/>
-          <a:lstStyle/>
-          <a:p>
-            <a:endParaRPr lang="en-US"/>
-          </a:p>
-        </p:txBody>
-      </p:sp>
-      <p:sp>
-        <p:nvSpPr>
-          <p:cNvPr id="4" name="Date Placeholder 3"/>
-          <p:cNvSpPr>
-            <a:spLocks noGrp="1"/>
-          </p:cNvSpPr>
-          <p:nvPr>
-            <p:ph type="dt" sz="half" idx="10"/>
-          </p:nvPr>
-        </p:nvSpPr>
-        <p:spPr/>
-        <p:txBody>
-          <a:bodyPr/>
-          <a:lstStyle/>
-          <a:p>
-            <a:fld id="{AB98F214-5D90-468C-9EE8-E1612B8D2BE2}" type="slidenum">
-              <a:rPr lang="en-US" smtClean="0"/>
-              <a:pPr/>
-              <a:t>20</a:t>
-            </a:fld>
-            <a:endParaRPr lang="en-US"/>
-          </a:p>
-        </p:txBody>
-      </p:sp>
-    </p:spTree>
-  </p:cSld>
-  <p:clrMapOvr>
-    <a:masterClrMapping/>
-  </p:clrMapOvr>
-  <p:transition advClick="0" advTm="0"/>
-</p:sld>
-</file>
-
-<file path=ppt/slides/slide21.xml><?xml version="1.0" encoding="utf-8"?>
-<p:sld xmlns:a="http://schemas.openxmlformats.org/drawingml/2006/main" xmlns:r="http://schemas.openxmlformats.org/officeDocument/2006/relationships" xmlns:p="http://schemas.openxmlformats.org/presentationml/2006/main">
-  <p:cSld>
-    <p:spTree>
-      <p:nvGrpSpPr>
-        <p:cNvPr id="1" name=""/>
-        <p:cNvGrpSpPr/>
-        <p:nvPr/>
-      </p:nvGrpSpPr>
-      <p:grpSpPr>
-        <a:xfrm>
-          <a:off x="0" y="0"/>
-          <a:ext cx="0" cy="0"/>
-          <a:chOff x="0" y="0"/>
-          <a:chExt cx="0" cy="0"/>
-        </a:xfrm>
-      </p:grpSpPr>
-      <p:sp>
-        <p:nvSpPr>
-          <p:cNvPr id="2" name="Title 1"/>
-          <p:cNvSpPr>
-            <a:spLocks noGrp="1"/>
-          </p:cNvSpPr>
-          <p:nvPr>
-            <p:ph type="title"/>
-          </p:nvPr>
-        </p:nvSpPr>
-        <p:spPr/>
-        <p:txBody>
-          <a:bodyPr/>
-          <a:lstStyle/>
-          <a:p>
-            <a:endParaRPr lang="en-US"/>
-          </a:p>
-        </p:txBody>
-      </p:sp>
-      <p:sp>
-        <p:nvSpPr>
-          <p:cNvPr id="3" name="Content Placeholder 2"/>
-          <p:cNvSpPr>
-            <a:spLocks noGrp="1"/>
-          </p:cNvSpPr>
-          <p:nvPr>
-            <p:ph idx="1"/>
-          </p:nvPr>
-        </p:nvSpPr>
-        <p:spPr/>
-        <p:txBody>
-          <a:bodyPr/>
-          <a:lstStyle/>
-          <a:p>
-            <a:endParaRPr lang="en-US"/>
-          </a:p>
-        </p:txBody>
-      </p:sp>
-      <p:sp>
-        <p:nvSpPr>
-          <p:cNvPr id="4" name="Date Placeholder 3"/>
-          <p:cNvSpPr>
-            <a:spLocks noGrp="1"/>
-          </p:cNvSpPr>
-          <p:nvPr>
-            <p:ph type="dt" sz="half" idx="10"/>
-          </p:nvPr>
-        </p:nvSpPr>
-        <p:spPr/>
-        <p:txBody>
-          <a:bodyPr/>
-          <a:lstStyle/>
-          <a:p>
-            <a:fld id="{AB98F214-5D90-468C-9EE8-E1612B8D2BE2}" type="slidenum">
-              <a:rPr lang="en-US" smtClean="0"/>
-              <a:pPr/>
-              <a:t>21</a:t>
-            </a:fld>
-            <a:endParaRPr lang="en-US"/>
-          </a:p>
-        </p:txBody>
-      </p:sp>
-    </p:spTree>
-  </p:cSld>
-  <p:clrMapOvr>
-    <a:masterClrMapping/>
-  </p:clrMapOvr>
-  <p:transition advClick="0" advTm="0"/>
 </p:sld>
 </file>
 
@@ -8951,12 +8710,6 @@
               </a:rPr>
               <a:t>Boundary Conditions and Sources</a:t>
             </a:r>
-            <a:endParaRPr lang="en-US" altLang="zh-CN" sz="3200" b="0" dirty="0" smtClean="0">
-              <a:solidFill>
-                <a:srgbClr val="000000"/>
-              </a:solidFill>
-              <a:ea typeface="宋体" pitchFamily="2" charset="-122"/>
-            </a:endParaRPr>
           </a:p>
         </p:txBody>
       </p:sp>
@@ -10662,11 +10415,7 @@
           <a:p>
             <a:r>
               <a:rPr lang="en-US" dirty="0" smtClean="0"/>
-              <a:t>Hydro Boundary </a:t>
-            </a:r>
-            <a:r>
-              <a:rPr lang="en-US" dirty="0" smtClean="0"/>
-              <a:t>Conditions</a:t>
+              <a:t>Hydro Boundary Conditions</a:t>
             </a:r>
             <a:endParaRPr lang="en-US" dirty="0"/>
           </a:p>
@@ -10733,7 +10482,6 @@
               <a:rPr lang="en-US" dirty="0" smtClean="0"/>
               <a:t>INPUT_GATE for gate timing</a:t>
             </a:r>
-            <a:endParaRPr lang="en-US" dirty="0" smtClean="0"/>
           </a:p>
         </p:txBody>
       </p:sp>
@@ -10843,7 +10591,7 @@
       </p:sp>
       <p:grpSp>
         <p:nvGrpSpPr>
-          <p:cNvPr id="8" name="Group 7"/>
+          <p:cNvPr id="12" name="Group 11"/>
           <p:cNvGrpSpPr/>
           <p:nvPr/>
         </p:nvGrpSpPr>
@@ -10851,59 +10599,204 @@
           <a:xfrm>
             <a:off x="1576585" y="2128604"/>
             <a:ext cx="6623007" cy="3667125"/>
-            <a:chOff x="1500230" y="827315"/>
+            <a:chOff x="1576585" y="2128604"/>
             <a:chExt cx="6623007" cy="3667125"/>
           </a:xfrm>
         </p:grpSpPr>
-        <p:pic>
-          <p:nvPicPr>
-            <p:cNvPr id="5" name="Picture 2"/>
-            <p:cNvPicPr>
-              <a:picLocks noChangeAspect="1" noChangeArrowheads="1"/>
-            </p:cNvPicPr>
+        <p:grpSp>
+          <p:nvGrpSpPr>
+            <p:cNvPr id="8" name="Group 7"/>
+            <p:cNvGrpSpPr/>
             <p:nvPr/>
-          </p:nvPicPr>
-          <p:blipFill>
-            <a:blip r:embed="rId3" cstate="print"/>
-            <a:srcRect/>
-            <a:stretch>
-              <a:fillRect/>
-            </a:stretch>
-          </p:blipFill>
-          <p:spPr bwMode="auto">
+          </p:nvGrpSpPr>
+          <p:grpSpPr>
             <a:xfrm>
-              <a:off x="1773011" y="827315"/>
-              <a:ext cx="5934075" cy="3667125"/>
+              <a:off x="1576585" y="2128604"/>
+              <a:ext cx="6623007" cy="3667125"/>
+              <a:chOff x="1500230" y="827315"/>
+              <a:chExt cx="6623007" cy="3667125"/>
             </a:xfrm>
-            <a:prstGeom prst="rect">
-              <a:avLst/>
-            </a:prstGeom>
-            <a:noFill/>
-            <a:ln w="9525">
+          </p:grpSpPr>
+          <p:pic>
+            <p:nvPicPr>
+              <p:cNvPr id="5" name="Picture 2"/>
+              <p:cNvPicPr>
+                <a:picLocks noChangeAspect="1" noChangeArrowheads="1"/>
+              </p:cNvPicPr>
+              <p:nvPr/>
+            </p:nvPicPr>
+            <p:blipFill>
+              <a:blip r:embed="rId3" cstate="print"/>
+              <a:srcRect/>
+              <a:stretch>
+                <a:fillRect/>
+              </a:stretch>
+            </p:blipFill>
+            <p:spPr bwMode="auto">
+              <a:xfrm>
+                <a:off x="1773011" y="827315"/>
+                <a:ext cx="5934075" cy="3667125"/>
+              </a:xfrm>
+              <a:prstGeom prst="rect">
+                <a:avLst/>
+              </a:prstGeom>
               <a:noFill/>
-              <a:miter lim="800000"/>
-              <a:headEnd/>
-              <a:tailEnd/>
-            </a:ln>
-          </p:spPr>
-        </p:pic>
+              <a:ln w="9525">
+                <a:noFill/>
+                <a:miter lim="800000"/>
+                <a:headEnd/>
+                <a:tailEnd/>
+              </a:ln>
+            </p:spPr>
+          </p:pic>
+          <p:sp>
+            <p:nvSpPr>
+              <p:cNvPr id="7" name="AutoShape 38"/>
+              <p:cNvSpPr>
+                <a:spLocks noChangeAspect="1" noChangeArrowheads="1"/>
+              </p:cNvSpPr>
+              <p:nvPr/>
+            </p:nvSpPr>
+            <p:spPr bwMode="auto">
+              <a:xfrm rot="10800000">
+                <a:off x="7742237" y="2255156"/>
+                <a:ext cx="381000" cy="377825"/>
+              </a:xfrm>
+              <a:prstGeom prst="rightArrow">
+                <a:avLst>
+                  <a:gd name="adj1" fmla="val 50000"/>
+                  <a:gd name="adj2" fmla="val 25210"/>
+                </a:avLst>
+              </a:prstGeom>
+              <a:solidFill>
+                <a:schemeClr val="accent6"/>
+              </a:solidFill>
+              <a:ln w="9525">
+                <a:solidFill>
+                  <a:srgbClr val="000099"/>
+                </a:solidFill>
+                <a:miter lim="800000"/>
+                <a:headEnd/>
+                <a:tailEnd/>
+              </a:ln>
+              <a:effectLst/>
+            </p:spPr>
+            <p:txBody>
+              <a:bodyPr wrap="none" anchor="ctr"/>
+              <a:lstStyle/>
+              <a:p>
+                <a:endParaRPr lang="en-US"/>
+              </a:p>
+            </p:txBody>
+          </p:sp>
+          <p:sp>
+            <p:nvSpPr>
+              <p:cNvPr id="10" name="Freeform 36"/>
+              <p:cNvSpPr>
+                <a:spLocks/>
+              </p:cNvSpPr>
+              <p:nvPr/>
+            </p:nvSpPr>
+            <p:spPr bwMode="auto">
+              <a:xfrm>
+                <a:off x="1500230" y="2368050"/>
+                <a:ext cx="381179" cy="683719"/>
+              </a:xfrm>
+              <a:custGeom>
+                <a:avLst/>
+                <a:gdLst/>
+                <a:ahLst/>
+                <a:cxnLst>
+                  <a:cxn ang="0">
+                    <a:pos x="0" y="296"/>
+                  </a:cxn>
+                  <a:cxn ang="0">
+                    <a:pos x="96" y="56"/>
+                  </a:cxn>
+                  <a:cxn ang="0">
+                    <a:pos x="240" y="632"/>
+                  </a:cxn>
+                  <a:cxn ang="0">
+                    <a:pos x="288" y="152"/>
+                  </a:cxn>
+                  <a:cxn ang="0">
+                    <a:pos x="384" y="488"/>
+                  </a:cxn>
+                  <a:cxn ang="0">
+                    <a:pos x="432" y="200"/>
+                  </a:cxn>
+                </a:cxnLst>
+                <a:rect l="0" t="0" r="r" b="b"/>
+                <a:pathLst>
+                  <a:path w="432" h="648">
+                    <a:moveTo>
+                      <a:pt x="0" y="296"/>
+                    </a:moveTo>
+                    <a:cubicBezTo>
+                      <a:pt x="28" y="148"/>
+                      <a:pt x="56" y="0"/>
+                      <a:pt x="96" y="56"/>
+                    </a:cubicBezTo>
+                    <a:cubicBezTo>
+                      <a:pt x="136" y="112"/>
+                      <a:pt x="208" y="616"/>
+                      <a:pt x="240" y="632"/>
+                    </a:cubicBezTo>
+                    <a:cubicBezTo>
+                      <a:pt x="272" y="648"/>
+                      <a:pt x="264" y="176"/>
+                      <a:pt x="288" y="152"/>
+                    </a:cubicBezTo>
+                    <a:cubicBezTo>
+                      <a:pt x="312" y="128"/>
+                      <a:pt x="360" y="480"/>
+                      <a:pt x="384" y="488"/>
+                    </a:cubicBezTo>
+                    <a:cubicBezTo>
+                      <a:pt x="408" y="496"/>
+                      <a:pt x="424" y="248"/>
+                      <a:pt x="432" y="200"/>
+                    </a:cubicBezTo>
+                  </a:path>
+                </a:pathLst>
+              </a:custGeom>
+              <a:noFill/>
+              <a:ln w="38100" cmpd="sng">
+                <a:solidFill>
+                  <a:schemeClr val="accent6"/>
+                </a:solidFill>
+                <a:round/>
+                <a:headEnd/>
+                <a:tailEnd/>
+              </a:ln>
+              <a:effectLst/>
+            </p:spPr>
+            <p:txBody>
+              <a:bodyPr/>
+              <a:lstStyle/>
+              <a:p>
+                <a:endParaRPr lang="en-US"/>
+              </a:p>
+            </p:txBody>
+          </p:sp>
+        </p:grpSp>
         <p:sp>
           <p:nvSpPr>
-            <p:cNvPr id="7" name="AutoShape 38"/>
+            <p:cNvPr id="9" name="AutoShape 18"/>
             <p:cNvSpPr>
               <a:spLocks noChangeAspect="1" noChangeArrowheads="1"/>
             </p:cNvSpPr>
             <p:nvPr/>
           </p:nvSpPr>
           <p:spPr bwMode="auto">
-            <a:xfrm rot="10800000">
-              <a:off x="7742237" y="2255156"/>
-              <a:ext cx="381000" cy="377825"/>
+            <a:xfrm rot="6955306">
+              <a:off x="3659017" y="3445104"/>
+              <a:ext cx="277813" cy="225425"/>
             </a:xfrm>
             <a:prstGeom prst="rightArrow">
               <a:avLst>
                 <a:gd name="adj1" fmla="val 50000"/>
-                <a:gd name="adj2" fmla="val 25210"/>
+                <a:gd name="adj2" fmla="val 30810"/>
               </a:avLst>
             </a:prstGeom>
             <a:solidFill>
@@ -10929,88 +10822,38 @@
         </p:sp>
         <p:sp>
           <p:nvSpPr>
-            <p:cNvPr id="10" name="Freeform 36"/>
+            <p:cNvPr id="11" name="AutoShape 18"/>
             <p:cNvSpPr>
-              <a:spLocks/>
+              <a:spLocks noChangeAspect="1" noChangeArrowheads="1"/>
             </p:cNvSpPr>
             <p:nvPr/>
           </p:nvSpPr>
           <p:spPr bwMode="auto">
-            <a:xfrm>
-              <a:off x="1500230" y="2368050"/>
-              <a:ext cx="381179" cy="683719"/>
+            <a:xfrm rot="10560000">
+              <a:off x="3701983" y="2810852"/>
+              <a:ext cx="225380" cy="182880"/>
             </a:xfrm>
-            <a:custGeom>
-              <a:avLst/>
-              <a:gdLst/>
-              <a:ahLst/>
-              <a:cxnLst>
-                <a:cxn ang="0">
-                  <a:pos x="0" y="296"/>
-                </a:cxn>
-                <a:cxn ang="0">
-                  <a:pos x="96" y="56"/>
-                </a:cxn>
-                <a:cxn ang="0">
-                  <a:pos x="240" y="632"/>
-                </a:cxn>
-                <a:cxn ang="0">
-                  <a:pos x="288" y="152"/>
-                </a:cxn>
-                <a:cxn ang="0">
-                  <a:pos x="384" y="488"/>
-                </a:cxn>
-                <a:cxn ang="0">
-                  <a:pos x="432" y="200"/>
-                </a:cxn>
-              </a:cxnLst>
-              <a:rect l="0" t="0" r="r" b="b"/>
-              <a:pathLst>
-                <a:path w="432" h="648">
-                  <a:moveTo>
-                    <a:pt x="0" y="296"/>
-                  </a:moveTo>
-                  <a:cubicBezTo>
-                    <a:pt x="28" y="148"/>
-                    <a:pt x="56" y="0"/>
-                    <a:pt x="96" y="56"/>
-                  </a:cubicBezTo>
-                  <a:cubicBezTo>
-                    <a:pt x="136" y="112"/>
-                    <a:pt x="208" y="616"/>
-                    <a:pt x="240" y="632"/>
-                  </a:cubicBezTo>
-                  <a:cubicBezTo>
-                    <a:pt x="272" y="648"/>
-                    <a:pt x="264" y="176"/>
-                    <a:pt x="288" y="152"/>
-                  </a:cubicBezTo>
-                  <a:cubicBezTo>
-                    <a:pt x="312" y="128"/>
-                    <a:pt x="360" y="480"/>
-                    <a:pt x="384" y="488"/>
-                  </a:cubicBezTo>
-                  <a:cubicBezTo>
-                    <a:pt x="408" y="496"/>
-                    <a:pt x="424" y="248"/>
-                    <a:pt x="432" y="200"/>
-                  </a:cubicBezTo>
-                </a:path>
-              </a:pathLst>
-            </a:custGeom>
-            <a:noFill/>
-            <a:ln w="38100" cmpd="sng">
+            <a:prstGeom prst="rightArrow">
+              <a:avLst>
+                <a:gd name="adj1" fmla="val 50000"/>
+                <a:gd name="adj2" fmla="val 30810"/>
+              </a:avLst>
+            </a:prstGeom>
+            <a:solidFill>
+              <a:schemeClr val="accent6"/>
+            </a:solidFill>
+            <a:ln w="9525">
               <a:solidFill>
-                <a:schemeClr val="accent6"/>
+                <a:srgbClr val="000099"/>
               </a:solidFill>
-              <a:round/>
+              <a:miter lim="800000"/>
               <a:headEnd/>
               <a:tailEnd/>
             </a:ln>
             <a:effectLst/>
           </p:spPr>
           <p:txBody>
-            <a:bodyPr/>
+            <a:bodyPr wrap="none" anchor="ctr"/>
             <a:lstStyle/>
             <a:p>
               <a:endParaRPr lang="en-US"/>
@@ -11115,7 +10958,7 @@
         </p:blipFill>
         <p:spPr bwMode="auto">
           <a:xfrm>
-            <a:off x="604594" y="1728787"/>
+            <a:off x="811422" y="1707015"/>
             <a:ext cx="7645545" cy="4513309"/>
           </a:xfrm>
           <a:prstGeom prst="rect">
@@ -11531,11 +11374,7 @@
           <a:p>
             <a:r>
               <a:rPr lang="en-US" dirty="0" smtClean="0"/>
-              <a:t>QUAL Boundary </a:t>
-            </a:r>
-            <a:r>
-              <a:rPr lang="en-US" dirty="0" smtClean="0"/>
-              <a:t>Conditions</a:t>
+              <a:t>QUAL Boundary Conditions</a:t>
             </a:r>
             <a:endParaRPr lang="en-US" dirty="0"/>
           </a:p>
@@ -11563,23 +11402,14 @@
           <a:p>
             <a:r>
               <a:rPr lang="en-US" dirty="0" smtClean="0"/>
-              <a:t>Concentration </a:t>
-            </a:r>
+              <a:t>Concentration for every inflow</a:t>
+            </a:r>
+          </a:p>
+          <a:p>
             <a:r>
               <a:rPr lang="en-US" dirty="0" smtClean="0"/>
-              <a:t>for every inflow</a:t>
-            </a:r>
-          </a:p>
-          <a:p>
-            <a:r>
-              <a:rPr lang="en-US" dirty="0" smtClean="0"/>
-              <a:t>Concentration for tidal </a:t>
-            </a:r>
-            <a:r>
-              <a:rPr lang="en-US" dirty="0" smtClean="0"/>
-              <a:t>boundary (inflow)</a:t>
-            </a:r>
-            <a:endParaRPr lang="en-US" dirty="0" smtClean="0"/>
+              <a:t>Concentration for tidal boundary (inflow)</a:t>
+            </a:r>
           </a:p>
           <a:p>
             <a:r>
@@ -11590,17 +11420,8 @@
           <a:p>
             <a:r>
               <a:rPr lang="en-US" dirty="0" smtClean="0"/>
-              <a:t>Link QUAL to </a:t>
-            </a:r>
-            <a:r>
-              <a:rPr lang="en-US" dirty="0" smtClean="0"/>
-              <a:t>HYDRO</a:t>
-            </a:r>
-            <a:r>
-              <a:rPr lang="en-US" dirty="0" smtClean="0"/>
-              <a:t> using name </a:t>
-            </a:r>
-            <a:endParaRPr lang="en-US" dirty="0" smtClean="0"/>
+              <a:t>Link QUAL to HYDRO using name </a:t>
+            </a:r>
           </a:p>
           <a:p>
             <a:pPr lvl="1"/>
@@ -11808,8 +11629,8 @@
         </p:blipFill>
         <p:spPr bwMode="auto">
           <a:xfrm>
-            <a:off x="7772400" y="3537857"/>
-            <a:ext cx="276225" cy="276225"/>
+            <a:off x="7326085" y="3080655"/>
+            <a:ext cx="548640" cy="548640"/>
           </a:xfrm>
           <a:prstGeom prst="rect">
             <a:avLst/>
